--- a/ppt/Python.pptx
+++ b/ppt/Python.pptx
@@ -538,7 +538,7 @@
   <pc:docChgLst>
     <pc:chgData name="Sarit Maitra" userId="a56b08fc-95a7-4743-8351-af833f41f5d9" providerId="ADAL" clId="{AFF709BC-A069-468E-932E-A068D4774BDC}"/>
     <pc:docChg chg="undo redo custSel addSld delSld modSld">
-      <pc:chgData name="Sarit Maitra" userId="a56b08fc-95a7-4743-8351-af833f41f5d9" providerId="ADAL" clId="{AFF709BC-A069-468E-932E-A068D4774BDC}" dt="2022-03-25T11:22:17.780" v="320" actId="2696"/>
+      <pc:chgData name="Sarit Maitra" userId="a56b08fc-95a7-4743-8351-af833f41f5d9" providerId="ADAL" clId="{AFF709BC-A069-468E-932E-A068D4774BDC}" dt="2022-03-26T03:40:01.027" v="438" actId="313"/>
       <pc:docMkLst>
         <pc:docMk/>
       </pc:docMkLst>
@@ -745,7 +745,7 @@
         </pc:spChg>
       </pc:sldChg>
       <pc:sldChg chg="addSp modSp mod setBg delDesignElem">
-        <pc:chgData name="Sarit Maitra" userId="a56b08fc-95a7-4743-8351-af833f41f5d9" providerId="ADAL" clId="{AFF709BC-A069-468E-932E-A068D4774BDC}" dt="2022-03-25T09:31:06.489" v="168" actId="20577"/>
+        <pc:chgData name="Sarit Maitra" userId="a56b08fc-95a7-4743-8351-af833f41f5d9" providerId="ADAL" clId="{AFF709BC-A069-468E-932E-A068D4774BDC}" dt="2022-03-26T03:40:01.027" v="438" actId="313"/>
         <pc:sldMkLst>
           <pc:docMk/>
           <pc:sldMk cId="3450207145" sldId="265"/>
@@ -759,7 +759,7 @@
           </ac:spMkLst>
         </pc:spChg>
         <pc:spChg chg="mod">
-          <ac:chgData name="Sarit Maitra" userId="a56b08fc-95a7-4743-8351-af833f41f5d9" providerId="ADAL" clId="{AFF709BC-A069-468E-932E-A068D4774BDC}" dt="2022-03-25T09:30:20.210" v="164" actId="20577"/>
+          <ac:chgData name="Sarit Maitra" userId="a56b08fc-95a7-4743-8351-af833f41f5d9" providerId="ADAL" clId="{AFF709BC-A069-468E-932E-A068D4774BDC}" dt="2022-03-26T03:40:01.027" v="438" actId="313"/>
           <ac:spMkLst>
             <pc:docMk/>
             <pc:sldMk cId="3450207145" sldId="265"/>
@@ -1137,7 +1137,7 @@
           <a:p>
             <a:fld id="{364A889D-EBEA-4806-B802-30F96957B143}" type="datetimeFigureOut">
               <a:rPr lang="en-IN" smtClean="0"/>
-              <a:t>25-03-2022</a:t>
+              <a:t>26-03-2022</a:t>
             </a:fld>
             <a:endParaRPr lang="en-IN"/>
           </a:p>
@@ -1337,7 +1337,7 @@
           <a:p>
             <a:fld id="{364A889D-EBEA-4806-B802-30F96957B143}" type="datetimeFigureOut">
               <a:rPr lang="en-IN" smtClean="0"/>
-              <a:t>25-03-2022</a:t>
+              <a:t>26-03-2022</a:t>
             </a:fld>
             <a:endParaRPr lang="en-IN"/>
           </a:p>
@@ -1547,7 +1547,7 @@
           <a:p>
             <a:fld id="{364A889D-EBEA-4806-B802-30F96957B143}" type="datetimeFigureOut">
               <a:rPr lang="en-IN" smtClean="0"/>
-              <a:t>25-03-2022</a:t>
+              <a:t>26-03-2022</a:t>
             </a:fld>
             <a:endParaRPr lang="en-IN"/>
           </a:p>
@@ -1747,7 +1747,7 @@
           <a:p>
             <a:fld id="{364A889D-EBEA-4806-B802-30F96957B143}" type="datetimeFigureOut">
               <a:rPr lang="en-IN" smtClean="0"/>
-              <a:t>25-03-2022</a:t>
+              <a:t>26-03-2022</a:t>
             </a:fld>
             <a:endParaRPr lang="en-IN"/>
           </a:p>
@@ -2023,7 +2023,7 @@
           <a:p>
             <a:fld id="{364A889D-EBEA-4806-B802-30F96957B143}" type="datetimeFigureOut">
               <a:rPr lang="en-IN" smtClean="0"/>
-              <a:t>25-03-2022</a:t>
+              <a:t>26-03-2022</a:t>
             </a:fld>
             <a:endParaRPr lang="en-IN"/>
           </a:p>
@@ -2291,7 +2291,7 @@
           <a:p>
             <a:fld id="{364A889D-EBEA-4806-B802-30F96957B143}" type="datetimeFigureOut">
               <a:rPr lang="en-IN" smtClean="0"/>
-              <a:t>25-03-2022</a:t>
+              <a:t>26-03-2022</a:t>
             </a:fld>
             <a:endParaRPr lang="en-IN"/>
           </a:p>
@@ -2706,7 +2706,7 @@
           <a:p>
             <a:fld id="{364A889D-EBEA-4806-B802-30F96957B143}" type="datetimeFigureOut">
               <a:rPr lang="en-IN" smtClean="0"/>
-              <a:t>25-03-2022</a:t>
+              <a:t>26-03-2022</a:t>
             </a:fld>
             <a:endParaRPr lang="en-IN"/>
           </a:p>
@@ -2848,7 +2848,7 @@
           <a:p>
             <a:fld id="{364A889D-EBEA-4806-B802-30F96957B143}" type="datetimeFigureOut">
               <a:rPr lang="en-IN" smtClean="0"/>
-              <a:t>25-03-2022</a:t>
+              <a:t>26-03-2022</a:t>
             </a:fld>
             <a:endParaRPr lang="en-IN"/>
           </a:p>
@@ -2961,7 +2961,7 @@
           <a:p>
             <a:fld id="{364A889D-EBEA-4806-B802-30F96957B143}" type="datetimeFigureOut">
               <a:rPr lang="en-IN" smtClean="0"/>
-              <a:t>25-03-2022</a:t>
+              <a:t>26-03-2022</a:t>
             </a:fld>
             <a:endParaRPr lang="en-IN"/>
           </a:p>
@@ -3274,7 +3274,7 @@
           <a:p>
             <a:fld id="{364A889D-EBEA-4806-B802-30F96957B143}" type="datetimeFigureOut">
               <a:rPr lang="en-IN" smtClean="0"/>
-              <a:t>25-03-2022</a:t>
+              <a:t>26-03-2022</a:t>
             </a:fld>
             <a:endParaRPr lang="en-IN"/>
           </a:p>
@@ -3563,7 +3563,7 @@
           <a:p>
             <a:fld id="{364A889D-EBEA-4806-B802-30F96957B143}" type="datetimeFigureOut">
               <a:rPr lang="en-IN" smtClean="0"/>
-              <a:t>25-03-2022</a:t>
+              <a:t>26-03-2022</a:t>
             </a:fld>
             <a:endParaRPr lang="en-IN"/>
           </a:p>
@@ -3806,7 +3806,7 @@
           <a:p>
             <a:fld id="{364A889D-EBEA-4806-B802-30F96957B143}" type="datetimeFigureOut">
               <a:rPr lang="en-IN" smtClean="0"/>
-              <a:t>25-03-2022</a:t>
+              <a:t>26-03-2022</a:t>
             </a:fld>
             <a:endParaRPr lang="en-IN"/>
           </a:p>
@@ -8716,18 +8716,18 @@
         </p:nvSpPr>
         <p:spPr>
           <a:xfrm>
-            <a:off x="1136429" y="2278173"/>
-            <a:ext cx="6467867" cy="3450613"/>
+            <a:off x="1136429" y="1953127"/>
+            <a:ext cx="6467867" cy="4630552"/>
           </a:xfrm>
         </p:spPr>
         <p:txBody>
           <a:bodyPr anchor="ctr">
-            <a:normAutofit fontScale="85000" lnSpcReduction="20000"/>
+            <a:normAutofit/>
           </a:bodyPr>
           <a:lstStyle/>
           <a:p>
             <a:r>
-              <a:rPr lang="en-IN" sz="1900" i="0" dirty="0">
+              <a:rPr lang="en-IN" sz="1200" i="0" dirty="0">
                 <a:effectLst/>
                 <a:latin typeface="Open Sans" panose="020B0606030504020204" pitchFamily="34" charset="0"/>
               </a:rPr>
@@ -8736,7 +8736,7 @@
           </a:p>
           <a:p>
             <a:r>
-              <a:rPr lang="en-IN" sz="1900" dirty="0">
+              <a:rPr lang="en-IN" sz="1200" dirty="0">
                 <a:latin typeface="Open Sans" panose="020B0606030504020204" pitchFamily="34" charset="0"/>
               </a:rPr>
               <a:t>One digit in a binary number is called a bit. </a:t>
@@ -8744,7 +8744,7 @@
           </a:p>
           <a:p>
             <a:r>
-              <a:rPr lang="en-IN" sz="1900" dirty="0">
+              <a:rPr lang="en-IN" sz="1200" dirty="0">
                 <a:latin typeface="Open Sans" panose="020B0606030504020204" pitchFamily="34" charset="0"/>
               </a:rPr>
               <a:t>Eight bits grouped together are called a byte. </a:t>
@@ -8752,58 +8752,115 @@
           </a:p>
           <a:p>
             <a:r>
-              <a:rPr lang="en-IN" sz="1900" dirty="0">
-                <a:latin typeface="Open Sans" panose="020B0606030504020204" pitchFamily="34" charset="0"/>
-              </a:rPr>
-              <a:t>Four bytes grouped together are called a word. </a:t>
-            </a:r>
-          </a:p>
-          <a:p>
-            <a:r>
-              <a:rPr lang="en-IN" sz="1900" dirty="0">
-                <a:latin typeface="Open Sans" panose="020B0606030504020204" pitchFamily="34" charset="0"/>
-              </a:rPr>
-              <a:t>210 bytes are called a kilobyte (KB) . </a:t>
-            </a:r>
-          </a:p>
-          <a:p>
-            <a:r>
-              <a:rPr lang="en-IN" sz="1900" dirty="0">
-                <a:latin typeface="Open Sans" panose="020B0606030504020204" pitchFamily="34" charset="0"/>
-              </a:rPr>
-              <a:t>210 kilobytes are called a megabyte (MB). </a:t>
-            </a:r>
-          </a:p>
-          <a:p>
-            <a:r>
-              <a:rPr lang="en-IN" sz="1900" dirty="0">
-                <a:latin typeface="Open Sans" panose="020B0606030504020204" pitchFamily="34" charset="0"/>
-              </a:rPr>
-              <a:t>210 megabytes are called a gigabyte (GB). </a:t>
-            </a:r>
-          </a:p>
-          <a:p>
-            <a:r>
-              <a:rPr lang="en-IN" sz="1900" dirty="0">
-                <a:latin typeface="Open Sans" panose="020B0606030504020204" pitchFamily="34" charset="0"/>
-              </a:rPr>
-              <a:t>210 gigabytes are called a terabyte (TB). </a:t>
-            </a:r>
-          </a:p>
-          <a:p>
-            <a:r>
-              <a:rPr lang="en-IN" sz="1900" dirty="0">
-                <a:latin typeface="Open Sans" panose="020B0606030504020204" pitchFamily="34" charset="0"/>
-              </a:rPr>
-              <a:t>Currently memories on computers are usually in the one to eight GB range. </a:t>
-            </a:r>
-          </a:p>
-          <a:p>
-            <a:r>
-              <a:rPr lang="en-IN" sz="1900" dirty="0">
-                <a:latin typeface="Open Sans" panose="020B0606030504020204" pitchFamily="34" charset="0"/>
-              </a:rPr>
-              <a:t>Hard Drives on computers are usually in the 500 GB to two TB range.</a:t>
+              <a:rPr lang="en-IN" sz="1200" dirty="0">
+                <a:latin typeface="Open Sans" panose="020B0606030504020204" pitchFamily="34" charset="0"/>
+              </a:rPr>
+              <a:t>Kilobyte KB - about 1 thousand bytes </a:t>
+            </a:r>
+          </a:p>
+          <a:p>
+            <a:r>
+              <a:rPr lang="en-IN" sz="1200" dirty="0">
+                <a:latin typeface="Open Sans" panose="020B0606030504020204" pitchFamily="34" charset="0"/>
+              </a:rPr>
+              <a:t>Megabyte (MB) - about 1 million bytes (about 1000 KB)</a:t>
+            </a:r>
+          </a:p>
+          <a:p>
+            <a:pPr lvl="1"/>
+            <a:r>
+              <a:rPr lang="en-IN" sz="1200" dirty="0">
+                <a:latin typeface="Open Sans" panose="020B0606030504020204" pitchFamily="34" charset="0"/>
+              </a:rPr>
+              <a:t>MP3 audio is about 1 megabyte per minute</a:t>
+            </a:r>
+          </a:p>
+          <a:p>
+            <a:pPr lvl="1"/>
+            <a:r>
+              <a:rPr lang="en-IN" sz="1200" dirty="0">
+                <a:latin typeface="Open Sans" panose="020B0606030504020204" pitchFamily="34" charset="0"/>
+              </a:rPr>
+              <a:t>A high-quality digital picture is about 2-5 megabytes</a:t>
+            </a:r>
+          </a:p>
+          <a:p>
+            <a:r>
+              <a:rPr lang="en-IN" sz="1200" dirty="0">
+                <a:latin typeface="Open Sans" panose="020B0606030504020204" pitchFamily="34" charset="0"/>
+              </a:rPr>
+              <a:t>Gigabyte GB = about a billion bytes (about 1000 MB)</a:t>
+            </a:r>
+          </a:p>
+          <a:p>
+            <a:pPr lvl="1"/>
+            <a:r>
+              <a:rPr lang="en-IN" sz="1200" dirty="0">
+                <a:latin typeface="Open Sans" panose="020B0606030504020204" pitchFamily="34" charset="0"/>
+              </a:rPr>
+              <a:t>GB is a common unit for modern hardware e.g., 4000 MB = 4 GB</a:t>
+            </a:r>
+          </a:p>
+          <a:p>
+            <a:pPr lvl="1"/>
+            <a:r>
+              <a:rPr lang="en-IN" sz="1200" dirty="0">
+                <a:latin typeface="Open Sans" panose="020B0606030504020204" pitchFamily="34" charset="0"/>
+              </a:rPr>
+              <a:t>An ordinary computer might have:</a:t>
+            </a:r>
+          </a:p>
+          <a:p>
+            <a:pPr lvl="2"/>
+            <a:r>
+              <a:rPr lang="en-IN" sz="1200" dirty="0">
+                <a:latin typeface="Open Sans" panose="020B0606030504020204" pitchFamily="34" charset="0"/>
+              </a:rPr>
+              <a:t>4 GB or RAM, 256 GB of persistent storage</a:t>
+            </a:r>
+          </a:p>
+          <a:p>
+            <a:pPr lvl="2"/>
+            <a:r>
+              <a:rPr lang="en-IN" sz="1200" dirty="0">
+                <a:latin typeface="Open Sans" panose="020B0606030504020204" pitchFamily="34" charset="0"/>
+              </a:rPr>
+              <a:t>A DVD disk has a capacity 4.7GB (single layer)</a:t>
+            </a:r>
+          </a:p>
+          <a:p>
+            <a:pPr lvl="2"/>
+            <a:r>
+              <a:rPr lang="en-IN" sz="1200" dirty="0">
+                <a:latin typeface="Open Sans" panose="020B0606030504020204" pitchFamily="34" charset="0"/>
+              </a:rPr>
+              <a:t>Figure 2 GB per hour of video (varies greatly)</a:t>
+            </a:r>
+          </a:p>
+          <a:p>
+            <a:pPr lvl="2"/>
+            <a:r>
+              <a:rPr lang="en-IN" sz="1200" dirty="0">
+                <a:latin typeface="Open Sans" panose="020B0606030504020204" pitchFamily="34" charset="0"/>
+              </a:rPr>
+              <a:t>A flash drive might hold 32 GB</a:t>
+            </a:r>
+          </a:p>
+          <a:p>
+            <a:pPr lvl="2"/>
+            <a:r>
+              <a:rPr lang="en-IN" sz="1200" dirty="0">
+                <a:latin typeface="Open Sans" panose="020B0606030504020204" pitchFamily="34" charset="0"/>
+              </a:rPr>
+              <a:t>A hard drive might hold 750 GB</a:t>
+            </a:r>
+          </a:p>
+          <a:p>
+            <a:r>
+              <a:rPr lang="en-IN" sz="1200" dirty="0">
+                <a:latin typeface="Open Sans" panose="020B0606030504020204" pitchFamily="34" charset="0"/>
+              </a:rPr>
+              <a:t>One terabyte (TB) is about 1000 gigabytes, or roughly 1 trillion bytes. Hard Drives on computers are usually in the 500 GB to two TB range.</a:t>
             </a:r>
           </a:p>
         </p:txBody>
@@ -9052,8 +9109,8 @@
           </a:p>
         </p:txBody>
       </p:sp>
-      <mc:AlternateContent xmlns:mc="http://schemas.openxmlformats.org/markup-compatibility/2006">
-        <mc:Choice xmlns:a14="http://schemas.microsoft.com/office/drawing/2010/main" Requires="a14">
+      <mc:AlternateContent xmlns:mc="http://schemas.openxmlformats.org/markup-compatibility/2006" xmlns:a14="http://schemas.microsoft.com/office/drawing/2010/main">
+        <mc:Choice Requires="a14">
           <p:sp>
             <p:nvSpPr>
               <p:cNvPr id="3" name="Content Placeholder 2">
@@ -9474,7 +9531,7 @@
             </p:txBody>
           </p:sp>
         </mc:Choice>
-        <mc:Fallback>
+        <mc:Fallback xmlns="">
           <p:sp>
             <p:nvSpPr>
               <p:cNvPr id="3" name="Content Placeholder 2">

--- a/ppt/Python.pptx
+++ b/ppt/Python.pptx
@@ -10,13 +10,16 @@
     <p:sldId id="259" r:id="rId4"/>
     <p:sldId id="260" r:id="rId5"/>
     <p:sldId id="261" r:id="rId6"/>
-    <p:sldId id="264" r:id="rId7"/>
-    <p:sldId id="263" r:id="rId8"/>
-    <p:sldId id="265" r:id="rId9"/>
-    <p:sldId id="267" r:id="rId10"/>
-    <p:sldId id="268" r:id="rId11"/>
-    <p:sldId id="269" r:id="rId12"/>
-    <p:sldId id="270" r:id="rId13"/>
+    <p:sldId id="271" r:id="rId7"/>
+    <p:sldId id="264" r:id="rId8"/>
+    <p:sldId id="272" r:id="rId9"/>
+    <p:sldId id="273" r:id="rId10"/>
+    <p:sldId id="263" r:id="rId11"/>
+    <p:sldId id="265" r:id="rId12"/>
+    <p:sldId id="267" r:id="rId13"/>
+    <p:sldId id="268" r:id="rId14"/>
+    <p:sldId id="269" r:id="rId15"/>
+    <p:sldId id="270" r:id="rId16"/>
   </p:sldIdLst>
   <p:sldSz cx="12192000" cy="6858000"/>
   <p:notesSz cx="6858000" cy="9144000"/>
@@ -126,7 +129,7 @@
 <file path=ppt/revisionInfo.xml><?xml version="1.0" encoding="utf-8"?>
 <p1510:revInfo xmlns:a="http://schemas.openxmlformats.org/drawingml/2006/main" xmlns:r="http://schemas.openxmlformats.org/officeDocument/2006/relationships" xmlns:p1510="http://schemas.microsoft.com/office/powerpoint/2015/10/main">
   <p1510:revLst>
-    <p1510:client id="{AFF709BC-A069-468E-932E-A068D4774BDC}" v="35" dt="2022-03-25T11:19:49.565"/>
+    <p1510:client id="{AFF709BC-A069-468E-932E-A068D4774BDC}" v="38" dt="2022-03-26T03:48:46.594"/>
   </p1510:revLst>
 </p1510:revInfo>
 </file>
@@ -538,18 +541,18 @@
   <pc:docChgLst>
     <pc:chgData name="Sarit Maitra" userId="a56b08fc-95a7-4743-8351-af833f41f5d9" providerId="ADAL" clId="{AFF709BC-A069-468E-932E-A068D4774BDC}"/>
     <pc:docChg chg="undo redo custSel addSld delSld modSld">
-      <pc:chgData name="Sarit Maitra" userId="a56b08fc-95a7-4743-8351-af833f41f5d9" providerId="ADAL" clId="{AFF709BC-A069-468E-932E-A068D4774BDC}" dt="2022-03-26T03:40:01.027" v="438" actId="313"/>
+      <pc:chgData name="Sarit Maitra" userId="a56b08fc-95a7-4743-8351-af833f41f5d9" providerId="ADAL" clId="{AFF709BC-A069-468E-932E-A068D4774BDC}" dt="2022-03-26T03:50:25.243" v="514" actId="20577"/>
       <pc:docMkLst>
         <pc:docMk/>
       </pc:docMkLst>
       <pc:sldChg chg="modSp mod">
-        <pc:chgData name="Sarit Maitra" userId="a56b08fc-95a7-4743-8351-af833f41f5d9" providerId="ADAL" clId="{AFF709BC-A069-468E-932E-A068D4774BDC}" dt="2022-03-25T08:13:53.981" v="1" actId="27636"/>
+        <pc:chgData name="Sarit Maitra" userId="a56b08fc-95a7-4743-8351-af833f41f5d9" providerId="ADAL" clId="{AFF709BC-A069-468E-932E-A068D4774BDC}" dt="2022-03-26T03:44:11.946" v="440" actId="27636"/>
         <pc:sldMkLst>
           <pc:docMk/>
           <pc:sldMk cId="3371386847" sldId="261"/>
         </pc:sldMkLst>
         <pc:spChg chg="mod">
-          <ac:chgData name="Sarit Maitra" userId="a56b08fc-95a7-4743-8351-af833f41f5d9" providerId="ADAL" clId="{AFF709BC-A069-468E-932E-A068D4774BDC}" dt="2022-03-25T08:13:53.981" v="1" actId="27636"/>
+          <ac:chgData name="Sarit Maitra" userId="a56b08fc-95a7-4743-8351-af833f41f5d9" providerId="ADAL" clId="{AFF709BC-A069-468E-932E-A068D4774BDC}" dt="2022-03-26T03:44:11.946" v="440" actId="27636"/>
           <ac:spMkLst>
             <pc:docMk/>
             <pc:sldMk cId="3371386847" sldId="261"/>
@@ -645,7 +648,7 @@
         </pc:spChg>
       </pc:sldChg>
       <pc:sldChg chg="addSp modSp mod setBg delDesignElem">
-        <pc:chgData name="Sarit Maitra" userId="a56b08fc-95a7-4743-8351-af833f41f5d9" providerId="ADAL" clId="{AFF709BC-A069-468E-932E-A068D4774BDC}" dt="2022-03-25T09:14:26.111" v="83" actId="20577"/>
+        <pc:chgData name="Sarit Maitra" userId="a56b08fc-95a7-4743-8351-af833f41f5d9" providerId="ADAL" clId="{AFF709BC-A069-468E-932E-A068D4774BDC}" dt="2022-03-26T03:48:17.956" v="476" actId="255"/>
         <pc:sldMkLst>
           <pc:docMk/>
           <pc:sldMk cId="2749759606" sldId="263"/>
@@ -659,7 +662,7 @@
           </ac:spMkLst>
         </pc:spChg>
         <pc:spChg chg="mod">
-          <ac:chgData name="Sarit Maitra" userId="a56b08fc-95a7-4743-8351-af833f41f5d9" providerId="ADAL" clId="{AFF709BC-A069-468E-932E-A068D4774BDC}" dt="2022-03-25T09:14:26.111" v="83" actId="20577"/>
+          <ac:chgData name="Sarit Maitra" userId="a56b08fc-95a7-4743-8351-af833f41f5d9" providerId="ADAL" clId="{AFF709BC-A069-468E-932E-A068D4774BDC}" dt="2022-03-26T03:48:17.956" v="476" actId="255"/>
           <ac:spMkLst>
             <pc:docMk/>
             <pc:sldMk cId="2749759606" sldId="263"/>
@@ -706,7 +709,7 @@
         </pc:sldMkLst>
       </pc:sldChg>
       <pc:sldChg chg="addSp modSp mod setBg delDesignElem">
-        <pc:chgData name="Sarit Maitra" userId="a56b08fc-95a7-4743-8351-af833f41f5d9" providerId="ADAL" clId="{AFF709BC-A069-468E-932E-A068D4774BDC}" dt="2022-03-25T09:11:14.431" v="46" actId="113"/>
+        <pc:chgData name="Sarit Maitra" userId="a56b08fc-95a7-4743-8351-af833f41f5d9" providerId="ADAL" clId="{AFF709BC-A069-468E-932E-A068D4774BDC}" dt="2022-03-26T03:48:28.330" v="478" actId="255"/>
         <pc:sldMkLst>
           <pc:docMk/>
           <pc:sldMk cId="4244261490" sldId="264"/>
@@ -720,7 +723,7 @@
           </ac:spMkLst>
         </pc:spChg>
         <pc:spChg chg="mod">
-          <ac:chgData name="Sarit Maitra" userId="a56b08fc-95a7-4743-8351-af833f41f5d9" providerId="ADAL" clId="{AFF709BC-A069-468E-932E-A068D4774BDC}" dt="2022-03-25T09:11:14.431" v="46" actId="113"/>
+          <ac:chgData name="Sarit Maitra" userId="a56b08fc-95a7-4743-8351-af833f41f5d9" providerId="ADAL" clId="{AFF709BC-A069-468E-932E-A068D4774BDC}" dt="2022-03-26T03:48:28.330" v="478" actId="255"/>
           <ac:spMkLst>
             <pc:docMk/>
             <pc:sldMk cId="4244261490" sldId="264"/>
@@ -976,12 +979,113 @@
           <pc:sldMk cId="3275335210" sldId="271"/>
         </pc:sldMkLst>
       </pc:sldChg>
+      <pc:sldChg chg="addSp modSp mod setBg delDesignElem">
+        <pc:chgData name="Sarit Maitra" userId="a56b08fc-95a7-4743-8351-af833f41f5d9" providerId="ADAL" clId="{AFF709BC-A069-468E-932E-A068D4774BDC}" dt="2022-03-26T03:46:17.392" v="463" actId="26606"/>
+        <pc:sldMkLst>
+          <pc:docMk/>
+          <pc:sldMk cId="3694733523" sldId="271"/>
+        </pc:sldMkLst>
+        <pc:spChg chg="mod">
+          <ac:chgData name="Sarit Maitra" userId="a56b08fc-95a7-4743-8351-af833f41f5d9" providerId="ADAL" clId="{AFF709BC-A069-468E-932E-A068D4774BDC}" dt="2022-03-26T03:44:30.901" v="445" actId="20577"/>
+          <ac:spMkLst>
+            <pc:docMk/>
+            <pc:sldMk cId="3694733523" sldId="271"/>
+            <ac:spMk id="2" creationId="{24C265DF-4994-4F5D-AE41-747A19798DF8}"/>
+          </ac:spMkLst>
+        </pc:spChg>
+        <pc:spChg chg="mod">
+          <ac:chgData name="Sarit Maitra" userId="a56b08fc-95a7-4743-8351-af833f41f5d9" providerId="ADAL" clId="{AFF709BC-A069-468E-932E-A068D4774BDC}" dt="2022-03-26T03:46:17.392" v="463" actId="26606"/>
+          <ac:spMkLst>
+            <pc:docMk/>
+            <pc:sldMk cId="3694733523" sldId="271"/>
+            <ac:spMk id="3" creationId="{763D88F7-014E-43B6-A3A8-5EDD0F989D06}"/>
+          </ac:spMkLst>
+        </pc:spChg>
+        <pc:spChg chg="add">
+          <ac:chgData name="Sarit Maitra" userId="a56b08fc-95a7-4743-8351-af833f41f5d9" providerId="ADAL" clId="{AFF709BC-A069-468E-932E-A068D4774BDC}" dt="2022-03-26T03:46:17.392" v="463" actId="26606"/>
+          <ac:spMkLst>
+            <pc:docMk/>
+            <pc:sldMk cId="3694733523" sldId="271"/>
+            <ac:spMk id="12" creationId="{59A309A7-1751-4ABE-A3C1-EEC40366AD89}"/>
+          </ac:spMkLst>
+        </pc:spChg>
+        <pc:spChg chg="add">
+          <ac:chgData name="Sarit Maitra" userId="a56b08fc-95a7-4743-8351-af833f41f5d9" providerId="ADAL" clId="{AFF709BC-A069-468E-932E-A068D4774BDC}" dt="2022-03-26T03:46:17.392" v="463" actId="26606"/>
+          <ac:spMkLst>
+            <pc:docMk/>
+            <pc:sldMk cId="3694733523" sldId="271"/>
+            <ac:spMk id="14" creationId="{967D8EB6-EAE1-4F9C-B398-83321E287204}"/>
+          </ac:spMkLst>
+        </pc:spChg>
+      </pc:sldChg>
       <pc:sldChg chg="add del">
         <pc:chgData name="Sarit Maitra" userId="a56b08fc-95a7-4743-8351-af833f41f5d9" providerId="ADAL" clId="{AFF709BC-A069-468E-932E-A068D4774BDC}" dt="2022-03-25T11:22:16.170" v="319" actId="2696"/>
         <pc:sldMkLst>
           <pc:docMk/>
           <pc:sldMk cId="80712171" sldId="272"/>
         </pc:sldMkLst>
+      </pc:sldChg>
+      <pc:sldChg chg="addSp modSp mod setBg delDesignElem">
+        <pc:chgData name="Sarit Maitra" userId="a56b08fc-95a7-4743-8351-af833f41f5d9" providerId="ADAL" clId="{AFF709BC-A069-468E-932E-A068D4774BDC}" dt="2022-03-26T03:48:37.282" v="479" actId="26606"/>
+        <pc:sldMkLst>
+          <pc:docMk/>
+          <pc:sldMk cId="3885603797" sldId="272"/>
+        </pc:sldMkLst>
+        <pc:spChg chg="mod">
+          <ac:chgData name="Sarit Maitra" userId="a56b08fc-95a7-4743-8351-af833f41f5d9" providerId="ADAL" clId="{AFF709BC-A069-468E-932E-A068D4774BDC}" dt="2022-03-26T03:46:56.027" v="467"/>
+          <ac:spMkLst>
+            <pc:docMk/>
+            <pc:sldMk cId="3885603797" sldId="272"/>
+            <ac:spMk id="2" creationId="{24C265DF-4994-4F5D-AE41-747A19798DF8}"/>
+          </ac:spMkLst>
+        </pc:spChg>
+        <pc:spChg chg="mod">
+          <ac:chgData name="Sarit Maitra" userId="a56b08fc-95a7-4743-8351-af833f41f5d9" providerId="ADAL" clId="{AFF709BC-A069-468E-932E-A068D4774BDC}" dt="2022-03-26T03:48:37.282" v="479" actId="26606"/>
+          <ac:spMkLst>
+            <pc:docMk/>
+            <pc:sldMk cId="3885603797" sldId="272"/>
+            <ac:spMk id="3" creationId="{763D88F7-014E-43B6-A3A8-5EDD0F989D06}"/>
+          </ac:spMkLst>
+        </pc:spChg>
+        <pc:spChg chg="add">
+          <ac:chgData name="Sarit Maitra" userId="a56b08fc-95a7-4743-8351-af833f41f5d9" providerId="ADAL" clId="{AFF709BC-A069-468E-932E-A068D4774BDC}" dt="2022-03-26T03:48:37.282" v="479" actId="26606"/>
+          <ac:spMkLst>
+            <pc:docMk/>
+            <pc:sldMk cId="3885603797" sldId="272"/>
+            <ac:spMk id="12" creationId="{59A309A7-1751-4ABE-A3C1-EEC40366AD89}"/>
+          </ac:spMkLst>
+        </pc:spChg>
+        <pc:spChg chg="add">
+          <ac:chgData name="Sarit Maitra" userId="a56b08fc-95a7-4743-8351-af833f41f5d9" providerId="ADAL" clId="{AFF709BC-A069-468E-932E-A068D4774BDC}" dt="2022-03-26T03:48:37.282" v="479" actId="26606"/>
+          <ac:spMkLst>
+            <pc:docMk/>
+            <pc:sldMk cId="3885603797" sldId="272"/>
+            <ac:spMk id="14" creationId="{967D8EB6-EAE1-4F9C-B398-83321E287204}"/>
+          </ac:spMkLst>
+        </pc:spChg>
+      </pc:sldChg>
+      <pc:sldChg chg="modSp mod delDesignElem">
+        <pc:chgData name="Sarit Maitra" userId="a56b08fc-95a7-4743-8351-af833f41f5d9" providerId="ADAL" clId="{AFF709BC-A069-468E-932E-A068D4774BDC}" dt="2022-03-26T03:50:25.243" v="514" actId="20577"/>
+        <pc:sldMkLst>
+          <pc:docMk/>
+          <pc:sldMk cId="1848123025" sldId="273"/>
+        </pc:sldMkLst>
+        <pc:spChg chg="mod">
+          <ac:chgData name="Sarit Maitra" userId="a56b08fc-95a7-4743-8351-af833f41f5d9" providerId="ADAL" clId="{AFF709BC-A069-468E-932E-A068D4774BDC}" dt="2022-03-26T03:49:13.860" v="490" actId="20577"/>
+          <ac:spMkLst>
+            <pc:docMk/>
+            <pc:sldMk cId="1848123025" sldId="273"/>
+            <ac:spMk id="2" creationId="{24C265DF-4994-4F5D-AE41-747A19798DF8}"/>
+          </ac:spMkLst>
+        </pc:spChg>
+        <pc:spChg chg="mod">
+          <ac:chgData name="Sarit Maitra" userId="a56b08fc-95a7-4743-8351-af833f41f5d9" providerId="ADAL" clId="{AFF709BC-A069-468E-932E-A068D4774BDC}" dt="2022-03-26T03:50:25.243" v="514" actId="20577"/>
+          <ac:spMkLst>
+            <pc:docMk/>
+            <pc:sldMk cId="1848123025" sldId="273"/>
+            <ac:spMk id="3" creationId="{763D88F7-014E-43B6-A3A8-5EDD0F989D06}"/>
+          </ac:spMkLst>
+        </pc:spChg>
       </pc:sldChg>
     </pc:docChg>
   </pc:docChgLst>
@@ -4494,13 +4598,13 @@
           </a:bodyPr>
           <a:lstStyle/>
           <a:p>
-            <a:pPr fontAlgn="base"/>
-            <a:r>
-              <a:rPr lang="en-IN" b="1" i="0">
-                <a:effectLst/>
-                <a:latin typeface="sofia-pro"/>
-              </a:rPr>
-              <a:t>Byte Objects vs String</a:t>
+            <a:r>
+              <a:rPr lang="en-IN" b="1" dirty="0">
+                <a:latin typeface="Open Sans" panose="020B0606030504020204" pitchFamily="34" charset="0"/>
+                <a:ea typeface="Open Sans" panose="020B0606030504020204" pitchFamily="34" charset="0"/>
+                <a:cs typeface="Open Sans" panose="020B0606030504020204" pitchFamily="34" charset="0"/>
+              </a:rPr>
+              <a:t>Memory</a:t>
             </a:r>
           </a:p>
         </p:txBody>
@@ -4534,42 +4638,44 @@
           <a:lstStyle/>
           <a:p>
             <a:r>
-              <a:rPr lang="en-IN" sz="2200" i="0">
+              <a:rPr lang="en-IN" sz="1600" i="0" dirty="0">
                 <a:effectLst/>
                 <a:latin typeface="Open Sans" panose="020B0606030504020204" pitchFamily="34" charset="0"/>
               </a:rPr>
-              <a:t>Byte objects are sequence of Bytes, whereas Strings are sequence of characters.</a:t>
-            </a:r>
-          </a:p>
-          <a:p>
-            <a:r>
-              <a:rPr lang="en-IN" sz="2200" i="0">
+              <a:t>The memory of a computer is a place where values can be stored and retrieved. </a:t>
+            </a:r>
+          </a:p>
+          <a:p>
+            <a:r>
+              <a:rPr lang="en-IN" sz="1600" i="0" dirty="0">
                 <a:effectLst/>
                 <a:latin typeface="Open Sans" panose="020B0606030504020204" pitchFamily="34" charset="0"/>
               </a:rPr>
-              <a:t>Byte objects are in machine readable form internally, Strings are only in human readable form.</a:t>
-            </a:r>
-          </a:p>
-          <a:p>
-            <a:r>
-              <a:rPr lang="en-IN" sz="2200" i="0">
+              <a:t>It is a relatively fast storage device, but it loses its contents as soon as the computer is turned off. It is volatile store. </a:t>
+            </a:r>
+          </a:p>
+          <a:p>
+            <a:r>
+              <a:rPr lang="en-IN" sz="1600" i="0" dirty="0">
                 <a:effectLst/>
                 <a:latin typeface="Open Sans" panose="020B0606030504020204" pitchFamily="34" charset="0"/>
               </a:rPr>
-              <a:t>Since Byte objects are machine readable, they can be directly stored on the disk. </a:t>
-            </a:r>
-          </a:p>
-          <a:p>
-            <a:r>
-              <a:rPr lang="en-IN" sz="2200" i="0">
-                <a:effectLst/>
-                <a:latin typeface="Open Sans" panose="020B0606030504020204" pitchFamily="34" charset="0"/>
-              </a:rPr>
-              <a:t>Whereas Strings need encoding before which they can be stored on disk.</a:t>
-            </a:r>
-            <a:endParaRPr lang="en-IN" sz="2200">
-              <a:latin typeface="Open Sans" panose="020B0606030504020204" pitchFamily="34" charset="0"/>
-            </a:endParaRPr>
+              <a:t>The hard drive is non-volatile </a:t>
+            </a:r>
+            <a:r>
+              <a:rPr lang="en-IN" sz="1600" dirty="0">
+                <a:latin typeface="Open Sans" panose="020B0606030504020204" pitchFamily="34" charset="0"/>
+              </a:rPr>
+              <a:t>storage or sometimes called persistent storage. </a:t>
+            </a:r>
+          </a:p>
+          <a:p>
+            <a:r>
+              <a:rPr lang="en-IN" sz="1600" dirty="0">
+                <a:latin typeface="Open Sans" panose="020B0606030504020204" pitchFamily="34" charset="0"/>
+              </a:rPr>
+              <a:t>Values can be stored and retrieved from the hard drive, but it is relatively slow compared to the memory and CPU. However, it retains its contents even when the power is off</a:t>
+            </a:r>
           </a:p>
         </p:txBody>
       </p:sp>
@@ -4743,7 +4849,7 @@
     </p:spTree>
     <p:extLst>
       <p:ext uri="{BB962C8B-B14F-4D97-AF65-F5344CB8AC3E}">
-        <p14:creationId xmlns:p14="http://schemas.microsoft.com/office/powerpoint/2010/main" val="149896639"/>
+        <p14:creationId xmlns:p14="http://schemas.microsoft.com/office/powerpoint/2010/main" val="2749759606"/>
       </p:ext>
     </p:extLst>
   </p:cSld>
@@ -4812,7 +4918,7 @@
                 <a:ea typeface="Open Sans" panose="020B0606030504020204" pitchFamily="34" charset="0"/>
                 <a:cs typeface="Open Sans" panose="020B0606030504020204" pitchFamily="34" charset="0"/>
               </a:rPr>
-              <a:t>Encoding</a:t>
+              <a:t>Byte</a:t>
             </a:r>
           </a:p>
         </p:txBody>
@@ -4835,8 +4941,8 @@
         </p:nvSpPr>
         <p:spPr>
           <a:xfrm>
-            <a:off x="1136429" y="2278173"/>
-            <a:ext cx="6467867" cy="3450613"/>
+            <a:off x="1136429" y="1953127"/>
+            <a:ext cx="6467867" cy="4630552"/>
           </a:xfrm>
         </p:spPr>
         <p:txBody>
@@ -4846,66 +4952,147 @@
           <a:lstStyle/>
           <a:p>
             <a:r>
-              <a:rPr lang="en-IN" sz="1700" i="0">
+              <a:rPr lang="en-IN" sz="1200" i="0" dirty="0">
                 <a:effectLst/>
                 <a:latin typeface="Open Sans" panose="020B0606030504020204" pitchFamily="34" charset="0"/>
               </a:rPr>
-              <a:t>PNG, JPEG, MP3, WAV, ASCII, UTF-8 etc are different forms of encodings. </a:t>
-            </a:r>
-          </a:p>
-          <a:p>
-            <a:r>
-              <a:rPr lang="en-IN" sz="1700" i="0">
-                <a:effectLst/>
-                <a:latin typeface="Open Sans" panose="020B0606030504020204" pitchFamily="34" charset="0"/>
-              </a:rPr>
-              <a:t>An encoding is a format to represent audio, images, text, etc in bytes. </a:t>
-            </a:r>
-          </a:p>
-          <a:p>
-            <a:r>
-              <a:rPr lang="en-IN" sz="1700" i="0">
-                <a:effectLst/>
-                <a:latin typeface="Open Sans" panose="020B0606030504020204" pitchFamily="34" charset="0"/>
-              </a:rPr>
-              <a:t>Converting Strings to byte objects is termed as encoding. </a:t>
-            </a:r>
-          </a:p>
-          <a:p>
-            <a:r>
-              <a:rPr lang="en-IN" sz="1700" i="0">
-                <a:effectLst/>
-                <a:latin typeface="Open Sans" panose="020B0606030504020204" pitchFamily="34" charset="0"/>
-              </a:rPr>
-              <a:t>This is necessary so that the text can be stored on disk using mapping using ASCII or UTF-8 encoding techniques.</a:t>
-            </a:r>
-          </a:p>
-          <a:p>
-            <a:r>
-              <a:rPr lang="en-IN" sz="1700" i="0">
-                <a:effectLst/>
-                <a:latin typeface="Open Sans" panose="020B0606030504020204" pitchFamily="34" charset="0"/>
-              </a:rPr>
-              <a:t>This task is achieved using encode(). </a:t>
-            </a:r>
-          </a:p>
-          <a:p>
-            <a:r>
-              <a:rPr lang="en-IN" sz="1700" i="0">
-                <a:effectLst/>
-                <a:latin typeface="Open Sans" panose="020B0606030504020204" pitchFamily="34" charset="0"/>
-              </a:rPr>
-              <a:t>It take encoding technique as argument. Default technique is “UTF-8” technique</a:t>
-            </a:r>
-            <a:endParaRPr lang="en-IN" sz="1700">
-              <a:latin typeface="Open Sans" panose="020B0606030504020204" pitchFamily="34" charset="0"/>
-            </a:endParaRPr>
-          </a:p>
-        </p:txBody>
-      </p:sp>
-      <p:sp>
-        <p:nvSpPr>
-          <p:cNvPr id="9" name="Rectangle 11">
+              <a:t>In a computer, everything is stored as a sequence of 0’s and 1’s.</a:t>
+            </a:r>
+          </a:p>
+          <a:p>
+            <a:r>
+              <a:rPr lang="en-IN" sz="1200" dirty="0">
+                <a:latin typeface="Open Sans" panose="020B0606030504020204" pitchFamily="34" charset="0"/>
+              </a:rPr>
+              <a:t>One digit in a binary number is called a bit. </a:t>
+            </a:r>
+          </a:p>
+          <a:p>
+            <a:r>
+              <a:rPr lang="en-IN" sz="1200" dirty="0">
+                <a:latin typeface="Open Sans" panose="020B0606030504020204" pitchFamily="34" charset="0"/>
+              </a:rPr>
+              <a:t>Eight bits grouped together are called a byte. </a:t>
+            </a:r>
+          </a:p>
+          <a:p>
+            <a:r>
+              <a:rPr lang="en-IN" sz="1200" dirty="0">
+                <a:latin typeface="Open Sans" panose="020B0606030504020204" pitchFamily="34" charset="0"/>
+              </a:rPr>
+              <a:t>Kilobyte KB - about 1 thousand bytes </a:t>
+            </a:r>
+          </a:p>
+          <a:p>
+            <a:r>
+              <a:rPr lang="en-IN" sz="1200" dirty="0">
+                <a:latin typeface="Open Sans" panose="020B0606030504020204" pitchFamily="34" charset="0"/>
+              </a:rPr>
+              <a:t>Megabyte (MB) - about 1 million bytes (about 1000 KB)</a:t>
+            </a:r>
+          </a:p>
+          <a:p>
+            <a:pPr lvl="1"/>
+            <a:r>
+              <a:rPr lang="en-IN" sz="1200" dirty="0">
+                <a:latin typeface="Open Sans" panose="020B0606030504020204" pitchFamily="34" charset="0"/>
+              </a:rPr>
+              <a:t>MP3 audio is about 1 megabyte per minute</a:t>
+            </a:r>
+          </a:p>
+          <a:p>
+            <a:pPr lvl="1"/>
+            <a:r>
+              <a:rPr lang="en-IN" sz="1200" dirty="0">
+                <a:latin typeface="Open Sans" panose="020B0606030504020204" pitchFamily="34" charset="0"/>
+              </a:rPr>
+              <a:t>A high-quality digital picture is about 2-5 megabytes</a:t>
+            </a:r>
+          </a:p>
+          <a:p>
+            <a:r>
+              <a:rPr lang="en-IN" sz="1200" dirty="0">
+                <a:latin typeface="Open Sans" panose="020B0606030504020204" pitchFamily="34" charset="0"/>
+              </a:rPr>
+              <a:t>Gigabyte GB = about a billion bytes (about 1000 MB)</a:t>
+            </a:r>
+          </a:p>
+          <a:p>
+            <a:pPr lvl="1"/>
+            <a:r>
+              <a:rPr lang="en-IN" sz="1200" dirty="0">
+                <a:latin typeface="Open Sans" panose="020B0606030504020204" pitchFamily="34" charset="0"/>
+              </a:rPr>
+              <a:t>GB is a common unit for modern hardware e.g., 4000 MB = 4 GB</a:t>
+            </a:r>
+          </a:p>
+          <a:p>
+            <a:pPr lvl="1"/>
+            <a:r>
+              <a:rPr lang="en-IN" sz="1200" dirty="0">
+                <a:latin typeface="Open Sans" panose="020B0606030504020204" pitchFamily="34" charset="0"/>
+              </a:rPr>
+              <a:t>An ordinary computer might have:</a:t>
+            </a:r>
+          </a:p>
+          <a:p>
+            <a:pPr lvl="2"/>
+            <a:r>
+              <a:rPr lang="en-IN" sz="1200" dirty="0">
+                <a:latin typeface="Open Sans" panose="020B0606030504020204" pitchFamily="34" charset="0"/>
+              </a:rPr>
+              <a:t>4 GB or RAM, 256 GB of persistent storage</a:t>
+            </a:r>
+          </a:p>
+          <a:p>
+            <a:pPr lvl="2"/>
+            <a:r>
+              <a:rPr lang="en-IN" sz="1200" dirty="0">
+                <a:latin typeface="Open Sans" panose="020B0606030504020204" pitchFamily="34" charset="0"/>
+              </a:rPr>
+              <a:t>A DVD disk has a capacity 4.7GB (single layer)</a:t>
+            </a:r>
+          </a:p>
+          <a:p>
+            <a:pPr lvl="2"/>
+            <a:r>
+              <a:rPr lang="en-IN" sz="1200" dirty="0">
+                <a:latin typeface="Open Sans" panose="020B0606030504020204" pitchFamily="34" charset="0"/>
+              </a:rPr>
+              <a:t>Figure 2 GB per hour of video (varies greatly)</a:t>
+            </a:r>
+          </a:p>
+          <a:p>
+            <a:pPr lvl="2"/>
+            <a:r>
+              <a:rPr lang="en-IN" sz="1200" dirty="0">
+                <a:latin typeface="Open Sans" panose="020B0606030504020204" pitchFamily="34" charset="0"/>
+              </a:rPr>
+              <a:t>A flash drive might hold 32 GB</a:t>
+            </a:r>
+          </a:p>
+          <a:p>
+            <a:pPr lvl="2"/>
+            <a:r>
+              <a:rPr lang="en-IN" sz="1200" dirty="0">
+                <a:latin typeface="Open Sans" panose="020B0606030504020204" pitchFamily="34" charset="0"/>
+              </a:rPr>
+              <a:t>A hard drive might hold 750 GB</a:t>
+            </a:r>
+          </a:p>
+          <a:p>
+            <a:r>
+              <a:rPr lang="en-IN" sz="1200" dirty="0">
+                <a:latin typeface="Open Sans" panose="020B0606030504020204" pitchFamily="34" charset="0"/>
+              </a:rPr>
+              <a:t>One terabyte (TB) is about 1000 gigabytes, or roughly 1 trillion bytes. Hard Drives on computers are usually in the 500 GB to two TB range.</a:t>
+            </a:r>
+          </a:p>
+        </p:txBody>
+      </p:sp>
+      <p:sp>
+        <p:nvSpPr>
+          <p:cNvPr id="12" name="Rectangle 11">
             <a:extLst>
               <a:ext uri="{FF2B5EF4-FFF2-40B4-BE49-F238E27FC236}">
                 <a16:creationId xmlns:a16="http://schemas.microsoft.com/office/drawing/2014/main" id="{59A309A7-1751-4ABE-A3C1-EEC40366AD89}"/>
@@ -4968,7 +5155,7 @@
       </p:sp>
       <p:sp>
         <p:nvSpPr>
-          <p:cNvPr id="10" name="Oval 13">
+          <p:cNvPr id="14" name="Oval 13">
             <a:extLst>
               <a:ext uri="{FF2B5EF4-FFF2-40B4-BE49-F238E27FC236}">
                 <a16:creationId xmlns:a16="http://schemas.microsoft.com/office/drawing/2014/main" id="{967D8EB6-EAE1-4F9C-B398-83321E287204}"/>
@@ -5073,7 +5260,7 @@
     </p:spTree>
     <p:extLst>
       <p:ext uri="{BB962C8B-B14F-4D97-AF65-F5344CB8AC3E}">
-        <p14:creationId xmlns:p14="http://schemas.microsoft.com/office/powerpoint/2010/main" val="2364269477"/>
+        <p14:creationId xmlns:p14="http://schemas.microsoft.com/office/powerpoint/2010/main" val="3450207145"/>
       </p:ext>
     </p:extLst>
   </p:cSld>
@@ -5084,3968 +5271,6 @@
 </file>
 
 <file path=ppt/slides/slide12.xml><?xml version="1.0" encoding="utf-8"?>
-<p:sld xmlns:a="http://schemas.openxmlformats.org/drawingml/2006/main" xmlns:r="http://schemas.openxmlformats.org/officeDocument/2006/relationships" xmlns:p="http://schemas.openxmlformats.org/presentationml/2006/main">
-  <p:cSld>
-    <p:bg>
-      <p:bgPr>
-        <a:solidFill>
-          <a:schemeClr val="bg1"/>
-        </a:solidFill>
-        <a:effectLst/>
-      </p:bgPr>
-    </p:bg>
-    <p:spTree>
-      <p:nvGrpSpPr>
-        <p:cNvPr id="1" name=""/>
-        <p:cNvGrpSpPr/>
-        <p:nvPr/>
-      </p:nvGrpSpPr>
-      <p:grpSpPr>
-        <a:xfrm>
-          <a:off x="0" y="0"/>
-          <a:ext cx="0" cy="0"/>
-          <a:chOff x="0" y="0"/>
-          <a:chExt cx="0" cy="0"/>
-        </a:xfrm>
-      </p:grpSpPr>
-      <p:sp>
-        <p:nvSpPr>
-          <p:cNvPr id="2" name="Title 1">
-            <a:extLst>
-              <a:ext uri="{FF2B5EF4-FFF2-40B4-BE49-F238E27FC236}">
-                <a16:creationId xmlns:a16="http://schemas.microsoft.com/office/drawing/2014/main" id="{24C265DF-4994-4F5D-AE41-747A19798DF8}"/>
-              </a:ext>
-            </a:extLst>
-          </p:cNvPr>
-          <p:cNvSpPr>
-            <a:spLocks noGrp="1"/>
-          </p:cNvSpPr>
-          <p:nvPr>
-            <p:ph type="title"/>
-          </p:nvPr>
-        </p:nvSpPr>
-        <p:spPr>
-          <a:xfrm>
-            <a:off x="1136428" y="627564"/>
-            <a:ext cx="7474172" cy="1325563"/>
-          </a:xfrm>
-        </p:spPr>
-        <p:txBody>
-          <a:bodyPr>
-            <a:normAutofit/>
-          </a:bodyPr>
-          <a:lstStyle/>
-          <a:p>
-            <a:r>
-              <a:rPr lang="en-IN" b="1" dirty="0">
-                <a:latin typeface="Open Sans" panose="020B0606030504020204" pitchFamily="34" charset="0"/>
-                <a:ea typeface="Open Sans" panose="020B0606030504020204" pitchFamily="34" charset="0"/>
-                <a:cs typeface="Open Sans" panose="020B0606030504020204" pitchFamily="34" charset="0"/>
-              </a:rPr>
-              <a:t>Decoding</a:t>
-            </a:r>
-          </a:p>
-        </p:txBody>
-      </p:sp>
-      <p:sp>
-        <p:nvSpPr>
-          <p:cNvPr id="3" name="Content Placeholder 2">
-            <a:extLst>
-              <a:ext uri="{FF2B5EF4-FFF2-40B4-BE49-F238E27FC236}">
-                <a16:creationId xmlns:a16="http://schemas.microsoft.com/office/drawing/2014/main" id="{763D88F7-014E-43B6-A3A8-5EDD0F989D06}"/>
-              </a:ext>
-            </a:extLst>
-          </p:cNvPr>
-          <p:cNvSpPr>
-            <a:spLocks noGrp="1"/>
-          </p:cNvSpPr>
-          <p:nvPr>
-            <p:ph idx="1"/>
-          </p:nvPr>
-        </p:nvSpPr>
-        <p:spPr>
-          <a:xfrm>
-            <a:off x="1136429" y="2278173"/>
-            <a:ext cx="6467867" cy="3450613"/>
-          </a:xfrm>
-        </p:spPr>
-        <p:txBody>
-          <a:bodyPr anchor="ctr">
-            <a:normAutofit/>
-          </a:bodyPr>
-          <a:lstStyle/>
-          <a:p>
-            <a:r>
-              <a:rPr lang="en-IN" sz="1700" i="0" dirty="0">
-                <a:effectLst/>
-                <a:latin typeface="Open Sans" panose="020B0606030504020204" pitchFamily="34" charset="0"/>
-              </a:rPr>
-              <a:t>Similarly, Decoding is process to convert a Byte object to String. </a:t>
-            </a:r>
-          </a:p>
-          <a:p>
-            <a:r>
-              <a:rPr lang="en-IN" sz="1700" i="0" dirty="0">
-                <a:effectLst/>
-                <a:latin typeface="Open Sans" panose="020B0606030504020204" pitchFamily="34" charset="0"/>
-              </a:rPr>
-              <a:t>It is implemented using decode() . </a:t>
-            </a:r>
-          </a:p>
-          <a:p>
-            <a:r>
-              <a:rPr lang="en-IN" sz="1700" i="0" dirty="0">
-                <a:effectLst/>
-                <a:latin typeface="Open Sans" panose="020B0606030504020204" pitchFamily="34" charset="0"/>
-              </a:rPr>
-              <a:t>A byte string can be decoded back into a character string, if we know which encoding was used to encode it.</a:t>
-            </a:r>
-          </a:p>
-          <a:p>
-            <a:r>
-              <a:rPr lang="en-IN" sz="1700" i="0" dirty="0">
-                <a:effectLst/>
-                <a:latin typeface="Open Sans" panose="020B0606030504020204" pitchFamily="34" charset="0"/>
-              </a:rPr>
-              <a:t> Encoding and Decoding are inverse processes</a:t>
-            </a:r>
-            <a:endParaRPr lang="en-IN" sz="1700" dirty="0">
-              <a:latin typeface="Open Sans" panose="020B0606030504020204" pitchFamily="34" charset="0"/>
-            </a:endParaRPr>
-          </a:p>
-        </p:txBody>
-      </p:sp>
-      <p:sp>
-        <p:nvSpPr>
-          <p:cNvPr id="12" name="Rectangle 11">
-            <a:extLst>
-              <a:ext uri="{FF2B5EF4-FFF2-40B4-BE49-F238E27FC236}">
-                <a16:creationId xmlns:a16="http://schemas.microsoft.com/office/drawing/2014/main" id="{59A309A7-1751-4ABE-A3C1-EEC40366AD89}"/>
-              </a:ext>
-              <a:ext uri="{C183D7F6-B498-43B3-948B-1728B52AA6E4}">
-                <adec:decorative xmlns:adec="http://schemas.microsoft.com/office/drawing/2017/decorative" val="1"/>
-              </a:ext>
-            </a:extLst>
-          </p:cNvPr>
-          <p:cNvSpPr>
-            <a:spLocks noGrp="1" noRot="1" noChangeAspect="1" noMove="1" noResize="1" noEditPoints="1" noAdjustHandles="1" noChangeArrowheads="1" noChangeShapeType="1" noTextEdit="1"/>
-          </p:cNvSpPr>
-          <p:nvPr>
-            <p:extLst>
-              <p:ext uri="{386F3935-93C4-4BCD-93E2-E3B085C9AB24}">
-                <p16:designElem xmlns:p16="http://schemas.microsoft.com/office/powerpoint/2015/main" val="1"/>
-              </p:ext>
-            </p:extLst>
-          </p:nvPr>
-        </p:nvSpPr>
-        <p:spPr>
-          <a:xfrm>
-            <a:off x="10088880" y="0"/>
-            <a:ext cx="2103120" cy="6858000"/>
-          </a:xfrm>
-          <a:prstGeom prst="rect">
-            <a:avLst/>
-          </a:prstGeom>
-          <a:solidFill>
-            <a:schemeClr val="accent1"/>
-          </a:solidFill>
-          <a:ln>
-            <a:noFill/>
-          </a:ln>
-        </p:spPr>
-        <p:style>
-          <a:lnRef idx="2">
-            <a:schemeClr val="accent1">
-              <a:shade val="50000"/>
-            </a:schemeClr>
-          </a:lnRef>
-          <a:fillRef idx="1">
-            <a:schemeClr val="accent1"/>
-          </a:fillRef>
-          <a:effectRef idx="0">
-            <a:schemeClr val="accent1"/>
-          </a:effectRef>
-          <a:fontRef idx="minor">
-            <a:schemeClr val="lt1"/>
-          </a:fontRef>
-        </p:style>
-        <p:txBody>
-          <a:bodyPr rtlCol="0" anchor="ctr"/>
-          <a:lstStyle/>
-          <a:p>
-            <a:pPr algn="ctr"/>
-            <a:endParaRPr lang="en-US"/>
-          </a:p>
-        </p:txBody>
-      </p:sp>
-      <p:sp>
-        <p:nvSpPr>
-          <p:cNvPr id="14" name="Oval 13">
-            <a:extLst>
-              <a:ext uri="{FF2B5EF4-FFF2-40B4-BE49-F238E27FC236}">
-                <a16:creationId xmlns:a16="http://schemas.microsoft.com/office/drawing/2014/main" id="{967D8EB6-EAE1-4F9C-B398-83321E287204}"/>
-              </a:ext>
-              <a:ext uri="{C183D7F6-B498-43B3-948B-1728B52AA6E4}">
-                <adec:decorative xmlns:adec="http://schemas.microsoft.com/office/drawing/2017/decorative" val="1"/>
-              </a:ext>
-            </a:extLst>
-          </p:cNvPr>
-          <p:cNvSpPr>
-            <a:spLocks noGrp="1" noRot="1" noChangeAspect="1" noMove="1" noResize="1" noEditPoints="1" noAdjustHandles="1" noChangeArrowheads="1" noChangeShapeType="1" noTextEdit="1"/>
-          </p:cNvSpPr>
-          <p:nvPr>
-            <p:extLst>
-              <p:ext uri="{386F3935-93C4-4BCD-93E2-E3B085C9AB24}">
-                <p16:designElem xmlns:p16="http://schemas.microsoft.com/office/powerpoint/2015/main" val="1"/>
-              </p:ext>
-            </p:extLst>
-          </p:nvPr>
-        </p:nvSpPr>
-        <p:spPr>
-          <a:xfrm>
-            <a:off x="8915400" y="2358913"/>
-            <a:ext cx="2140172" cy="2140172"/>
-          </a:xfrm>
-          <a:prstGeom prst="ellipse">
-            <a:avLst/>
-          </a:prstGeom>
-          <a:solidFill>
-            <a:srgbClr val="FFFFFF"/>
-          </a:solidFill>
-          <a:ln w="22225">
-            <a:solidFill>
-              <a:schemeClr val="accent1"/>
-            </a:solidFill>
-          </a:ln>
-        </p:spPr>
-        <p:style>
-          <a:lnRef idx="2">
-            <a:schemeClr val="accent1">
-              <a:shade val="50000"/>
-            </a:schemeClr>
-          </a:lnRef>
-          <a:fillRef idx="1">
-            <a:schemeClr val="accent1"/>
-          </a:fillRef>
-          <a:effectRef idx="0">
-            <a:schemeClr val="accent1"/>
-          </a:effectRef>
-          <a:fontRef idx="minor">
-            <a:schemeClr val="lt1"/>
-          </a:fontRef>
-        </p:style>
-        <p:txBody>
-          <a:bodyPr rtlCol="0" anchor="ctr"/>
-          <a:lstStyle/>
-          <a:p>
-            <a:pPr algn="ctr"/>
-            <a:endParaRPr lang="en-US"/>
-          </a:p>
-        </p:txBody>
-      </p:sp>
-      <p:pic>
-        <p:nvPicPr>
-          <p:cNvPr id="7" name="Graphic 6" descr="Programmer">
-            <a:extLst>
-              <a:ext uri="{FF2B5EF4-FFF2-40B4-BE49-F238E27FC236}">
-                <a16:creationId xmlns:a16="http://schemas.microsoft.com/office/drawing/2014/main" id="{8D428013-FD3E-4A85-9466-27B23FA8DE54}"/>
-              </a:ext>
-            </a:extLst>
-          </p:cNvPr>
-          <p:cNvPicPr>
-            <a:picLocks noChangeAspect="1"/>
-          </p:cNvPicPr>
-          <p:nvPr/>
-        </p:nvPicPr>
-        <p:blipFill>
-          <a:blip r:embed="rId2">
-            <a:extLst>
-              <a:ext uri="{28A0092B-C50C-407E-A947-70E740481C1C}">
-                <a14:useLocalDpi xmlns:a14="http://schemas.microsoft.com/office/drawing/2010/main" val="0"/>
-              </a:ext>
-              <a:ext uri="{96DAC541-7B7A-43D3-8B79-37D633B846F1}">
-                <asvg:svgBlip xmlns:asvg="http://schemas.microsoft.com/office/drawing/2016/SVG/main" r:embed="rId3"/>
-              </a:ext>
-            </a:extLst>
-          </a:blip>
-          <a:stretch>
-            <a:fillRect/>
-          </a:stretch>
-        </p:blipFill>
-        <p:spPr>
-          <a:xfrm>
-            <a:off x="9413987" y="2857501"/>
-            <a:ext cx="1142998" cy="1142998"/>
-          </a:xfrm>
-          <a:prstGeom prst="rect">
-            <a:avLst/>
-          </a:prstGeom>
-        </p:spPr>
-      </p:pic>
-    </p:spTree>
-    <p:extLst>
-      <p:ext uri="{BB962C8B-B14F-4D97-AF65-F5344CB8AC3E}">
-        <p14:creationId xmlns:p14="http://schemas.microsoft.com/office/powerpoint/2010/main" val="950800868"/>
-      </p:ext>
-    </p:extLst>
-  </p:cSld>
-  <p:clrMapOvr>
-    <a:masterClrMapping/>
-  </p:clrMapOvr>
-</p:sld>
-</file>
-
-<file path=ppt/slides/slide2.xml><?xml version="1.0" encoding="utf-8"?>
-<p:sld xmlns:a="http://schemas.openxmlformats.org/drawingml/2006/main" xmlns:r="http://schemas.openxmlformats.org/officeDocument/2006/relationships" xmlns:p="http://schemas.openxmlformats.org/presentationml/2006/main">
-  <p:cSld>
-    <p:bg>
-      <p:bgPr>
-        <a:solidFill>
-          <a:schemeClr val="bg1"/>
-        </a:solidFill>
-        <a:effectLst/>
-      </p:bgPr>
-    </p:bg>
-    <p:spTree>
-      <p:nvGrpSpPr>
-        <p:cNvPr id="1" name=""/>
-        <p:cNvGrpSpPr/>
-        <p:nvPr/>
-      </p:nvGrpSpPr>
-      <p:grpSpPr>
-        <a:xfrm>
-          <a:off x="0" y="0"/>
-          <a:ext cx="0" cy="0"/>
-          <a:chOff x="0" y="0"/>
-          <a:chExt cx="0" cy="0"/>
-        </a:xfrm>
-      </p:grpSpPr>
-      <p:sp>
-        <p:nvSpPr>
-          <p:cNvPr id="2" name="Title 1">
-            <a:extLst>
-              <a:ext uri="{FF2B5EF4-FFF2-40B4-BE49-F238E27FC236}">
-                <a16:creationId xmlns:a16="http://schemas.microsoft.com/office/drawing/2014/main" id="{24C265DF-4994-4F5D-AE41-747A19798DF8}"/>
-              </a:ext>
-            </a:extLst>
-          </p:cNvPr>
-          <p:cNvSpPr>
-            <a:spLocks noGrp="1"/>
-          </p:cNvSpPr>
-          <p:nvPr>
-            <p:ph type="title"/>
-          </p:nvPr>
-        </p:nvSpPr>
-        <p:spPr>
-          <a:xfrm>
-            <a:off x="1136428" y="627564"/>
-            <a:ext cx="7474172" cy="1325563"/>
-          </a:xfrm>
-        </p:spPr>
-        <p:txBody>
-          <a:bodyPr>
-            <a:normAutofit/>
-          </a:bodyPr>
-          <a:lstStyle/>
-          <a:p>
-            <a:r>
-              <a:rPr lang="en-IN" b="1" dirty="0">
-                <a:latin typeface="Open Sans" panose="020B0606030504020204" pitchFamily="34" charset="0"/>
-                <a:ea typeface="Open Sans" panose="020B0606030504020204" pitchFamily="34" charset="0"/>
-                <a:cs typeface="Open Sans" panose="020B0606030504020204" pitchFamily="34" charset="0"/>
-              </a:rPr>
-              <a:t>Why Python</a:t>
-            </a:r>
-          </a:p>
-        </p:txBody>
-      </p:sp>
-      <p:sp>
-        <p:nvSpPr>
-          <p:cNvPr id="3" name="Content Placeholder 2">
-            <a:extLst>
-              <a:ext uri="{FF2B5EF4-FFF2-40B4-BE49-F238E27FC236}">
-                <a16:creationId xmlns:a16="http://schemas.microsoft.com/office/drawing/2014/main" id="{763D88F7-014E-43B6-A3A8-5EDD0F989D06}"/>
-              </a:ext>
-            </a:extLst>
-          </p:cNvPr>
-          <p:cNvSpPr>
-            <a:spLocks noGrp="1"/>
-          </p:cNvSpPr>
-          <p:nvPr>
-            <p:ph idx="1"/>
-          </p:nvPr>
-        </p:nvSpPr>
-        <p:spPr>
-          <a:xfrm>
-            <a:off x="1136429" y="2278173"/>
-            <a:ext cx="6467867" cy="3450613"/>
-          </a:xfrm>
-        </p:spPr>
-        <p:txBody>
-          <a:bodyPr anchor="ctr">
-            <a:normAutofit fontScale="55000" lnSpcReduction="20000"/>
-          </a:bodyPr>
-          <a:lstStyle/>
-          <a:p>
-            <a:pPr marL="0" indent="0" algn="l">
-              <a:buNone/>
-            </a:pPr>
-            <a:r>
-              <a:rPr lang="en-IN" b="1" i="0" dirty="0">
-                <a:effectLst/>
-                <a:latin typeface="Open Sans" panose="020B0606030504020204" pitchFamily="34" charset="0"/>
-              </a:rPr>
-              <a:t>Clear syntax</a:t>
-            </a:r>
-            <a:endParaRPr lang="en-IN" b="0" i="0" dirty="0">
-              <a:effectLst/>
-              <a:latin typeface="Open Sans" panose="020B0606030504020204" pitchFamily="34" charset="0"/>
-            </a:endParaRPr>
-          </a:p>
-          <a:p>
-            <a:pPr marL="742950" lvl="1" indent="-285750" algn="l">
-              <a:buFont typeface="Arial" panose="020B0604020202020204" pitchFamily="34" charset="0"/>
-              <a:buChar char="•"/>
-            </a:pPr>
-            <a:r>
-              <a:rPr lang="en-IN" b="0" i="0" dirty="0">
-                <a:effectLst/>
-                <a:latin typeface="Open Sans" panose="020B0606030504020204" pitchFamily="34" charset="0"/>
-              </a:rPr>
-              <a:t>Python has a clear and clean syntax which is easily readable. It allows even beginners to work with complex software development projects as the team can coordinate easily on the coding front.</a:t>
-            </a:r>
-          </a:p>
-          <a:p>
-            <a:pPr marL="742950" lvl="1" indent="-285750" algn="l">
-              <a:buFont typeface="Arial" panose="020B0604020202020204" pitchFamily="34" charset="0"/>
-              <a:buChar char="•"/>
-            </a:pPr>
-            <a:r>
-              <a:rPr lang="en-IN" b="0" i="0" dirty="0">
-                <a:effectLst/>
-                <a:latin typeface="Open Sans" panose="020B0606030504020204" pitchFamily="34" charset="0"/>
-              </a:rPr>
-              <a:t>The simple coding syntax facilitates test-driven development for all applications of Python.</a:t>
-            </a:r>
-          </a:p>
-          <a:p>
-            <a:pPr marL="0" indent="0" algn="l">
-              <a:buNone/>
-            </a:pPr>
-            <a:r>
-              <a:rPr lang="en-IN" b="1" i="0" dirty="0">
-                <a:effectLst/>
-                <a:latin typeface="Open Sans" panose="020B0606030504020204" pitchFamily="34" charset="0"/>
-              </a:rPr>
-              <a:t>Scalable</a:t>
-            </a:r>
-            <a:endParaRPr lang="en-IN" b="0" i="0" dirty="0">
-              <a:effectLst/>
-              <a:latin typeface="Open Sans" panose="020B0606030504020204" pitchFamily="34" charset="0"/>
-            </a:endParaRPr>
-          </a:p>
-          <a:p>
-            <a:pPr marL="742950" lvl="1" indent="-285750" algn="l">
-              <a:buFont typeface="Arial" panose="020B0604020202020204" pitchFamily="34" charset="0"/>
-              <a:buChar char="•"/>
-            </a:pPr>
-            <a:r>
-              <a:rPr lang="en-IN" b="0" i="0" dirty="0">
-                <a:effectLst/>
-                <a:latin typeface="Open Sans" panose="020B0606030504020204" pitchFamily="34" charset="0"/>
-              </a:rPr>
-              <a:t>Companies love Python for its scalability. Some of the companies implementing the </a:t>
-            </a:r>
-            <a:r>
-              <a:rPr lang="en-IN" b="0" i="0" u="none" strike="noStrike" dirty="0">
-                <a:effectLst/>
-                <a:latin typeface="Open Sans" panose="020B0606030504020204" pitchFamily="34" charset="0"/>
-              </a:rPr>
-              <a:t>uses of Python</a:t>
-            </a:r>
-            <a:r>
-              <a:rPr lang="en-IN" b="0" i="0" dirty="0">
-                <a:effectLst/>
-                <a:latin typeface="Open Sans" panose="020B0606030504020204" pitchFamily="34" charset="0"/>
-              </a:rPr>
-              <a:t> language include Google, Spotify, Netflix, Instagram, and many more that want scalable applications.</a:t>
-            </a:r>
-          </a:p>
-          <a:p>
-            <a:pPr marL="742950" lvl="1" indent="-285750" algn="l">
-              <a:buFont typeface="Arial" panose="020B0604020202020204" pitchFamily="34" charset="0"/>
-              <a:buChar char="•"/>
-            </a:pPr>
-            <a:r>
-              <a:rPr lang="en-IN" b="0" i="0" dirty="0">
-                <a:effectLst/>
-                <a:latin typeface="Open Sans" panose="020B0606030504020204" pitchFamily="34" charset="0"/>
-              </a:rPr>
-              <a:t>It allows handling a massive amount of traffic with ease.</a:t>
-            </a:r>
-          </a:p>
-          <a:p>
-            <a:pPr marL="0" indent="0" algn="l">
-              <a:buNone/>
-            </a:pPr>
-            <a:r>
-              <a:rPr lang="en-IN" b="1" i="0" dirty="0">
-                <a:effectLst/>
-                <a:latin typeface="Open Sans" panose="020B0606030504020204" pitchFamily="34" charset="0"/>
-              </a:rPr>
-              <a:t>Versatile</a:t>
-            </a:r>
-            <a:endParaRPr lang="en-IN" b="0" i="0" dirty="0">
-              <a:effectLst/>
-              <a:latin typeface="Open Sans" panose="020B0606030504020204" pitchFamily="34" charset="0"/>
-            </a:endParaRPr>
-          </a:p>
-          <a:p>
-            <a:pPr marL="742950" lvl="1" indent="-285750" algn="l">
-              <a:buFont typeface="Arial" panose="020B0604020202020204" pitchFamily="34" charset="0"/>
-              <a:buChar char="•"/>
-            </a:pPr>
-            <a:r>
-              <a:rPr lang="en-IN" b="0" i="0" dirty="0">
-                <a:effectLst/>
-                <a:latin typeface="Open Sans" panose="020B0606030504020204" pitchFamily="34" charset="0"/>
-              </a:rPr>
-              <a:t>Unlike most programming languages, the </a:t>
-            </a:r>
-            <a:r>
-              <a:rPr lang="en-IN" b="0" i="0" u="none" strike="noStrike" dirty="0">
-                <a:effectLst/>
-                <a:latin typeface="Open Sans" panose="020B0606030504020204" pitchFamily="34" charset="0"/>
-              </a:rPr>
-              <a:t>practical uses for Python</a:t>
-            </a:r>
-            <a:r>
-              <a:rPr lang="en-IN" b="0" i="0" dirty="0">
-                <a:effectLst/>
-                <a:latin typeface="Open Sans" panose="020B0606030504020204" pitchFamily="34" charset="0"/>
-              </a:rPr>
-              <a:t> are not limited to just web or mobile development.</a:t>
-            </a:r>
-          </a:p>
-          <a:p>
-            <a:pPr marL="742950" lvl="1" indent="-285750" algn="l">
-              <a:buFont typeface="Arial" panose="020B0604020202020204" pitchFamily="34" charset="0"/>
-              <a:buChar char="•"/>
-            </a:pPr>
-            <a:r>
-              <a:rPr lang="en-IN" b="0" i="0" dirty="0">
-                <a:effectLst/>
-                <a:latin typeface="Open Sans" panose="020B0606030504020204" pitchFamily="34" charset="0"/>
-              </a:rPr>
-              <a:t>It is a popular choice for building web apps, gaming applications, enterprise-grade apps, e-commerce applications, ML and AI applications, and much more.</a:t>
-            </a:r>
-            <a:r>
-              <a:rPr lang="en-IN" sz="2400" dirty="0"/>
-              <a:t>.</a:t>
-            </a:r>
-          </a:p>
-        </p:txBody>
-      </p:sp>
-      <p:sp>
-        <p:nvSpPr>
-          <p:cNvPr id="27" name="Rectangle 26">
-            <a:extLst>
-              <a:ext uri="{FF2B5EF4-FFF2-40B4-BE49-F238E27FC236}">
-                <a16:creationId xmlns:a16="http://schemas.microsoft.com/office/drawing/2014/main" id="{59A309A7-1751-4ABE-A3C1-EEC40366AD89}"/>
-              </a:ext>
-              <a:ext uri="{C183D7F6-B498-43B3-948B-1728B52AA6E4}">
-                <adec:decorative xmlns:adec="http://schemas.microsoft.com/office/drawing/2017/decorative" val="1"/>
-              </a:ext>
-            </a:extLst>
-          </p:cNvPr>
-          <p:cNvSpPr>
-            <a:spLocks noGrp="1" noRot="1" noChangeAspect="1" noMove="1" noResize="1" noEditPoints="1" noAdjustHandles="1" noChangeArrowheads="1" noChangeShapeType="1" noTextEdit="1"/>
-          </p:cNvSpPr>
-          <p:nvPr>
-            <p:extLst>
-              <p:ext uri="{386F3935-93C4-4BCD-93E2-E3B085C9AB24}">
-                <p16:designElem xmlns:p16="http://schemas.microsoft.com/office/powerpoint/2015/main" val="1"/>
-              </p:ext>
-            </p:extLst>
-          </p:nvPr>
-        </p:nvSpPr>
-        <p:spPr>
-          <a:xfrm>
-            <a:off x="10088880" y="0"/>
-            <a:ext cx="2103120" cy="6858000"/>
-          </a:xfrm>
-          <a:prstGeom prst="rect">
-            <a:avLst/>
-          </a:prstGeom>
-          <a:solidFill>
-            <a:schemeClr val="accent1"/>
-          </a:solidFill>
-          <a:ln>
-            <a:noFill/>
-          </a:ln>
-        </p:spPr>
-        <p:style>
-          <a:lnRef idx="2">
-            <a:schemeClr val="accent1">
-              <a:shade val="50000"/>
-            </a:schemeClr>
-          </a:lnRef>
-          <a:fillRef idx="1">
-            <a:schemeClr val="accent1"/>
-          </a:fillRef>
-          <a:effectRef idx="0">
-            <a:schemeClr val="accent1"/>
-          </a:effectRef>
-          <a:fontRef idx="minor">
-            <a:schemeClr val="lt1"/>
-          </a:fontRef>
-        </p:style>
-        <p:txBody>
-          <a:bodyPr rtlCol="0" anchor="ctr"/>
-          <a:lstStyle/>
-          <a:p>
-            <a:pPr algn="ctr"/>
-            <a:endParaRPr lang="en-US"/>
-          </a:p>
-        </p:txBody>
-      </p:sp>
-      <p:sp>
-        <p:nvSpPr>
-          <p:cNvPr id="29" name="Oval 28">
-            <a:extLst>
-              <a:ext uri="{FF2B5EF4-FFF2-40B4-BE49-F238E27FC236}">
-                <a16:creationId xmlns:a16="http://schemas.microsoft.com/office/drawing/2014/main" id="{967D8EB6-EAE1-4F9C-B398-83321E287204}"/>
-              </a:ext>
-              <a:ext uri="{C183D7F6-B498-43B3-948B-1728B52AA6E4}">
-                <adec:decorative xmlns:adec="http://schemas.microsoft.com/office/drawing/2017/decorative" val="1"/>
-              </a:ext>
-            </a:extLst>
-          </p:cNvPr>
-          <p:cNvSpPr>
-            <a:spLocks noGrp="1" noRot="1" noChangeAspect="1" noMove="1" noResize="1" noEditPoints="1" noAdjustHandles="1" noChangeArrowheads="1" noChangeShapeType="1" noTextEdit="1"/>
-          </p:cNvSpPr>
-          <p:nvPr>
-            <p:extLst>
-              <p:ext uri="{386F3935-93C4-4BCD-93E2-E3B085C9AB24}">
-                <p16:designElem xmlns:p16="http://schemas.microsoft.com/office/powerpoint/2015/main" val="1"/>
-              </p:ext>
-            </p:extLst>
-          </p:nvPr>
-        </p:nvSpPr>
-        <p:spPr>
-          <a:xfrm>
-            <a:off x="8915400" y="2358913"/>
-            <a:ext cx="2140172" cy="2140172"/>
-          </a:xfrm>
-          <a:prstGeom prst="ellipse">
-            <a:avLst/>
-          </a:prstGeom>
-          <a:solidFill>
-            <a:srgbClr val="FFFFFF"/>
-          </a:solidFill>
-          <a:ln w="22225">
-            <a:solidFill>
-              <a:schemeClr val="accent1"/>
-            </a:solidFill>
-          </a:ln>
-        </p:spPr>
-        <p:style>
-          <a:lnRef idx="2">
-            <a:schemeClr val="accent1">
-              <a:shade val="50000"/>
-            </a:schemeClr>
-          </a:lnRef>
-          <a:fillRef idx="1">
-            <a:schemeClr val="accent1"/>
-          </a:fillRef>
-          <a:effectRef idx="0">
-            <a:schemeClr val="accent1"/>
-          </a:effectRef>
-          <a:fontRef idx="minor">
-            <a:schemeClr val="lt1"/>
-          </a:fontRef>
-        </p:style>
-        <p:txBody>
-          <a:bodyPr rtlCol="0" anchor="ctr"/>
-          <a:lstStyle/>
-          <a:p>
-            <a:pPr algn="ctr"/>
-            <a:endParaRPr lang="en-US"/>
-          </a:p>
-        </p:txBody>
-      </p:sp>
-      <p:pic>
-        <p:nvPicPr>
-          <p:cNvPr id="7" name="Graphic 6" descr="Programmer">
-            <a:extLst>
-              <a:ext uri="{FF2B5EF4-FFF2-40B4-BE49-F238E27FC236}">
-                <a16:creationId xmlns:a16="http://schemas.microsoft.com/office/drawing/2014/main" id="{8D428013-FD3E-4A85-9466-27B23FA8DE54}"/>
-              </a:ext>
-            </a:extLst>
-          </p:cNvPr>
-          <p:cNvPicPr>
-            <a:picLocks noChangeAspect="1"/>
-          </p:cNvPicPr>
-          <p:nvPr/>
-        </p:nvPicPr>
-        <p:blipFill>
-          <a:blip r:embed="rId2">
-            <a:extLst>
-              <a:ext uri="{28A0092B-C50C-407E-A947-70E740481C1C}">
-                <a14:useLocalDpi xmlns:a14="http://schemas.microsoft.com/office/drawing/2010/main" val="0"/>
-              </a:ext>
-              <a:ext uri="{96DAC541-7B7A-43D3-8B79-37D633B846F1}">
-                <asvg:svgBlip xmlns:asvg="http://schemas.microsoft.com/office/drawing/2016/SVG/main" r:embed="rId3"/>
-              </a:ext>
-            </a:extLst>
-          </a:blip>
-          <a:stretch>
-            <a:fillRect/>
-          </a:stretch>
-        </p:blipFill>
-        <p:spPr>
-          <a:xfrm>
-            <a:off x="9413987" y="2857501"/>
-            <a:ext cx="1142998" cy="1142998"/>
-          </a:xfrm>
-          <a:prstGeom prst="rect">
-            <a:avLst/>
-          </a:prstGeom>
-        </p:spPr>
-      </p:pic>
-    </p:spTree>
-    <p:extLst>
-      <p:ext uri="{BB962C8B-B14F-4D97-AF65-F5344CB8AC3E}">
-        <p14:creationId xmlns:p14="http://schemas.microsoft.com/office/powerpoint/2010/main" val="2339527192"/>
-      </p:ext>
-    </p:extLst>
-  </p:cSld>
-  <p:clrMapOvr>
-    <a:masterClrMapping/>
-  </p:clrMapOvr>
-</p:sld>
-</file>
-
-<file path=ppt/slides/slide3.xml><?xml version="1.0" encoding="utf-8"?>
-<p:sld xmlns:a="http://schemas.openxmlformats.org/drawingml/2006/main" xmlns:r="http://schemas.openxmlformats.org/officeDocument/2006/relationships" xmlns:p="http://schemas.openxmlformats.org/presentationml/2006/main">
-  <p:cSld>
-    <p:bg>
-      <p:bgPr>
-        <a:solidFill>
-          <a:schemeClr val="bg1"/>
-        </a:solidFill>
-        <a:effectLst/>
-      </p:bgPr>
-    </p:bg>
-    <p:spTree>
-      <p:nvGrpSpPr>
-        <p:cNvPr id="1" name=""/>
-        <p:cNvGrpSpPr/>
-        <p:nvPr/>
-      </p:nvGrpSpPr>
-      <p:grpSpPr>
-        <a:xfrm>
-          <a:off x="0" y="0"/>
-          <a:ext cx="0" cy="0"/>
-          <a:chOff x="0" y="0"/>
-          <a:chExt cx="0" cy="0"/>
-        </a:xfrm>
-      </p:grpSpPr>
-      <p:sp>
-        <p:nvSpPr>
-          <p:cNvPr id="2" name="Title 1">
-            <a:extLst>
-              <a:ext uri="{FF2B5EF4-FFF2-40B4-BE49-F238E27FC236}">
-                <a16:creationId xmlns:a16="http://schemas.microsoft.com/office/drawing/2014/main" id="{24C265DF-4994-4F5D-AE41-747A19798DF8}"/>
-              </a:ext>
-            </a:extLst>
-          </p:cNvPr>
-          <p:cNvSpPr>
-            <a:spLocks noGrp="1"/>
-          </p:cNvSpPr>
-          <p:nvPr>
-            <p:ph type="title"/>
-          </p:nvPr>
-        </p:nvSpPr>
-        <p:spPr>
-          <a:xfrm>
-            <a:off x="1136428" y="627564"/>
-            <a:ext cx="7474172" cy="1325563"/>
-          </a:xfrm>
-        </p:spPr>
-        <p:txBody>
-          <a:bodyPr>
-            <a:normAutofit/>
-          </a:bodyPr>
-          <a:lstStyle/>
-          <a:p>
-            <a:r>
-              <a:rPr lang="en-IN" b="1" dirty="0">
-                <a:latin typeface="Open Sans" panose="020B0606030504020204" pitchFamily="34" charset="0"/>
-                <a:ea typeface="Open Sans" panose="020B0606030504020204" pitchFamily="34" charset="0"/>
-                <a:cs typeface="Open Sans" panose="020B0606030504020204" pitchFamily="34" charset="0"/>
-              </a:rPr>
-              <a:t>Choosing the version</a:t>
-            </a:r>
-          </a:p>
-        </p:txBody>
-      </p:sp>
-      <p:sp>
-        <p:nvSpPr>
-          <p:cNvPr id="3" name="Content Placeholder 2">
-            <a:extLst>
-              <a:ext uri="{FF2B5EF4-FFF2-40B4-BE49-F238E27FC236}">
-                <a16:creationId xmlns:a16="http://schemas.microsoft.com/office/drawing/2014/main" id="{763D88F7-014E-43B6-A3A8-5EDD0F989D06}"/>
-              </a:ext>
-            </a:extLst>
-          </p:cNvPr>
-          <p:cNvSpPr>
-            <a:spLocks noGrp="1"/>
-          </p:cNvSpPr>
-          <p:nvPr>
-            <p:ph idx="1"/>
-          </p:nvPr>
-        </p:nvSpPr>
-        <p:spPr>
-          <a:xfrm>
-            <a:off x="1136429" y="2278173"/>
-            <a:ext cx="6467867" cy="3450613"/>
-          </a:xfrm>
-        </p:spPr>
-        <p:txBody>
-          <a:bodyPr anchor="ctr">
-            <a:normAutofit/>
-          </a:bodyPr>
-          <a:lstStyle/>
-          <a:p>
-            <a:r>
-              <a:rPr lang="en-IN" sz="2400" dirty="0">
-                <a:latin typeface="Open Sans" panose="020B0606030504020204" pitchFamily="34" charset="0"/>
-                <a:ea typeface="Open Sans" panose="020B0606030504020204" pitchFamily="34" charset="0"/>
-                <a:cs typeface="Open Sans" panose="020B0606030504020204" pitchFamily="34" charset="0"/>
-              </a:rPr>
-              <a:t>Why are there different versions? </a:t>
-            </a:r>
-          </a:p>
-          <a:p>
-            <a:r>
-              <a:rPr lang="en-IN" sz="2400" dirty="0">
-                <a:latin typeface="Open Sans" panose="020B0606030504020204" pitchFamily="34" charset="0"/>
-                <a:ea typeface="Open Sans" panose="020B0606030504020204" pitchFamily="34" charset="0"/>
-                <a:cs typeface="Open Sans" panose="020B0606030504020204" pitchFamily="34" charset="0"/>
-              </a:rPr>
-              <a:t>How are they different? </a:t>
-            </a:r>
-          </a:p>
-          <a:p>
-            <a:r>
-              <a:rPr lang="en-IN" sz="2400" dirty="0">
-                <a:latin typeface="Open Sans" panose="020B0606030504020204" pitchFamily="34" charset="0"/>
-                <a:ea typeface="Open Sans" panose="020B0606030504020204" pitchFamily="34" charset="0"/>
-                <a:cs typeface="Open Sans" panose="020B0606030504020204" pitchFamily="34" charset="0"/>
-              </a:rPr>
-              <a:t>Which one should we learn?</a:t>
-            </a:r>
-          </a:p>
-        </p:txBody>
-      </p:sp>
-      <p:sp>
-        <p:nvSpPr>
-          <p:cNvPr id="12" name="Rectangle 11">
-            <a:extLst>
-              <a:ext uri="{FF2B5EF4-FFF2-40B4-BE49-F238E27FC236}">
-                <a16:creationId xmlns:a16="http://schemas.microsoft.com/office/drawing/2014/main" id="{59A309A7-1751-4ABE-A3C1-EEC40366AD89}"/>
-              </a:ext>
-              <a:ext uri="{C183D7F6-B498-43B3-948B-1728B52AA6E4}">
-                <adec:decorative xmlns:adec="http://schemas.microsoft.com/office/drawing/2017/decorative" val="1"/>
-              </a:ext>
-            </a:extLst>
-          </p:cNvPr>
-          <p:cNvSpPr>
-            <a:spLocks noGrp="1" noRot="1" noChangeAspect="1" noMove="1" noResize="1" noEditPoints="1" noAdjustHandles="1" noChangeArrowheads="1" noChangeShapeType="1" noTextEdit="1"/>
-          </p:cNvSpPr>
-          <p:nvPr>
-            <p:extLst>
-              <p:ext uri="{386F3935-93C4-4BCD-93E2-E3B085C9AB24}">
-                <p16:designElem xmlns:p16="http://schemas.microsoft.com/office/powerpoint/2015/main" val="1"/>
-              </p:ext>
-            </p:extLst>
-          </p:nvPr>
-        </p:nvSpPr>
-        <p:spPr>
-          <a:xfrm>
-            <a:off x="10088880" y="0"/>
-            <a:ext cx="2103120" cy="6858000"/>
-          </a:xfrm>
-          <a:prstGeom prst="rect">
-            <a:avLst/>
-          </a:prstGeom>
-          <a:solidFill>
-            <a:schemeClr val="accent1"/>
-          </a:solidFill>
-          <a:ln>
-            <a:noFill/>
-          </a:ln>
-        </p:spPr>
-        <p:style>
-          <a:lnRef idx="2">
-            <a:schemeClr val="accent1">
-              <a:shade val="50000"/>
-            </a:schemeClr>
-          </a:lnRef>
-          <a:fillRef idx="1">
-            <a:schemeClr val="accent1"/>
-          </a:fillRef>
-          <a:effectRef idx="0">
-            <a:schemeClr val="accent1"/>
-          </a:effectRef>
-          <a:fontRef idx="minor">
-            <a:schemeClr val="lt1"/>
-          </a:fontRef>
-        </p:style>
-        <p:txBody>
-          <a:bodyPr rtlCol="0" anchor="ctr"/>
-          <a:lstStyle/>
-          <a:p>
-            <a:pPr algn="ctr"/>
-            <a:endParaRPr lang="en-US"/>
-          </a:p>
-        </p:txBody>
-      </p:sp>
-      <p:sp>
-        <p:nvSpPr>
-          <p:cNvPr id="14" name="Oval 13">
-            <a:extLst>
-              <a:ext uri="{FF2B5EF4-FFF2-40B4-BE49-F238E27FC236}">
-                <a16:creationId xmlns:a16="http://schemas.microsoft.com/office/drawing/2014/main" id="{967D8EB6-EAE1-4F9C-B398-83321E287204}"/>
-              </a:ext>
-              <a:ext uri="{C183D7F6-B498-43B3-948B-1728B52AA6E4}">
-                <adec:decorative xmlns:adec="http://schemas.microsoft.com/office/drawing/2017/decorative" val="1"/>
-              </a:ext>
-            </a:extLst>
-          </p:cNvPr>
-          <p:cNvSpPr>
-            <a:spLocks noGrp="1" noRot="1" noChangeAspect="1" noMove="1" noResize="1" noEditPoints="1" noAdjustHandles="1" noChangeArrowheads="1" noChangeShapeType="1" noTextEdit="1"/>
-          </p:cNvSpPr>
-          <p:nvPr>
-            <p:extLst>
-              <p:ext uri="{386F3935-93C4-4BCD-93E2-E3B085C9AB24}">
-                <p16:designElem xmlns:p16="http://schemas.microsoft.com/office/powerpoint/2015/main" val="1"/>
-              </p:ext>
-            </p:extLst>
-          </p:nvPr>
-        </p:nvSpPr>
-        <p:spPr>
-          <a:xfrm>
-            <a:off x="8915400" y="2358913"/>
-            <a:ext cx="2140172" cy="2140172"/>
-          </a:xfrm>
-          <a:prstGeom prst="ellipse">
-            <a:avLst/>
-          </a:prstGeom>
-          <a:solidFill>
-            <a:srgbClr val="FFFFFF"/>
-          </a:solidFill>
-          <a:ln w="22225">
-            <a:solidFill>
-              <a:schemeClr val="accent1"/>
-            </a:solidFill>
-          </a:ln>
-        </p:spPr>
-        <p:style>
-          <a:lnRef idx="2">
-            <a:schemeClr val="accent1">
-              <a:shade val="50000"/>
-            </a:schemeClr>
-          </a:lnRef>
-          <a:fillRef idx="1">
-            <a:schemeClr val="accent1"/>
-          </a:fillRef>
-          <a:effectRef idx="0">
-            <a:schemeClr val="accent1"/>
-          </a:effectRef>
-          <a:fontRef idx="minor">
-            <a:schemeClr val="lt1"/>
-          </a:fontRef>
-        </p:style>
-        <p:txBody>
-          <a:bodyPr rtlCol="0" anchor="ctr"/>
-          <a:lstStyle/>
-          <a:p>
-            <a:pPr algn="ctr"/>
-            <a:endParaRPr lang="en-US"/>
-          </a:p>
-        </p:txBody>
-      </p:sp>
-      <p:pic>
-        <p:nvPicPr>
-          <p:cNvPr id="7" name="Graphic 6" descr="Programmer">
-            <a:extLst>
-              <a:ext uri="{FF2B5EF4-FFF2-40B4-BE49-F238E27FC236}">
-                <a16:creationId xmlns:a16="http://schemas.microsoft.com/office/drawing/2014/main" id="{8D428013-FD3E-4A85-9466-27B23FA8DE54}"/>
-              </a:ext>
-            </a:extLst>
-          </p:cNvPr>
-          <p:cNvPicPr>
-            <a:picLocks noChangeAspect="1"/>
-          </p:cNvPicPr>
-          <p:nvPr/>
-        </p:nvPicPr>
-        <p:blipFill>
-          <a:blip r:embed="rId2">
-            <a:extLst>
-              <a:ext uri="{28A0092B-C50C-407E-A947-70E740481C1C}">
-                <a14:useLocalDpi xmlns:a14="http://schemas.microsoft.com/office/drawing/2010/main" val="0"/>
-              </a:ext>
-              <a:ext uri="{96DAC541-7B7A-43D3-8B79-37D633B846F1}">
-                <asvg:svgBlip xmlns:asvg="http://schemas.microsoft.com/office/drawing/2016/SVG/main" r:embed="rId3"/>
-              </a:ext>
-            </a:extLst>
-          </a:blip>
-          <a:stretch>
-            <a:fillRect/>
-          </a:stretch>
-        </p:blipFill>
-        <p:spPr>
-          <a:xfrm>
-            <a:off x="9413987" y="2857501"/>
-            <a:ext cx="1142998" cy="1142998"/>
-          </a:xfrm>
-          <a:prstGeom prst="rect">
-            <a:avLst/>
-          </a:prstGeom>
-        </p:spPr>
-      </p:pic>
-    </p:spTree>
-    <p:extLst>
-      <p:ext uri="{BB962C8B-B14F-4D97-AF65-F5344CB8AC3E}">
-        <p14:creationId xmlns:p14="http://schemas.microsoft.com/office/powerpoint/2010/main" val="2591609881"/>
-      </p:ext>
-    </p:extLst>
-  </p:cSld>
-  <p:clrMapOvr>
-    <a:masterClrMapping/>
-  </p:clrMapOvr>
-</p:sld>
-</file>
-
-<file path=ppt/slides/slide4.xml><?xml version="1.0" encoding="utf-8"?>
-<p:sld xmlns:a="http://schemas.openxmlformats.org/drawingml/2006/main" xmlns:r="http://schemas.openxmlformats.org/officeDocument/2006/relationships" xmlns:p="http://schemas.openxmlformats.org/presentationml/2006/main">
-  <p:cSld>
-    <p:bg>
-      <p:bgPr>
-        <a:solidFill>
-          <a:schemeClr val="bg1"/>
-        </a:solidFill>
-        <a:effectLst/>
-      </p:bgPr>
-    </p:bg>
-    <p:spTree>
-      <p:nvGrpSpPr>
-        <p:cNvPr id="1" name=""/>
-        <p:cNvGrpSpPr/>
-        <p:nvPr/>
-      </p:nvGrpSpPr>
-      <p:grpSpPr>
-        <a:xfrm>
-          <a:off x="0" y="0"/>
-          <a:ext cx="0" cy="0"/>
-          <a:chOff x="0" y="0"/>
-          <a:chExt cx="0" cy="0"/>
-        </a:xfrm>
-      </p:grpSpPr>
-      <p:sp>
-        <p:nvSpPr>
-          <p:cNvPr id="2" name="Title 1">
-            <a:extLst>
-              <a:ext uri="{FF2B5EF4-FFF2-40B4-BE49-F238E27FC236}">
-                <a16:creationId xmlns:a16="http://schemas.microsoft.com/office/drawing/2014/main" id="{24C265DF-4994-4F5D-AE41-747A19798DF8}"/>
-              </a:ext>
-            </a:extLst>
-          </p:cNvPr>
-          <p:cNvSpPr>
-            <a:spLocks noGrp="1"/>
-          </p:cNvSpPr>
-          <p:nvPr>
-            <p:ph type="title"/>
-          </p:nvPr>
-        </p:nvSpPr>
-        <p:spPr>
-          <a:xfrm>
-            <a:off x="1136428" y="627564"/>
-            <a:ext cx="7474172" cy="1325563"/>
-          </a:xfrm>
-        </p:spPr>
-        <p:txBody>
-          <a:bodyPr>
-            <a:normAutofit/>
-          </a:bodyPr>
-          <a:lstStyle/>
-          <a:p>
-            <a:r>
-              <a:rPr lang="en-IN" b="1" dirty="0">
-                <a:latin typeface="Open Sans" panose="020B0606030504020204" pitchFamily="34" charset="0"/>
-                <a:ea typeface="Open Sans" panose="020B0606030504020204" pitchFamily="34" charset="0"/>
-                <a:cs typeface="Open Sans" panose="020B0606030504020204" pitchFamily="34" charset="0"/>
-              </a:rPr>
-              <a:t> Learning environment</a:t>
-            </a:r>
-          </a:p>
-        </p:txBody>
-      </p:sp>
-      <p:sp>
-        <p:nvSpPr>
-          <p:cNvPr id="3" name="Content Placeholder 2">
-            <a:extLst>
-              <a:ext uri="{FF2B5EF4-FFF2-40B4-BE49-F238E27FC236}">
-                <a16:creationId xmlns:a16="http://schemas.microsoft.com/office/drawing/2014/main" id="{763D88F7-014E-43B6-A3A8-5EDD0F989D06}"/>
-              </a:ext>
-            </a:extLst>
-          </p:cNvPr>
-          <p:cNvSpPr>
-            <a:spLocks noGrp="1"/>
-          </p:cNvSpPr>
-          <p:nvPr>
-            <p:ph idx="1"/>
-          </p:nvPr>
-        </p:nvSpPr>
-        <p:spPr>
-          <a:xfrm>
-            <a:off x="1136429" y="2278173"/>
-            <a:ext cx="6467867" cy="3450613"/>
-          </a:xfrm>
-        </p:spPr>
-        <p:txBody>
-          <a:bodyPr anchor="ctr">
-            <a:normAutofit/>
-          </a:bodyPr>
-          <a:lstStyle/>
-          <a:p>
-            <a:r>
-              <a:rPr lang="en-IN" sz="2400" dirty="0">
-                <a:latin typeface="Open Sans" panose="020B0606030504020204" pitchFamily="34" charset="0"/>
-                <a:ea typeface="Open Sans" panose="020B0606030504020204" pitchFamily="34" charset="0"/>
-                <a:cs typeface="Open Sans" panose="020B0606030504020204" pitchFamily="34" charset="0"/>
-              </a:rPr>
-              <a:t>VS code</a:t>
-            </a:r>
-          </a:p>
-          <a:p>
-            <a:r>
-              <a:rPr lang="en-IN" sz="2400" dirty="0">
-                <a:latin typeface="Open Sans" panose="020B0606030504020204" pitchFamily="34" charset="0"/>
-                <a:ea typeface="Open Sans" panose="020B0606030504020204" pitchFamily="34" charset="0"/>
-                <a:cs typeface="Open Sans" panose="020B0606030504020204" pitchFamily="34" charset="0"/>
-              </a:rPr>
-              <a:t>Anaconda / </a:t>
-            </a:r>
-            <a:r>
-              <a:rPr lang="en-IN" sz="2400" dirty="0" err="1">
-                <a:latin typeface="Open Sans" panose="020B0606030504020204" pitchFamily="34" charset="0"/>
-                <a:ea typeface="Open Sans" panose="020B0606030504020204" pitchFamily="34" charset="0"/>
-                <a:cs typeface="Open Sans" panose="020B0606030504020204" pitchFamily="34" charset="0"/>
-              </a:rPr>
-              <a:t>Jupyter</a:t>
-            </a:r>
-            <a:r>
-              <a:rPr lang="en-IN" sz="2400" dirty="0">
-                <a:latin typeface="Open Sans" panose="020B0606030504020204" pitchFamily="34" charset="0"/>
-                <a:ea typeface="Open Sans" panose="020B0606030504020204" pitchFamily="34" charset="0"/>
-                <a:cs typeface="Open Sans" panose="020B0606030504020204" pitchFamily="34" charset="0"/>
-              </a:rPr>
-              <a:t> Notebook</a:t>
-            </a:r>
-          </a:p>
-          <a:p>
-            <a:r>
-              <a:rPr lang="en-IN" sz="2400" dirty="0">
-                <a:latin typeface="Open Sans" panose="020B0606030504020204" pitchFamily="34" charset="0"/>
-                <a:ea typeface="Open Sans" panose="020B0606030504020204" pitchFamily="34" charset="0"/>
-                <a:cs typeface="Open Sans" panose="020B0606030504020204" pitchFamily="34" charset="0"/>
-              </a:rPr>
-              <a:t>Google </a:t>
-            </a:r>
-            <a:r>
-              <a:rPr lang="en-IN" sz="2400" dirty="0" err="1">
-                <a:latin typeface="Open Sans" panose="020B0606030504020204" pitchFamily="34" charset="0"/>
-                <a:ea typeface="Open Sans" panose="020B0606030504020204" pitchFamily="34" charset="0"/>
-                <a:cs typeface="Open Sans" panose="020B0606030504020204" pitchFamily="34" charset="0"/>
-              </a:rPr>
-              <a:t>Colab</a:t>
-            </a:r>
-            <a:endParaRPr lang="en-IN" sz="2400" dirty="0">
-              <a:latin typeface="Open Sans" panose="020B0606030504020204" pitchFamily="34" charset="0"/>
-              <a:ea typeface="Open Sans" panose="020B0606030504020204" pitchFamily="34" charset="0"/>
-              <a:cs typeface="Open Sans" panose="020B0606030504020204" pitchFamily="34" charset="0"/>
-            </a:endParaRPr>
-          </a:p>
-        </p:txBody>
-      </p:sp>
-      <p:sp>
-        <p:nvSpPr>
-          <p:cNvPr id="9" name="Rectangle 11">
-            <a:extLst>
-              <a:ext uri="{FF2B5EF4-FFF2-40B4-BE49-F238E27FC236}">
-                <a16:creationId xmlns:a16="http://schemas.microsoft.com/office/drawing/2014/main" id="{59A309A7-1751-4ABE-A3C1-EEC40366AD89}"/>
-              </a:ext>
-              <a:ext uri="{C183D7F6-B498-43B3-948B-1728B52AA6E4}">
-                <adec:decorative xmlns:adec="http://schemas.microsoft.com/office/drawing/2017/decorative" val="1"/>
-              </a:ext>
-            </a:extLst>
-          </p:cNvPr>
-          <p:cNvSpPr>
-            <a:spLocks noGrp="1" noRot="1" noChangeAspect="1" noMove="1" noResize="1" noEditPoints="1" noAdjustHandles="1" noChangeArrowheads="1" noChangeShapeType="1" noTextEdit="1"/>
-          </p:cNvSpPr>
-          <p:nvPr>
-            <p:extLst>
-              <p:ext uri="{386F3935-93C4-4BCD-93E2-E3B085C9AB24}">
-                <p16:designElem xmlns:p16="http://schemas.microsoft.com/office/powerpoint/2015/main" val="1"/>
-              </p:ext>
-            </p:extLst>
-          </p:nvPr>
-        </p:nvSpPr>
-        <p:spPr>
-          <a:xfrm>
-            <a:off x="10088880" y="0"/>
-            <a:ext cx="2103120" cy="6858000"/>
-          </a:xfrm>
-          <a:prstGeom prst="rect">
-            <a:avLst/>
-          </a:prstGeom>
-          <a:solidFill>
-            <a:schemeClr val="accent1"/>
-          </a:solidFill>
-          <a:ln>
-            <a:noFill/>
-          </a:ln>
-        </p:spPr>
-        <p:style>
-          <a:lnRef idx="2">
-            <a:schemeClr val="accent1">
-              <a:shade val="50000"/>
-            </a:schemeClr>
-          </a:lnRef>
-          <a:fillRef idx="1">
-            <a:schemeClr val="accent1"/>
-          </a:fillRef>
-          <a:effectRef idx="0">
-            <a:schemeClr val="accent1"/>
-          </a:effectRef>
-          <a:fontRef idx="minor">
-            <a:schemeClr val="lt1"/>
-          </a:fontRef>
-        </p:style>
-        <p:txBody>
-          <a:bodyPr rtlCol="0" anchor="ctr"/>
-          <a:lstStyle/>
-          <a:p>
-            <a:pPr algn="ctr"/>
-            <a:endParaRPr lang="en-US"/>
-          </a:p>
-        </p:txBody>
-      </p:sp>
-      <p:sp>
-        <p:nvSpPr>
-          <p:cNvPr id="10" name="Oval 13">
-            <a:extLst>
-              <a:ext uri="{FF2B5EF4-FFF2-40B4-BE49-F238E27FC236}">
-                <a16:creationId xmlns:a16="http://schemas.microsoft.com/office/drawing/2014/main" id="{967D8EB6-EAE1-4F9C-B398-83321E287204}"/>
-              </a:ext>
-              <a:ext uri="{C183D7F6-B498-43B3-948B-1728B52AA6E4}">
-                <adec:decorative xmlns:adec="http://schemas.microsoft.com/office/drawing/2017/decorative" val="1"/>
-              </a:ext>
-            </a:extLst>
-          </p:cNvPr>
-          <p:cNvSpPr>
-            <a:spLocks noGrp="1" noRot="1" noChangeAspect="1" noMove="1" noResize="1" noEditPoints="1" noAdjustHandles="1" noChangeArrowheads="1" noChangeShapeType="1" noTextEdit="1"/>
-          </p:cNvSpPr>
-          <p:nvPr>
-            <p:extLst>
-              <p:ext uri="{386F3935-93C4-4BCD-93E2-E3B085C9AB24}">
-                <p16:designElem xmlns:p16="http://schemas.microsoft.com/office/powerpoint/2015/main" val="1"/>
-              </p:ext>
-            </p:extLst>
-          </p:nvPr>
-        </p:nvSpPr>
-        <p:spPr>
-          <a:xfrm>
-            <a:off x="8915400" y="2358913"/>
-            <a:ext cx="2140172" cy="2140172"/>
-          </a:xfrm>
-          <a:prstGeom prst="ellipse">
-            <a:avLst/>
-          </a:prstGeom>
-          <a:solidFill>
-            <a:srgbClr val="FFFFFF"/>
-          </a:solidFill>
-          <a:ln w="22225">
-            <a:solidFill>
-              <a:schemeClr val="accent1"/>
-            </a:solidFill>
-          </a:ln>
-        </p:spPr>
-        <p:style>
-          <a:lnRef idx="2">
-            <a:schemeClr val="accent1">
-              <a:shade val="50000"/>
-            </a:schemeClr>
-          </a:lnRef>
-          <a:fillRef idx="1">
-            <a:schemeClr val="accent1"/>
-          </a:fillRef>
-          <a:effectRef idx="0">
-            <a:schemeClr val="accent1"/>
-          </a:effectRef>
-          <a:fontRef idx="minor">
-            <a:schemeClr val="lt1"/>
-          </a:fontRef>
-        </p:style>
-        <p:txBody>
-          <a:bodyPr rtlCol="0" anchor="ctr"/>
-          <a:lstStyle/>
-          <a:p>
-            <a:pPr algn="ctr"/>
-            <a:endParaRPr lang="en-US"/>
-          </a:p>
-        </p:txBody>
-      </p:sp>
-      <p:pic>
-        <p:nvPicPr>
-          <p:cNvPr id="7" name="Graphic 6" descr="Programmer">
-            <a:extLst>
-              <a:ext uri="{FF2B5EF4-FFF2-40B4-BE49-F238E27FC236}">
-                <a16:creationId xmlns:a16="http://schemas.microsoft.com/office/drawing/2014/main" id="{8D428013-FD3E-4A85-9466-27B23FA8DE54}"/>
-              </a:ext>
-            </a:extLst>
-          </p:cNvPr>
-          <p:cNvPicPr>
-            <a:picLocks noChangeAspect="1"/>
-          </p:cNvPicPr>
-          <p:nvPr/>
-        </p:nvPicPr>
-        <p:blipFill>
-          <a:blip r:embed="rId2">
-            <a:extLst>
-              <a:ext uri="{28A0092B-C50C-407E-A947-70E740481C1C}">
-                <a14:useLocalDpi xmlns:a14="http://schemas.microsoft.com/office/drawing/2010/main" val="0"/>
-              </a:ext>
-              <a:ext uri="{96DAC541-7B7A-43D3-8B79-37D633B846F1}">
-                <asvg:svgBlip xmlns:asvg="http://schemas.microsoft.com/office/drawing/2016/SVG/main" r:embed="rId3"/>
-              </a:ext>
-            </a:extLst>
-          </a:blip>
-          <a:stretch>
-            <a:fillRect/>
-          </a:stretch>
-        </p:blipFill>
-        <p:spPr>
-          <a:xfrm>
-            <a:off x="9413987" y="2857501"/>
-            <a:ext cx="1142998" cy="1142998"/>
-          </a:xfrm>
-          <a:prstGeom prst="rect">
-            <a:avLst/>
-          </a:prstGeom>
-        </p:spPr>
-      </p:pic>
-    </p:spTree>
-    <p:extLst>
-      <p:ext uri="{BB962C8B-B14F-4D97-AF65-F5344CB8AC3E}">
-        <p14:creationId xmlns:p14="http://schemas.microsoft.com/office/powerpoint/2010/main" val="3999249808"/>
-      </p:ext>
-    </p:extLst>
-  </p:cSld>
-  <p:clrMapOvr>
-    <a:masterClrMapping/>
-  </p:clrMapOvr>
-</p:sld>
-</file>
-
-<file path=ppt/slides/slide5.xml><?xml version="1.0" encoding="utf-8"?>
-<p:sld xmlns:a="http://schemas.openxmlformats.org/drawingml/2006/main" xmlns:r="http://schemas.openxmlformats.org/officeDocument/2006/relationships" xmlns:p="http://schemas.openxmlformats.org/presentationml/2006/main">
-  <p:cSld>
-    <p:bg>
-      <p:bgPr>
-        <a:solidFill>
-          <a:schemeClr val="bg1"/>
-        </a:solidFill>
-        <a:effectLst/>
-      </p:bgPr>
-    </p:bg>
-    <p:spTree>
-      <p:nvGrpSpPr>
-        <p:cNvPr id="1" name=""/>
-        <p:cNvGrpSpPr/>
-        <p:nvPr/>
-      </p:nvGrpSpPr>
-      <p:grpSpPr>
-        <a:xfrm>
-          <a:off x="0" y="0"/>
-          <a:ext cx="0" cy="0"/>
-          <a:chOff x="0" y="0"/>
-          <a:chExt cx="0" cy="0"/>
-        </a:xfrm>
-      </p:grpSpPr>
-      <p:sp>
-        <p:nvSpPr>
-          <p:cNvPr id="2" name="Title 1">
-            <a:extLst>
-              <a:ext uri="{FF2B5EF4-FFF2-40B4-BE49-F238E27FC236}">
-                <a16:creationId xmlns:a16="http://schemas.microsoft.com/office/drawing/2014/main" id="{24C265DF-4994-4F5D-AE41-747A19798DF8}"/>
-              </a:ext>
-            </a:extLst>
-          </p:cNvPr>
-          <p:cNvSpPr>
-            <a:spLocks noGrp="1"/>
-          </p:cNvSpPr>
-          <p:nvPr>
-            <p:ph type="title"/>
-          </p:nvPr>
-        </p:nvSpPr>
-        <p:spPr>
-          <a:xfrm>
-            <a:off x="838200" y="108951"/>
-            <a:ext cx="10515600" cy="696268"/>
-          </a:xfrm>
-        </p:spPr>
-        <p:txBody>
-          <a:bodyPr>
-            <a:normAutofit/>
-          </a:bodyPr>
-          <a:lstStyle/>
-          <a:p>
-            <a:pPr algn="ctr"/>
-            <a:r>
-              <a:rPr lang="en-IN" b="1" dirty="0">
-                <a:latin typeface="Open Sans" panose="020B0606030504020204" pitchFamily="34" charset="0"/>
-                <a:ea typeface="Open Sans" panose="020B0606030504020204" pitchFamily="34" charset="0"/>
-                <a:cs typeface="Open Sans" panose="020B0606030504020204" pitchFamily="34" charset="0"/>
-              </a:rPr>
-              <a:t> Object-Oriented Programming</a:t>
-            </a:r>
-          </a:p>
-        </p:txBody>
-      </p:sp>
-      <p:sp>
-        <p:nvSpPr>
-          <p:cNvPr id="13" name="Content Placeholder 2">
-            <a:extLst>
-              <a:ext uri="{FF2B5EF4-FFF2-40B4-BE49-F238E27FC236}">
-                <a16:creationId xmlns:a16="http://schemas.microsoft.com/office/drawing/2014/main" id="{763D88F7-014E-43B6-A3A8-5EDD0F989D06}"/>
-              </a:ext>
-            </a:extLst>
-          </p:cNvPr>
-          <p:cNvSpPr>
-            <a:spLocks noGrp="1"/>
-          </p:cNvSpPr>
-          <p:nvPr>
-            <p:ph idx="4294967295"/>
-          </p:nvPr>
-        </p:nvSpPr>
-        <p:spPr>
-          <a:xfrm>
-            <a:off x="286603" y="1683657"/>
-            <a:ext cx="3295121" cy="5064217"/>
-          </a:xfrm>
-          <a:solidFill>
-            <a:schemeClr val="bg2"/>
-          </a:solidFill>
-        </p:spPr>
-        <p:txBody>
-          <a:bodyPr anchor="ctr">
-            <a:normAutofit/>
-          </a:bodyPr>
-          <a:lstStyle/>
-          <a:p>
-            <a:pPr marL="0" indent="0">
-              <a:buNone/>
-            </a:pPr>
-            <a:r>
-              <a:rPr lang="en-IN" sz="1400" dirty="0">
-                <a:latin typeface="Open Sans" panose="020B0606030504020204" pitchFamily="34" charset="0"/>
-                <a:ea typeface="Open Sans" panose="020B0606030504020204" pitchFamily="34" charset="0"/>
-                <a:cs typeface="Open Sans" panose="020B0606030504020204" pitchFamily="34" charset="0"/>
-              </a:rPr>
-              <a:t>document.addEventListener("DOMContentLoaded", function () {var question = prompt("Ask magic 8 ball a question");var answer = Math.floor(Math.random() * 8) + 1; if (answer == 1) {alert("It is certain");} else if (answer == 2) {alert("Outlook good");} else if (answer == 3) {alert("You may rely on it");} else if (answer == 4) {alert("Ask again later");} else if (answer == 5) {alert("Concentrate and ask again");} else if (answer == 6) {alert ("Reply hazy, try again");} else if (answer == 7) {alert("My reply is no");} else if (answer == 8) {alert("My sources say no")} else {alert ("That's not a question");}alert("The end");})</a:t>
-            </a:r>
-          </a:p>
-        </p:txBody>
-      </p:sp>
-      <p:sp>
-        <p:nvSpPr>
-          <p:cNvPr id="15" name="Content Placeholder 2">
-            <a:extLst>
-              <a:ext uri="{FF2B5EF4-FFF2-40B4-BE49-F238E27FC236}">
-                <a16:creationId xmlns:a16="http://schemas.microsoft.com/office/drawing/2014/main" id="{97E68038-4EED-4D29-BE9C-FE7C116A85C0}"/>
-              </a:ext>
-            </a:extLst>
-          </p:cNvPr>
-          <p:cNvSpPr txBox="1">
-            <a:spLocks/>
-          </p:cNvSpPr>
-          <p:nvPr/>
-        </p:nvSpPr>
-        <p:spPr>
-          <a:xfrm>
-            <a:off x="4373087" y="1683657"/>
-            <a:ext cx="3295121" cy="5064805"/>
-          </a:xfrm>
-          <a:prstGeom prst="rect">
-            <a:avLst/>
-          </a:prstGeom>
-          <a:solidFill>
-            <a:schemeClr val="bg2"/>
-          </a:solidFill>
-        </p:spPr>
-        <p:txBody>
-          <a:bodyPr vert="horz" lIns="91440" tIns="45720" rIns="91440" bIns="45720" rtlCol="0" anchor="ctr">
-            <a:normAutofit fontScale="70000" lnSpcReduction="20000"/>
-          </a:bodyPr>
-          <a:lstStyle>
-            <a:lvl1pPr marL="228600" indent="-228600" algn="l" defTabSz="914400" rtl="0" eaLnBrk="1" latinLnBrk="0" hangingPunct="1">
-              <a:lnSpc>
-                <a:spcPct val="90000"/>
-              </a:lnSpc>
-              <a:spcBef>
-                <a:spcPts val="1000"/>
-              </a:spcBef>
-              <a:buFont typeface="Arial" panose="020B0604020202020204" pitchFamily="34" charset="0"/>
-              <a:buChar char="•"/>
-              <a:defRPr sz="2800" kern="1200">
-                <a:solidFill>
-                  <a:schemeClr val="tx1"/>
-                </a:solidFill>
-                <a:latin typeface="+mn-lt"/>
-                <a:ea typeface="+mn-ea"/>
-                <a:cs typeface="+mn-cs"/>
-              </a:defRPr>
-            </a:lvl1pPr>
-            <a:lvl2pPr marL="685800" indent="-228600" algn="l" defTabSz="914400" rtl="0" eaLnBrk="1" latinLnBrk="0" hangingPunct="1">
-              <a:lnSpc>
-                <a:spcPct val="90000"/>
-              </a:lnSpc>
-              <a:spcBef>
-                <a:spcPts val="500"/>
-              </a:spcBef>
-              <a:buFont typeface="Arial" panose="020B0604020202020204" pitchFamily="34" charset="0"/>
-              <a:buChar char="•"/>
-              <a:defRPr sz="2400" kern="1200">
-                <a:solidFill>
-                  <a:schemeClr val="tx1"/>
-                </a:solidFill>
-                <a:latin typeface="+mn-lt"/>
-                <a:ea typeface="+mn-ea"/>
-                <a:cs typeface="+mn-cs"/>
-              </a:defRPr>
-            </a:lvl2pPr>
-            <a:lvl3pPr marL="1143000" indent="-228600" algn="l" defTabSz="914400" rtl="0" eaLnBrk="1" latinLnBrk="0" hangingPunct="1">
-              <a:lnSpc>
-                <a:spcPct val="90000"/>
-              </a:lnSpc>
-              <a:spcBef>
-                <a:spcPts val="500"/>
-              </a:spcBef>
-              <a:buFont typeface="Arial" panose="020B0604020202020204" pitchFamily="34" charset="0"/>
-              <a:buChar char="•"/>
-              <a:defRPr sz="2000" kern="1200">
-                <a:solidFill>
-                  <a:schemeClr val="tx1"/>
-                </a:solidFill>
-                <a:latin typeface="+mn-lt"/>
-                <a:ea typeface="+mn-ea"/>
-                <a:cs typeface="+mn-cs"/>
-              </a:defRPr>
-            </a:lvl3pPr>
-            <a:lvl4pPr marL="1600200" indent="-228600" algn="l" defTabSz="914400" rtl="0" eaLnBrk="1" latinLnBrk="0" hangingPunct="1">
-              <a:lnSpc>
-                <a:spcPct val="90000"/>
-              </a:lnSpc>
-              <a:spcBef>
-                <a:spcPts val="500"/>
-              </a:spcBef>
-              <a:buFont typeface="Arial" panose="020B0604020202020204" pitchFamily="34" charset="0"/>
-              <a:buChar char="•"/>
-              <a:defRPr sz="1800" kern="1200">
-                <a:solidFill>
-                  <a:schemeClr val="tx1"/>
-                </a:solidFill>
-                <a:latin typeface="+mn-lt"/>
-                <a:ea typeface="+mn-ea"/>
-                <a:cs typeface="+mn-cs"/>
-              </a:defRPr>
-            </a:lvl4pPr>
-            <a:lvl5pPr marL="2057400" indent="-228600" algn="l" defTabSz="914400" rtl="0" eaLnBrk="1" latinLnBrk="0" hangingPunct="1">
-              <a:lnSpc>
-                <a:spcPct val="90000"/>
-              </a:lnSpc>
-              <a:spcBef>
-                <a:spcPts val="500"/>
-              </a:spcBef>
-              <a:buFont typeface="Arial" panose="020B0604020202020204" pitchFamily="34" charset="0"/>
-              <a:buChar char="•"/>
-              <a:defRPr sz="1800" kern="1200">
-                <a:solidFill>
-                  <a:schemeClr val="tx1"/>
-                </a:solidFill>
-                <a:latin typeface="+mn-lt"/>
-                <a:ea typeface="+mn-ea"/>
-                <a:cs typeface="+mn-cs"/>
-              </a:defRPr>
-            </a:lvl5pPr>
-            <a:lvl6pPr marL="2514600" indent="-228600" algn="l" defTabSz="914400" rtl="0" eaLnBrk="1" latinLnBrk="0" hangingPunct="1">
-              <a:lnSpc>
-                <a:spcPct val="90000"/>
-              </a:lnSpc>
-              <a:spcBef>
-                <a:spcPts val="500"/>
-              </a:spcBef>
-              <a:buFont typeface="Arial" panose="020B0604020202020204" pitchFamily="34" charset="0"/>
-              <a:buChar char="•"/>
-              <a:defRPr sz="1800" kern="1200">
-                <a:solidFill>
-                  <a:schemeClr val="tx1"/>
-                </a:solidFill>
-                <a:latin typeface="+mn-lt"/>
-                <a:ea typeface="+mn-ea"/>
-                <a:cs typeface="+mn-cs"/>
-              </a:defRPr>
-            </a:lvl6pPr>
-            <a:lvl7pPr marL="2971800" indent="-228600" algn="l" defTabSz="914400" rtl="0" eaLnBrk="1" latinLnBrk="0" hangingPunct="1">
-              <a:lnSpc>
-                <a:spcPct val="90000"/>
-              </a:lnSpc>
-              <a:spcBef>
-                <a:spcPts val="500"/>
-              </a:spcBef>
-              <a:buFont typeface="Arial" panose="020B0604020202020204" pitchFamily="34" charset="0"/>
-              <a:buChar char="•"/>
-              <a:defRPr sz="1800" kern="1200">
-                <a:solidFill>
-                  <a:schemeClr val="tx1"/>
-                </a:solidFill>
-                <a:latin typeface="+mn-lt"/>
-                <a:ea typeface="+mn-ea"/>
-                <a:cs typeface="+mn-cs"/>
-              </a:defRPr>
-            </a:lvl7pPr>
-            <a:lvl8pPr marL="3429000" indent="-228600" algn="l" defTabSz="914400" rtl="0" eaLnBrk="1" latinLnBrk="0" hangingPunct="1">
-              <a:lnSpc>
-                <a:spcPct val="90000"/>
-              </a:lnSpc>
-              <a:spcBef>
-                <a:spcPts val="500"/>
-              </a:spcBef>
-              <a:buFont typeface="Arial" panose="020B0604020202020204" pitchFamily="34" charset="0"/>
-              <a:buChar char="•"/>
-              <a:defRPr sz="1800" kern="1200">
-                <a:solidFill>
-                  <a:schemeClr val="tx1"/>
-                </a:solidFill>
-                <a:latin typeface="+mn-lt"/>
-                <a:ea typeface="+mn-ea"/>
-                <a:cs typeface="+mn-cs"/>
-              </a:defRPr>
-            </a:lvl8pPr>
-            <a:lvl9pPr marL="3886200" indent="-228600" algn="l" defTabSz="914400" rtl="0" eaLnBrk="1" latinLnBrk="0" hangingPunct="1">
-              <a:lnSpc>
-                <a:spcPct val="90000"/>
-              </a:lnSpc>
-              <a:spcBef>
-                <a:spcPts val="500"/>
-              </a:spcBef>
-              <a:buFont typeface="Arial" panose="020B0604020202020204" pitchFamily="34" charset="0"/>
-              <a:buChar char="•"/>
-              <a:defRPr sz="1800" kern="1200">
-                <a:solidFill>
-                  <a:schemeClr val="tx1"/>
-                </a:solidFill>
-                <a:latin typeface="+mn-lt"/>
-                <a:ea typeface="+mn-ea"/>
-                <a:cs typeface="+mn-cs"/>
-              </a:defRPr>
-            </a:lvl9pPr>
-          </a:lstStyle>
-          <a:p>
-            <a:pPr marL="0" indent="0">
-              <a:lnSpc>
-                <a:spcPct val="120000"/>
-              </a:lnSpc>
-              <a:spcBef>
-                <a:spcPts val="0"/>
-              </a:spcBef>
-              <a:buNone/>
-            </a:pPr>
-            <a:r>
-              <a:rPr lang="en-IN" sz="1600" dirty="0">
-                <a:latin typeface="Open Sans" panose="020B0606030504020204" pitchFamily="34" charset="0"/>
-                <a:ea typeface="Open Sans" panose="020B0606030504020204" pitchFamily="34" charset="0"/>
-                <a:cs typeface="Open Sans" panose="020B0606030504020204" pitchFamily="34" charset="0"/>
-              </a:rPr>
-              <a:t>document.addEventListener("DOMContentLoaded", function () {</a:t>
-            </a:r>
-          </a:p>
-          <a:p>
-            <a:pPr marL="0" indent="0" defTabSz="449263">
-              <a:lnSpc>
-                <a:spcPct val="120000"/>
-              </a:lnSpc>
-              <a:spcBef>
-                <a:spcPts val="0"/>
-              </a:spcBef>
-              <a:buNone/>
-            </a:pPr>
-            <a:r>
-              <a:rPr lang="en-IN" sz="1600" dirty="0">
-                <a:latin typeface="Open Sans" panose="020B0606030504020204" pitchFamily="34" charset="0"/>
-                <a:ea typeface="Open Sans" panose="020B0606030504020204" pitchFamily="34" charset="0"/>
-                <a:cs typeface="Open Sans" panose="020B0606030504020204" pitchFamily="34" charset="0"/>
-              </a:rPr>
-              <a:t> 	var question = prompt("Ask magic 8 ball a question");</a:t>
-            </a:r>
-          </a:p>
-          <a:p>
-            <a:pPr marL="0" indent="0">
-              <a:lnSpc>
-                <a:spcPct val="120000"/>
-              </a:lnSpc>
-              <a:spcBef>
-                <a:spcPts val="0"/>
-              </a:spcBef>
-              <a:buNone/>
-              <a:tabLst>
-                <a:tab pos="449263" algn="l"/>
-              </a:tabLst>
-            </a:pPr>
-            <a:r>
-              <a:rPr lang="en-IN" sz="1600" dirty="0">
-                <a:latin typeface="Open Sans" panose="020B0606030504020204" pitchFamily="34" charset="0"/>
-                <a:ea typeface="Open Sans" panose="020B0606030504020204" pitchFamily="34" charset="0"/>
-                <a:cs typeface="Open Sans" panose="020B0606030504020204" pitchFamily="34" charset="0"/>
-              </a:rPr>
-              <a:t> 	var answer = Math.floor(Math.random() * 8) + 1;</a:t>
-            </a:r>
-          </a:p>
-          <a:p>
-            <a:pPr marL="0" indent="0" defTabSz="449263">
-              <a:lnSpc>
-                <a:spcPct val="120000"/>
-              </a:lnSpc>
-              <a:spcBef>
-                <a:spcPts val="0"/>
-              </a:spcBef>
-              <a:buNone/>
-            </a:pPr>
-            <a:r>
-              <a:rPr lang="en-IN" sz="1600" dirty="0">
-                <a:latin typeface="Open Sans" panose="020B0606030504020204" pitchFamily="34" charset="0"/>
-                <a:ea typeface="Open Sans" panose="020B0606030504020204" pitchFamily="34" charset="0"/>
-                <a:cs typeface="Open Sans" panose="020B0606030504020204" pitchFamily="34" charset="0"/>
-              </a:rPr>
-              <a:t> 	if (answer == 1) {</a:t>
-            </a:r>
-          </a:p>
-          <a:p>
-            <a:pPr marL="0" indent="0">
-              <a:lnSpc>
-                <a:spcPct val="120000"/>
-              </a:lnSpc>
-              <a:spcBef>
-                <a:spcPts val="0"/>
-              </a:spcBef>
-              <a:buNone/>
-            </a:pPr>
-            <a:r>
-              <a:rPr lang="en-IN" sz="1600" dirty="0">
-                <a:latin typeface="Open Sans" panose="020B0606030504020204" pitchFamily="34" charset="0"/>
-                <a:ea typeface="Open Sans" panose="020B0606030504020204" pitchFamily="34" charset="0"/>
-                <a:cs typeface="Open Sans" panose="020B0606030504020204" pitchFamily="34" charset="0"/>
-              </a:rPr>
-              <a:t> 	alert("It is certain");</a:t>
-            </a:r>
-          </a:p>
-          <a:p>
-            <a:pPr marL="0" indent="0" defTabSz="449263">
-              <a:lnSpc>
-                <a:spcPct val="120000"/>
-              </a:lnSpc>
-              <a:spcBef>
-                <a:spcPts val="0"/>
-              </a:spcBef>
-              <a:buNone/>
-            </a:pPr>
-            <a:r>
-              <a:rPr lang="en-IN" sz="1600" dirty="0">
-                <a:latin typeface="Open Sans" panose="020B0606030504020204" pitchFamily="34" charset="0"/>
-                <a:ea typeface="Open Sans" panose="020B0606030504020204" pitchFamily="34" charset="0"/>
-                <a:cs typeface="Open Sans" panose="020B0606030504020204" pitchFamily="34" charset="0"/>
-              </a:rPr>
-              <a:t> 	} else if (answer == 2) {</a:t>
-            </a:r>
-          </a:p>
-          <a:p>
-            <a:pPr marL="0" indent="0">
-              <a:lnSpc>
-                <a:spcPct val="120000"/>
-              </a:lnSpc>
-              <a:spcBef>
-                <a:spcPts val="0"/>
-              </a:spcBef>
-              <a:buNone/>
-            </a:pPr>
-            <a:r>
-              <a:rPr lang="en-IN" sz="1600" dirty="0">
-                <a:latin typeface="Open Sans" panose="020B0606030504020204" pitchFamily="34" charset="0"/>
-                <a:ea typeface="Open Sans" panose="020B0606030504020204" pitchFamily="34" charset="0"/>
-                <a:cs typeface="Open Sans" panose="020B0606030504020204" pitchFamily="34" charset="0"/>
-              </a:rPr>
-              <a:t> 	alert("Outlook good");</a:t>
-            </a:r>
-          </a:p>
-          <a:p>
-            <a:pPr marL="0" indent="0">
-              <a:lnSpc>
-                <a:spcPct val="120000"/>
-              </a:lnSpc>
-              <a:spcBef>
-                <a:spcPts val="0"/>
-              </a:spcBef>
-              <a:buNone/>
-              <a:tabLst>
-                <a:tab pos="449263" algn="l"/>
-              </a:tabLst>
-            </a:pPr>
-            <a:r>
-              <a:rPr lang="en-IN" sz="1600" dirty="0">
-                <a:latin typeface="Open Sans" panose="020B0606030504020204" pitchFamily="34" charset="0"/>
-                <a:ea typeface="Open Sans" panose="020B0606030504020204" pitchFamily="34" charset="0"/>
-                <a:cs typeface="Open Sans" panose="020B0606030504020204" pitchFamily="34" charset="0"/>
-              </a:rPr>
-              <a:t> 	} else if (answer == 3) {</a:t>
-            </a:r>
-          </a:p>
-          <a:p>
-            <a:pPr marL="0" indent="0">
-              <a:lnSpc>
-                <a:spcPct val="120000"/>
-              </a:lnSpc>
-              <a:spcBef>
-                <a:spcPts val="0"/>
-              </a:spcBef>
-              <a:buNone/>
-            </a:pPr>
-            <a:r>
-              <a:rPr lang="en-IN" sz="1600" dirty="0">
-                <a:latin typeface="Open Sans" panose="020B0606030504020204" pitchFamily="34" charset="0"/>
-                <a:ea typeface="Open Sans" panose="020B0606030504020204" pitchFamily="34" charset="0"/>
-                <a:cs typeface="Open Sans" panose="020B0606030504020204" pitchFamily="34" charset="0"/>
-              </a:rPr>
-              <a:t> 	alert("You may rely on it");</a:t>
-            </a:r>
-          </a:p>
-          <a:p>
-            <a:pPr marL="0" indent="0" defTabSz="449263">
-              <a:lnSpc>
-                <a:spcPct val="120000"/>
-              </a:lnSpc>
-              <a:spcBef>
-                <a:spcPts val="0"/>
-              </a:spcBef>
-              <a:buNone/>
-            </a:pPr>
-            <a:r>
-              <a:rPr lang="en-IN" sz="1600" dirty="0">
-                <a:latin typeface="Open Sans" panose="020B0606030504020204" pitchFamily="34" charset="0"/>
-                <a:ea typeface="Open Sans" panose="020B0606030504020204" pitchFamily="34" charset="0"/>
-                <a:cs typeface="Open Sans" panose="020B0606030504020204" pitchFamily="34" charset="0"/>
-              </a:rPr>
-              <a:t> 	} else if (answer == 4) {</a:t>
-            </a:r>
-          </a:p>
-          <a:p>
-            <a:pPr marL="0" indent="0">
-              <a:lnSpc>
-                <a:spcPct val="120000"/>
-              </a:lnSpc>
-              <a:spcBef>
-                <a:spcPts val="0"/>
-              </a:spcBef>
-              <a:buNone/>
-            </a:pPr>
-            <a:r>
-              <a:rPr lang="en-IN" sz="1600" dirty="0">
-                <a:latin typeface="Open Sans" panose="020B0606030504020204" pitchFamily="34" charset="0"/>
-                <a:ea typeface="Open Sans" panose="020B0606030504020204" pitchFamily="34" charset="0"/>
-                <a:cs typeface="Open Sans" panose="020B0606030504020204" pitchFamily="34" charset="0"/>
-              </a:rPr>
-              <a:t> 	alert("Ask again later");</a:t>
-            </a:r>
-          </a:p>
-          <a:p>
-            <a:pPr marL="0" indent="0" defTabSz="449263">
-              <a:lnSpc>
-                <a:spcPct val="120000"/>
-              </a:lnSpc>
-              <a:spcBef>
-                <a:spcPts val="0"/>
-              </a:spcBef>
-              <a:buNone/>
-            </a:pPr>
-            <a:r>
-              <a:rPr lang="en-IN" sz="1600" dirty="0">
-                <a:latin typeface="Open Sans" panose="020B0606030504020204" pitchFamily="34" charset="0"/>
-                <a:ea typeface="Open Sans" panose="020B0606030504020204" pitchFamily="34" charset="0"/>
-                <a:cs typeface="Open Sans" panose="020B0606030504020204" pitchFamily="34" charset="0"/>
-              </a:rPr>
-              <a:t> 	} else if (answer == 5) {</a:t>
-            </a:r>
-          </a:p>
-          <a:p>
-            <a:pPr marL="0" indent="0">
-              <a:lnSpc>
-                <a:spcPct val="120000"/>
-              </a:lnSpc>
-              <a:spcBef>
-                <a:spcPts val="0"/>
-              </a:spcBef>
-              <a:buNone/>
-            </a:pPr>
-            <a:r>
-              <a:rPr lang="en-IN" sz="1600" dirty="0">
-                <a:latin typeface="Open Sans" panose="020B0606030504020204" pitchFamily="34" charset="0"/>
-                <a:ea typeface="Open Sans" panose="020B0606030504020204" pitchFamily="34" charset="0"/>
-                <a:cs typeface="Open Sans" panose="020B0606030504020204" pitchFamily="34" charset="0"/>
-              </a:rPr>
-              <a:t> 	alert("Concentrate and ask again");</a:t>
-            </a:r>
-          </a:p>
-          <a:p>
-            <a:pPr marL="0" indent="0" defTabSz="449263">
-              <a:lnSpc>
-                <a:spcPct val="120000"/>
-              </a:lnSpc>
-              <a:spcBef>
-                <a:spcPts val="0"/>
-              </a:spcBef>
-              <a:buNone/>
-            </a:pPr>
-            <a:r>
-              <a:rPr lang="en-IN" sz="1600" dirty="0">
-                <a:latin typeface="Open Sans" panose="020B0606030504020204" pitchFamily="34" charset="0"/>
-                <a:ea typeface="Open Sans" panose="020B0606030504020204" pitchFamily="34" charset="0"/>
-                <a:cs typeface="Open Sans" panose="020B0606030504020204" pitchFamily="34" charset="0"/>
-              </a:rPr>
-              <a:t> 	} else if (answer == 6) {</a:t>
-            </a:r>
-          </a:p>
-          <a:p>
-            <a:pPr marL="0" indent="0">
-              <a:lnSpc>
-                <a:spcPct val="120000"/>
-              </a:lnSpc>
-              <a:spcBef>
-                <a:spcPts val="0"/>
-              </a:spcBef>
-              <a:buNone/>
-            </a:pPr>
-            <a:r>
-              <a:rPr lang="en-IN" sz="1600" dirty="0">
-                <a:latin typeface="Open Sans" panose="020B0606030504020204" pitchFamily="34" charset="0"/>
-                <a:ea typeface="Open Sans" panose="020B0606030504020204" pitchFamily="34" charset="0"/>
-                <a:cs typeface="Open Sans" panose="020B0606030504020204" pitchFamily="34" charset="0"/>
-              </a:rPr>
-              <a:t> 	alert("Reply hazy, try again");</a:t>
-            </a:r>
-          </a:p>
-          <a:p>
-            <a:pPr marL="0" indent="0" defTabSz="449263">
-              <a:lnSpc>
-                <a:spcPct val="120000"/>
-              </a:lnSpc>
-              <a:spcBef>
-                <a:spcPts val="0"/>
-              </a:spcBef>
-              <a:buNone/>
-            </a:pPr>
-            <a:r>
-              <a:rPr lang="en-IN" sz="1600" dirty="0">
-                <a:latin typeface="Open Sans" panose="020B0606030504020204" pitchFamily="34" charset="0"/>
-                <a:ea typeface="Open Sans" panose="020B0606030504020204" pitchFamily="34" charset="0"/>
-                <a:cs typeface="Open Sans" panose="020B0606030504020204" pitchFamily="34" charset="0"/>
-              </a:rPr>
-              <a:t> 	} else if (answer == 7) {</a:t>
-            </a:r>
-          </a:p>
-          <a:p>
-            <a:pPr marL="0" indent="0">
-              <a:lnSpc>
-                <a:spcPct val="120000"/>
-              </a:lnSpc>
-              <a:spcBef>
-                <a:spcPts val="0"/>
-              </a:spcBef>
-              <a:buNone/>
-            </a:pPr>
-            <a:r>
-              <a:rPr lang="en-IN" sz="1600" dirty="0">
-                <a:latin typeface="Open Sans" panose="020B0606030504020204" pitchFamily="34" charset="0"/>
-                <a:ea typeface="Open Sans" panose="020B0606030504020204" pitchFamily="34" charset="0"/>
-                <a:cs typeface="Open Sans" panose="020B0606030504020204" pitchFamily="34" charset="0"/>
-              </a:rPr>
-              <a:t> 	alert("My reply is no");</a:t>
-            </a:r>
-          </a:p>
-          <a:p>
-            <a:pPr marL="0" indent="0" defTabSz="449263">
-              <a:lnSpc>
-                <a:spcPct val="120000"/>
-              </a:lnSpc>
-              <a:spcBef>
-                <a:spcPts val="0"/>
-              </a:spcBef>
-              <a:buNone/>
-            </a:pPr>
-            <a:r>
-              <a:rPr lang="en-IN" sz="1600" dirty="0">
-                <a:latin typeface="Open Sans" panose="020B0606030504020204" pitchFamily="34" charset="0"/>
-                <a:ea typeface="Open Sans" panose="020B0606030504020204" pitchFamily="34" charset="0"/>
-                <a:cs typeface="Open Sans" panose="020B0606030504020204" pitchFamily="34" charset="0"/>
-              </a:rPr>
-              <a:t>	} else if (answer == 8) {</a:t>
-            </a:r>
-          </a:p>
-          <a:p>
-            <a:pPr marL="0" indent="0">
-              <a:lnSpc>
-                <a:spcPct val="120000"/>
-              </a:lnSpc>
-              <a:spcBef>
-                <a:spcPts val="0"/>
-              </a:spcBef>
-              <a:buNone/>
-            </a:pPr>
-            <a:r>
-              <a:rPr lang="en-IN" sz="1600" dirty="0">
-                <a:latin typeface="Open Sans" panose="020B0606030504020204" pitchFamily="34" charset="0"/>
-                <a:ea typeface="Open Sans" panose="020B0606030504020204" pitchFamily="34" charset="0"/>
-                <a:cs typeface="Open Sans" panose="020B0606030504020204" pitchFamily="34" charset="0"/>
-              </a:rPr>
-              <a:t> 	alert("My sources say no")</a:t>
-            </a:r>
-          </a:p>
-          <a:p>
-            <a:pPr marL="0" indent="0">
-              <a:lnSpc>
-                <a:spcPct val="120000"/>
-              </a:lnSpc>
-              <a:spcBef>
-                <a:spcPts val="0"/>
-              </a:spcBef>
-              <a:buNone/>
-              <a:tabLst>
-                <a:tab pos="449263" algn="l"/>
-              </a:tabLst>
-            </a:pPr>
-            <a:r>
-              <a:rPr lang="en-IN" sz="1600" dirty="0">
-                <a:latin typeface="Open Sans" panose="020B0606030504020204" pitchFamily="34" charset="0"/>
-                <a:ea typeface="Open Sans" panose="020B0606030504020204" pitchFamily="34" charset="0"/>
-                <a:cs typeface="Open Sans" panose="020B0606030504020204" pitchFamily="34" charset="0"/>
-              </a:rPr>
-              <a:t> 	} else {</a:t>
-            </a:r>
-          </a:p>
-          <a:p>
-            <a:pPr marL="0" indent="0">
-              <a:lnSpc>
-                <a:spcPct val="120000"/>
-              </a:lnSpc>
-              <a:spcBef>
-                <a:spcPts val="0"/>
-              </a:spcBef>
-              <a:buNone/>
-            </a:pPr>
-            <a:r>
-              <a:rPr lang="en-IN" sz="1600" dirty="0">
-                <a:latin typeface="Open Sans" panose="020B0606030504020204" pitchFamily="34" charset="0"/>
-                <a:ea typeface="Open Sans" panose="020B0606030504020204" pitchFamily="34" charset="0"/>
-                <a:cs typeface="Open Sans" panose="020B0606030504020204" pitchFamily="34" charset="0"/>
-              </a:rPr>
-              <a:t> 	alert("That's not a question");}</a:t>
-            </a:r>
-          </a:p>
-          <a:p>
-            <a:pPr marL="0" indent="0">
-              <a:lnSpc>
-                <a:spcPct val="120000"/>
-              </a:lnSpc>
-              <a:spcBef>
-                <a:spcPts val="0"/>
-              </a:spcBef>
-              <a:buNone/>
-              <a:tabLst>
-                <a:tab pos="449263" algn="l"/>
-              </a:tabLst>
-            </a:pPr>
-            <a:r>
-              <a:rPr lang="en-IN" sz="1600" dirty="0">
-                <a:latin typeface="Open Sans" panose="020B0606030504020204" pitchFamily="34" charset="0"/>
-                <a:ea typeface="Open Sans" panose="020B0606030504020204" pitchFamily="34" charset="0"/>
-                <a:cs typeface="Open Sans" panose="020B0606030504020204" pitchFamily="34" charset="0"/>
-              </a:rPr>
-              <a:t> 	alert("The end");</a:t>
-            </a:r>
-          </a:p>
-          <a:p>
-            <a:pPr marL="0" indent="0">
-              <a:buNone/>
-            </a:pPr>
-            <a:r>
-              <a:rPr lang="en-IN" sz="1600" dirty="0">
-                <a:latin typeface="Open Sans" panose="020B0606030504020204" pitchFamily="34" charset="0"/>
-                <a:ea typeface="Open Sans" panose="020B0606030504020204" pitchFamily="34" charset="0"/>
-                <a:cs typeface="Open Sans" panose="020B0606030504020204" pitchFamily="34" charset="0"/>
-              </a:rPr>
-              <a:t>})</a:t>
-            </a:r>
-          </a:p>
-        </p:txBody>
-      </p:sp>
-      <p:sp>
-        <p:nvSpPr>
-          <p:cNvPr id="16" name="Content Placeholder 2">
-            <a:extLst>
-              <a:ext uri="{FF2B5EF4-FFF2-40B4-BE49-F238E27FC236}">
-                <a16:creationId xmlns:a16="http://schemas.microsoft.com/office/drawing/2014/main" id="{5BD84B5C-1F6F-4257-B882-3303892E27DF}"/>
-              </a:ext>
-            </a:extLst>
-          </p:cNvPr>
-          <p:cNvSpPr txBox="1">
-            <a:spLocks/>
-          </p:cNvSpPr>
-          <p:nvPr/>
-        </p:nvSpPr>
-        <p:spPr>
-          <a:xfrm>
-            <a:off x="8459571" y="1683069"/>
-            <a:ext cx="3295120" cy="5064805"/>
-          </a:xfrm>
-          <a:prstGeom prst="rect">
-            <a:avLst/>
-          </a:prstGeom>
-          <a:solidFill>
-            <a:schemeClr val="bg2"/>
-          </a:solidFill>
-        </p:spPr>
-        <p:txBody>
-          <a:bodyPr vert="horz" lIns="91440" tIns="45720" rIns="91440" bIns="45720" rtlCol="0" anchor="ctr">
-            <a:normAutofit fontScale="85000" lnSpcReduction="20000"/>
-          </a:bodyPr>
-          <a:lstStyle>
-            <a:lvl1pPr marL="228600" indent="-228600" algn="l" defTabSz="914400" rtl="0" eaLnBrk="1" latinLnBrk="0" hangingPunct="1">
-              <a:lnSpc>
-                <a:spcPct val="90000"/>
-              </a:lnSpc>
-              <a:spcBef>
-                <a:spcPts val="1000"/>
-              </a:spcBef>
-              <a:buFont typeface="Arial" panose="020B0604020202020204" pitchFamily="34" charset="0"/>
-              <a:buChar char="•"/>
-              <a:defRPr sz="2800" kern="1200">
-                <a:solidFill>
-                  <a:schemeClr val="tx1"/>
-                </a:solidFill>
-                <a:latin typeface="+mn-lt"/>
-                <a:ea typeface="+mn-ea"/>
-                <a:cs typeface="+mn-cs"/>
-              </a:defRPr>
-            </a:lvl1pPr>
-            <a:lvl2pPr marL="685800" indent="-228600" algn="l" defTabSz="914400" rtl="0" eaLnBrk="1" latinLnBrk="0" hangingPunct="1">
-              <a:lnSpc>
-                <a:spcPct val="90000"/>
-              </a:lnSpc>
-              <a:spcBef>
-                <a:spcPts val="500"/>
-              </a:spcBef>
-              <a:buFont typeface="Arial" panose="020B0604020202020204" pitchFamily="34" charset="0"/>
-              <a:buChar char="•"/>
-              <a:defRPr sz="2400" kern="1200">
-                <a:solidFill>
-                  <a:schemeClr val="tx1"/>
-                </a:solidFill>
-                <a:latin typeface="+mn-lt"/>
-                <a:ea typeface="+mn-ea"/>
-                <a:cs typeface="+mn-cs"/>
-              </a:defRPr>
-            </a:lvl2pPr>
-            <a:lvl3pPr marL="1143000" indent="-228600" algn="l" defTabSz="914400" rtl="0" eaLnBrk="1" latinLnBrk="0" hangingPunct="1">
-              <a:lnSpc>
-                <a:spcPct val="90000"/>
-              </a:lnSpc>
-              <a:spcBef>
-                <a:spcPts val="500"/>
-              </a:spcBef>
-              <a:buFont typeface="Arial" panose="020B0604020202020204" pitchFamily="34" charset="0"/>
-              <a:buChar char="•"/>
-              <a:defRPr sz="2000" kern="1200">
-                <a:solidFill>
-                  <a:schemeClr val="tx1"/>
-                </a:solidFill>
-                <a:latin typeface="+mn-lt"/>
-                <a:ea typeface="+mn-ea"/>
-                <a:cs typeface="+mn-cs"/>
-              </a:defRPr>
-            </a:lvl3pPr>
-            <a:lvl4pPr marL="1600200" indent="-228600" algn="l" defTabSz="914400" rtl="0" eaLnBrk="1" latinLnBrk="0" hangingPunct="1">
-              <a:lnSpc>
-                <a:spcPct val="90000"/>
-              </a:lnSpc>
-              <a:spcBef>
-                <a:spcPts val="500"/>
-              </a:spcBef>
-              <a:buFont typeface="Arial" panose="020B0604020202020204" pitchFamily="34" charset="0"/>
-              <a:buChar char="•"/>
-              <a:defRPr sz="1800" kern="1200">
-                <a:solidFill>
-                  <a:schemeClr val="tx1"/>
-                </a:solidFill>
-                <a:latin typeface="+mn-lt"/>
-                <a:ea typeface="+mn-ea"/>
-                <a:cs typeface="+mn-cs"/>
-              </a:defRPr>
-            </a:lvl4pPr>
-            <a:lvl5pPr marL="2057400" indent="-228600" algn="l" defTabSz="914400" rtl="0" eaLnBrk="1" latinLnBrk="0" hangingPunct="1">
-              <a:lnSpc>
-                <a:spcPct val="90000"/>
-              </a:lnSpc>
-              <a:spcBef>
-                <a:spcPts val="500"/>
-              </a:spcBef>
-              <a:buFont typeface="Arial" panose="020B0604020202020204" pitchFamily="34" charset="0"/>
-              <a:buChar char="•"/>
-              <a:defRPr sz="1800" kern="1200">
-                <a:solidFill>
-                  <a:schemeClr val="tx1"/>
-                </a:solidFill>
-                <a:latin typeface="+mn-lt"/>
-                <a:ea typeface="+mn-ea"/>
-                <a:cs typeface="+mn-cs"/>
-              </a:defRPr>
-            </a:lvl5pPr>
-            <a:lvl6pPr marL="2514600" indent="-228600" algn="l" defTabSz="914400" rtl="0" eaLnBrk="1" latinLnBrk="0" hangingPunct="1">
-              <a:lnSpc>
-                <a:spcPct val="90000"/>
-              </a:lnSpc>
-              <a:spcBef>
-                <a:spcPts val="500"/>
-              </a:spcBef>
-              <a:buFont typeface="Arial" panose="020B0604020202020204" pitchFamily="34" charset="0"/>
-              <a:buChar char="•"/>
-              <a:defRPr sz="1800" kern="1200">
-                <a:solidFill>
-                  <a:schemeClr val="tx1"/>
-                </a:solidFill>
-                <a:latin typeface="+mn-lt"/>
-                <a:ea typeface="+mn-ea"/>
-                <a:cs typeface="+mn-cs"/>
-              </a:defRPr>
-            </a:lvl6pPr>
-            <a:lvl7pPr marL="2971800" indent="-228600" algn="l" defTabSz="914400" rtl="0" eaLnBrk="1" latinLnBrk="0" hangingPunct="1">
-              <a:lnSpc>
-                <a:spcPct val="90000"/>
-              </a:lnSpc>
-              <a:spcBef>
-                <a:spcPts val="500"/>
-              </a:spcBef>
-              <a:buFont typeface="Arial" panose="020B0604020202020204" pitchFamily="34" charset="0"/>
-              <a:buChar char="•"/>
-              <a:defRPr sz="1800" kern="1200">
-                <a:solidFill>
-                  <a:schemeClr val="tx1"/>
-                </a:solidFill>
-                <a:latin typeface="+mn-lt"/>
-                <a:ea typeface="+mn-ea"/>
-                <a:cs typeface="+mn-cs"/>
-              </a:defRPr>
-            </a:lvl7pPr>
-            <a:lvl8pPr marL="3429000" indent="-228600" algn="l" defTabSz="914400" rtl="0" eaLnBrk="1" latinLnBrk="0" hangingPunct="1">
-              <a:lnSpc>
-                <a:spcPct val="90000"/>
-              </a:lnSpc>
-              <a:spcBef>
-                <a:spcPts val="500"/>
-              </a:spcBef>
-              <a:buFont typeface="Arial" panose="020B0604020202020204" pitchFamily="34" charset="0"/>
-              <a:buChar char="•"/>
-              <a:defRPr sz="1800" kern="1200">
-                <a:solidFill>
-                  <a:schemeClr val="tx1"/>
-                </a:solidFill>
-                <a:latin typeface="+mn-lt"/>
-                <a:ea typeface="+mn-ea"/>
-                <a:cs typeface="+mn-cs"/>
-              </a:defRPr>
-            </a:lvl8pPr>
-            <a:lvl9pPr marL="3886200" indent="-228600" algn="l" defTabSz="914400" rtl="0" eaLnBrk="1" latinLnBrk="0" hangingPunct="1">
-              <a:lnSpc>
-                <a:spcPct val="90000"/>
-              </a:lnSpc>
-              <a:spcBef>
-                <a:spcPts val="500"/>
-              </a:spcBef>
-              <a:buFont typeface="Arial" panose="020B0604020202020204" pitchFamily="34" charset="0"/>
-              <a:buChar char="•"/>
-              <a:defRPr sz="1800" kern="1200">
-                <a:solidFill>
-                  <a:schemeClr val="tx1"/>
-                </a:solidFill>
-                <a:latin typeface="+mn-lt"/>
-                <a:ea typeface="+mn-ea"/>
-                <a:cs typeface="+mn-cs"/>
-              </a:defRPr>
-            </a:lvl9pPr>
-          </a:lstStyle>
-          <a:p>
-            <a:pPr marL="0" indent="0">
-              <a:lnSpc>
-                <a:spcPct val="120000"/>
-              </a:lnSpc>
-              <a:spcBef>
-                <a:spcPts val="0"/>
-              </a:spcBef>
-              <a:buNone/>
-            </a:pPr>
-            <a:r>
-              <a:rPr lang="en-IN" sz="1600" dirty="0">
-                <a:latin typeface="Open Sans" panose="020B0606030504020204" pitchFamily="34" charset="0"/>
-                <a:ea typeface="Open Sans" panose="020B0606030504020204" pitchFamily="34" charset="0"/>
-                <a:cs typeface="Open Sans" panose="020B0606030504020204" pitchFamily="34" charset="0"/>
-              </a:rPr>
-              <a:t>import random</a:t>
-            </a:r>
-          </a:p>
-          <a:p>
-            <a:pPr marL="0" indent="0">
-              <a:lnSpc>
-                <a:spcPct val="120000"/>
-              </a:lnSpc>
-              <a:spcBef>
-                <a:spcPts val="0"/>
-              </a:spcBef>
-              <a:buNone/>
-            </a:pPr>
-            <a:r>
-              <a:rPr lang="en-IN" sz="1600" dirty="0">
-                <a:latin typeface="Open Sans" panose="020B0606030504020204" pitchFamily="34" charset="0"/>
-                <a:ea typeface="Open Sans" panose="020B0606030504020204" pitchFamily="34" charset="0"/>
-                <a:cs typeface="Open Sans" panose="020B0606030504020204" pitchFamily="34" charset="0"/>
-              </a:rPr>
-              <a:t>question = input("Ask magic 8 ball a question")</a:t>
-            </a:r>
-          </a:p>
-          <a:p>
-            <a:pPr marL="0" indent="0">
-              <a:lnSpc>
-                <a:spcPct val="120000"/>
-              </a:lnSpc>
-              <a:spcBef>
-                <a:spcPts val="0"/>
-              </a:spcBef>
-              <a:buNone/>
-            </a:pPr>
-            <a:r>
-              <a:rPr lang="en-IN" sz="1600" dirty="0">
-                <a:latin typeface="Open Sans" panose="020B0606030504020204" pitchFamily="34" charset="0"/>
-                <a:ea typeface="Open Sans" panose="020B0606030504020204" pitchFamily="34" charset="0"/>
-                <a:cs typeface="Open Sans" panose="020B0606030504020204" pitchFamily="34" charset="0"/>
-              </a:rPr>
-              <a:t>answer = random.randint(1,8)</a:t>
-            </a:r>
-          </a:p>
-          <a:p>
-            <a:pPr marL="0" indent="0">
-              <a:lnSpc>
-                <a:spcPct val="120000"/>
-              </a:lnSpc>
-              <a:spcBef>
-                <a:spcPts val="0"/>
-              </a:spcBef>
-              <a:buNone/>
-            </a:pPr>
-            <a:r>
-              <a:rPr lang="en-IN" sz="1600" dirty="0">
-                <a:latin typeface="Open Sans" panose="020B0606030504020204" pitchFamily="34" charset="0"/>
-                <a:ea typeface="Open Sans" panose="020B0606030504020204" pitchFamily="34" charset="0"/>
-                <a:cs typeface="Open Sans" panose="020B0606030504020204" pitchFamily="34" charset="0"/>
-              </a:rPr>
-              <a:t>if answer == 1:</a:t>
-            </a:r>
-          </a:p>
-          <a:p>
-            <a:pPr marL="0" indent="0" defTabSz="363538">
-              <a:lnSpc>
-                <a:spcPct val="120000"/>
-              </a:lnSpc>
-              <a:spcBef>
-                <a:spcPts val="0"/>
-              </a:spcBef>
-              <a:buNone/>
-            </a:pPr>
-            <a:r>
-              <a:rPr lang="en-IN" sz="1600" dirty="0">
-                <a:latin typeface="Open Sans" panose="020B0606030504020204" pitchFamily="34" charset="0"/>
-                <a:ea typeface="Open Sans" panose="020B0606030504020204" pitchFamily="34" charset="0"/>
-                <a:cs typeface="Open Sans" panose="020B0606030504020204" pitchFamily="34" charset="0"/>
-              </a:rPr>
-              <a:t>	print("It is certain")</a:t>
-            </a:r>
-          </a:p>
-          <a:p>
-            <a:pPr marL="0" indent="0">
-              <a:lnSpc>
-                <a:spcPct val="120000"/>
-              </a:lnSpc>
-              <a:spcBef>
-                <a:spcPts val="0"/>
-              </a:spcBef>
-              <a:buNone/>
-            </a:pPr>
-            <a:r>
-              <a:rPr lang="en-IN" sz="1600" dirty="0">
-                <a:latin typeface="Open Sans" panose="020B0606030504020204" pitchFamily="34" charset="0"/>
-                <a:ea typeface="Open Sans" panose="020B0606030504020204" pitchFamily="34" charset="0"/>
-                <a:cs typeface="Open Sans" panose="020B0606030504020204" pitchFamily="34" charset="0"/>
-              </a:rPr>
-              <a:t>elif answer == 2:</a:t>
-            </a:r>
-          </a:p>
-          <a:p>
-            <a:pPr marL="0" indent="0" defTabSz="363538">
-              <a:lnSpc>
-                <a:spcPct val="120000"/>
-              </a:lnSpc>
-              <a:spcBef>
-                <a:spcPts val="0"/>
-              </a:spcBef>
-              <a:buNone/>
-            </a:pPr>
-            <a:r>
-              <a:rPr lang="en-IN" sz="1600" dirty="0">
-                <a:latin typeface="Open Sans" panose="020B0606030504020204" pitchFamily="34" charset="0"/>
-                <a:ea typeface="Open Sans" panose="020B0606030504020204" pitchFamily="34" charset="0"/>
-                <a:cs typeface="Open Sans" panose="020B0606030504020204" pitchFamily="34" charset="0"/>
-              </a:rPr>
-              <a:t> 	print("Outlook good")</a:t>
-            </a:r>
-          </a:p>
-          <a:p>
-            <a:pPr marL="0" indent="0">
-              <a:lnSpc>
-                <a:spcPct val="120000"/>
-              </a:lnSpc>
-              <a:spcBef>
-                <a:spcPts val="0"/>
-              </a:spcBef>
-              <a:buNone/>
-            </a:pPr>
-            <a:r>
-              <a:rPr lang="en-IN" sz="1600" dirty="0">
-                <a:latin typeface="Open Sans" panose="020B0606030504020204" pitchFamily="34" charset="0"/>
-                <a:ea typeface="Open Sans" panose="020B0606030504020204" pitchFamily="34" charset="0"/>
-                <a:cs typeface="Open Sans" panose="020B0606030504020204" pitchFamily="34" charset="0"/>
-              </a:rPr>
-              <a:t>elif answer == 3:</a:t>
-            </a:r>
-          </a:p>
-          <a:p>
-            <a:pPr marL="0" indent="0" defTabSz="363538">
-              <a:lnSpc>
-                <a:spcPct val="120000"/>
-              </a:lnSpc>
-              <a:spcBef>
-                <a:spcPts val="0"/>
-              </a:spcBef>
-              <a:buNone/>
-            </a:pPr>
-            <a:r>
-              <a:rPr lang="en-IN" sz="1600" dirty="0">
-                <a:latin typeface="Open Sans" panose="020B0606030504020204" pitchFamily="34" charset="0"/>
-                <a:ea typeface="Open Sans" panose="020B0606030504020204" pitchFamily="34" charset="0"/>
-                <a:cs typeface="Open Sans" panose="020B0606030504020204" pitchFamily="34" charset="0"/>
-              </a:rPr>
-              <a:t> 	print("You may rely on it")</a:t>
-            </a:r>
-          </a:p>
-          <a:p>
-            <a:pPr marL="0" indent="0">
-              <a:lnSpc>
-                <a:spcPct val="120000"/>
-              </a:lnSpc>
-              <a:spcBef>
-                <a:spcPts val="0"/>
-              </a:spcBef>
-              <a:buNone/>
-            </a:pPr>
-            <a:r>
-              <a:rPr lang="en-IN" sz="1600" dirty="0">
-                <a:latin typeface="Open Sans" panose="020B0606030504020204" pitchFamily="34" charset="0"/>
-                <a:ea typeface="Open Sans" panose="020B0606030504020204" pitchFamily="34" charset="0"/>
-                <a:cs typeface="Open Sans" panose="020B0606030504020204" pitchFamily="34" charset="0"/>
-              </a:rPr>
-              <a:t>elif answer == 4:</a:t>
-            </a:r>
-          </a:p>
-          <a:p>
-            <a:pPr marL="0" indent="0" defTabSz="363538">
-              <a:lnSpc>
-                <a:spcPct val="120000"/>
-              </a:lnSpc>
-              <a:spcBef>
-                <a:spcPts val="0"/>
-              </a:spcBef>
-              <a:buNone/>
-            </a:pPr>
-            <a:r>
-              <a:rPr lang="en-IN" sz="1600" dirty="0">
-                <a:latin typeface="Open Sans" panose="020B0606030504020204" pitchFamily="34" charset="0"/>
-                <a:ea typeface="Open Sans" panose="020B0606030504020204" pitchFamily="34" charset="0"/>
-                <a:cs typeface="Open Sans" panose="020B0606030504020204" pitchFamily="34" charset="0"/>
-              </a:rPr>
-              <a:t> 	print("Ask again later")</a:t>
-            </a:r>
-          </a:p>
-          <a:p>
-            <a:pPr marL="0" indent="0">
-              <a:lnSpc>
-                <a:spcPct val="120000"/>
-              </a:lnSpc>
-              <a:spcBef>
-                <a:spcPts val="0"/>
-              </a:spcBef>
-              <a:buNone/>
-            </a:pPr>
-            <a:r>
-              <a:rPr lang="en-IN" sz="1600" dirty="0">
-                <a:latin typeface="Open Sans" panose="020B0606030504020204" pitchFamily="34" charset="0"/>
-                <a:ea typeface="Open Sans" panose="020B0606030504020204" pitchFamily="34" charset="0"/>
-                <a:cs typeface="Open Sans" panose="020B0606030504020204" pitchFamily="34" charset="0"/>
-              </a:rPr>
-              <a:t>elif answer == 5:</a:t>
-            </a:r>
-          </a:p>
-          <a:p>
-            <a:pPr marL="0" indent="0" defTabSz="363538">
-              <a:lnSpc>
-                <a:spcPct val="120000"/>
-              </a:lnSpc>
-              <a:spcBef>
-                <a:spcPts val="0"/>
-              </a:spcBef>
-              <a:buNone/>
-            </a:pPr>
-            <a:r>
-              <a:rPr lang="en-IN" sz="1600" dirty="0">
-                <a:latin typeface="Open Sans" panose="020B0606030504020204" pitchFamily="34" charset="0"/>
-                <a:ea typeface="Open Sans" panose="020B0606030504020204" pitchFamily="34" charset="0"/>
-                <a:cs typeface="Open Sans" panose="020B0606030504020204" pitchFamily="34" charset="0"/>
-              </a:rPr>
-              <a:t> 	print("Concentrate and ask again")</a:t>
-            </a:r>
-          </a:p>
-          <a:p>
-            <a:pPr marL="0" indent="0">
-              <a:lnSpc>
-                <a:spcPct val="120000"/>
-              </a:lnSpc>
-              <a:spcBef>
-                <a:spcPts val="0"/>
-              </a:spcBef>
-              <a:buNone/>
-            </a:pPr>
-            <a:r>
-              <a:rPr lang="en-IN" sz="1600" dirty="0">
-                <a:latin typeface="Open Sans" panose="020B0606030504020204" pitchFamily="34" charset="0"/>
-                <a:ea typeface="Open Sans" panose="020B0606030504020204" pitchFamily="34" charset="0"/>
-                <a:cs typeface="Open Sans" panose="020B0606030504020204" pitchFamily="34" charset="0"/>
-              </a:rPr>
-              <a:t>elif answer == 6:</a:t>
-            </a:r>
-          </a:p>
-          <a:p>
-            <a:pPr marL="0" indent="0" defTabSz="363538">
-              <a:lnSpc>
-                <a:spcPct val="120000"/>
-              </a:lnSpc>
-              <a:spcBef>
-                <a:spcPts val="0"/>
-              </a:spcBef>
-              <a:buNone/>
-            </a:pPr>
-            <a:r>
-              <a:rPr lang="en-IN" sz="1600" dirty="0">
-                <a:latin typeface="Open Sans" panose="020B0606030504020204" pitchFamily="34" charset="0"/>
-                <a:ea typeface="Open Sans" panose="020B0606030504020204" pitchFamily="34" charset="0"/>
-                <a:cs typeface="Open Sans" panose="020B0606030504020204" pitchFamily="34" charset="0"/>
-              </a:rPr>
-              <a:t> 	print("Reply hazy, try again")</a:t>
-            </a:r>
-          </a:p>
-          <a:p>
-            <a:pPr marL="0" indent="0">
-              <a:lnSpc>
-                <a:spcPct val="120000"/>
-              </a:lnSpc>
-              <a:spcBef>
-                <a:spcPts val="0"/>
-              </a:spcBef>
-              <a:buNone/>
-            </a:pPr>
-            <a:r>
-              <a:rPr lang="en-IN" sz="1600" dirty="0">
-                <a:latin typeface="Open Sans" panose="020B0606030504020204" pitchFamily="34" charset="0"/>
-                <a:ea typeface="Open Sans" panose="020B0606030504020204" pitchFamily="34" charset="0"/>
-                <a:cs typeface="Open Sans" panose="020B0606030504020204" pitchFamily="34" charset="0"/>
-              </a:rPr>
-              <a:t>elif answer == 7:</a:t>
-            </a:r>
-          </a:p>
-          <a:p>
-            <a:pPr marL="0" indent="0" defTabSz="363538">
-              <a:lnSpc>
-                <a:spcPct val="120000"/>
-              </a:lnSpc>
-              <a:spcBef>
-                <a:spcPts val="0"/>
-              </a:spcBef>
-              <a:buNone/>
-            </a:pPr>
-            <a:r>
-              <a:rPr lang="en-IN" sz="1600" dirty="0">
-                <a:latin typeface="Open Sans" panose="020B0606030504020204" pitchFamily="34" charset="0"/>
-                <a:ea typeface="Open Sans" panose="020B0606030504020204" pitchFamily="34" charset="0"/>
-                <a:cs typeface="Open Sans" panose="020B0606030504020204" pitchFamily="34" charset="0"/>
-              </a:rPr>
-              <a:t>	 print ("My reply is no")</a:t>
-            </a:r>
-          </a:p>
-          <a:p>
-            <a:pPr marL="0" indent="0">
-              <a:lnSpc>
-                <a:spcPct val="120000"/>
-              </a:lnSpc>
-              <a:spcBef>
-                <a:spcPts val="0"/>
-              </a:spcBef>
-              <a:buNone/>
-            </a:pPr>
-            <a:r>
-              <a:rPr lang="en-IN" sz="1600" dirty="0">
-                <a:latin typeface="Open Sans" panose="020B0606030504020204" pitchFamily="34" charset="0"/>
-                <a:ea typeface="Open Sans" panose="020B0606030504020204" pitchFamily="34" charset="0"/>
-                <a:cs typeface="Open Sans" panose="020B0606030504020204" pitchFamily="34" charset="0"/>
-              </a:rPr>
-              <a:t>elif answer == 8:</a:t>
-            </a:r>
-          </a:p>
-          <a:p>
-            <a:pPr marL="0" indent="0" defTabSz="363538">
-              <a:lnSpc>
-                <a:spcPct val="120000"/>
-              </a:lnSpc>
-              <a:spcBef>
-                <a:spcPts val="0"/>
-              </a:spcBef>
-              <a:buNone/>
-            </a:pPr>
-            <a:r>
-              <a:rPr lang="en-IN" sz="1600" dirty="0">
-                <a:latin typeface="Open Sans" panose="020B0606030504020204" pitchFamily="34" charset="0"/>
-                <a:ea typeface="Open Sans" panose="020B0606030504020204" pitchFamily="34" charset="0"/>
-                <a:cs typeface="Open Sans" panose="020B0606030504020204" pitchFamily="34" charset="0"/>
-              </a:rPr>
-              <a:t>	 print ("My sources say no")</a:t>
-            </a:r>
-          </a:p>
-          <a:p>
-            <a:pPr marL="0" indent="0">
-              <a:lnSpc>
-                <a:spcPct val="120000"/>
-              </a:lnSpc>
-              <a:spcBef>
-                <a:spcPts val="0"/>
-              </a:spcBef>
-              <a:buNone/>
-            </a:pPr>
-            <a:r>
-              <a:rPr lang="en-IN" sz="1600" dirty="0">
-                <a:latin typeface="Open Sans" panose="020B0606030504020204" pitchFamily="34" charset="0"/>
-                <a:ea typeface="Open Sans" panose="020B0606030504020204" pitchFamily="34" charset="0"/>
-                <a:cs typeface="Open Sans" panose="020B0606030504020204" pitchFamily="34" charset="0"/>
-              </a:rPr>
-              <a:t>else:</a:t>
-            </a:r>
-          </a:p>
-          <a:p>
-            <a:pPr marL="0" indent="0" defTabSz="363538">
-              <a:lnSpc>
-                <a:spcPct val="120000"/>
-              </a:lnSpc>
-              <a:spcBef>
-                <a:spcPts val="0"/>
-              </a:spcBef>
-              <a:buNone/>
-            </a:pPr>
-            <a:r>
-              <a:rPr lang="en-IN" sz="1600" dirty="0">
-                <a:latin typeface="Open Sans" panose="020B0606030504020204" pitchFamily="34" charset="0"/>
-                <a:ea typeface="Open Sans" panose="020B0606030504020204" pitchFamily="34" charset="0"/>
-                <a:cs typeface="Open Sans" panose="020B0606030504020204" pitchFamily="34" charset="0"/>
-              </a:rPr>
-              <a:t> 	print("That's not a question")</a:t>
-            </a:r>
-          </a:p>
-          <a:p>
-            <a:pPr marL="0" indent="0">
-              <a:lnSpc>
-                <a:spcPct val="120000"/>
-              </a:lnSpc>
-              <a:spcBef>
-                <a:spcPts val="0"/>
-              </a:spcBef>
-              <a:buNone/>
-            </a:pPr>
-            <a:r>
-              <a:rPr lang="en-IN" sz="1600" dirty="0">
-                <a:latin typeface="Open Sans" panose="020B0606030504020204" pitchFamily="34" charset="0"/>
-                <a:ea typeface="Open Sans" panose="020B0606030504020204" pitchFamily="34" charset="0"/>
-                <a:cs typeface="Open Sans" panose="020B0606030504020204" pitchFamily="34" charset="0"/>
-              </a:rPr>
-              <a:t>print ("The end")</a:t>
-            </a:r>
-            <a:endParaRPr lang="en-IN" sz="2400" dirty="0">
-              <a:latin typeface="Open Sans" panose="020B0606030504020204" pitchFamily="34" charset="0"/>
-              <a:ea typeface="Open Sans" panose="020B0606030504020204" pitchFamily="34" charset="0"/>
-              <a:cs typeface="Open Sans" panose="020B0606030504020204" pitchFamily="34" charset="0"/>
-            </a:endParaRPr>
-          </a:p>
-        </p:txBody>
-      </p:sp>
-      <p:sp>
-        <p:nvSpPr>
-          <p:cNvPr id="4" name="Rectangle 3">
-            <a:extLst>
-              <a:ext uri="{FF2B5EF4-FFF2-40B4-BE49-F238E27FC236}">
-                <a16:creationId xmlns:a16="http://schemas.microsoft.com/office/drawing/2014/main" id="{D6F07D6B-6A2C-4CEA-AB9C-EEAD407BCF90}"/>
-              </a:ext>
-            </a:extLst>
-          </p:cNvPr>
-          <p:cNvSpPr/>
-          <p:nvPr/>
-        </p:nvSpPr>
-        <p:spPr>
-          <a:xfrm>
-            <a:off x="286603" y="1103086"/>
-            <a:ext cx="3295121" cy="580571"/>
-          </a:xfrm>
-          <a:prstGeom prst="rect">
-            <a:avLst/>
-          </a:prstGeom>
-        </p:spPr>
-        <p:style>
-          <a:lnRef idx="2">
-            <a:schemeClr val="accent1">
-              <a:shade val="50000"/>
-            </a:schemeClr>
-          </a:lnRef>
-          <a:fillRef idx="1">
-            <a:schemeClr val="accent1"/>
-          </a:fillRef>
-          <a:effectRef idx="0">
-            <a:schemeClr val="accent1"/>
-          </a:effectRef>
-          <a:fontRef idx="minor">
-            <a:schemeClr val="lt1"/>
-          </a:fontRef>
-        </p:style>
-        <p:txBody>
-          <a:bodyPr rtlCol="0" anchor="ctr"/>
-          <a:lstStyle/>
-          <a:p>
-            <a:pPr algn="ctr"/>
-            <a:r>
-              <a:rPr lang="en-IN" dirty="0"/>
-              <a:t>Java Script</a:t>
-            </a:r>
-          </a:p>
-        </p:txBody>
-      </p:sp>
-      <p:sp>
-        <p:nvSpPr>
-          <p:cNvPr id="17" name="Rectangle 16">
-            <a:extLst>
-              <a:ext uri="{FF2B5EF4-FFF2-40B4-BE49-F238E27FC236}">
-                <a16:creationId xmlns:a16="http://schemas.microsoft.com/office/drawing/2014/main" id="{A0BF9BF8-200E-4648-AF53-9DE14D0E4432}"/>
-              </a:ext>
-            </a:extLst>
-          </p:cNvPr>
-          <p:cNvSpPr/>
-          <p:nvPr/>
-        </p:nvSpPr>
-        <p:spPr>
-          <a:xfrm>
-            <a:off x="4373086" y="1080727"/>
-            <a:ext cx="3295121" cy="580571"/>
-          </a:xfrm>
-          <a:prstGeom prst="rect">
-            <a:avLst/>
-          </a:prstGeom>
-        </p:spPr>
-        <p:style>
-          <a:lnRef idx="2">
-            <a:schemeClr val="accent1">
-              <a:shade val="50000"/>
-            </a:schemeClr>
-          </a:lnRef>
-          <a:fillRef idx="1">
-            <a:schemeClr val="accent1"/>
-          </a:fillRef>
-          <a:effectRef idx="0">
-            <a:schemeClr val="accent1"/>
-          </a:effectRef>
-          <a:fontRef idx="minor">
-            <a:schemeClr val="lt1"/>
-          </a:fontRef>
-        </p:style>
-        <p:txBody>
-          <a:bodyPr rtlCol="0" anchor="ctr"/>
-          <a:lstStyle/>
-          <a:p>
-            <a:pPr algn="ctr"/>
-            <a:r>
-              <a:rPr lang="en-IN" dirty="0"/>
-              <a:t>Java Script</a:t>
-            </a:r>
-          </a:p>
-        </p:txBody>
-      </p:sp>
-      <p:sp>
-        <p:nvSpPr>
-          <p:cNvPr id="18" name="Rectangle 17">
-            <a:extLst>
-              <a:ext uri="{FF2B5EF4-FFF2-40B4-BE49-F238E27FC236}">
-                <a16:creationId xmlns:a16="http://schemas.microsoft.com/office/drawing/2014/main" id="{9659588A-0FEB-40E2-9D89-5C1D138EAABF}"/>
-              </a:ext>
-            </a:extLst>
-          </p:cNvPr>
-          <p:cNvSpPr/>
-          <p:nvPr/>
-        </p:nvSpPr>
-        <p:spPr>
-          <a:xfrm>
-            <a:off x="8459569" y="1080726"/>
-            <a:ext cx="3295121" cy="580571"/>
-          </a:xfrm>
-          <a:prstGeom prst="rect">
-            <a:avLst/>
-          </a:prstGeom>
-        </p:spPr>
-        <p:style>
-          <a:lnRef idx="2">
-            <a:schemeClr val="accent1">
-              <a:shade val="50000"/>
-            </a:schemeClr>
-          </a:lnRef>
-          <a:fillRef idx="1">
-            <a:schemeClr val="accent1"/>
-          </a:fillRef>
-          <a:effectRef idx="0">
-            <a:schemeClr val="accent1"/>
-          </a:effectRef>
-          <a:fontRef idx="minor">
-            <a:schemeClr val="lt1"/>
-          </a:fontRef>
-        </p:style>
-        <p:txBody>
-          <a:bodyPr rtlCol="0" anchor="ctr"/>
-          <a:lstStyle/>
-          <a:p>
-            <a:pPr algn="ctr"/>
-            <a:r>
-              <a:rPr lang="en-IN" dirty="0"/>
-              <a:t>Python</a:t>
-            </a:r>
-          </a:p>
-        </p:txBody>
-      </p:sp>
-    </p:spTree>
-    <p:extLst>
-      <p:ext uri="{BB962C8B-B14F-4D97-AF65-F5344CB8AC3E}">
-        <p14:creationId xmlns:p14="http://schemas.microsoft.com/office/powerpoint/2010/main" val="3371386847"/>
-      </p:ext>
-    </p:extLst>
-  </p:cSld>
-  <p:clrMapOvr>
-    <a:masterClrMapping/>
-  </p:clrMapOvr>
-</p:sld>
-</file>
-
-<file path=ppt/slides/slide6.xml><?xml version="1.0" encoding="utf-8"?>
-<p:sld xmlns:a="http://schemas.openxmlformats.org/drawingml/2006/main" xmlns:r="http://schemas.openxmlformats.org/officeDocument/2006/relationships" xmlns:p="http://schemas.openxmlformats.org/presentationml/2006/main">
-  <p:cSld>
-    <p:bg>
-      <p:bgPr>
-        <a:solidFill>
-          <a:schemeClr val="bg1"/>
-        </a:solidFill>
-        <a:effectLst/>
-      </p:bgPr>
-    </p:bg>
-    <p:spTree>
-      <p:nvGrpSpPr>
-        <p:cNvPr id="1" name=""/>
-        <p:cNvGrpSpPr/>
-        <p:nvPr/>
-      </p:nvGrpSpPr>
-      <p:grpSpPr>
-        <a:xfrm>
-          <a:off x="0" y="0"/>
-          <a:ext cx="0" cy="0"/>
-          <a:chOff x="0" y="0"/>
-          <a:chExt cx="0" cy="0"/>
-        </a:xfrm>
-      </p:grpSpPr>
-      <p:sp>
-        <p:nvSpPr>
-          <p:cNvPr id="2" name="Title 1">
-            <a:extLst>
-              <a:ext uri="{FF2B5EF4-FFF2-40B4-BE49-F238E27FC236}">
-                <a16:creationId xmlns:a16="http://schemas.microsoft.com/office/drawing/2014/main" id="{24C265DF-4994-4F5D-AE41-747A19798DF8}"/>
-              </a:ext>
-            </a:extLst>
-          </p:cNvPr>
-          <p:cNvSpPr>
-            <a:spLocks noGrp="1"/>
-          </p:cNvSpPr>
-          <p:nvPr>
-            <p:ph type="title"/>
-          </p:nvPr>
-        </p:nvSpPr>
-        <p:spPr>
-          <a:xfrm>
-            <a:off x="1136428" y="627564"/>
-            <a:ext cx="7474172" cy="1325563"/>
-          </a:xfrm>
-        </p:spPr>
-        <p:txBody>
-          <a:bodyPr>
-            <a:normAutofit/>
-          </a:bodyPr>
-          <a:lstStyle/>
-          <a:p>
-            <a:r>
-              <a:rPr lang="en-IN" b="1" dirty="0">
-                <a:latin typeface="Open Sans" panose="020B0606030504020204" pitchFamily="34" charset="0"/>
-                <a:ea typeface="Open Sans" panose="020B0606030504020204" pitchFamily="34" charset="0"/>
-                <a:cs typeface="Open Sans" panose="020B0606030504020204" pitchFamily="34" charset="0"/>
-              </a:rPr>
-              <a:t>Computer</a:t>
-            </a:r>
-          </a:p>
-        </p:txBody>
-      </p:sp>
-      <p:sp>
-        <p:nvSpPr>
-          <p:cNvPr id="3" name="Content Placeholder 2">
-            <a:extLst>
-              <a:ext uri="{FF2B5EF4-FFF2-40B4-BE49-F238E27FC236}">
-                <a16:creationId xmlns:a16="http://schemas.microsoft.com/office/drawing/2014/main" id="{763D88F7-014E-43B6-A3A8-5EDD0F989D06}"/>
-              </a:ext>
-            </a:extLst>
-          </p:cNvPr>
-          <p:cNvSpPr>
-            <a:spLocks noGrp="1"/>
-          </p:cNvSpPr>
-          <p:nvPr>
-            <p:ph idx="1"/>
-          </p:nvPr>
-        </p:nvSpPr>
-        <p:spPr>
-          <a:xfrm>
-            <a:off x="1136429" y="2278173"/>
-            <a:ext cx="6467867" cy="3450613"/>
-          </a:xfrm>
-        </p:spPr>
-        <p:txBody>
-          <a:bodyPr anchor="ctr">
-            <a:normAutofit/>
-          </a:bodyPr>
-          <a:lstStyle/>
-          <a:p>
-            <a:r>
-              <a:rPr lang="en-IN" sz="1100" i="0" dirty="0">
-                <a:effectLst/>
-                <a:latin typeface="Open Sans" panose="020B0606030504020204" pitchFamily="34" charset="0"/>
-              </a:rPr>
-              <a:t>A computer is composed of a Central Processing Unit (abbreviated CPU), memory, and Input/Output (abbreviated I/O) devices. </a:t>
-            </a:r>
-          </a:p>
-          <a:p>
-            <a:r>
-              <a:rPr lang="en-IN" sz="1100" i="0" dirty="0">
-                <a:effectLst/>
-                <a:latin typeface="Open Sans" panose="020B0606030504020204" pitchFamily="34" charset="0"/>
-              </a:rPr>
-              <a:t>A screen is an output device. </a:t>
-            </a:r>
-          </a:p>
-          <a:p>
-            <a:r>
-              <a:rPr lang="en-IN" sz="1100" i="0" dirty="0">
-                <a:effectLst/>
-                <a:latin typeface="Open Sans" panose="020B0606030504020204" pitchFamily="34" charset="0"/>
-              </a:rPr>
-              <a:t>A mouse is an input device. </a:t>
-            </a:r>
-          </a:p>
-          <a:p>
-            <a:r>
-              <a:rPr lang="en-IN" sz="1100" i="0" dirty="0">
-                <a:effectLst/>
-                <a:latin typeface="Open Sans" panose="020B0606030504020204" pitchFamily="34" charset="0"/>
-              </a:rPr>
-              <a:t>A hard drive is an I/O device. </a:t>
-            </a:r>
-          </a:p>
-          <a:p>
-            <a:r>
-              <a:rPr lang="en-IN" sz="1100" i="0" dirty="0">
-                <a:effectLst/>
-                <a:latin typeface="Open Sans" panose="020B0606030504020204" pitchFamily="34" charset="0"/>
-              </a:rPr>
-              <a:t>The CPU is the brain of the computer. It can store values in memory, retrieve values from memory, add/subtract two numbers, compare two numbers etc.</a:t>
-            </a:r>
-          </a:p>
-          <a:p>
-            <a:r>
-              <a:rPr lang="en-IN" sz="1100" i="0" dirty="0">
-                <a:effectLst/>
-                <a:latin typeface="Open Sans" panose="020B0606030504020204" pitchFamily="34" charset="0"/>
-              </a:rPr>
-              <a:t>The CPU can also control which instruction it will execute next. Normally there are a list of instructions, one after another, that the CPU executes. Sometimes the CPU may jump to a different location within that list of instructions depending on the outcome of some comparison.</a:t>
-            </a:r>
-          </a:p>
-          <a:p>
-            <a:pPr lvl="1"/>
-            <a:endParaRPr lang="en-IN" sz="1100" dirty="0"/>
-          </a:p>
-        </p:txBody>
-      </p:sp>
-      <p:sp>
-        <p:nvSpPr>
-          <p:cNvPr id="12" name="Rectangle 11">
-            <a:extLst>
-              <a:ext uri="{FF2B5EF4-FFF2-40B4-BE49-F238E27FC236}">
-                <a16:creationId xmlns:a16="http://schemas.microsoft.com/office/drawing/2014/main" id="{59A309A7-1751-4ABE-A3C1-EEC40366AD89}"/>
-              </a:ext>
-              <a:ext uri="{C183D7F6-B498-43B3-948B-1728B52AA6E4}">
-                <adec:decorative xmlns:adec="http://schemas.microsoft.com/office/drawing/2017/decorative" val="1"/>
-              </a:ext>
-            </a:extLst>
-          </p:cNvPr>
-          <p:cNvSpPr>
-            <a:spLocks noGrp="1" noRot="1" noChangeAspect="1" noMove="1" noResize="1" noEditPoints="1" noAdjustHandles="1" noChangeArrowheads="1" noChangeShapeType="1" noTextEdit="1"/>
-          </p:cNvSpPr>
-          <p:nvPr>
-            <p:extLst>
-              <p:ext uri="{386F3935-93C4-4BCD-93E2-E3B085C9AB24}">
-                <p16:designElem xmlns:p16="http://schemas.microsoft.com/office/powerpoint/2015/main" val="1"/>
-              </p:ext>
-            </p:extLst>
-          </p:nvPr>
-        </p:nvSpPr>
-        <p:spPr>
-          <a:xfrm>
-            <a:off x="10088880" y="0"/>
-            <a:ext cx="2103120" cy="6858000"/>
-          </a:xfrm>
-          <a:prstGeom prst="rect">
-            <a:avLst/>
-          </a:prstGeom>
-          <a:solidFill>
-            <a:schemeClr val="accent1"/>
-          </a:solidFill>
-          <a:ln>
-            <a:noFill/>
-          </a:ln>
-        </p:spPr>
-        <p:style>
-          <a:lnRef idx="2">
-            <a:schemeClr val="accent1">
-              <a:shade val="50000"/>
-            </a:schemeClr>
-          </a:lnRef>
-          <a:fillRef idx="1">
-            <a:schemeClr val="accent1"/>
-          </a:fillRef>
-          <a:effectRef idx="0">
-            <a:schemeClr val="accent1"/>
-          </a:effectRef>
-          <a:fontRef idx="minor">
-            <a:schemeClr val="lt1"/>
-          </a:fontRef>
-        </p:style>
-        <p:txBody>
-          <a:bodyPr rtlCol="0" anchor="ctr"/>
-          <a:lstStyle/>
-          <a:p>
-            <a:pPr algn="ctr"/>
-            <a:endParaRPr lang="en-US"/>
-          </a:p>
-        </p:txBody>
-      </p:sp>
-      <p:sp>
-        <p:nvSpPr>
-          <p:cNvPr id="14" name="Oval 13">
-            <a:extLst>
-              <a:ext uri="{FF2B5EF4-FFF2-40B4-BE49-F238E27FC236}">
-                <a16:creationId xmlns:a16="http://schemas.microsoft.com/office/drawing/2014/main" id="{967D8EB6-EAE1-4F9C-B398-83321E287204}"/>
-              </a:ext>
-              <a:ext uri="{C183D7F6-B498-43B3-948B-1728B52AA6E4}">
-                <adec:decorative xmlns:adec="http://schemas.microsoft.com/office/drawing/2017/decorative" val="1"/>
-              </a:ext>
-            </a:extLst>
-          </p:cNvPr>
-          <p:cNvSpPr>
-            <a:spLocks noGrp="1" noRot="1" noChangeAspect="1" noMove="1" noResize="1" noEditPoints="1" noAdjustHandles="1" noChangeArrowheads="1" noChangeShapeType="1" noTextEdit="1"/>
-          </p:cNvSpPr>
-          <p:nvPr>
-            <p:extLst>
-              <p:ext uri="{386F3935-93C4-4BCD-93E2-E3B085C9AB24}">
-                <p16:designElem xmlns:p16="http://schemas.microsoft.com/office/powerpoint/2015/main" val="1"/>
-              </p:ext>
-            </p:extLst>
-          </p:nvPr>
-        </p:nvSpPr>
-        <p:spPr>
-          <a:xfrm>
-            <a:off x="8915400" y="2358913"/>
-            <a:ext cx="2140172" cy="2140172"/>
-          </a:xfrm>
-          <a:prstGeom prst="ellipse">
-            <a:avLst/>
-          </a:prstGeom>
-          <a:solidFill>
-            <a:srgbClr val="FFFFFF"/>
-          </a:solidFill>
-          <a:ln w="22225">
-            <a:solidFill>
-              <a:schemeClr val="accent1"/>
-            </a:solidFill>
-          </a:ln>
-        </p:spPr>
-        <p:style>
-          <a:lnRef idx="2">
-            <a:schemeClr val="accent1">
-              <a:shade val="50000"/>
-            </a:schemeClr>
-          </a:lnRef>
-          <a:fillRef idx="1">
-            <a:schemeClr val="accent1"/>
-          </a:fillRef>
-          <a:effectRef idx="0">
-            <a:schemeClr val="accent1"/>
-          </a:effectRef>
-          <a:fontRef idx="minor">
-            <a:schemeClr val="lt1"/>
-          </a:fontRef>
-        </p:style>
-        <p:txBody>
-          <a:bodyPr rtlCol="0" anchor="ctr"/>
-          <a:lstStyle/>
-          <a:p>
-            <a:pPr algn="ctr"/>
-            <a:endParaRPr lang="en-US"/>
-          </a:p>
-        </p:txBody>
-      </p:sp>
-      <p:pic>
-        <p:nvPicPr>
-          <p:cNvPr id="7" name="Graphic 6" descr="Programmer">
-            <a:extLst>
-              <a:ext uri="{FF2B5EF4-FFF2-40B4-BE49-F238E27FC236}">
-                <a16:creationId xmlns:a16="http://schemas.microsoft.com/office/drawing/2014/main" id="{8D428013-FD3E-4A85-9466-27B23FA8DE54}"/>
-              </a:ext>
-            </a:extLst>
-          </p:cNvPr>
-          <p:cNvPicPr>
-            <a:picLocks noChangeAspect="1"/>
-          </p:cNvPicPr>
-          <p:nvPr/>
-        </p:nvPicPr>
-        <p:blipFill>
-          <a:blip r:embed="rId2">
-            <a:extLst>
-              <a:ext uri="{28A0092B-C50C-407E-A947-70E740481C1C}">
-                <a14:useLocalDpi xmlns:a14="http://schemas.microsoft.com/office/drawing/2010/main" val="0"/>
-              </a:ext>
-              <a:ext uri="{96DAC541-7B7A-43D3-8B79-37D633B846F1}">
-                <asvg:svgBlip xmlns:asvg="http://schemas.microsoft.com/office/drawing/2016/SVG/main" r:embed="rId3"/>
-              </a:ext>
-            </a:extLst>
-          </a:blip>
-          <a:stretch>
-            <a:fillRect/>
-          </a:stretch>
-        </p:blipFill>
-        <p:spPr>
-          <a:xfrm>
-            <a:off x="9413987" y="2857501"/>
-            <a:ext cx="1142998" cy="1142998"/>
-          </a:xfrm>
-          <a:prstGeom prst="rect">
-            <a:avLst/>
-          </a:prstGeom>
-        </p:spPr>
-      </p:pic>
-    </p:spTree>
-    <p:extLst>
-      <p:ext uri="{BB962C8B-B14F-4D97-AF65-F5344CB8AC3E}">
-        <p14:creationId xmlns:p14="http://schemas.microsoft.com/office/powerpoint/2010/main" val="4244261490"/>
-      </p:ext>
-    </p:extLst>
-  </p:cSld>
-  <p:clrMapOvr>
-    <a:masterClrMapping/>
-  </p:clrMapOvr>
-</p:sld>
-</file>
-
-<file path=ppt/slides/slide7.xml><?xml version="1.0" encoding="utf-8"?>
-<p:sld xmlns:a="http://schemas.openxmlformats.org/drawingml/2006/main" xmlns:r="http://schemas.openxmlformats.org/officeDocument/2006/relationships" xmlns:p="http://schemas.openxmlformats.org/presentationml/2006/main">
-  <p:cSld>
-    <p:bg>
-      <p:bgPr>
-        <a:solidFill>
-          <a:schemeClr val="bg1"/>
-        </a:solidFill>
-        <a:effectLst/>
-      </p:bgPr>
-    </p:bg>
-    <p:spTree>
-      <p:nvGrpSpPr>
-        <p:cNvPr id="1" name=""/>
-        <p:cNvGrpSpPr/>
-        <p:nvPr/>
-      </p:nvGrpSpPr>
-      <p:grpSpPr>
-        <a:xfrm>
-          <a:off x="0" y="0"/>
-          <a:ext cx="0" cy="0"/>
-          <a:chOff x="0" y="0"/>
-          <a:chExt cx="0" cy="0"/>
-        </a:xfrm>
-      </p:grpSpPr>
-      <p:sp>
-        <p:nvSpPr>
-          <p:cNvPr id="2" name="Title 1">
-            <a:extLst>
-              <a:ext uri="{FF2B5EF4-FFF2-40B4-BE49-F238E27FC236}">
-                <a16:creationId xmlns:a16="http://schemas.microsoft.com/office/drawing/2014/main" id="{24C265DF-4994-4F5D-AE41-747A19798DF8}"/>
-              </a:ext>
-            </a:extLst>
-          </p:cNvPr>
-          <p:cNvSpPr>
-            <a:spLocks noGrp="1"/>
-          </p:cNvSpPr>
-          <p:nvPr>
-            <p:ph type="title"/>
-          </p:nvPr>
-        </p:nvSpPr>
-        <p:spPr>
-          <a:xfrm>
-            <a:off x="1136428" y="627564"/>
-            <a:ext cx="7474172" cy="1325563"/>
-          </a:xfrm>
-        </p:spPr>
-        <p:txBody>
-          <a:bodyPr>
-            <a:normAutofit/>
-          </a:bodyPr>
-          <a:lstStyle/>
-          <a:p>
-            <a:r>
-              <a:rPr lang="en-IN" b="1" dirty="0">
-                <a:latin typeface="Open Sans" panose="020B0606030504020204" pitchFamily="34" charset="0"/>
-                <a:ea typeface="Open Sans" panose="020B0606030504020204" pitchFamily="34" charset="0"/>
-                <a:cs typeface="Open Sans" panose="020B0606030504020204" pitchFamily="34" charset="0"/>
-              </a:rPr>
-              <a:t>Memory</a:t>
-            </a:r>
-          </a:p>
-        </p:txBody>
-      </p:sp>
-      <p:sp>
-        <p:nvSpPr>
-          <p:cNvPr id="3" name="Content Placeholder 2">
-            <a:extLst>
-              <a:ext uri="{FF2B5EF4-FFF2-40B4-BE49-F238E27FC236}">
-                <a16:creationId xmlns:a16="http://schemas.microsoft.com/office/drawing/2014/main" id="{763D88F7-014E-43B6-A3A8-5EDD0F989D06}"/>
-              </a:ext>
-            </a:extLst>
-          </p:cNvPr>
-          <p:cNvSpPr>
-            <a:spLocks noGrp="1"/>
-          </p:cNvSpPr>
-          <p:nvPr>
-            <p:ph idx="1"/>
-          </p:nvPr>
-        </p:nvSpPr>
-        <p:spPr>
-          <a:xfrm>
-            <a:off x="1136429" y="2278173"/>
-            <a:ext cx="6467867" cy="3450613"/>
-          </a:xfrm>
-        </p:spPr>
-        <p:txBody>
-          <a:bodyPr anchor="ctr">
-            <a:normAutofit/>
-          </a:bodyPr>
-          <a:lstStyle/>
-          <a:p>
-            <a:r>
-              <a:rPr lang="en-IN" sz="1100" i="0" dirty="0">
-                <a:effectLst/>
-                <a:latin typeface="Open Sans" panose="020B0606030504020204" pitchFamily="34" charset="0"/>
-              </a:rPr>
-              <a:t>The memory of a computer is a place where values can be stored and retrieved. </a:t>
-            </a:r>
-          </a:p>
-          <a:p>
-            <a:r>
-              <a:rPr lang="en-IN" sz="1100" i="0" dirty="0">
-                <a:effectLst/>
-                <a:latin typeface="Open Sans" panose="020B0606030504020204" pitchFamily="34" charset="0"/>
-              </a:rPr>
-              <a:t>It is a relatively fast storage device, but it loses its contents as soon as the computer is turned off. It is volatile store. </a:t>
-            </a:r>
-          </a:p>
-          <a:p>
-            <a:r>
-              <a:rPr lang="en-IN" sz="1100" i="0" dirty="0">
-                <a:effectLst/>
-                <a:latin typeface="Open Sans" panose="020B0606030504020204" pitchFamily="34" charset="0"/>
-              </a:rPr>
-              <a:t>The hard drive is non-volatile </a:t>
-            </a:r>
-            <a:r>
-              <a:rPr lang="en-IN" sz="1100" dirty="0">
-                <a:latin typeface="Open Sans" panose="020B0606030504020204" pitchFamily="34" charset="0"/>
-              </a:rPr>
-              <a:t>storage or sometimes called persistent storage. </a:t>
-            </a:r>
-          </a:p>
-          <a:p>
-            <a:r>
-              <a:rPr lang="en-IN" sz="1100" dirty="0">
-                <a:latin typeface="Open Sans" panose="020B0606030504020204" pitchFamily="34" charset="0"/>
-              </a:rPr>
-              <a:t>Values can be stored and retrieved from the hard drive, but it is relatively slow compared to the memory and CPU. However, it retains its contents even when the power is off</a:t>
-            </a:r>
-          </a:p>
-        </p:txBody>
-      </p:sp>
-      <p:sp>
-        <p:nvSpPr>
-          <p:cNvPr id="12" name="Rectangle 11">
-            <a:extLst>
-              <a:ext uri="{FF2B5EF4-FFF2-40B4-BE49-F238E27FC236}">
-                <a16:creationId xmlns:a16="http://schemas.microsoft.com/office/drawing/2014/main" id="{59A309A7-1751-4ABE-A3C1-EEC40366AD89}"/>
-              </a:ext>
-              <a:ext uri="{C183D7F6-B498-43B3-948B-1728B52AA6E4}">
-                <adec:decorative xmlns:adec="http://schemas.microsoft.com/office/drawing/2017/decorative" val="1"/>
-              </a:ext>
-            </a:extLst>
-          </p:cNvPr>
-          <p:cNvSpPr>
-            <a:spLocks noGrp="1" noRot="1" noChangeAspect="1" noMove="1" noResize="1" noEditPoints="1" noAdjustHandles="1" noChangeArrowheads="1" noChangeShapeType="1" noTextEdit="1"/>
-          </p:cNvSpPr>
-          <p:nvPr>
-            <p:extLst>
-              <p:ext uri="{386F3935-93C4-4BCD-93E2-E3B085C9AB24}">
-                <p16:designElem xmlns:p16="http://schemas.microsoft.com/office/powerpoint/2015/main" val="1"/>
-              </p:ext>
-            </p:extLst>
-          </p:nvPr>
-        </p:nvSpPr>
-        <p:spPr>
-          <a:xfrm>
-            <a:off x="10088880" y="0"/>
-            <a:ext cx="2103120" cy="6858000"/>
-          </a:xfrm>
-          <a:prstGeom prst="rect">
-            <a:avLst/>
-          </a:prstGeom>
-          <a:solidFill>
-            <a:schemeClr val="accent1"/>
-          </a:solidFill>
-          <a:ln>
-            <a:noFill/>
-          </a:ln>
-        </p:spPr>
-        <p:style>
-          <a:lnRef idx="2">
-            <a:schemeClr val="accent1">
-              <a:shade val="50000"/>
-            </a:schemeClr>
-          </a:lnRef>
-          <a:fillRef idx="1">
-            <a:schemeClr val="accent1"/>
-          </a:fillRef>
-          <a:effectRef idx="0">
-            <a:schemeClr val="accent1"/>
-          </a:effectRef>
-          <a:fontRef idx="minor">
-            <a:schemeClr val="lt1"/>
-          </a:fontRef>
-        </p:style>
-        <p:txBody>
-          <a:bodyPr rtlCol="0" anchor="ctr"/>
-          <a:lstStyle/>
-          <a:p>
-            <a:pPr algn="ctr"/>
-            <a:endParaRPr lang="en-US"/>
-          </a:p>
-        </p:txBody>
-      </p:sp>
-      <p:sp>
-        <p:nvSpPr>
-          <p:cNvPr id="14" name="Oval 13">
-            <a:extLst>
-              <a:ext uri="{FF2B5EF4-FFF2-40B4-BE49-F238E27FC236}">
-                <a16:creationId xmlns:a16="http://schemas.microsoft.com/office/drawing/2014/main" id="{967D8EB6-EAE1-4F9C-B398-83321E287204}"/>
-              </a:ext>
-              <a:ext uri="{C183D7F6-B498-43B3-948B-1728B52AA6E4}">
-                <adec:decorative xmlns:adec="http://schemas.microsoft.com/office/drawing/2017/decorative" val="1"/>
-              </a:ext>
-            </a:extLst>
-          </p:cNvPr>
-          <p:cNvSpPr>
-            <a:spLocks noGrp="1" noRot="1" noChangeAspect="1" noMove="1" noResize="1" noEditPoints="1" noAdjustHandles="1" noChangeArrowheads="1" noChangeShapeType="1" noTextEdit="1"/>
-          </p:cNvSpPr>
-          <p:nvPr>
-            <p:extLst>
-              <p:ext uri="{386F3935-93C4-4BCD-93E2-E3B085C9AB24}">
-                <p16:designElem xmlns:p16="http://schemas.microsoft.com/office/powerpoint/2015/main" val="1"/>
-              </p:ext>
-            </p:extLst>
-          </p:nvPr>
-        </p:nvSpPr>
-        <p:spPr>
-          <a:xfrm>
-            <a:off x="8915400" y="2358913"/>
-            <a:ext cx="2140172" cy="2140172"/>
-          </a:xfrm>
-          <a:prstGeom prst="ellipse">
-            <a:avLst/>
-          </a:prstGeom>
-          <a:solidFill>
-            <a:srgbClr val="FFFFFF"/>
-          </a:solidFill>
-          <a:ln w="22225">
-            <a:solidFill>
-              <a:schemeClr val="accent1"/>
-            </a:solidFill>
-          </a:ln>
-        </p:spPr>
-        <p:style>
-          <a:lnRef idx="2">
-            <a:schemeClr val="accent1">
-              <a:shade val="50000"/>
-            </a:schemeClr>
-          </a:lnRef>
-          <a:fillRef idx="1">
-            <a:schemeClr val="accent1"/>
-          </a:fillRef>
-          <a:effectRef idx="0">
-            <a:schemeClr val="accent1"/>
-          </a:effectRef>
-          <a:fontRef idx="minor">
-            <a:schemeClr val="lt1"/>
-          </a:fontRef>
-        </p:style>
-        <p:txBody>
-          <a:bodyPr rtlCol="0" anchor="ctr"/>
-          <a:lstStyle/>
-          <a:p>
-            <a:pPr algn="ctr"/>
-            <a:endParaRPr lang="en-US"/>
-          </a:p>
-        </p:txBody>
-      </p:sp>
-      <p:pic>
-        <p:nvPicPr>
-          <p:cNvPr id="7" name="Graphic 6" descr="Programmer">
-            <a:extLst>
-              <a:ext uri="{FF2B5EF4-FFF2-40B4-BE49-F238E27FC236}">
-                <a16:creationId xmlns:a16="http://schemas.microsoft.com/office/drawing/2014/main" id="{8D428013-FD3E-4A85-9466-27B23FA8DE54}"/>
-              </a:ext>
-            </a:extLst>
-          </p:cNvPr>
-          <p:cNvPicPr>
-            <a:picLocks noChangeAspect="1"/>
-          </p:cNvPicPr>
-          <p:nvPr/>
-        </p:nvPicPr>
-        <p:blipFill>
-          <a:blip r:embed="rId2">
-            <a:extLst>
-              <a:ext uri="{28A0092B-C50C-407E-A947-70E740481C1C}">
-                <a14:useLocalDpi xmlns:a14="http://schemas.microsoft.com/office/drawing/2010/main" val="0"/>
-              </a:ext>
-              <a:ext uri="{96DAC541-7B7A-43D3-8B79-37D633B846F1}">
-                <asvg:svgBlip xmlns:asvg="http://schemas.microsoft.com/office/drawing/2016/SVG/main" r:embed="rId3"/>
-              </a:ext>
-            </a:extLst>
-          </a:blip>
-          <a:stretch>
-            <a:fillRect/>
-          </a:stretch>
-        </p:blipFill>
-        <p:spPr>
-          <a:xfrm>
-            <a:off x="9413987" y="2857501"/>
-            <a:ext cx="1142998" cy="1142998"/>
-          </a:xfrm>
-          <a:prstGeom prst="rect">
-            <a:avLst/>
-          </a:prstGeom>
-        </p:spPr>
-      </p:pic>
-    </p:spTree>
-    <p:extLst>
-      <p:ext uri="{BB962C8B-B14F-4D97-AF65-F5344CB8AC3E}">
-        <p14:creationId xmlns:p14="http://schemas.microsoft.com/office/powerpoint/2010/main" val="2749759606"/>
-      </p:ext>
-    </p:extLst>
-  </p:cSld>
-  <p:clrMapOvr>
-    <a:masterClrMapping/>
-  </p:clrMapOvr>
-</p:sld>
-</file>
-
-<file path=ppt/slides/slide8.xml><?xml version="1.0" encoding="utf-8"?>
-<p:sld xmlns:a="http://schemas.openxmlformats.org/drawingml/2006/main" xmlns:r="http://schemas.openxmlformats.org/officeDocument/2006/relationships" xmlns:p="http://schemas.openxmlformats.org/presentationml/2006/main">
-  <p:cSld>
-    <p:bg>
-      <p:bgPr>
-        <a:solidFill>
-          <a:schemeClr val="bg1"/>
-        </a:solidFill>
-        <a:effectLst/>
-      </p:bgPr>
-    </p:bg>
-    <p:spTree>
-      <p:nvGrpSpPr>
-        <p:cNvPr id="1" name=""/>
-        <p:cNvGrpSpPr/>
-        <p:nvPr/>
-      </p:nvGrpSpPr>
-      <p:grpSpPr>
-        <a:xfrm>
-          <a:off x="0" y="0"/>
-          <a:ext cx="0" cy="0"/>
-          <a:chOff x="0" y="0"/>
-          <a:chExt cx="0" cy="0"/>
-        </a:xfrm>
-      </p:grpSpPr>
-      <p:sp>
-        <p:nvSpPr>
-          <p:cNvPr id="2" name="Title 1">
-            <a:extLst>
-              <a:ext uri="{FF2B5EF4-FFF2-40B4-BE49-F238E27FC236}">
-                <a16:creationId xmlns:a16="http://schemas.microsoft.com/office/drawing/2014/main" id="{24C265DF-4994-4F5D-AE41-747A19798DF8}"/>
-              </a:ext>
-            </a:extLst>
-          </p:cNvPr>
-          <p:cNvSpPr>
-            <a:spLocks noGrp="1"/>
-          </p:cNvSpPr>
-          <p:nvPr>
-            <p:ph type="title"/>
-          </p:nvPr>
-        </p:nvSpPr>
-        <p:spPr>
-          <a:xfrm>
-            <a:off x="1136428" y="627564"/>
-            <a:ext cx="7474172" cy="1325563"/>
-          </a:xfrm>
-        </p:spPr>
-        <p:txBody>
-          <a:bodyPr>
-            <a:normAutofit/>
-          </a:bodyPr>
-          <a:lstStyle/>
-          <a:p>
-            <a:r>
-              <a:rPr lang="en-IN" b="1" dirty="0">
-                <a:latin typeface="Open Sans" panose="020B0606030504020204" pitchFamily="34" charset="0"/>
-                <a:ea typeface="Open Sans" panose="020B0606030504020204" pitchFamily="34" charset="0"/>
-                <a:cs typeface="Open Sans" panose="020B0606030504020204" pitchFamily="34" charset="0"/>
-              </a:rPr>
-              <a:t>Byte</a:t>
-            </a:r>
-          </a:p>
-        </p:txBody>
-      </p:sp>
-      <p:sp>
-        <p:nvSpPr>
-          <p:cNvPr id="3" name="Content Placeholder 2">
-            <a:extLst>
-              <a:ext uri="{FF2B5EF4-FFF2-40B4-BE49-F238E27FC236}">
-                <a16:creationId xmlns:a16="http://schemas.microsoft.com/office/drawing/2014/main" id="{763D88F7-014E-43B6-A3A8-5EDD0F989D06}"/>
-              </a:ext>
-            </a:extLst>
-          </p:cNvPr>
-          <p:cNvSpPr>
-            <a:spLocks noGrp="1"/>
-          </p:cNvSpPr>
-          <p:nvPr>
-            <p:ph idx="1"/>
-          </p:nvPr>
-        </p:nvSpPr>
-        <p:spPr>
-          <a:xfrm>
-            <a:off x="1136429" y="1953127"/>
-            <a:ext cx="6467867" cy="4630552"/>
-          </a:xfrm>
-        </p:spPr>
-        <p:txBody>
-          <a:bodyPr anchor="ctr">
-            <a:normAutofit/>
-          </a:bodyPr>
-          <a:lstStyle/>
-          <a:p>
-            <a:r>
-              <a:rPr lang="en-IN" sz="1200" i="0" dirty="0">
-                <a:effectLst/>
-                <a:latin typeface="Open Sans" panose="020B0606030504020204" pitchFamily="34" charset="0"/>
-              </a:rPr>
-              <a:t>In a computer, everything is stored as a sequence of 0’s and 1’s.</a:t>
-            </a:r>
-          </a:p>
-          <a:p>
-            <a:r>
-              <a:rPr lang="en-IN" sz="1200" dirty="0">
-                <a:latin typeface="Open Sans" panose="020B0606030504020204" pitchFamily="34" charset="0"/>
-              </a:rPr>
-              <a:t>One digit in a binary number is called a bit. </a:t>
-            </a:r>
-          </a:p>
-          <a:p>
-            <a:r>
-              <a:rPr lang="en-IN" sz="1200" dirty="0">
-                <a:latin typeface="Open Sans" panose="020B0606030504020204" pitchFamily="34" charset="0"/>
-              </a:rPr>
-              <a:t>Eight bits grouped together are called a byte. </a:t>
-            </a:r>
-          </a:p>
-          <a:p>
-            <a:r>
-              <a:rPr lang="en-IN" sz="1200" dirty="0">
-                <a:latin typeface="Open Sans" panose="020B0606030504020204" pitchFamily="34" charset="0"/>
-              </a:rPr>
-              <a:t>Kilobyte KB - about 1 thousand bytes </a:t>
-            </a:r>
-          </a:p>
-          <a:p>
-            <a:r>
-              <a:rPr lang="en-IN" sz="1200" dirty="0">
-                <a:latin typeface="Open Sans" panose="020B0606030504020204" pitchFamily="34" charset="0"/>
-              </a:rPr>
-              <a:t>Megabyte (MB) - about 1 million bytes (about 1000 KB)</a:t>
-            </a:r>
-          </a:p>
-          <a:p>
-            <a:pPr lvl="1"/>
-            <a:r>
-              <a:rPr lang="en-IN" sz="1200" dirty="0">
-                <a:latin typeface="Open Sans" panose="020B0606030504020204" pitchFamily="34" charset="0"/>
-              </a:rPr>
-              <a:t>MP3 audio is about 1 megabyte per minute</a:t>
-            </a:r>
-          </a:p>
-          <a:p>
-            <a:pPr lvl="1"/>
-            <a:r>
-              <a:rPr lang="en-IN" sz="1200" dirty="0">
-                <a:latin typeface="Open Sans" panose="020B0606030504020204" pitchFamily="34" charset="0"/>
-              </a:rPr>
-              <a:t>A high-quality digital picture is about 2-5 megabytes</a:t>
-            </a:r>
-          </a:p>
-          <a:p>
-            <a:r>
-              <a:rPr lang="en-IN" sz="1200" dirty="0">
-                <a:latin typeface="Open Sans" panose="020B0606030504020204" pitchFamily="34" charset="0"/>
-              </a:rPr>
-              <a:t>Gigabyte GB = about a billion bytes (about 1000 MB)</a:t>
-            </a:r>
-          </a:p>
-          <a:p>
-            <a:pPr lvl="1"/>
-            <a:r>
-              <a:rPr lang="en-IN" sz="1200" dirty="0">
-                <a:latin typeface="Open Sans" panose="020B0606030504020204" pitchFamily="34" charset="0"/>
-              </a:rPr>
-              <a:t>GB is a common unit for modern hardware e.g., 4000 MB = 4 GB</a:t>
-            </a:r>
-          </a:p>
-          <a:p>
-            <a:pPr lvl="1"/>
-            <a:r>
-              <a:rPr lang="en-IN" sz="1200" dirty="0">
-                <a:latin typeface="Open Sans" panose="020B0606030504020204" pitchFamily="34" charset="0"/>
-              </a:rPr>
-              <a:t>An ordinary computer might have:</a:t>
-            </a:r>
-          </a:p>
-          <a:p>
-            <a:pPr lvl="2"/>
-            <a:r>
-              <a:rPr lang="en-IN" sz="1200" dirty="0">
-                <a:latin typeface="Open Sans" panose="020B0606030504020204" pitchFamily="34" charset="0"/>
-              </a:rPr>
-              <a:t>4 GB or RAM, 256 GB of persistent storage</a:t>
-            </a:r>
-          </a:p>
-          <a:p>
-            <a:pPr lvl="2"/>
-            <a:r>
-              <a:rPr lang="en-IN" sz="1200" dirty="0">
-                <a:latin typeface="Open Sans" panose="020B0606030504020204" pitchFamily="34" charset="0"/>
-              </a:rPr>
-              <a:t>A DVD disk has a capacity 4.7GB (single layer)</a:t>
-            </a:r>
-          </a:p>
-          <a:p>
-            <a:pPr lvl="2"/>
-            <a:r>
-              <a:rPr lang="en-IN" sz="1200" dirty="0">
-                <a:latin typeface="Open Sans" panose="020B0606030504020204" pitchFamily="34" charset="0"/>
-              </a:rPr>
-              <a:t>Figure 2 GB per hour of video (varies greatly)</a:t>
-            </a:r>
-          </a:p>
-          <a:p>
-            <a:pPr lvl="2"/>
-            <a:r>
-              <a:rPr lang="en-IN" sz="1200" dirty="0">
-                <a:latin typeface="Open Sans" panose="020B0606030504020204" pitchFamily="34" charset="0"/>
-              </a:rPr>
-              <a:t>A flash drive might hold 32 GB</a:t>
-            </a:r>
-          </a:p>
-          <a:p>
-            <a:pPr lvl="2"/>
-            <a:r>
-              <a:rPr lang="en-IN" sz="1200" dirty="0">
-                <a:latin typeface="Open Sans" panose="020B0606030504020204" pitchFamily="34" charset="0"/>
-              </a:rPr>
-              <a:t>A hard drive might hold 750 GB</a:t>
-            </a:r>
-          </a:p>
-          <a:p>
-            <a:r>
-              <a:rPr lang="en-IN" sz="1200" dirty="0">
-                <a:latin typeface="Open Sans" panose="020B0606030504020204" pitchFamily="34" charset="0"/>
-              </a:rPr>
-              <a:t>One terabyte (TB) is about 1000 gigabytes, or roughly 1 trillion bytes. Hard Drives on computers are usually in the 500 GB to two TB range.</a:t>
-            </a:r>
-          </a:p>
-        </p:txBody>
-      </p:sp>
-      <p:sp>
-        <p:nvSpPr>
-          <p:cNvPr id="12" name="Rectangle 11">
-            <a:extLst>
-              <a:ext uri="{FF2B5EF4-FFF2-40B4-BE49-F238E27FC236}">
-                <a16:creationId xmlns:a16="http://schemas.microsoft.com/office/drawing/2014/main" id="{59A309A7-1751-4ABE-A3C1-EEC40366AD89}"/>
-              </a:ext>
-              <a:ext uri="{C183D7F6-B498-43B3-948B-1728B52AA6E4}">
-                <adec:decorative xmlns:adec="http://schemas.microsoft.com/office/drawing/2017/decorative" val="1"/>
-              </a:ext>
-            </a:extLst>
-          </p:cNvPr>
-          <p:cNvSpPr>
-            <a:spLocks noGrp="1" noRot="1" noChangeAspect="1" noMove="1" noResize="1" noEditPoints="1" noAdjustHandles="1" noChangeArrowheads="1" noChangeShapeType="1" noTextEdit="1"/>
-          </p:cNvSpPr>
-          <p:nvPr>
-            <p:extLst>
-              <p:ext uri="{386F3935-93C4-4BCD-93E2-E3B085C9AB24}">
-                <p16:designElem xmlns:p16="http://schemas.microsoft.com/office/powerpoint/2015/main" val="1"/>
-              </p:ext>
-            </p:extLst>
-          </p:nvPr>
-        </p:nvSpPr>
-        <p:spPr>
-          <a:xfrm>
-            <a:off x="10088880" y="0"/>
-            <a:ext cx="2103120" cy="6858000"/>
-          </a:xfrm>
-          <a:prstGeom prst="rect">
-            <a:avLst/>
-          </a:prstGeom>
-          <a:solidFill>
-            <a:schemeClr val="accent1"/>
-          </a:solidFill>
-          <a:ln>
-            <a:noFill/>
-          </a:ln>
-        </p:spPr>
-        <p:style>
-          <a:lnRef idx="2">
-            <a:schemeClr val="accent1">
-              <a:shade val="50000"/>
-            </a:schemeClr>
-          </a:lnRef>
-          <a:fillRef idx="1">
-            <a:schemeClr val="accent1"/>
-          </a:fillRef>
-          <a:effectRef idx="0">
-            <a:schemeClr val="accent1"/>
-          </a:effectRef>
-          <a:fontRef idx="minor">
-            <a:schemeClr val="lt1"/>
-          </a:fontRef>
-        </p:style>
-        <p:txBody>
-          <a:bodyPr rtlCol="0" anchor="ctr"/>
-          <a:lstStyle/>
-          <a:p>
-            <a:pPr algn="ctr"/>
-            <a:endParaRPr lang="en-US"/>
-          </a:p>
-        </p:txBody>
-      </p:sp>
-      <p:sp>
-        <p:nvSpPr>
-          <p:cNvPr id="14" name="Oval 13">
-            <a:extLst>
-              <a:ext uri="{FF2B5EF4-FFF2-40B4-BE49-F238E27FC236}">
-                <a16:creationId xmlns:a16="http://schemas.microsoft.com/office/drawing/2014/main" id="{967D8EB6-EAE1-4F9C-B398-83321E287204}"/>
-              </a:ext>
-              <a:ext uri="{C183D7F6-B498-43B3-948B-1728B52AA6E4}">
-                <adec:decorative xmlns:adec="http://schemas.microsoft.com/office/drawing/2017/decorative" val="1"/>
-              </a:ext>
-            </a:extLst>
-          </p:cNvPr>
-          <p:cNvSpPr>
-            <a:spLocks noGrp="1" noRot="1" noChangeAspect="1" noMove="1" noResize="1" noEditPoints="1" noAdjustHandles="1" noChangeArrowheads="1" noChangeShapeType="1" noTextEdit="1"/>
-          </p:cNvSpPr>
-          <p:nvPr>
-            <p:extLst>
-              <p:ext uri="{386F3935-93C4-4BCD-93E2-E3B085C9AB24}">
-                <p16:designElem xmlns:p16="http://schemas.microsoft.com/office/powerpoint/2015/main" val="1"/>
-              </p:ext>
-            </p:extLst>
-          </p:nvPr>
-        </p:nvSpPr>
-        <p:spPr>
-          <a:xfrm>
-            <a:off x="8915400" y="2358913"/>
-            <a:ext cx="2140172" cy="2140172"/>
-          </a:xfrm>
-          <a:prstGeom prst="ellipse">
-            <a:avLst/>
-          </a:prstGeom>
-          <a:solidFill>
-            <a:srgbClr val="FFFFFF"/>
-          </a:solidFill>
-          <a:ln w="22225">
-            <a:solidFill>
-              <a:schemeClr val="accent1"/>
-            </a:solidFill>
-          </a:ln>
-        </p:spPr>
-        <p:style>
-          <a:lnRef idx="2">
-            <a:schemeClr val="accent1">
-              <a:shade val="50000"/>
-            </a:schemeClr>
-          </a:lnRef>
-          <a:fillRef idx="1">
-            <a:schemeClr val="accent1"/>
-          </a:fillRef>
-          <a:effectRef idx="0">
-            <a:schemeClr val="accent1"/>
-          </a:effectRef>
-          <a:fontRef idx="minor">
-            <a:schemeClr val="lt1"/>
-          </a:fontRef>
-        </p:style>
-        <p:txBody>
-          <a:bodyPr rtlCol="0" anchor="ctr"/>
-          <a:lstStyle/>
-          <a:p>
-            <a:pPr algn="ctr"/>
-            <a:endParaRPr lang="en-US"/>
-          </a:p>
-        </p:txBody>
-      </p:sp>
-      <p:pic>
-        <p:nvPicPr>
-          <p:cNvPr id="7" name="Graphic 6" descr="Programmer">
-            <a:extLst>
-              <a:ext uri="{FF2B5EF4-FFF2-40B4-BE49-F238E27FC236}">
-                <a16:creationId xmlns:a16="http://schemas.microsoft.com/office/drawing/2014/main" id="{8D428013-FD3E-4A85-9466-27B23FA8DE54}"/>
-              </a:ext>
-            </a:extLst>
-          </p:cNvPr>
-          <p:cNvPicPr>
-            <a:picLocks noChangeAspect="1"/>
-          </p:cNvPicPr>
-          <p:nvPr/>
-        </p:nvPicPr>
-        <p:blipFill>
-          <a:blip r:embed="rId2">
-            <a:extLst>
-              <a:ext uri="{28A0092B-C50C-407E-A947-70E740481C1C}">
-                <a14:useLocalDpi xmlns:a14="http://schemas.microsoft.com/office/drawing/2010/main" val="0"/>
-              </a:ext>
-              <a:ext uri="{96DAC541-7B7A-43D3-8B79-37D633B846F1}">
-                <asvg:svgBlip xmlns:asvg="http://schemas.microsoft.com/office/drawing/2016/SVG/main" r:embed="rId3"/>
-              </a:ext>
-            </a:extLst>
-          </a:blip>
-          <a:stretch>
-            <a:fillRect/>
-          </a:stretch>
-        </p:blipFill>
-        <p:spPr>
-          <a:xfrm>
-            <a:off x="9413987" y="2857501"/>
-            <a:ext cx="1142998" cy="1142998"/>
-          </a:xfrm>
-          <a:prstGeom prst="rect">
-            <a:avLst/>
-          </a:prstGeom>
-        </p:spPr>
-      </p:pic>
-    </p:spTree>
-    <p:extLst>
-      <p:ext uri="{BB962C8B-B14F-4D97-AF65-F5344CB8AC3E}">
-        <p14:creationId xmlns:p14="http://schemas.microsoft.com/office/powerpoint/2010/main" val="3450207145"/>
-      </p:ext>
-    </p:extLst>
-  </p:cSld>
-  <p:clrMapOvr>
-    <a:masterClrMapping/>
-  </p:clrMapOvr>
-</p:sld>
-</file>
-
-<file path=ppt/slides/slide9.xml><?xml version="1.0" encoding="utf-8"?>
 <p:sld xmlns:a="http://schemas.openxmlformats.org/drawingml/2006/main" xmlns:r="http://schemas.openxmlformats.org/officeDocument/2006/relationships" xmlns:p="http://schemas.openxmlformats.org/presentationml/2006/main">
   <p:cSld>
     <p:bg>
@@ -9755,6 +5980,4735 @@
 </p:sld>
 </file>
 
+<file path=ppt/slides/slide13.xml><?xml version="1.0" encoding="utf-8"?>
+<p:sld xmlns:a="http://schemas.openxmlformats.org/drawingml/2006/main" xmlns:r="http://schemas.openxmlformats.org/officeDocument/2006/relationships" xmlns:p="http://schemas.openxmlformats.org/presentationml/2006/main">
+  <p:cSld>
+    <p:bg>
+      <p:bgPr>
+        <a:solidFill>
+          <a:schemeClr val="bg1"/>
+        </a:solidFill>
+        <a:effectLst/>
+      </p:bgPr>
+    </p:bg>
+    <p:spTree>
+      <p:nvGrpSpPr>
+        <p:cNvPr id="1" name=""/>
+        <p:cNvGrpSpPr/>
+        <p:nvPr/>
+      </p:nvGrpSpPr>
+      <p:grpSpPr>
+        <a:xfrm>
+          <a:off x="0" y="0"/>
+          <a:ext cx="0" cy="0"/>
+          <a:chOff x="0" y="0"/>
+          <a:chExt cx="0" cy="0"/>
+        </a:xfrm>
+      </p:grpSpPr>
+      <p:sp>
+        <p:nvSpPr>
+          <p:cNvPr id="2" name="Title 1">
+            <a:extLst>
+              <a:ext uri="{FF2B5EF4-FFF2-40B4-BE49-F238E27FC236}">
+                <a16:creationId xmlns:a16="http://schemas.microsoft.com/office/drawing/2014/main" id="{24C265DF-4994-4F5D-AE41-747A19798DF8}"/>
+              </a:ext>
+            </a:extLst>
+          </p:cNvPr>
+          <p:cNvSpPr>
+            <a:spLocks noGrp="1"/>
+          </p:cNvSpPr>
+          <p:nvPr>
+            <p:ph type="title"/>
+          </p:nvPr>
+        </p:nvSpPr>
+        <p:spPr>
+          <a:xfrm>
+            <a:off x="1136428" y="627564"/>
+            <a:ext cx="7474172" cy="1325563"/>
+          </a:xfrm>
+        </p:spPr>
+        <p:txBody>
+          <a:bodyPr>
+            <a:normAutofit/>
+          </a:bodyPr>
+          <a:lstStyle/>
+          <a:p>
+            <a:pPr fontAlgn="base"/>
+            <a:r>
+              <a:rPr lang="en-IN" b="1" i="0">
+                <a:effectLst/>
+                <a:latin typeface="sofia-pro"/>
+              </a:rPr>
+              <a:t>Byte Objects vs String</a:t>
+            </a:r>
+          </a:p>
+        </p:txBody>
+      </p:sp>
+      <p:sp>
+        <p:nvSpPr>
+          <p:cNvPr id="3" name="Content Placeholder 2">
+            <a:extLst>
+              <a:ext uri="{FF2B5EF4-FFF2-40B4-BE49-F238E27FC236}">
+                <a16:creationId xmlns:a16="http://schemas.microsoft.com/office/drawing/2014/main" id="{763D88F7-014E-43B6-A3A8-5EDD0F989D06}"/>
+              </a:ext>
+            </a:extLst>
+          </p:cNvPr>
+          <p:cNvSpPr>
+            <a:spLocks noGrp="1"/>
+          </p:cNvSpPr>
+          <p:nvPr>
+            <p:ph idx="1"/>
+          </p:nvPr>
+        </p:nvSpPr>
+        <p:spPr>
+          <a:xfrm>
+            <a:off x="1136429" y="2278173"/>
+            <a:ext cx="6467867" cy="3450613"/>
+          </a:xfrm>
+        </p:spPr>
+        <p:txBody>
+          <a:bodyPr anchor="ctr">
+            <a:normAutofit/>
+          </a:bodyPr>
+          <a:lstStyle/>
+          <a:p>
+            <a:r>
+              <a:rPr lang="en-IN" sz="2200" i="0">
+                <a:effectLst/>
+                <a:latin typeface="Open Sans" panose="020B0606030504020204" pitchFamily="34" charset="0"/>
+              </a:rPr>
+              <a:t>Byte objects are sequence of Bytes, whereas Strings are sequence of characters.</a:t>
+            </a:r>
+          </a:p>
+          <a:p>
+            <a:r>
+              <a:rPr lang="en-IN" sz="2200" i="0">
+                <a:effectLst/>
+                <a:latin typeface="Open Sans" panose="020B0606030504020204" pitchFamily="34" charset="0"/>
+              </a:rPr>
+              <a:t>Byte objects are in machine readable form internally, Strings are only in human readable form.</a:t>
+            </a:r>
+          </a:p>
+          <a:p>
+            <a:r>
+              <a:rPr lang="en-IN" sz="2200" i="0">
+                <a:effectLst/>
+                <a:latin typeface="Open Sans" panose="020B0606030504020204" pitchFamily="34" charset="0"/>
+              </a:rPr>
+              <a:t>Since Byte objects are machine readable, they can be directly stored on the disk. </a:t>
+            </a:r>
+          </a:p>
+          <a:p>
+            <a:r>
+              <a:rPr lang="en-IN" sz="2200" i="0">
+                <a:effectLst/>
+                <a:latin typeface="Open Sans" panose="020B0606030504020204" pitchFamily="34" charset="0"/>
+              </a:rPr>
+              <a:t>Whereas Strings need encoding before which they can be stored on disk.</a:t>
+            </a:r>
+            <a:endParaRPr lang="en-IN" sz="2200">
+              <a:latin typeface="Open Sans" panose="020B0606030504020204" pitchFamily="34" charset="0"/>
+            </a:endParaRPr>
+          </a:p>
+        </p:txBody>
+      </p:sp>
+      <p:sp>
+        <p:nvSpPr>
+          <p:cNvPr id="12" name="Rectangle 11">
+            <a:extLst>
+              <a:ext uri="{FF2B5EF4-FFF2-40B4-BE49-F238E27FC236}">
+                <a16:creationId xmlns:a16="http://schemas.microsoft.com/office/drawing/2014/main" id="{59A309A7-1751-4ABE-A3C1-EEC40366AD89}"/>
+              </a:ext>
+              <a:ext uri="{C183D7F6-B498-43B3-948B-1728B52AA6E4}">
+                <adec:decorative xmlns:adec="http://schemas.microsoft.com/office/drawing/2017/decorative" val="1"/>
+              </a:ext>
+            </a:extLst>
+          </p:cNvPr>
+          <p:cNvSpPr>
+            <a:spLocks noGrp="1" noRot="1" noChangeAspect="1" noMove="1" noResize="1" noEditPoints="1" noAdjustHandles="1" noChangeArrowheads="1" noChangeShapeType="1" noTextEdit="1"/>
+          </p:cNvSpPr>
+          <p:nvPr>
+            <p:extLst>
+              <p:ext uri="{386F3935-93C4-4BCD-93E2-E3B085C9AB24}">
+                <p16:designElem xmlns:p16="http://schemas.microsoft.com/office/powerpoint/2015/main" val="1"/>
+              </p:ext>
+            </p:extLst>
+          </p:nvPr>
+        </p:nvSpPr>
+        <p:spPr>
+          <a:xfrm>
+            <a:off x="10088880" y="0"/>
+            <a:ext cx="2103120" cy="6858000"/>
+          </a:xfrm>
+          <a:prstGeom prst="rect">
+            <a:avLst/>
+          </a:prstGeom>
+          <a:solidFill>
+            <a:schemeClr val="accent1"/>
+          </a:solidFill>
+          <a:ln>
+            <a:noFill/>
+          </a:ln>
+        </p:spPr>
+        <p:style>
+          <a:lnRef idx="2">
+            <a:schemeClr val="accent1">
+              <a:shade val="50000"/>
+            </a:schemeClr>
+          </a:lnRef>
+          <a:fillRef idx="1">
+            <a:schemeClr val="accent1"/>
+          </a:fillRef>
+          <a:effectRef idx="0">
+            <a:schemeClr val="accent1"/>
+          </a:effectRef>
+          <a:fontRef idx="minor">
+            <a:schemeClr val="lt1"/>
+          </a:fontRef>
+        </p:style>
+        <p:txBody>
+          <a:bodyPr rtlCol="0" anchor="ctr"/>
+          <a:lstStyle/>
+          <a:p>
+            <a:pPr algn="ctr"/>
+            <a:endParaRPr lang="en-US"/>
+          </a:p>
+        </p:txBody>
+      </p:sp>
+      <p:sp>
+        <p:nvSpPr>
+          <p:cNvPr id="14" name="Oval 13">
+            <a:extLst>
+              <a:ext uri="{FF2B5EF4-FFF2-40B4-BE49-F238E27FC236}">
+                <a16:creationId xmlns:a16="http://schemas.microsoft.com/office/drawing/2014/main" id="{967D8EB6-EAE1-4F9C-B398-83321E287204}"/>
+              </a:ext>
+              <a:ext uri="{C183D7F6-B498-43B3-948B-1728B52AA6E4}">
+                <adec:decorative xmlns:adec="http://schemas.microsoft.com/office/drawing/2017/decorative" val="1"/>
+              </a:ext>
+            </a:extLst>
+          </p:cNvPr>
+          <p:cNvSpPr>
+            <a:spLocks noGrp="1" noRot="1" noChangeAspect="1" noMove="1" noResize="1" noEditPoints="1" noAdjustHandles="1" noChangeArrowheads="1" noChangeShapeType="1" noTextEdit="1"/>
+          </p:cNvSpPr>
+          <p:nvPr>
+            <p:extLst>
+              <p:ext uri="{386F3935-93C4-4BCD-93E2-E3B085C9AB24}">
+                <p16:designElem xmlns:p16="http://schemas.microsoft.com/office/powerpoint/2015/main" val="1"/>
+              </p:ext>
+            </p:extLst>
+          </p:nvPr>
+        </p:nvSpPr>
+        <p:spPr>
+          <a:xfrm>
+            <a:off x="8915400" y="2358913"/>
+            <a:ext cx="2140172" cy="2140172"/>
+          </a:xfrm>
+          <a:prstGeom prst="ellipse">
+            <a:avLst/>
+          </a:prstGeom>
+          <a:solidFill>
+            <a:srgbClr val="FFFFFF"/>
+          </a:solidFill>
+          <a:ln w="22225">
+            <a:solidFill>
+              <a:schemeClr val="accent1"/>
+            </a:solidFill>
+          </a:ln>
+        </p:spPr>
+        <p:style>
+          <a:lnRef idx="2">
+            <a:schemeClr val="accent1">
+              <a:shade val="50000"/>
+            </a:schemeClr>
+          </a:lnRef>
+          <a:fillRef idx="1">
+            <a:schemeClr val="accent1"/>
+          </a:fillRef>
+          <a:effectRef idx="0">
+            <a:schemeClr val="accent1"/>
+          </a:effectRef>
+          <a:fontRef idx="minor">
+            <a:schemeClr val="lt1"/>
+          </a:fontRef>
+        </p:style>
+        <p:txBody>
+          <a:bodyPr rtlCol="0" anchor="ctr"/>
+          <a:lstStyle/>
+          <a:p>
+            <a:pPr algn="ctr"/>
+            <a:endParaRPr lang="en-US"/>
+          </a:p>
+        </p:txBody>
+      </p:sp>
+      <p:pic>
+        <p:nvPicPr>
+          <p:cNvPr id="7" name="Graphic 6" descr="Programmer">
+            <a:extLst>
+              <a:ext uri="{FF2B5EF4-FFF2-40B4-BE49-F238E27FC236}">
+                <a16:creationId xmlns:a16="http://schemas.microsoft.com/office/drawing/2014/main" id="{8D428013-FD3E-4A85-9466-27B23FA8DE54}"/>
+              </a:ext>
+            </a:extLst>
+          </p:cNvPr>
+          <p:cNvPicPr>
+            <a:picLocks noChangeAspect="1"/>
+          </p:cNvPicPr>
+          <p:nvPr/>
+        </p:nvPicPr>
+        <p:blipFill>
+          <a:blip r:embed="rId2">
+            <a:extLst>
+              <a:ext uri="{28A0092B-C50C-407E-A947-70E740481C1C}">
+                <a14:useLocalDpi xmlns:a14="http://schemas.microsoft.com/office/drawing/2010/main" val="0"/>
+              </a:ext>
+              <a:ext uri="{96DAC541-7B7A-43D3-8B79-37D633B846F1}">
+                <asvg:svgBlip xmlns:asvg="http://schemas.microsoft.com/office/drawing/2016/SVG/main" r:embed="rId3"/>
+              </a:ext>
+            </a:extLst>
+          </a:blip>
+          <a:stretch>
+            <a:fillRect/>
+          </a:stretch>
+        </p:blipFill>
+        <p:spPr>
+          <a:xfrm>
+            <a:off x="9413987" y="2857501"/>
+            <a:ext cx="1142998" cy="1142998"/>
+          </a:xfrm>
+          <a:prstGeom prst="rect">
+            <a:avLst/>
+          </a:prstGeom>
+        </p:spPr>
+      </p:pic>
+    </p:spTree>
+    <p:extLst>
+      <p:ext uri="{BB962C8B-B14F-4D97-AF65-F5344CB8AC3E}">
+        <p14:creationId xmlns:p14="http://schemas.microsoft.com/office/powerpoint/2010/main" val="149896639"/>
+      </p:ext>
+    </p:extLst>
+  </p:cSld>
+  <p:clrMapOvr>
+    <a:masterClrMapping/>
+  </p:clrMapOvr>
+</p:sld>
+</file>
+
+<file path=ppt/slides/slide14.xml><?xml version="1.0" encoding="utf-8"?>
+<p:sld xmlns:a="http://schemas.openxmlformats.org/drawingml/2006/main" xmlns:r="http://schemas.openxmlformats.org/officeDocument/2006/relationships" xmlns:p="http://schemas.openxmlformats.org/presentationml/2006/main">
+  <p:cSld>
+    <p:bg>
+      <p:bgPr>
+        <a:solidFill>
+          <a:schemeClr val="bg1"/>
+        </a:solidFill>
+        <a:effectLst/>
+      </p:bgPr>
+    </p:bg>
+    <p:spTree>
+      <p:nvGrpSpPr>
+        <p:cNvPr id="1" name=""/>
+        <p:cNvGrpSpPr/>
+        <p:nvPr/>
+      </p:nvGrpSpPr>
+      <p:grpSpPr>
+        <a:xfrm>
+          <a:off x="0" y="0"/>
+          <a:ext cx="0" cy="0"/>
+          <a:chOff x="0" y="0"/>
+          <a:chExt cx="0" cy="0"/>
+        </a:xfrm>
+      </p:grpSpPr>
+      <p:sp>
+        <p:nvSpPr>
+          <p:cNvPr id="2" name="Title 1">
+            <a:extLst>
+              <a:ext uri="{FF2B5EF4-FFF2-40B4-BE49-F238E27FC236}">
+                <a16:creationId xmlns:a16="http://schemas.microsoft.com/office/drawing/2014/main" id="{24C265DF-4994-4F5D-AE41-747A19798DF8}"/>
+              </a:ext>
+            </a:extLst>
+          </p:cNvPr>
+          <p:cNvSpPr>
+            <a:spLocks noGrp="1"/>
+          </p:cNvSpPr>
+          <p:nvPr>
+            <p:ph type="title"/>
+          </p:nvPr>
+        </p:nvSpPr>
+        <p:spPr>
+          <a:xfrm>
+            <a:off x="1136428" y="627564"/>
+            <a:ext cx="7474172" cy="1325563"/>
+          </a:xfrm>
+        </p:spPr>
+        <p:txBody>
+          <a:bodyPr>
+            <a:normAutofit/>
+          </a:bodyPr>
+          <a:lstStyle/>
+          <a:p>
+            <a:r>
+              <a:rPr lang="en-IN" b="1" dirty="0">
+                <a:latin typeface="Open Sans" panose="020B0606030504020204" pitchFamily="34" charset="0"/>
+                <a:ea typeface="Open Sans" panose="020B0606030504020204" pitchFamily="34" charset="0"/>
+                <a:cs typeface="Open Sans" panose="020B0606030504020204" pitchFamily="34" charset="0"/>
+              </a:rPr>
+              <a:t>Encoding</a:t>
+            </a:r>
+          </a:p>
+        </p:txBody>
+      </p:sp>
+      <p:sp>
+        <p:nvSpPr>
+          <p:cNvPr id="3" name="Content Placeholder 2">
+            <a:extLst>
+              <a:ext uri="{FF2B5EF4-FFF2-40B4-BE49-F238E27FC236}">
+                <a16:creationId xmlns:a16="http://schemas.microsoft.com/office/drawing/2014/main" id="{763D88F7-014E-43B6-A3A8-5EDD0F989D06}"/>
+              </a:ext>
+            </a:extLst>
+          </p:cNvPr>
+          <p:cNvSpPr>
+            <a:spLocks noGrp="1"/>
+          </p:cNvSpPr>
+          <p:nvPr>
+            <p:ph idx="1"/>
+          </p:nvPr>
+        </p:nvSpPr>
+        <p:spPr>
+          <a:xfrm>
+            <a:off x="1136429" y="2278173"/>
+            <a:ext cx="6467867" cy="3450613"/>
+          </a:xfrm>
+        </p:spPr>
+        <p:txBody>
+          <a:bodyPr anchor="ctr">
+            <a:normAutofit/>
+          </a:bodyPr>
+          <a:lstStyle/>
+          <a:p>
+            <a:r>
+              <a:rPr lang="en-IN" sz="1700" i="0">
+                <a:effectLst/>
+                <a:latin typeface="Open Sans" panose="020B0606030504020204" pitchFamily="34" charset="0"/>
+              </a:rPr>
+              <a:t>PNG, JPEG, MP3, WAV, ASCII, UTF-8 etc are different forms of encodings. </a:t>
+            </a:r>
+          </a:p>
+          <a:p>
+            <a:r>
+              <a:rPr lang="en-IN" sz="1700" i="0">
+                <a:effectLst/>
+                <a:latin typeface="Open Sans" panose="020B0606030504020204" pitchFamily="34" charset="0"/>
+              </a:rPr>
+              <a:t>An encoding is a format to represent audio, images, text, etc in bytes. </a:t>
+            </a:r>
+          </a:p>
+          <a:p>
+            <a:r>
+              <a:rPr lang="en-IN" sz="1700" i="0">
+                <a:effectLst/>
+                <a:latin typeface="Open Sans" panose="020B0606030504020204" pitchFamily="34" charset="0"/>
+              </a:rPr>
+              <a:t>Converting Strings to byte objects is termed as encoding. </a:t>
+            </a:r>
+          </a:p>
+          <a:p>
+            <a:r>
+              <a:rPr lang="en-IN" sz="1700" i="0">
+                <a:effectLst/>
+                <a:latin typeface="Open Sans" panose="020B0606030504020204" pitchFamily="34" charset="0"/>
+              </a:rPr>
+              <a:t>This is necessary so that the text can be stored on disk using mapping using ASCII or UTF-8 encoding techniques.</a:t>
+            </a:r>
+          </a:p>
+          <a:p>
+            <a:r>
+              <a:rPr lang="en-IN" sz="1700" i="0">
+                <a:effectLst/>
+                <a:latin typeface="Open Sans" panose="020B0606030504020204" pitchFamily="34" charset="0"/>
+              </a:rPr>
+              <a:t>This task is achieved using encode(). </a:t>
+            </a:r>
+          </a:p>
+          <a:p>
+            <a:r>
+              <a:rPr lang="en-IN" sz="1700" i="0">
+                <a:effectLst/>
+                <a:latin typeface="Open Sans" panose="020B0606030504020204" pitchFamily="34" charset="0"/>
+              </a:rPr>
+              <a:t>It take encoding technique as argument. Default technique is “UTF-8” technique</a:t>
+            </a:r>
+            <a:endParaRPr lang="en-IN" sz="1700">
+              <a:latin typeface="Open Sans" panose="020B0606030504020204" pitchFamily="34" charset="0"/>
+            </a:endParaRPr>
+          </a:p>
+        </p:txBody>
+      </p:sp>
+      <p:sp>
+        <p:nvSpPr>
+          <p:cNvPr id="9" name="Rectangle 11">
+            <a:extLst>
+              <a:ext uri="{FF2B5EF4-FFF2-40B4-BE49-F238E27FC236}">
+                <a16:creationId xmlns:a16="http://schemas.microsoft.com/office/drawing/2014/main" id="{59A309A7-1751-4ABE-A3C1-EEC40366AD89}"/>
+              </a:ext>
+              <a:ext uri="{C183D7F6-B498-43B3-948B-1728B52AA6E4}">
+                <adec:decorative xmlns:adec="http://schemas.microsoft.com/office/drawing/2017/decorative" val="1"/>
+              </a:ext>
+            </a:extLst>
+          </p:cNvPr>
+          <p:cNvSpPr>
+            <a:spLocks noGrp="1" noRot="1" noChangeAspect="1" noMove="1" noResize="1" noEditPoints="1" noAdjustHandles="1" noChangeArrowheads="1" noChangeShapeType="1" noTextEdit="1"/>
+          </p:cNvSpPr>
+          <p:nvPr>
+            <p:extLst>
+              <p:ext uri="{386F3935-93C4-4BCD-93E2-E3B085C9AB24}">
+                <p16:designElem xmlns:p16="http://schemas.microsoft.com/office/powerpoint/2015/main" val="1"/>
+              </p:ext>
+            </p:extLst>
+          </p:nvPr>
+        </p:nvSpPr>
+        <p:spPr>
+          <a:xfrm>
+            <a:off x="10088880" y="0"/>
+            <a:ext cx="2103120" cy="6858000"/>
+          </a:xfrm>
+          <a:prstGeom prst="rect">
+            <a:avLst/>
+          </a:prstGeom>
+          <a:solidFill>
+            <a:schemeClr val="accent1"/>
+          </a:solidFill>
+          <a:ln>
+            <a:noFill/>
+          </a:ln>
+        </p:spPr>
+        <p:style>
+          <a:lnRef idx="2">
+            <a:schemeClr val="accent1">
+              <a:shade val="50000"/>
+            </a:schemeClr>
+          </a:lnRef>
+          <a:fillRef idx="1">
+            <a:schemeClr val="accent1"/>
+          </a:fillRef>
+          <a:effectRef idx="0">
+            <a:schemeClr val="accent1"/>
+          </a:effectRef>
+          <a:fontRef idx="minor">
+            <a:schemeClr val="lt1"/>
+          </a:fontRef>
+        </p:style>
+        <p:txBody>
+          <a:bodyPr rtlCol="0" anchor="ctr"/>
+          <a:lstStyle/>
+          <a:p>
+            <a:pPr algn="ctr"/>
+            <a:endParaRPr lang="en-US"/>
+          </a:p>
+        </p:txBody>
+      </p:sp>
+      <p:sp>
+        <p:nvSpPr>
+          <p:cNvPr id="10" name="Oval 13">
+            <a:extLst>
+              <a:ext uri="{FF2B5EF4-FFF2-40B4-BE49-F238E27FC236}">
+                <a16:creationId xmlns:a16="http://schemas.microsoft.com/office/drawing/2014/main" id="{967D8EB6-EAE1-4F9C-B398-83321E287204}"/>
+              </a:ext>
+              <a:ext uri="{C183D7F6-B498-43B3-948B-1728B52AA6E4}">
+                <adec:decorative xmlns:adec="http://schemas.microsoft.com/office/drawing/2017/decorative" val="1"/>
+              </a:ext>
+            </a:extLst>
+          </p:cNvPr>
+          <p:cNvSpPr>
+            <a:spLocks noGrp="1" noRot="1" noChangeAspect="1" noMove="1" noResize="1" noEditPoints="1" noAdjustHandles="1" noChangeArrowheads="1" noChangeShapeType="1" noTextEdit="1"/>
+          </p:cNvSpPr>
+          <p:nvPr>
+            <p:extLst>
+              <p:ext uri="{386F3935-93C4-4BCD-93E2-E3B085C9AB24}">
+                <p16:designElem xmlns:p16="http://schemas.microsoft.com/office/powerpoint/2015/main" val="1"/>
+              </p:ext>
+            </p:extLst>
+          </p:nvPr>
+        </p:nvSpPr>
+        <p:spPr>
+          <a:xfrm>
+            <a:off x="8915400" y="2358913"/>
+            <a:ext cx="2140172" cy="2140172"/>
+          </a:xfrm>
+          <a:prstGeom prst="ellipse">
+            <a:avLst/>
+          </a:prstGeom>
+          <a:solidFill>
+            <a:srgbClr val="FFFFFF"/>
+          </a:solidFill>
+          <a:ln w="22225">
+            <a:solidFill>
+              <a:schemeClr val="accent1"/>
+            </a:solidFill>
+          </a:ln>
+        </p:spPr>
+        <p:style>
+          <a:lnRef idx="2">
+            <a:schemeClr val="accent1">
+              <a:shade val="50000"/>
+            </a:schemeClr>
+          </a:lnRef>
+          <a:fillRef idx="1">
+            <a:schemeClr val="accent1"/>
+          </a:fillRef>
+          <a:effectRef idx="0">
+            <a:schemeClr val="accent1"/>
+          </a:effectRef>
+          <a:fontRef idx="minor">
+            <a:schemeClr val="lt1"/>
+          </a:fontRef>
+        </p:style>
+        <p:txBody>
+          <a:bodyPr rtlCol="0" anchor="ctr"/>
+          <a:lstStyle/>
+          <a:p>
+            <a:pPr algn="ctr"/>
+            <a:endParaRPr lang="en-US"/>
+          </a:p>
+        </p:txBody>
+      </p:sp>
+      <p:pic>
+        <p:nvPicPr>
+          <p:cNvPr id="7" name="Graphic 6" descr="Programmer">
+            <a:extLst>
+              <a:ext uri="{FF2B5EF4-FFF2-40B4-BE49-F238E27FC236}">
+                <a16:creationId xmlns:a16="http://schemas.microsoft.com/office/drawing/2014/main" id="{8D428013-FD3E-4A85-9466-27B23FA8DE54}"/>
+              </a:ext>
+            </a:extLst>
+          </p:cNvPr>
+          <p:cNvPicPr>
+            <a:picLocks noChangeAspect="1"/>
+          </p:cNvPicPr>
+          <p:nvPr/>
+        </p:nvPicPr>
+        <p:blipFill>
+          <a:blip r:embed="rId2">
+            <a:extLst>
+              <a:ext uri="{28A0092B-C50C-407E-A947-70E740481C1C}">
+                <a14:useLocalDpi xmlns:a14="http://schemas.microsoft.com/office/drawing/2010/main" val="0"/>
+              </a:ext>
+              <a:ext uri="{96DAC541-7B7A-43D3-8B79-37D633B846F1}">
+                <asvg:svgBlip xmlns:asvg="http://schemas.microsoft.com/office/drawing/2016/SVG/main" r:embed="rId3"/>
+              </a:ext>
+            </a:extLst>
+          </a:blip>
+          <a:stretch>
+            <a:fillRect/>
+          </a:stretch>
+        </p:blipFill>
+        <p:spPr>
+          <a:xfrm>
+            <a:off x="9413987" y="2857501"/>
+            <a:ext cx="1142998" cy="1142998"/>
+          </a:xfrm>
+          <a:prstGeom prst="rect">
+            <a:avLst/>
+          </a:prstGeom>
+        </p:spPr>
+      </p:pic>
+    </p:spTree>
+    <p:extLst>
+      <p:ext uri="{BB962C8B-B14F-4D97-AF65-F5344CB8AC3E}">
+        <p14:creationId xmlns:p14="http://schemas.microsoft.com/office/powerpoint/2010/main" val="2364269477"/>
+      </p:ext>
+    </p:extLst>
+  </p:cSld>
+  <p:clrMapOvr>
+    <a:masterClrMapping/>
+  </p:clrMapOvr>
+</p:sld>
+</file>
+
+<file path=ppt/slides/slide15.xml><?xml version="1.0" encoding="utf-8"?>
+<p:sld xmlns:a="http://schemas.openxmlformats.org/drawingml/2006/main" xmlns:r="http://schemas.openxmlformats.org/officeDocument/2006/relationships" xmlns:p="http://schemas.openxmlformats.org/presentationml/2006/main">
+  <p:cSld>
+    <p:bg>
+      <p:bgPr>
+        <a:solidFill>
+          <a:schemeClr val="bg1"/>
+        </a:solidFill>
+        <a:effectLst/>
+      </p:bgPr>
+    </p:bg>
+    <p:spTree>
+      <p:nvGrpSpPr>
+        <p:cNvPr id="1" name=""/>
+        <p:cNvGrpSpPr/>
+        <p:nvPr/>
+      </p:nvGrpSpPr>
+      <p:grpSpPr>
+        <a:xfrm>
+          <a:off x="0" y="0"/>
+          <a:ext cx="0" cy="0"/>
+          <a:chOff x="0" y="0"/>
+          <a:chExt cx="0" cy="0"/>
+        </a:xfrm>
+      </p:grpSpPr>
+      <p:sp>
+        <p:nvSpPr>
+          <p:cNvPr id="2" name="Title 1">
+            <a:extLst>
+              <a:ext uri="{FF2B5EF4-FFF2-40B4-BE49-F238E27FC236}">
+                <a16:creationId xmlns:a16="http://schemas.microsoft.com/office/drawing/2014/main" id="{24C265DF-4994-4F5D-AE41-747A19798DF8}"/>
+              </a:ext>
+            </a:extLst>
+          </p:cNvPr>
+          <p:cNvSpPr>
+            <a:spLocks noGrp="1"/>
+          </p:cNvSpPr>
+          <p:nvPr>
+            <p:ph type="title"/>
+          </p:nvPr>
+        </p:nvSpPr>
+        <p:spPr>
+          <a:xfrm>
+            <a:off x="1136428" y="627564"/>
+            <a:ext cx="7474172" cy="1325563"/>
+          </a:xfrm>
+        </p:spPr>
+        <p:txBody>
+          <a:bodyPr>
+            <a:normAutofit/>
+          </a:bodyPr>
+          <a:lstStyle/>
+          <a:p>
+            <a:r>
+              <a:rPr lang="en-IN" b="1" dirty="0">
+                <a:latin typeface="Open Sans" panose="020B0606030504020204" pitchFamily="34" charset="0"/>
+                <a:ea typeface="Open Sans" panose="020B0606030504020204" pitchFamily="34" charset="0"/>
+                <a:cs typeface="Open Sans" panose="020B0606030504020204" pitchFamily="34" charset="0"/>
+              </a:rPr>
+              <a:t>Decoding</a:t>
+            </a:r>
+          </a:p>
+        </p:txBody>
+      </p:sp>
+      <p:sp>
+        <p:nvSpPr>
+          <p:cNvPr id="3" name="Content Placeholder 2">
+            <a:extLst>
+              <a:ext uri="{FF2B5EF4-FFF2-40B4-BE49-F238E27FC236}">
+                <a16:creationId xmlns:a16="http://schemas.microsoft.com/office/drawing/2014/main" id="{763D88F7-014E-43B6-A3A8-5EDD0F989D06}"/>
+              </a:ext>
+            </a:extLst>
+          </p:cNvPr>
+          <p:cNvSpPr>
+            <a:spLocks noGrp="1"/>
+          </p:cNvSpPr>
+          <p:nvPr>
+            <p:ph idx="1"/>
+          </p:nvPr>
+        </p:nvSpPr>
+        <p:spPr>
+          <a:xfrm>
+            <a:off x="1136429" y="2278173"/>
+            <a:ext cx="6467867" cy="3450613"/>
+          </a:xfrm>
+        </p:spPr>
+        <p:txBody>
+          <a:bodyPr anchor="ctr">
+            <a:normAutofit/>
+          </a:bodyPr>
+          <a:lstStyle/>
+          <a:p>
+            <a:r>
+              <a:rPr lang="en-IN" sz="1700" i="0" dirty="0">
+                <a:effectLst/>
+                <a:latin typeface="Open Sans" panose="020B0606030504020204" pitchFamily="34" charset="0"/>
+              </a:rPr>
+              <a:t>Similarly, Decoding is process to convert a Byte object to String. </a:t>
+            </a:r>
+          </a:p>
+          <a:p>
+            <a:r>
+              <a:rPr lang="en-IN" sz="1700" i="0" dirty="0">
+                <a:effectLst/>
+                <a:latin typeface="Open Sans" panose="020B0606030504020204" pitchFamily="34" charset="0"/>
+              </a:rPr>
+              <a:t>It is implemented using decode() . </a:t>
+            </a:r>
+          </a:p>
+          <a:p>
+            <a:r>
+              <a:rPr lang="en-IN" sz="1700" i="0" dirty="0">
+                <a:effectLst/>
+                <a:latin typeface="Open Sans" panose="020B0606030504020204" pitchFamily="34" charset="0"/>
+              </a:rPr>
+              <a:t>A byte string can be decoded back into a character string, if we know which encoding was used to encode it.</a:t>
+            </a:r>
+          </a:p>
+          <a:p>
+            <a:r>
+              <a:rPr lang="en-IN" sz="1700" i="0" dirty="0">
+                <a:effectLst/>
+                <a:latin typeface="Open Sans" panose="020B0606030504020204" pitchFamily="34" charset="0"/>
+              </a:rPr>
+              <a:t> Encoding and Decoding are inverse processes</a:t>
+            </a:r>
+            <a:endParaRPr lang="en-IN" sz="1700" dirty="0">
+              <a:latin typeface="Open Sans" panose="020B0606030504020204" pitchFamily="34" charset="0"/>
+            </a:endParaRPr>
+          </a:p>
+        </p:txBody>
+      </p:sp>
+      <p:sp>
+        <p:nvSpPr>
+          <p:cNvPr id="12" name="Rectangle 11">
+            <a:extLst>
+              <a:ext uri="{FF2B5EF4-FFF2-40B4-BE49-F238E27FC236}">
+                <a16:creationId xmlns:a16="http://schemas.microsoft.com/office/drawing/2014/main" id="{59A309A7-1751-4ABE-A3C1-EEC40366AD89}"/>
+              </a:ext>
+              <a:ext uri="{C183D7F6-B498-43B3-948B-1728B52AA6E4}">
+                <adec:decorative xmlns:adec="http://schemas.microsoft.com/office/drawing/2017/decorative" val="1"/>
+              </a:ext>
+            </a:extLst>
+          </p:cNvPr>
+          <p:cNvSpPr>
+            <a:spLocks noGrp="1" noRot="1" noChangeAspect="1" noMove="1" noResize="1" noEditPoints="1" noAdjustHandles="1" noChangeArrowheads="1" noChangeShapeType="1" noTextEdit="1"/>
+          </p:cNvSpPr>
+          <p:nvPr>
+            <p:extLst>
+              <p:ext uri="{386F3935-93C4-4BCD-93E2-E3B085C9AB24}">
+                <p16:designElem xmlns:p16="http://schemas.microsoft.com/office/powerpoint/2015/main" val="1"/>
+              </p:ext>
+            </p:extLst>
+          </p:nvPr>
+        </p:nvSpPr>
+        <p:spPr>
+          <a:xfrm>
+            <a:off x="10088880" y="0"/>
+            <a:ext cx="2103120" cy="6858000"/>
+          </a:xfrm>
+          <a:prstGeom prst="rect">
+            <a:avLst/>
+          </a:prstGeom>
+          <a:solidFill>
+            <a:schemeClr val="accent1"/>
+          </a:solidFill>
+          <a:ln>
+            <a:noFill/>
+          </a:ln>
+        </p:spPr>
+        <p:style>
+          <a:lnRef idx="2">
+            <a:schemeClr val="accent1">
+              <a:shade val="50000"/>
+            </a:schemeClr>
+          </a:lnRef>
+          <a:fillRef idx="1">
+            <a:schemeClr val="accent1"/>
+          </a:fillRef>
+          <a:effectRef idx="0">
+            <a:schemeClr val="accent1"/>
+          </a:effectRef>
+          <a:fontRef idx="minor">
+            <a:schemeClr val="lt1"/>
+          </a:fontRef>
+        </p:style>
+        <p:txBody>
+          <a:bodyPr rtlCol="0" anchor="ctr"/>
+          <a:lstStyle/>
+          <a:p>
+            <a:pPr algn="ctr"/>
+            <a:endParaRPr lang="en-US"/>
+          </a:p>
+        </p:txBody>
+      </p:sp>
+      <p:sp>
+        <p:nvSpPr>
+          <p:cNvPr id="14" name="Oval 13">
+            <a:extLst>
+              <a:ext uri="{FF2B5EF4-FFF2-40B4-BE49-F238E27FC236}">
+                <a16:creationId xmlns:a16="http://schemas.microsoft.com/office/drawing/2014/main" id="{967D8EB6-EAE1-4F9C-B398-83321E287204}"/>
+              </a:ext>
+              <a:ext uri="{C183D7F6-B498-43B3-948B-1728B52AA6E4}">
+                <adec:decorative xmlns:adec="http://schemas.microsoft.com/office/drawing/2017/decorative" val="1"/>
+              </a:ext>
+            </a:extLst>
+          </p:cNvPr>
+          <p:cNvSpPr>
+            <a:spLocks noGrp="1" noRot="1" noChangeAspect="1" noMove="1" noResize="1" noEditPoints="1" noAdjustHandles="1" noChangeArrowheads="1" noChangeShapeType="1" noTextEdit="1"/>
+          </p:cNvSpPr>
+          <p:nvPr>
+            <p:extLst>
+              <p:ext uri="{386F3935-93C4-4BCD-93E2-E3B085C9AB24}">
+                <p16:designElem xmlns:p16="http://schemas.microsoft.com/office/powerpoint/2015/main" val="1"/>
+              </p:ext>
+            </p:extLst>
+          </p:nvPr>
+        </p:nvSpPr>
+        <p:spPr>
+          <a:xfrm>
+            <a:off x="8915400" y="2358913"/>
+            <a:ext cx="2140172" cy="2140172"/>
+          </a:xfrm>
+          <a:prstGeom prst="ellipse">
+            <a:avLst/>
+          </a:prstGeom>
+          <a:solidFill>
+            <a:srgbClr val="FFFFFF"/>
+          </a:solidFill>
+          <a:ln w="22225">
+            <a:solidFill>
+              <a:schemeClr val="accent1"/>
+            </a:solidFill>
+          </a:ln>
+        </p:spPr>
+        <p:style>
+          <a:lnRef idx="2">
+            <a:schemeClr val="accent1">
+              <a:shade val="50000"/>
+            </a:schemeClr>
+          </a:lnRef>
+          <a:fillRef idx="1">
+            <a:schemeClr val="accent1"/>
+          </a:fillRef>
+          <a:effectRef idx="0">
+            <a:schemeClr val="accent1"/>
+          </a:effectRef>
+          <a:fontRef idx="minor">
+            <a:schemeClr val="lt1"/>
+          </a:fontRef>
+        </p:style>
+        <p:txBody>
+          <a:bodyPr rtlCol="0" anchor="ctr"/>
+          <a:lstStyle/>
+          <a:p>
+            <a:pPr algn="ctr"/>
+            <a:endParaRPr lang="en-US"/>
+          </a:p>
+        </p:txBody>
+      </p:sp>
+      <p:pic>
+        <p:nvPicPr>
+          <p:cNvPr id="7" name="Graphic 6" descr="Programmer">
+            <a:extLst>
+              <a:ext uri="{FF2B5EF4-FFF2-40B4-BE49-F238E27FC236}">
+                <a16:creationId xmlns:a16="http://schemas.microsoft.com/office/drawing/2014/main" id="{8D428013-FD3E-4A85-9466-27B23FA8DE54}"/>
+              </a:ext>
+            </a:extLst>
+          </p:cNvPr>
+          <p:cNvPicPr>
+            <a:picLocks noChangeAspect="1"/>
+          </p:cNvPicPr>
+          <p:nvPr/>
+        </p:nvPicPr>
+        <p:blipFill>
+          <a:blip r:embed="rId2">
+            <a:extLst>
+              <a:ext uri="{28A0092B-C50C-407E-A947-70E740481C1C}">
+                <a14:useLocalDpi xmlns:a14="http://schemas.microsoft.com/office/drawing/2010/main" val="0"/>
+              </a:ext>
+              <a:ext uri="{96DAC541-7B7A-43D3-8B79-37D633B846F1}">
+                <asvg:svgBlip xmlns:asvg="http://schemas.microsoft.com/office/drawing/2016/SVG/main" r:embed="rId3"/>
+              </a:ext>
+            </a:extLst>
+          </a:blip>
+          <a:stretch>
+            <a:fillRect/>
+          </a:stretch>
+        </p:blipFill>
+        <p:spPr>
+          <a:xfrm>
+            <a:off x="9413987" y="2857501"/>
+            <a:ext cx="1142998" cy="1142998"/>
+          </a:xfrm>
+          <a:prstGeom prst="rect">
+            <a:avLst/>
+          </a:prstGeom>
+        </p:spPr>
+      </p:pic>
+    </p:spTree>
+    <p:extLst>
+      <p:ext uri="{BB962C8B-B14F-4D97-AF65-F5344CB8AC3E}">
+        <p14:creationId xmlns:p14="http://schemas.microsoft.com/office/powerpoint/2010/main" val="950800868"/>
+      </p:ext>
+    </p:extLst>
+  </p:cSld>
+  <p:clrMapOvr>
+    <a:masterClrMapping/>
+  </p:clrMapOvr>
+</p:sld>
+</file>
+
+<file path=ppt/slides/slide2.xml><?xml version="1.0" encoding="utf-8"?>
+<p:sld xmlns:a="http://schemas.openxmlformats.org/drawingml/2006/main" xmlns:r="http://schemas.openxmlformats.org/officeDocument/2006/relationships" xmlns:p="http://schemas.openxmlformats.org/presentationml/2006/main">
+  <p:cSld>
+    <p:bg>
+      <p:bgPr>
+        <a:solidFill>
+          <a:schemeClr val="bg1"/>
+        </a:solidFill>
+        <a:effectLst/>
+      </p:bgPr>
+    </p:bg>
+    <p:spTree>
+      <p:nvGrpSpPr>
+        <p:cNvPr id="1" name=""/>
+        <p:cNvGrpSpPr/>
+        <p:nvPr/>
+      </p:nvGrpSpPr>
+      <p:grpSpPr>
+        <a:xfrm>
+          <a:off x="0" y="0"/>
+          <a:ext cx="0" cy="0"/>
+          <a:chOff x="0" y="0"/>
+          <a:chExt cx="0" cy="0"/>
+        </a:xfrm>
+      </p:grpSpPr>
+      <p:sp>
+        <p:nvSpPr>
+          <p:cNvPr id="2" name="Title 1">
+            <a:extLst>
+              <a:ext uri="{FF2B5EF4-FFF2-40B4-BE49-F238E27FC236}">
+                <a16:creationId xmlns:a16="http://schemas.microsoft.com/office/drawing/2014/main" id="{24C265DF-4994-4F5D-AE41-747A19798DF8}"/>
+              </a:ext>
+            </a:extLst>
+          </p:cNvPr>
+          <p:cNvSpPr>
+            <a:spLocks noGrp="1"/>
+          </p:cNvSpPr>
+          <p:nvPr>
+            <p:ph type="title"/>
+          </p:nvPr>
+        </p:nvSpPr>
+        <p:spPr>
+          <a:xfrm>
+            <a:off x="1136428" y="627564"/>
+            <a:ext cx="7474172" cy="1325563"/>
+          </a:xfrm>
+        </p:spPr>
+        <p:txBody>
+          <a:bodyPr>
+            <a:normAutofit/>
+          </a:bodyPr>
+          <a:lstStyle/>
+          <a:p>
+            <a:r>
+              <a:rPr lang="en-IN" b="1" dirty="0">
+                <a:latin typeface="Open Sans" panose="020B0606030504020204" pitchFamily="34" charset="0"/>
+                <a:ea typeface="Open Sans" panose="020B0606030504020204" pitchFamily="34" charset="0"/>
+                <a:cs typeface="Open Sans" panose="020B0606030504020204" pitchFamily="34" charset="0"/>
+              </a:rPr>
+              <a:t>Why Python</a:t>
+            </a:r>
+          </a:p>
+        </p:txBody>
+      </p:sp>
+      <p:sp>
+        <p:nvSpPr>
+          <p:cNvPr id="3" name="Content Placeholder 2">
+            <a:extLst>
+              <a:ext uri="{FF2B5EF4-FFF2-40B4-BE49-F238E27FC236}">
+                <a16:creationId xmlns:a16="http://schemas.microsoft.com/office/drawing/2014/main" id="{763D88F7-014E-43B6-A3A8-5EDD0F989D06}"/>
+              </a:ext>
+            </a:extLst>
+          </p:cNvPr>
+          <p:cNvSpPr>
+            <a:spLocks noGrp="1"/>
+          </p:cNvSpPr>
+          <p:nvPr>
+            <p:ph idx="1"/>
+          </p:nvPr>
+        </p:nvSpPr>
+        <p:spPr>
+          <a:xfrm>
+            <a:off x="1136429" y="2278173"/>
+            <a:ext cx="6467867" cy="3450613"/>
+          </a:xfrm>
+        </p:spPr>
+        <p:txBody>
+          <a:bodyPr anchor="ctr">
+            <a:normAutofit fontScale="55000" lnSpcReduction="20000"/>
+          </a:bodyPr>
+          <a:lstStyle/>
+          <a:p>
+            <a:pPr marL="0" indent="0" algn="l">
+              <a:buNone/>
+            </a:pPr>
+            <a:r>
+              <a:rPr lang="en-IN" b="1" i="0" dirty="0">
+                <a:effectLst/>
+                <a:latin typeface="Open Sans" panose="020B0606030504020204" pitchFamily="34" charset="0"/>
+              </a:rPr>
+              <a:t>Clear syntax</a:t>
+            </a:r>
+            <a:endParaRPr lang="en-IN" b="0" i="0" dirty="0">
+              <a:effectLst/>
+              <a:latin typeface="Open Sans" panose="020B0606030504020204" pitchFamily="34" charset="0"/>
+            </a:endParaRPr>
+          </a:p>
+          <a:p>
+            <a:pPr marL="742950" lvl="1" indent="-285750" algn="l">
+              <a:buFont typeface="Arial" panose="020B0604020202020204" pitchFamily="34" charset="0"/>
+              <a:buChar char="•"/>
+            </a:pPr>
+            <a:r>
+              <a:rPr lang="en-IN" b="0" i="0" dirty="0">
+                <a:effectLst/>
+                <a:latin typeface="Open Sans" panose="020B0606030504020204" pitchFamily="34" charset="0"/>
+              </a:rPr>
+              <a:t>Python has a clear and clean syntax which is easily readable. It allows even beginners to work with complex software development projects as the team can coordinate easily on the coding front.</a:t>
+            </a:r>
+          </a:p>
+          <a:p>
+            <a:pPr marL="742950" lvl="1" indent="-285750" algn="l">
+              <a:buFont typeface="Arial" panose="020B0604020202020204" pitchFamily="34" charset="0"/>
+              <a:buChar char="•"/>
+            </a:pPr>
+            <a:r>
+              <a:rPr lang="en-IN" b="0" i="0" dirty="0">
+                <a:effectLst/>
+                <a:latin typeface="Open Sans" panose="020B0606030504020204" pitchFamily="34" charset="0"/>
+              </a:rPr>
+              <a:t>The simple coding syntax facilitates test-driven development for all applications of Python.</a:t>
+            </a:r>
+          </a:p>
+          <a:p>
+            <a:pPr marL="0" indent="0" algn="l">
+              <a:buNone/>
+            </a:pPr>
+            <a:r>
+              <a:rPr lang="en-IN" b="1" i="0" dirty="0">
+                <a:effectLst/>
+                <a:latin typeface="Open Sans" panose="020B0606030504020204" pitchFamily="34" charset="0"/>
+              </a:rPr>
+              <a:t>Scalable</a:t>
+            </a:r>
+            <a:endParaRPr lang="en-IN" b="0" i="0" dirty="0">
+              <a:effectLst/>
+              <a:latin typeface="Open Sans" panose="020B0606030504020204" pitchFamily="34" charset="0"/>
+            </a:endParaRPr>
+          </a:p>
+          <a:p>
+            <a:pPr marL="742950" lvl="1" indent="-285750" algn="l">
+              <a:buFont typeface="Arial" panose="020B0604020202020204" pitchFamily="34" charset="0"/>
+              <a:buChar char="•"/>
+            </a:pPr>
+            <a:r>
+              <a:rPr lang="en-IN" b="0" i="0" dirty="0">
+                <a:effectLst/>
+                <a:latin typeface="Open Sans" panose="020B0606030504020204" pitchFamily="34" charset="0"/>
+              </a:rPr>
+              <a:t>Companies love Python for its scalability. Some of the companies implementing the </a:t>
+            </a:r>
+            <a:r>
+              <a:rPr lang="en-IN" b="0" i="0" u="none" strike="noStrike" dirty="0">
+                <a:effectLst/>
+                <a:latin typeface="Open Sans" panose="020B0606030504020204" pitchFamily="34" charset="0"/>
+              </a:rPr>
+              <a:t>uses of Python</a:t>
+            </a:r>
+            <a:r>
+              <a:rPr lang="en-IN" b="0" i="0" dirty="0">
+                <a:effectLst/>
+                <a:latin typeface="Open Sans" panose="020B0606030504020204" pitchFamily="34" charset="0"/>
+              </a:rPr>
+              <a:t> language include Google, Spotify, Netflix, Instagram, and many more that want scalable applications.</a:t>
+            </a:r>
+          </a:p>
+          <a:p>
+            <a:pPr marL="742950" lvl="1" indent="-285750" algn="l">
+              <a:buFont typeface="Arial" panose="020B0604020202020204" pitchFamily="34" charset="0"/>
+              <a:buChar char="•"/>
+            </a:pPr>
+            <a:r>
+              <a:rPr lang="en-IN" b="0" i="0" dirty="0">
+                <a:effectLst/>
+                <a:latin typeface="Open Sans" panose="020B0606030504020204" pitchFamily="34" charset="0"/>
+              </a:rPr>
+              <a:t>It allows handling a massive amount of traffic with ease.</a:t>
+            </a:r>
+          </a:p>
+          <a:p>
+            <a:pPr marL="0" indent="0" algn="l">
+              <a:buNone/>
+            </a:pPr>
+            <a:r>
+              <a:rPr lang="en-IN" b="1" i="0" dirty="0">
+                <a:effectLst/>
+                <a:latin typeface="Open Sans" panose="020B0606030504020204" pitchFamily="34" charset="0"/>
+              </a:rPr>
+              <a:t>Versatile</a:t>
+            </a:r>
+            <a:endParaRPr lang="en-IN" b="0" i="0" dirty="0">
+              <a:effectLst/>
+              <a:latin typeface="Open Sans" panose="020B0606030504020204" pitchFamily="34" charset="0"/>
+            </a:endParaRPr>
+          </a:p>
+          <a:p>
+            <a:pPr marL="742950" lvl="1" indent="-285750" algn="l">
+              <a:buFont typeface="Arial" panose="020B0604020202020204" pitchFamily="34" charset="0"/>
+              <a:buChar char="•"/>
+            </a:pPr>
+            <a:r>
+              <a:rPr lang="en-IN" b="0" i="0" dirty="0">
+                <a:effectLst/>
+                <a:latin typeface="Open Sans" panose="020B0606030504020204" pitchFamily="34" charset="0"/>
+              </a:rPr>
+              <a:t>Unlike most programming languages, the </a:t>
+            </a:r>
+            <a:r>
+              <a:rPr lang="en-IN" b="0" i="0" u="none" strike="noStrike" dirty="0">
+                <a:effectLst/>
+                <a:latin typeface="Open Sans" panose="020B0606030504020204" pitchFamily="34" charset="0"/>
+              </a:rPr>
+              <a:t>practical uses for Python</a:t>
+            </a:r>
+            <a:r>
+              <a:rPr lang="en-IN" b="0" i="0" dirty="0">
+                <a:effectLst/>
+                <a:latin typeface="Open Sans" panose="020B0606030504020204" pitchFamily="34" charset="0"/>
+              </a:rPr>
+              <a:t> are not limited to just web or mobile development.</a:t>
+            </a:r>
+          </a:p>
+          <a:p>
+            <a:pPr marL="742950" lvl="1" indent="-285750" algn="l">
+              <a:buFont typeface="Arial" panose="020B0604020202020204" pitchFamily="34" charset="0"/>
+              <a:buChar char="•"/>
+            </a:pPr>
+            <a:r>
+              <a:rPr lang="en-IN" b="0" i="0" dirty="0">
+                <a:effectLst/>
+                <a:latin typeface="Open Sans" panose="020B0606030504020204" pitchFamily="34" charset="0"/>
+              </a:rPr>
+              <a:t>It is a popular choice for building web apps, gaming applications, enterprise-grade apps, e-commerce applications, ML and AI applications, and much more.</a:t>
+            </a:r>
+            <a:r>
+              <a:rPr lang="en-IN" sz="2400" dirty="0"/>
+              <a:t>.</a:t>
+            </a:r>
+          </a:p>
+        </p:txBody>
+      </p:sp>
+      <p:sp>
+        <p:nvSpPr>
+          <p:cNvPr id="27" name="Rectangle 26">
+            <a:extLst>
+              <a:ext uri="{FF2B5EF4-FFF2-40B4-BE49-F238E27FC236}">
+                <a16:creationId xmlns:a16="http://schemas.microsoft.com/office/drawing/2014/main" id="{59A309A7-1751-4ABE-A3C1-EEC40366AD89}"/>
+              </a:ext>
+              <a:ext uri="{C183D7F6-B498-43B3-948B-1728B52AA6E4}">
+                <adec:decorative xmlns:adec="http://schemas.microsoft.com/office/drawing/2017/decorative" val="1"/>
+              </a:ext>
+            </a:extLst>
+          </p:cNvPr>
+          <p:cNvSpPr>
+            <a:spLocks noGrp="1" noRot="1" noChangeAspect="1" noMove="1" noResize="1" noEditPoints="1" noAdjustHandles="1" noChangeArrowheads="1" noChangeShapeType="1" noTextEdit="1"/>
+          </p:cNvSpPr>
+          <p:nvPr>
+            <p:extLst>
+              <p:ext uri="{386F3935-93C4-4BCD-93E2-E3B085C9AB24}">
+                <p16:designElem xmlns:p16="http://schemas.microsoft.com/office/powerpoint/2015/main" val="1"/>
+              </p:ext>
+            </p:extLst>
+          </p:nvPr>
+        </p:nvSpPr>
+        <p:spPr>
+          <a:xfrm>
+            <a:off x="10088880" y="0"/>
+            <a:ext cx="2103120" cy="6858000"/>
+          </a:xfrm>
+          <a:prstGeom prst="rect">
+            <a:avLst/>
+          </a:prstGeom>
+          <a:solidFill>
+            <a:schemeClr val="accent1"/>
+          </a:solidFill>
+          <a:ln>
+            <a:noFill/>
+          </a:ln>
+        </p:spPr>
+        <p:style>
+          <a:lnRef idx="2">
+            <a:schemeClr val="accent1">
+              <a:shade val="50000"/>
+            </a:schemeClr>
+          </a:lnRef>
+          <a:fillRef idx="1">
+            <a:schemeClr val="accent1"/>
+          </a:fillRef>
+          <a:effectRef idx="0">
+            <a:schemeClr val="accent1"/>
+          </a:effectRef>
+          <a:fontRef idx="minor">
+            <a:schemeClr val="lt1"/>
+          </a:fontRef>
+        </p:style>
+        <p:txBody>
+          <a:bodyPr rtlCol="0" anchor="ctr"/>
+          <a:lstStyle/>
+          <a:p>
+            <a:pPr algn="ctr"/>
+            <a:endParaRPr lang="en-US"/>
+          </a:p>
+        </p:txBody>
+      </p:sp>
+      <p:sp>
+        <p:nvSpPr>
+          <p:cNvPr id="29" name="Oval 28">
+            <a:extLst>
+              <a:ext uri="{FF2B5EF4-FFF2-40B4-BE49-F238E27FC236}">
+                <a16:creationId xmlns:a16="http://schemas.microsoft.com/office/drawing/2014/main" id="{967D8EB6-EAE1-4F9C-B398-83321E287204}"/>
+              </a:ext>
+              <a:ext uri="{C183D7F6-B498-43B3-948B-1728B52AA6E4}">
+                <adec:decorative xmlns:adec="http://schemas.microsoft.com/office/drawing/2017/decorative" val="1"/>
+              </a:ext>
+            </a:extLst>
+          </p:cNvPr>
+          <p:cNvSpPr>
+            <a:spLocks noGrp="1" noRot="1" noChangeAspect="1" noMove="1" noResize="1" noEditPoints="1" noAdjustHandles="1" noChangeArrowheads="1" noChangeShapeType="1" noTextEdit="1"/>
+          </p:cNvSpPr>
+          <p:nvPr>
+            <p:extLst>
+              <p:ext uri="{386F3935-93C4-4BCD-93E2-E3B085C9AB24}">
+                <p16:designElem xmlns:p16="http://schemas.microsoft.com/office/powerpoint/2015/main" val="1"/>
+              </p:ext>
+            </p:extLst>
+          </p:nvPr>
+        </p:nvSpPr>
+        <p:spPr>
+          <a:xfrm>
+            <a:off x="8915400" y="2358913"/>
+            <a:ext cx="2140172" cy="2140172"/>
+          </a:xfrm>
+          <a:prstGeom prst="ellipse">
+            <a:avLst/>
+          </a:prstGeom>
+          <a:solidFill>
+            <a:srgbClr val="FFFFFF"/>
+          </a:solidFill>
+          <a:ln w="22225">
+            <a:solidFill>
+              <a:schemeClr val="accent1"/>
+            </a:solidFill>
+          </a:ln>
+        </p:spPr>
+        <p:style>
+          <a:lnRef idx="2">
+            <a:schemeClr val="accent1">
+              <a:shade val="50000"/>
+            </a:schemeClr>
+          </a:lnRef>
+          <a:fillRef idx="1">
+            <a:schemeClr val="accent1"/>
+          </a:fillRef>
+          <a:effectRef idx="0">
+            <a:schemeClr val="accent1"/>
+          </a:effectRef>
+          <a:fontRef idx="minor">
+            <a:schemeClr val="lt1"/>
+          </a:fontRef>
+        </p:style>
+        <p:txBody>
+          <a:bodyPr rtlCol="0" anchor="ctr"/>
+          <a:lstStyle/>
+          <a:p>
+            <a:pPr algn="ctr"/>
+            <a:endParaRPr lang="en-US"/>
+          </a:p>
+        </p:txBody>
+      </p:sp>
+      <p:pic>
+        <p:nvPicPr>
+          <p:cNvPr id="7" name="Graphic 6" descr="Programmer">
+            <a:extLst>
+              <a:ext uri="{FF2B5EF4-FFF2-40B4-BE49-F238E27FC236}">
+                <a16:creationId xmlns:a16="http://schemas.microsoft.com/office/drawing/2014/main" id="{8D428013-FD3E-4A85-9466-27B23FA8DE54}"/>
+              </a:ext>
+            </a:extLst>
+          </p:cNvPr>
+          <p:cNvPicPr>
+            <a:picLocks noChangeAspect="1"/>
+          </p:cNvPicPr>
+          <p:nvPr/>
+        </p:nvPicPr>
+        <p:blipFill>
+          <a:blip r:embed="rId2">
+            <a:extLst>
+              <a:ext uri="{28A0092B-C50C-407E-A947-70E740481C1C}">
+                <a14:useLocalDpi xmlns:a14="http://schemas.microsoft.com/office/drawing/2010/main" val="0"/>
+              </a:ext>
+              <a:ext uri="{96DAC541-7B7A-43D3-8B79-37D633B846F1}">
+                <asvg:svgBlip xmlns:asvg="http://schemas.microsoft.com/office/drawing/2016/SVG/main" r:embed="rId3"/>
+              </a:ext>
+            </a:extLst>
+          </a:blip>
+          <a:stretch>
+            <a:fillRect/>
+          </a:stretch>
+        </p:blipFill>
+        <p:spPr>
+          <a:xfrm>
+            <a:off x="9413987" y="2857501"/>
+            <a:ext cx="1142998" cy="1142998"/>
+          </a:xfrm>
+          <a:prstGeom prst="rect">
+            <a:avLst/>
+          </a:prstGeom>
+        </p:spPr>
+      </p:pic>
+    </p:spTree>
+    <p:extLst>
+      <p:ext uri="{BB962C8B-B14F-4D97-AF65-F5344CB8AC3E}">
+        <p14:creationId xmlns:p14="http://schemas.microsoft.com/office/powerpoint/2010/main" val="2339527192"/>
+      </p:ext>
+    </p:extLst>
+  </p:cSld>
+  <p:clrMapOvr>
+    <a:masterClrMapping/>
+  </p:clrMapOvr>
+</p:sld>
+</file>
+
+<file path=ppt/slides/slide3.xml><?xml version="1.0" encoding="utf-8"?>
+<p:sld xmlns:a="http://schemas.openxmlformats.org/drawingml/2006/main" xmlns:r="http://schemas.openxmlformats.org/officeDocument/2006/relationships" xmlns:p="http://schemas.openxmlformats.org/presentationml/2006/main">
+  <p:cSld>
+    <p:bg>
+      <p:bgPr>
+        <a:solidFill>
+          <a:schemeClr val="bg1"/>
+        </a:solidFill>
+        <a:effectLst/>
+      </p:bgPr>
+    </p:bg>
+    <p:spTree>
+      <p:nvGrpSpPr>
+        <p:cNvPr id="1" name=""/>
+        <p:cNvGrpSpPr/>
+        <p:nvPr/>
+      </p:nvGrpSpPr>
+      <p:grpSpPr>
+        <a:xfrm>
+          <a:off x="0" y="0"/>
+          <a:ext cx="0" cy="0"/>
+          <a:chOff x="0" y="0"/>
+          <a:chExt cx="0" cy="0"/>
+        </a:xfrm>
+      </p:grpSpPr>
+      <p:sp>
+        <p:nvSpPr>
+          <p:cNvPr id="2" name="Title 1">
+            <a:extLst>
+              <a:ext uri="{FF2B5EF4-FFF2-40B4-BE49-F238E27FC236}">
+                <a16:creationId xmlns:a16="http://schemas.microsoft.com/office/drawing/2014/main" id="{24C265DF-4994-4F5D-AE41-747A19798DF8}"/>
+              </a:ext>
+            </a:extLst>
+          </p:cNvPr>
+          <p:cNvSpPr>
+            <a:spLocks noGrp="1"/>
+          </p:cNvSpPr>
+          <p:nvPr>
+            <p:ph type="title"/>
+          </p:nvPr>
+        </p:nvSpPr>
+        <p:spPr>
+          <a:xfrm>
+            <a:off x="1136428" y="627564"/>
+            <a:ext cx="7474172" cy="1325563"/>
+          </a:xfrm>
+        </p:spPr>
+        <p:txBody>
+          <a:bodyPr>
+            <a:normAutofit/>
+          </a:bodyPr>
+          <a:lstStyle/>
+          <a:p>
+            <a:r>
+              <a:rPr lang="en-IN" b="1" dirty="0">
+                <a:latin typeface="Open Sans" panose="020B0606030504020204" pitchFamily="34" charset="0"/>
+                <a:ea typeface="Open Sans" panose="020B0606030504020204" pitchFamily="34" charset="0"/>
+                <a:cs typeface="Open Sans" panose="020B0606030504020204" pitchFamily="34" charset="0"/>
+              </a:rPr>
+              <a:t>Choosing the version</a:t>
+            </a:r>
+          </a:p>
+        </p:txBody>
+      </p:sp>
+      <p:sp>
+        <p:nvSpPr>
+          <p:cNvPr id="3" name="Content Placeholder 2">
+            <a:extLst>
+              <a:ext uri="{FF2B5EF4-FFF2-40B4-BE49-F238E27FC236}">
+                <a16:creationId xmlns:a16="http://schemas.microsoft.com/office/drawing/2014/main" id="{763D88F7-014E-43B6-A3A8-5EDD0F989D06}"/>
+              </a:ext>
+            </a:extLst>
+          </p:cNvPr>
+          <p:cNvSpPr>
+            <a:spLocks noGrp="1"/>
+          </p:cNvSpPr>
+          <p:nvPr>
+            <p:ph idx="1"/>
+          </p:nvPr>
+        </p:nvSpPr>
+        <p:spPr>
+          <a:xfrm>
+            <a:off x="1136429" y="2278173"/>
+            <a:ext cx="6467867" cy="3450613"/>
+          </a:xfrm>
+        </p:spPr>
+        <p:txBody>
+          <a:bodyPr anchor="ctr">
+            <a:normAutofit/>
+          </a:bodyPr>
+          <a:lstStyle/>
+          <a:p>
+            <a:r>
+              <a:rPr lang="en-IN" sz="2400" dirty="0">
+                <a:latin typeface="Open Sans" panose="020B0606030504020204" pitchFamily="34" charset="0"/>
+                <a:ea typeface="Open Sans" panose="020B0606030504020204" pitchFamily="34" charset="0"/>
+                <a:cs typeface="Open Sans" panose="020B0606030504020204" pitchFamily="34" charset="0"/>
+              </a:rPr>
+              <a:t>Why are there different versions? </a:t>
+            </a:r>
+          </a:p>
+          <a:p>
+            <a:r>
+              <a:rPr lang="en-IN" sz="2400" dirty="0">
+                <a:latin typeface="Open Sans" panose="020B0606030504020204" pitchFamily="34" charset="0"/>
+                <a:ea typeface="Open Sans" panose="020B0606030504020204" pitchFamily="34" charset="0"/>
+                <a:cs typeface="Open Sans" panose="020B0606030504020204" pitchFamily="34" charset="0"/>
+              </a:rPr>
+              <a:t>How are they different? </a:t>
+            </a:r>
+          </a:p>
+          <a:p>
+            <a:r>
+              <a:rPr lang="en-IN" sz="2400" dirty="0">
+                <a:latin typeface="Open Sans" panose="020B0606030504020204" pitchFamily="34" charset="0"/>
+                <a:ea typeface="Open Sans" panose="020B0606030504020204" pitchFamily="34" charset="0"/>
+                <a:cs typeface="Open Sans" panose="020B0606030504020204" pitchFamily="34" charset="0"/>
+              </a:rPr>
+              <a:t>Which one should we learn?</a:t>
+            </a:r>
+          </a:p>
+        </p:txBody>
+      </p:sp>
+      <p:sp>
+        <p:nvSpPr>
+          <p:cNvPr id="12" name="Rectangle 11">
+            <a:extLst>
+              <a:ext uri="{FF2B5EF4-FFF2-40B4-BE49-F238E27FC236}">
+                <a16:creationId xmlns:a16="http://schemas.microsoft.com/office/drawing/2014/main" id="{59A309A7-1751-4ABE-A3C1-EEC40366AD89}"/>
+              </a:ext>
+              <a:ext uri="{C183D7F6-B498-43B3-948B-1728B52AA6E4}">
+                <adec:decorative xmlns:adec="http://schemas.microsoft.com/office/drawing/2017/decorative" val="1"/>
+              </a:ext>
+            </a:extLst>
+          </p:cNvPr>
+          <p:cNvSpPr>
+            <a:spLocks noGrp="1" noRot="1" noChangeAspect="1" noMove="1" noResize="1" noEditPoints="1" noAdjustHandles="1" noChangeArrowheads="1" noChangeShapeType="1" noTextEdit="1"/>
+          </p:cNvSpPr>
+          <p:nvPr>
+            <p:extLst>
+              <p:ext uri="{386F3935-93C4-4BCD-93E2-E3B085C9AB24}">
+                <p16:designElem xmlns:p16="http://schemas.microsoft.com/office/powerpoint/2015/main" val="1"/>
+              </p:ext>
+            </p:extLst>
+          </p:nvPr>
+        </p:nvSpPr>
+        <p:spPr>
+          <a:xfrm>
+            <a:off x="10088880" y="0"/>
+            <a:ext cx="2103120" cy="6858000"/>
+          </a:xfrm>
+          <a:prstGeom prst="rect">
+            <a:avLst/>
+          </a:prstGeom>
+          <a:solidFill>
+            <a:schemeClr val="accent1"/>
+          </a:solidFill>
+          <a:ln>
+            <a:noFill/>
+          </a:ln>
+        </p:spPr>
+        <p:style>
+          <a:lnRef idx="2">
+            <a:schemeClr val="accent1">
+              <a:shade val="50000"/>
+            </a:schemeClr>
+          </a:lnRef>
+          <a:fillRef idx="1">
+            <a:schemeClr val="accent1"/>
+          </a:fillRef>
+          <a:effectRef idx="0">
+            <a:schemeClr val="accent1"/>
+          </a:effectRef>
+          <a:fontRef idx="minor">
+            <a:schemeClr val="lt1"/>
+          </a:fontRef>
+        </p:style>
+        <p:txBody>
+          <a:bodyPr rtlCol="0" anchor="ctr"/>
+          <a:lstStyle/>
+          <a:p>
+            <a:pPr algn="ctr"/>
+            <a:endParaRPr lang="en-US"/>
+          </a:p>
+        </p:txBody>
+      </p:sp>
+      <p:sp>
+        <p:nvSpPr>
+          <p:cNvPr id="14" name="Oval 13">
+            <a:extLst>
+              <a:ext uri="{FF2B5EF4-FFF2-40B4-BE49-F238E27FC236}">
+                <a16:creationId xmlns:a16="http://schemas.microsoft.com/office/drawing/2014/main" id="{967D8EB6-EAE1-4F9C-B398-83321E287204}"/>
+              </a:ext>
+              <a:ext uri="{C183D7F6-B498-43B3-948B-1728B52AA6E4}">
+                <adec:decorative xmlns:adec="http://schemas.microsoft.com/office/drawing/2017/decorative" val="1"/>
+              </a:ext>
+            </a:extLst>
+          </p:cNvPr>
+          <p:cNvSpPr>
+            <a:spLocks noGrp="1" noRot="1" noChangeAspect="1" noMove="1" noResize="1" noEditPoints="1" noAdjustHandles="1" noChangeArrowheads="1" noChangeShapeType="1" noTextEdit="1"/>
+          </p:cNvSpPr>
+          <p:nvPr>
+            <p:extLst>
+              <p:ext uri="{386F3935-93C4-4BCD-93E2-E3B085C9AB24}">
+                <p16:designElem xmlns:p16="http://schemas.microsoft.com/office/powerpoint/2015/main" val="1"/>
+              </p:ext>
+            </p:extLst>
+          </p:nvPr>
+        </p:nvSpPr>
+        <p:spPr>
+          <a:xfrm>
+            <a:off x="8915400" y="2358913"/>
+            <a:ext cx="2140172" cy="2140172"/>
+          </a:xfrm>
+          <a:prstGeom prst="ellipse">
+            <a:avLst/>
+          </a:prstGeom>
+          <a:solidFill>
+            <a:srgbClr val="FFFFFF"/>
+          </a:solidFill>
+          <a:ln w="22225">
+            <a:solidFill>
+              <a:schemeClr val="accent1"/>
+            </a:solidFill>
+          </a:ln>
+        </p:spPr>
+        <p:style>
+          <a:lnRef idx="2">
+            <a:schemeClr val="accent1">
+              <a:shade val="50000"/>
+            </a:schemeClr>
+          </a:lnRef>
+          <a:fillRef idx="1">
+            <a:schemeClr val="accent1"/>
+          </a:fillRef>
+          <a:effectRef idx="0">
+            <a:schemeClr val="accent1"/>
+          </a:effectRef>
+          <a:fontRef idx="minor">
+            <a:schemeClr val="lt1"/>
+          </a:fontRef>
+        </p:style>
+        <p:txBody>
+          <a:bodyPr rtlCol="0" anchor="ctr"/>
+          <a:lstStyle/>
+          <a:p>
+            <a:pPr algn="ctr"/>
+            <a:endParaRPr lang="en-US"/>
+          </a:p>
+        </p:txBody>
+      </p:sp>
+      <p:pic>
+        <p:nvPicPr>
+          <p:cNvPr id="7" name="Graphic 6" descr="Programmer">
+            <a:extLst>
+              <a:ext uri="{FF2B5EF4-FFF2-40B4-BE49-F238E27FC236}">
+                <a16:creationId xmlns:a16="http://schemas.microsoft.com/office/drawing/2014/main" id="{8D428013-FD3E-4A85-9466-27B23FA8DE54}"/>
+              </a:ext>
+            </a:extLst>
+          </p:cNvPr>
+          <p:cNvPicPr>
+            <a:picLocks noChangeAspect="1"/>
+          </p:cNvPicPr>
+          <p:nvPr/>
+        </p:nvPicPr>
+        <p:blipFill>
+          <a:blip r:embed="rId2">
+            <a:extLst>
+              <a:ext uri="{28A0092B-C50C-407E-A947-70E740481C1C}">
+                <a14:useLocalDpi xmlns:a14="http://schemas.microsoft.com/office/drawing/2010/main" val="0"/>
+              </a:ext>
+              <a:ext uri="{96DAC541-7B7A-43D3-8B79-37D633B846F1}">
+                <asvg:svgBlip xmlns:asvg="http://schemas.microsoft.com/office/drawing/2016/SVG/main" r:embed="rId3"/>
+              </a:ext>
+            </a:extLst>
+          </a:blip>
+          <a:stretch>
+            <a:fillRect/>
+          </a:stretch>
+        </p:blipFill>
+        <p:spPr>
+          <a:xfrm>
+            <a:off x="9413987" y="2857501"/>
+            <a:ext cx="1142998" cy="1142998"/>
+          </a:xfrm>
+          <a:prstGeom prst="rect">
+            <a:avLst/>
+          </a:prstGeom>
+        </p:spPr>
+      </p:pic>
+    </p:spTree>
+    <p:extLst>
+      <p:ext uri="{BB962C8B-B14F-4D97-AF65-F5344CB8AC3E}">
+        <p14:creationId xmlns:p14="http://schemas.microsoft.com/office/powerpoint/2010/main" val="2591609881"/>
+      </p:ext>
+    </p:extLst>
+  </p:cSld>
+  <p:clrMapOvr>
+    <a:masterClrMapping/>
+  </p:clrMapOvr>
+</p:sld>
+</file>
+
+<file path=ppt/slides/slide4.xml><?xml version="1.0" encoding="utf-8"?>
+<p:sld xmlns:a="http://schemas.openxmlformats.org/drawingml/2006/main" xmlns:r="http://schemas.openxmlformats.org/officeDocument/2006/relationships" xmlns:p="http://schemas.openxmlformats.org/presentationml/2006/main">
+  <p:cSld>
+    <p:bg>
+      <p:bgPr>
+        <a:solidFill>
+          <a:schemeClr val="bg1"/>
+        </a:solidFill>
+        <a:effectLst/>
+      </p:bgPr>
+    </p:bg>
+    <p:spTree>
+      <p:nvGrpSpPr>
+        <p:cNvPr id="1" name=""/>
+        <p:cNvGrpSpPr/>
+        <p:nvPr/>
+      </p:nvGrpSpPr>
+      <p:grpSpPr>
+        <a:xfrm>
+          <a:off x="0" y="0"/>
+          <a:ext cx="0" cy="0"/>
+          <a:chOff x="0" y="0"/>
+          <a:chExt cx="0" cy="0"/>
+        </a:xfrm>
+      </p:grpSpPr>
+      <p:sp>
+        <p:nvSpPr>
+          <p:cNvPr id="2" name="Title 1">
+            <a:extLst>
+              <a:ext uri="{FF2B5EF4-FFF2-40B4-BE49-F238E27FC236}">
+                <a16:creationId xmlns:a16="http://schemas.microsoft.com/office/drawing/2014/main" id="{24C265DF-4994-4F5D-AE41-747A19798DF8}"/>
+              </a:ext>
+            </a:extLst>
+          </p:cNvPr>
+          <p:cNvSpPr>
+            <a:spLocks noGrp="1"/>
+          </p:cNvSpPr>
+          <p:nvPr>
+            <p:ph type="title"/>
+          </p:nvPr>
+        </p:nvSpPr>
+        <p:spPr>
+          <a:xfrm>
+            <a:off x="1136428" y="627564"/>
+            <a:ext cx="7474172" cy="1325563"/>
+          </a:xfrm>
+        </p:spPr>
+        <p:txBody>
+          <a:bodyPr>
+            <a:normAutofit/>
+          </a:bodyPr>
+          <a:lstStyle/>
+          <a:p>
+            <a:r>
+              <a:rPr lang="en-IN" b="1" dirty="0">
+                <a:latin typeface="Open Sans" panose="020B0606030504020204" pitchFamily="34" charset="0"/>
+                <a:ea typeface="Open Sans" panose="020B0606030504020204" pitchFamily="34" charset="0"/>
+                <a:cs typeface="Open Sans" panose="020B0606030504020204" pitchFamily="34" charset="0"/>
+              </a:rPr>
+              <a:t> Learning environment</a:t>
+            </a:r>
+          </a:p>
+        </p:txBody>
+      </p:sp>
+      <p:sp>
+        <p:nvSpPr>
+          <p:cNvPr id="3" name="Content Placeholder 2">
+            <a:extLst>
+              <a:ext uri="{FF2B5EF4-FFF2-40B4-BE49-F238E27FC236}">
+                <a16:creationId xmlns:a16="http://schemas.microsoft.com/office/drawing/2014/main" id="{763D88F7-014E-43B6-A3A8-5EDD0F989D06}"/>
+              </a:ext>
+            </a:extLst>
+          </p:cNvPr>
+          <p:cNvSpPr>
+            <a:spLocks noGrp="1"/>
+          </p:cNvSpPr>
+          <p:nvPr>
+            <p:ph idx="1"/>
+          </p:nvPr>
+        </p:nvSpPr>
+        <p:spPr>
+          <a:xfrm>
+            <a:off x="1136429" y="2278173"/>
+            <a:ext cx="6467867" cy="3450613"/>
+          </a:xfrm>
+        </p:spPr>
+        <p:txBody>
+          <a:bodyPr anchor="ctr">
+            <a:normAutofit/>
+          </a:bodyPr>
+          <a:lstStyle/>
+          <a:p>
+            <a:r>
+              <a:rPr lang="en-IN" sz="2400" dirty="0">
+                <a:latin typeface="Open Sans" panose="020B0606030504020204" pitchFamily="34" charset="0"/>
+                <a:ea typeface="Open Sans" panose="020B0606030504020204" pitchFamily="34" charset="0"/>
+                <a:cs typeface="Open Sans" panose="020B0606030504020204" pitchFamily="34" charset="0"/>
+              </a:rPr>
+              <a:t>VS code</a:t>
+            </a:r>
+          </a:p>
+          <a:p>
+            <a:r>
+              <a:rPr lang="en-IN" sz="2400" dirty="0">
+                <a:latin typeface="Open Sans" panose="020B0606030504020204" pitchFamily="34" charset="0"/>
+                <a:ea typeface="Open Sans" panose="020B0606030504020204" pitchFamily="34" charset="0"/>
+                <a:cs typeface="Open Sans" panose="020B0606030504020204" pitchFamily="34" charset="0"/>
+              </a:rPr>
+              <a:t>Anaconda / </a:t>
+            </a:r>
+            <a:r>
+              <a:rPr lang="en-IN" sz="2400" dirty="0" err="1">
+                <a:latin typeface="Open Sans" panose="020B0606030504020204" pitchFamily="34" charset="0"/>
+                <a:ea typeface="Open Sans" panose="020B0606030504020204" pitchFamily="34" charset="0"/>
+                <a:cs typeface="Open Sans" panose="020B0606030504020204" pitchFamily="34" charset="0"/>
+              </a:rPr>
+              <a:t>Jupyter</a:t>
+            </a:r>
+            <a:r>
+              <a:rPr lang="en-IN" sz="2400" dirty="0">
+                <a:latin typeface="Open Sans" panose="020B0606030504020204" pitchFamily="34" charset="0"/>
+                <a:ea typeface="Open Sans" panose="020B0606030504020204" pitchFamily="34" charset="0"/>
+                <a:cs typeface="Open Sans" panose="020B0606030504020204" pitchFamily="34" charset="0"/>
+              </a:rPr>
+              <a:t> Notebook</a:t>
+            </a:r>
+          </a:p>
+          <a:p>
+            <a:r>
+              <a:rPr lang="en-IN" sz="2400" dirty="0">
+                <a:latin typeface="Open Sans" panose="020B0606030504020204" pitchFamily="34" charset="0"/>
+                <a:ea typeface="Open Sans" panose="020B0606030504020204" pitchFamily="34" charset="0"/>
+                <a:cs typeface="Open Sans" panose="020B0606030504020204" pitchFamily="34" charset="0"/>
+              </a:rPr>
+              <a:t>Google </a:t>
+            </a:r>
+            <a:r>
+              <a:rPr lang="en-IN" sz="2400" dirty="0" err="1">
+                <a:latin typeface="Open Sans" panose="020B0606030504020204" pitchFamily="34" charset="0"/>
+                <a:ea typeface="Open Sans" panose="020B0606030504020204" pitchFamily="34" charset="0"/>
+                <a:cs typeface="Open Sans" panose="020B0606030504020204" pitchFamily="34" charset="0"/>
+              </a:rPr>
+              <a:t>Colab</a:t>
+            </a:r>
+            <a:endParaRPr lang="en-IN" sz="2400" dirty="0">
+              <a:latin typeface="Open Sans" panose="020B0606030504020204" pitchFamily="34" charset="0"/>
+              <a:ea typeface="Open Sans" panose="020B0606030504020204" pitchFamily="34" charset="0"/>
+              <a:cs typeface="Open Sans" panose="020B0606030504020204" pitchFamily="34" charset="0"/>
+            </a:endParaRPr>
+          </a:p>
+        </p:txBody>
+      </p:sp>
+      <p:sp>
+        <p:nvSpPr>
+          <p:cNvPr id="9" name="Rectangle 11">
+            <a:extLst>
+              <a:ext uri="{FF2B5EF4-FFF2-40B4-BE49-F238E27FC236}">
+                <a16:creationId xmlns:a16="http://schemas.microsoft.com/office/drawing/2014/main" id="{59A309A7-1751-4ABE-A3C1-EEC40366AD89}"/>
+              </a:ext>
+              <a:ext uri="{C183D7F6-B498-43B3-948B-1728B52AA6E4}">
+                <adec:decorative xmlns:adec="http://schemas.microsoft.com/office/drawing/2017/decorative" val="1"/>
+              </a:ext>
+            </a:extLst>
+          </p:cNvPr>
+          <p:cNvSpPr>
+            <a:spLocks noGrp="1" noRot="1" noChangeAspect="1" noMove="1" noResize="1" noEditPoints="1" noAdjustHandles="1" noChangeArrowheads="1" noChangeShapeType="1" noTextEdit="1"/>
+          </p:cNvSpPr>
+          <p:nvPr>
+            <p:extLst>
+              <p:ext uri="{386F3935-93C4-4BCD-93E2-E3B085C9AB24}">
+                <p16:designElem xmlns:p16="http://schemas.microsoft.com/office/powerpoint/2015/main" val="1"/>
+              </p:ext>
+            </p:extLst>
+          </p:nvPr>
+        </p:nvSpPr>
+        <p:spPr>
+          <a:xfrm>
+            <a:off x="10088880" y="0"/>
+            <a:ext cx="2103120" cy="6858000"/>
+          </a:xfrm>
+          <a:prstGeom prst="rect">
+            <a:avLst/>
+          </a:prstGeom>
+          <a:solidFill>
+            <a:schemeClr val="accent1"/>
+          </a:solidFill>
+          <a:ln>
+            <a:noFill/>
+          </a:ln>
+        </p:spPr>
+        <p:style>
+          <a:lnRef idx="2">
+            <a:schemeClr val="accent1">
+              <a:shade val="50000"/>
+            </a:schemeClr>
+          </a:lnRef>
+          <a:fillRef idx="1">
+            <a:schemeClr val="accent1"/>
+          </a:fillRef>
+          <a:effectRef idx="0">
+            <a:schemeClr val="accent1"/>
+          </a:effectRef>
+          <a:fontRef idx="minor">
+            <a:schemeClr val="lt1"/>
+          </a:fontRef>
+        </p:style>
+        <p:txBody>
+          <a:bodyPr rtlCol="0" anchor="ctr"/>
+          <a:lstStyle/>
+          <a:p>
+            <a:pPr algn="ctr"/>
+            <a:endParaRPr lang="en-US"/>
+          </a:p>
+        </p:txBody>
+      </p:sp>
+      <p:sp>
+        <p:nvSpPr>
+          <p:cNvPr id="10" name="Oval 13">
+            <a:extLst>
+              <a:ext uri="{FF2B5EF4-FFF2-40B4-BE49-F238E27FC236}">
+                <a16:creationId xmlns:a16="http://schemas.microsoft.com/office/drawing/2014/main" id="{967D8EB6-EAE1-4F9C-B398-83321E287204}"/>
+              </a:ext>
+              <a:ext uri="{C183D7F6-B498-43B3-948B-1728B52AA6E4}">
+                <adec:decorative xmlns:adec="http://schemas.microsoft.com/office/drawing/2017/decorative" val="1"/>
+              </a:ext>
+            </a:extLst>
+          </p:cNvPr>
+          <p:cNvSpPr>
+            <a:spLocks noGrp="1" noRot="1" noChangeAspect="1" noMove="1" noResize="1" noEditPoints="1" noAdjustHandles="1" noChangeArrowheads="1" noChangeShapeType="1" noTextEdit="1"/>
+          </p:cNvSpPr>
+          <p:nvPr>
+            <p:extLst>
+              <p:ext uri="{386F3935-93C4-4BCD-93E2-E3B085C9AB24}">
+                <p16:designElem xmlns:p16="http://schemas.microsoft.com/office/powerpoint/2015/main" val="1"/>
+              </p:ext>
+            </p:extLst>
+          </p:nvPr>
+        </p:nvSpPr>
+        <p:spPr>
+          <a:xfrm>
+            <a:off x="8915400" y="2358913"/>
+            <a:ext cx="2140172" cy="2140172"/>
+          </a:xfrm>
+          <a:prstGeom prst="ellipse">
+            <a:avLst/>
+          </a:prstGeom>
+          <a:solidFill>
+            <a:srgbClr val="FFFFFF"/>
+          </a:solidFill>
+          <a:ln w="22225">
+            <a:solidFill>
+              <a:schemeClr val="accent1"/>
+            </a:solidFill>
+          </a:ln>
+        </p:spPr>
+        <p:style>
+          <a:lnRef idx="2">
+            <a:schemeClr val="accent1">
+              <a:shade val="50000"/>
+            </a:schemeClr>
+          </a:lnRef>
+          <a:fillRef idx="1">
+            <a:schemeClr val="accent1"/>
+          </a:fillRef>
+          <a:effectRef idx="0">
+            <a:schemeClr val="accent1"/>
+          </a:effectRef>
+          <a:fontRef idx="minor">
+            <a:schemeClr val="lt1"/>
+          </a:fontRef>
+        </p:style>
+        <p:txBody>
+          <a:bodyPr rtlCol="0" anchor="ctr"/>
+          <a:lstStyle/>
+          <a:p>
+            <a:pPr algn="ctr"/>
+            <a:endParaRPr lang="en-US"/>
+          </a:p>
+        </p:txBody>
+      </p:sp>
+      <p:pic>
+        <p:nvPicPr>
+          <p:cNvPr id="7" name="Graphic 6" descr="Programmer">
+            <a:extLst>
+              <a:ext uri="{FF2B5EF4-FFF2-40B4-BE49-F238E27FC236}">
+                <a16:creationId xmlns:a16="http://schemas.microsoft.com/office/drawing/2014/main" id="{8D428013-FD3E-4A85-9466-27B23FA8DE54}"/>
+              </a:ext>
+            </a:extLst>
+          </p:cNvPr>
+          <p:cNvPicPr>
+            <a:picLocks noChangeAspect="1"/>
+          </p:cNvPicPr>
+          <p:nvPr/>
+        </p:nvPicPr>
+        <p:blipFill>
+          <a:blip r:embed="rId2">
+            <a:extLst>
+              <a:ext uri="{28A0092B-C50C-407E-A947-70E740481C1C}">
+                <a14:useLocalDpi xmlns:a14="http://schemas.microsoft.com/office/drawing/2010/main" val="0"/>
+              </a:ext>
+              <a:ext uri="{96DAC541-7B7A-43D3-8B79-37D633B846F1}">
+                <asvg:svgBlip xmlns:asvg="http://schemas.microsoft.com/office/drawing/2016/SVG/main" r:embed="rId3"/>
+              </a:ext>
+            </a:extLst>
+          </a:blip>
+          <a:stretch>
+            <a:fillRect/>
+          </a:stretch>
+        </p:blipFill>
+        <p:spPr>
+          <a:xfrm>
+            <a:off x="9413987" y="2857501"/>
+            <a:ext cx="1142998" cy="1142998"/>
+          </a:xfrm>
+          <a:prstGeom prst="rect">
+            <a:avLst/>
+          </a:prstGeom>
+        </p:spPr>
+      </p:pic>
+    </p:spTree>
+    <p:extLst>
+      <p:ext uri="{BB962C8B-B14F-4D97-AF65-F5344CB8AC3E}">
+        <p14:creationId xmlns:p14="http://schemas.microsoft.com/office/powerpoint/2010/main" val="3999249808"/>
+      </p:ext>
+    </p:extLst>
+  </p:cSld>
+  <p:clrMapOvr>
+    <a:masterClrMapping/>
+  </p:clrMapOvr>
+</p:sld>
+</file>
+
+<file path=ppt/slides/slide5.xml><?xml version="1.0" encoding="utf-8"?>
+<p:sld xmlns:a="http://schemas.openxmlformats.org/drawingml/2006/main" xmlns:r="http://schemas.openxmlformats.org/officeDocument/2006/relationships" xmlns:p="http://schemas.openxmlformats.org/presentationml/2006/main">
+  <p:cSld>
+    <p:bg>
+      <p:bgPr>
+        <a:solidFill>
+          <a:schemeClr val="bg1"/>
+        </a:solidFill>
+        <a:effectLst/>
+      </p:bgPr>
+    </p:bg>
+    <p:spTree>
+      <p:nvGrpSpPr>
+        <p:cNvPr id="1" name=""/>
+        <p:cNvGrpSpPr/>
+        <p:nvPr/>
+      </p:nvGrpSpPr>
+      <p:grpSpPr>
+        <a:xfrm>
+          <a:off x="0" y="0"/>
+          <a:ext cx="0" cy="0"/>
+          <a:chOff x="0" y="0"/>
+          <a:chExt cx="0" cy="0"/>
+        </a:xfrm>
+      </p:grpSpPr>
+      <p:sp>
+        <p:nvSpPr>
+          <p:cNvPr id="2" name="Title 1">
+            <a:extLst>
+              <a:ext uri="{FF2B5EF4-FFF2-40B4-BE49-F238E27FC236}">
+                <a16:creationId xmlns:a16="http://schemas.microsoft.com/office/drawing/2014/main" id="{24C265DF-4994-4F5D-AE41-747A19798DF8}"/>
+              </a:ext>
+            </a:extLst>
+          </p:cNvPr>
+          <p:cNvSpPr>
+            <a:spLocks noGrp="1"/>
+          </p:cNvSpPr>
+          <p:nvPr>
+            <p:ph type="title"/>
+          </p:nvPr>
+        </p:nvSpPr>
+        <p:spPr>
+          <a:xfrm>
+            <a:off x="838200" y="108951"/>
+            <a:ext cx="10515600" cy="696268"/>
+          </a:xfrm>
+        </p:spPr>
+        <p:txBody>
+          <a:bodyPr>
+            <a:normAutofit/>
+          </a:bodyPr>
+          <a:lstStyle/>
+          <a:p>
+            <a:pPr algn="ctr"/>
+            <a:r>
+              <a:rPr lang="en-IN" b="1" dirty="0">
+                <a:latin typeface="Open Sans" panose="020B0606030504020204" pitchFamily="34" charset="0"/>
+                <a:ea typeface="Open Sans" panose="020B0606030504020204" pitchFamily="34" charset="0"/>
+                <a:cs typeface="Open Sans" panose="020B0606030504020204" pitchFamily="34" charset="0"/>
+              </a:rPr>
+              <a:t> Object-Oriented Programming</a:t>
+            </a:r>
+          </a:p>
+        </p:txBody>
+      </p:sp>
+      <p:sp>
+        <p:nvSpPr>
+          <p:cNvPr id="13" name="Content Placeholder 2">
+            <a:extLst>
+              <a:ext uri="{FF2B5EF4-FFF2-40B4-BE49-F238E27FC236}">
+                <a16:creationId xmlns:a16="http://schemas.microsoft.com/office/drawing/2014/main" id="{763D88F7-014E-43B6-A3A8-5EDD0F989D06}"/>
+              </a:ext>
+            </a:extLst>
+          </p:cNvPr>
+          <p:cNvSpPr>
+            <a:spLocks noGrp="1"/>
+          </p:cNvSpPr>
+          <p:nvPr>
+            <p:ph idx="4294967295"/>
+          </p:nvPr>
+        </p:nvSpPr>
+        <p:spPr>
+          <a:xfrm>
+            <a:off x="286603" y="1683657"/>
+            <a:ext cx="3295121" cy="5064217"/>
+          </a:xfrm>
+          <a:solidFill>
+            <a:schemeClr val="bg2"/>
+          </a:solidFill>
+        </p:spPr>
+        <p:txBody>
+          <a:bodyPr anchor="ctr">
+            <a:normAutofit/>
+          </a:bodyPr>
+          <a:lstStyle/>
+          <a:p>
+            <a:pPr marL="0" indent="0">
+              <a:buNone/>
+            </a:pPr>
+            <a:r>
+              <a:rPr lang="en-IN" sz="1400" dirty="0">
+                <a:latin typeface="Open Sans" panose="020B0606030504020204" pitchFamily="34" charset="0"/>
+                <a:ea typeface="Open Sans" panose="020B0606030504020204" pitchFamily="34" charset="0"/>
+                <a:cs typeface="Open Sans" panose="020B0606030504020204" pitchFamily="34" charset="0"/>
+              </a:rPr>
+              <a:t>document.addEventListener("DOMContentLoaded", function () {var question = prompt("Ask magic 8 ball a question");var answer = Math.floor(Math.random() * 8) + 1; if (answer == 1) {alert("It is certain");} else if (answer == 2) {alert("Outlook good");} else if (answer == 3) {alert("You may rely on it");} else if (answer == 4) {alert("Ask again later");} else if (answer == 5) {alert("Concentrate and ask again");} else if (answer == 6) {alert ("Reply hazy, try again");} else if (answer == 7) {alert("My reply is no");} else if (answer == 8) {alert("My sources say no")} else {alert ("That's not a question");}alert("The end");})</a:t>
+            </a:r>
+          </a:p>
+        </p:txBody>
+      </p:sp>
+      <p:sp>
+        <p:nvSpPr>
+          <p:cNvPr id="15" name="Content Placeholder 2">
+            <a:extLst>
+              <a:ext uri="{FF2B5EF4-FFF2-40B4-BE49-F238E27FC236}">
+                <a16:creationId xmlns:a16="http://schemas.microsoft.com/office/drawing/2014/main" id="{97E68038-4EED-4D29-BE9C-FE7C116A85C0}"/>
+              </a:ext>
+            </a:extLst>
+          </p:cNvPr>
+          <p:cNvSpPr txBox="1">
+            <a:spLocks/>
+          </p:cNvSpPr>
+          <p:nvPr/>
+        </p:nvSpPr>
+        <p:spPr>
+          <a:xfrm>
+            <a:off x="4373087" y="1683657"/>
+            <a:ext cx="3295121" cy="5064805"/>
+          </a:xfrm>
+          <a:prstGeom prst="rect">
+            <a:avLst/>
+          </a:prstGeom>
+          <a:solidFill>
+            <a:schemeClr val="bg2"/>
+          </a:solidFill>
+        </p:spPr>
+        <p:txBody>
+          <a:bodyPr vert="horz" lIns="91440" tIns="45720" rIns="91440" bIns="45720" rtlCol="0" anchor="ctr">
+            <a:normAutofit fontScale="70000" lnSpcReduction="20000"/>
+          </a:bodyPr>
+          <a:lstStyle>
+            <a:lvl1pPr marL="228600" indent="-228600" algn="l" defTabSz="914400" rtl="0" eaLnBrk="1" latinLnBrk="0" hangingPunct="1">
+              <a:lnSpc>
+                <a:spcPct val="90000"/>
+              </a:lnSpc>
+              <a:spcBef>
+                <a:spcPts val="1000"/>
+              </a:spcBef>
+              <a:buFont typeface="Arial" panose="020B0604020202020204" pitchFamily="34" charset="0"/>
+              <a:buChar char="•"/>
+              <a:defRPr sz="2800" kern="1200">
+                <a:solidFill>
+                  <a:schemeClr val="tx1"/>
+                </a:solidFill>
+                <a:latin typeface="+mn-lt"/>
+                <a:ea typeface="+mn-ea"/>
+                <a:cs typeface="+mn-cs"/>
+              </a:defRPr>
+            </a:lvl1pPr>
+            <a:lvl2pPr marL="685800" indent="-228600" algn="l" defTabSz="914400" rtl="0" eaLnBrk="1" latinLnBrk="0" hangingPunct="1">
+              <a:lnSpc>
+                <a:spcPct val="90000"/>
+              </a:lnSpc>
+              <a:spcBef>
+                <a:spcPts val="500"/>
+              </a:spcBef>
+              <a:buFont typeface="Arial" panose="020B0604020202020204" pitchFamily="34" charset="0"/>
+              <a:buChar char="•"/>
+              <a:defRPr sz="2400" kern="1200">
+                <a:solidFill>
+                  <a:schemeClr val="tx1"/>
+                </a:solidFill>
+                <a:latin typeface="+mn-lt"/>
+                <a:ea typeface="+mn-ea"/>
+                <a:cs typeface="+mn-cs"/>
+              </a:defRPr>
+            </a:lvl2pPr>
+            <a:lvl3pPr marL="1143000" indent="-228600" algn="l" defTabSz="914400" rtl="0" eaLnBrk="1" latinLnBrk="0" hangingPunct="1">
+              <a:lnSpc>
+                <a:spcPct val="90000"/>
+              </a:lnSpc>
+              <a:spcBef>
+                <a:spcPts val="500"/>
+              </a:spcBef>
+              <a:buFont typeface="Arial" panose="020B0604020202020204" pitchFamily="34" charset="0"/>
+              <a:buChar char="•"/>
+              <a:defRPr sz="2000" kern="1200">
+                <a:solidFill>
+                  <a:schemeClr val="tx1"/>
+                </a:solidFill>
+                <a:latin typeface="+mn-lt"/>
+                <a:ea typeface="+mn-ea"/>
+                <a:cs typeface="+mn-cs"/>
+              </a:defRPr>
+            </a:lvl3pPr>
+            <a:lvl4pPr marL="1600200" indent="-228600" algn="l" defTabSz="914400" rtl="0" eaLnBrk="1" latinLnBrk="0" hangingPunct="1">
+              <a:lnSpc>
+                <a:spcPct val="90000"/>
+              </a:lnSpc>
+              <a:spcBef>
+                <a:spcPts val="500"/>
+              </a:spcBef>
+              <a:buFont typeface="Arial" panose="020B0604020202020204" pitchFamily="34" charset="0"/>
+              <a:buChar char="•"/>
+              <a:defRPr sz="1800" kern="1200">
+                <a:solidFill>
+                  <a:schemeClr val="tx1"/>
+                </a:solidFill>
+                <a:latin typeface="+mn-lt"/>
+                <a:ea typeface="+mn-ea"/>
+                <a:cs typeface="+mn-cs"/>
+              </a:defRPr>
+            </a:lvl4pPr>
+            <a:lvl5pPr marL="2057400" indent="-228600" algn="l" defTabSz="914400" rtl="0" eaLnBrk="1" latinLnBrk="0" hangingPunct="1">
+              <a:lnSpc>
+                <a:spcPct val="90000"/>
+              </a:lnSpc>
+              <a:spcBef>
+                <a:spcPts val="500"/>
+              </a:spcBef>
+              <a:buFont typeface="Arial" panose="020B0604020202020204" pitchFamily="34" charset="0"/>
+              <a:buChar char="•"/>
+              <a:defRPr sz="1800" kern="1200">
+                <a:solidFill>
+                  <a:schemeClr val="tx1"/>
+                </a:solidFill>
+                <a:latin typeface="+mn-lt"/>
+                <a:ea typeface="+mn-ea"/>
+                <a:cs typeface="+mn-cs"/>
+              </a:defRPr>
+            </a:lvl5pPr>
+            <a:lvl6pPr marL="2514600" indent="-228600" algn="l" defTabSz="914400" rtl="0" eaLnBrk="1" latinLnBrk="0" hangingPunct="1">
+              <a:lnSpc>
+                <a:spcPct val="90000"/>
+              </a:lnSpc>
+              <a:spcBef>
+                <a:spcPts val="500"/>
+              </a:spcBef>
+              <a:buFont typeface="Arial" panose="020B0604020202020204" pitchFamily="34" charset="0"/>
+              <a:buChar char="•"/>
+              <a:defRPr sz="1800" kern="1200">
+                <a:solidFill>
+                  <a:schemeClr val="tx1"/>
+                </a:solidFill>
+                <a:latin typeface="+mn-lt"/>
+                <a:ea typeface="+mn-ea"/>
+                <a:cs typeface="+mn-cs"/>
+              </a:defRPr>
+            </a:lvl6pPr>
+            <a:lvl7pPr marL="2971800" indent="-228600" algn="l" defTabSz="914400" rtl="0" eaLnBrk="1" latinLnBrk="0" hangingPunct="1">
+              <a:lnSpc>
+                <a:spcPct val="90000"/>
+              </a:lnSpc>
+              <a:spcBef>
+                <a:spcPts val="500"/>
+              </a:spcBef>
+              <a:buFont typeface="Arial" panose="020B0604020202020204" pitchFamily="34" charset="0"/>
+              <a:buChar char="•"/>
+              <a:defRPr sz="1800" kern="1200">
+                <a:solidFill>
+                  <a:schemeClr val="tx1"/>
+                </a:solidFill>
+                <a:latin typeface="+mn-lt"/>
+                <a:ea typeface="+mn-ea"/>
+                <a:cs typeface="+mn-cs"/>
+              </a:defRPr>
+            </a:lvl7pPr>
+            <a:lvl8pPr marL="3429000" indent="-228600" algn="l" defTabSz="914400" rtl="0" eaLnBrk="1" latinLnBrk="0" hangingPunct="1">
+              <a:lnSpc>
+                <a:spcPct val="90000"/>
+              </a:lnSpc>
+              <a:spcBef>
+                <a:spcPts val="500"/>
+              </a:spcBef>
+              <a:buFont typeface="Arial" panose="020B0604020202020204" pitchFamily="34" charset="0"/>
+              <a:buChar char="•"/>
+              <a:defRPr sz="1800" kern="1200">
+                <a:solidFill>
+                  <a:schemeClr val="tx1"/>
+                </a:solidFill>
+                <a:latin typeface="+mn-lt"/>
+                <a:ea typeface="+mn-ea"/>
+                <a:cs typeface="+mn-cs"/>
+              </a:defRPr>
+            </a:lvl8pPr>
+            <a:lvl9pPr marL="3886200" indent="-228600" algn="l" defTabSz="914400" rtl="0" eaLnBrk="1" latinLnBrk="0" hangingPunct="1">
+              <a:lnSpc>
+                <a:spcPct val="90000"/>
+              </a:lnSpc>
+              <a:spcBef>
+                <a:spcPts val="500"/>
+              </a:spcBef>
+              <a:buFont typeface="Arial" panose="020B0604020202020204" pitchFamily="34" charset="0"/>
+              <a:buChar char="•"/>
+              <a:defRPr sz="1800" kern="1200">
+                <a:solidFill>
+                  <a:schemeClr val="tx1"/>
+                </a:solidFill>
+                <a:latin typeface="+mn-lt"/>
+                <a:ea typeface="+mn-ea"/>
+                <a:cs typeface="+mn-cs"/>
+              </a:defRPr>
+            </a:lvl9pPr>
+          </a:lstStyle>
+          <a:p>
+            <a:pPr marL="0" indent="0">
+              <a:lnSpc>
+                <a:spcPct val="120000"/>
+              </a:lnSpc>
+              <a:spcBef>
+                <a:spcPts val="0"/>
+              </a:spcBef>
+              <a:buNone/>
+            </a:pPr>
+            <a:r>
+              <a:rPr lang="en-IN" sz="1600" dirty="0">
+                <a:latin typeface="Open Sans" panose="020B0606030504020204" pitchFamily="34" charset="0"/>
+                <a:ea typeface="Open Sans" panose="020B0606030504020204" pitchFamily="34" charset="0"/>
+                <a:cs typeface="Open Sans" panose="020B0606030504020204" pitchFamily="34" charset="0"/>
+              </a:rPr>
+              <a:t>document.addEventListener("DOMContentLoaded", function () {</a:t>
+            </a:r>
+          </a:p>
+          <a:p>
+            <a:pPr marL="0" indent="0" defTabSz="449263">
+              <a:lnSpc>
+                <a:spcPct val="120000"/>
+              </a:lnSpc>
+              <a:spcBef>
+                <a:spcPts val="0"/>
+              </a:spcBef>
+              <a:buNone/>
+            </a:pPr>
+            <a:r>
+              <a:rPr lang="en-IN" sz="1600" dirty="0">
+                <a:latin typeface="Open Sans" panose="020B0606030504020204" pitchFamily="34" charset="0"/>
+                <a:ea typeface="Open Sans" panose="020B0606030504020204" pitchFamily="34" charset="0"/>
+                <a:cs typeface="Open Sans" panose="020B0606030504020204" pitchFamily="34" charset="0"/>
+              </a:rPr>
+              <a:t> 	var question = prompt("Ask magic 8 ball a question");</a:t>
+            </a:r>
+          </a:p>
+          <a:p>
+            <a:pPr marL="0" indent="0">
+              <a:lnSpc>
+                <a:spcPct val="120000"/>
+              </a:lnSpc>
+              <a:spcBef>
+                <a:spcPts val="0"/>
+              </a:spcBef>
+              <a:buNone/>
+              <a:tabLst>
+                <a:tab pos="449263" algn="l"/>
+              </a:tabLst>
+            </a:pPr>
+            <a:r>
+              <a:rPr lang="en-IN" sz="1600" dirty="0">
+                <a:latin typeface="Open Sans" panose="020B0606030504020204" pitchFamily="34" charset="0"/>
+                <a:ea typeface="Open Sans" panose="020B0606030504020204" pitchFamily="34" charset="0"/>
+                <a:cs typeface="Open Sans" panose="020B0606030504020204" pitchFamily="34" charset="0"/>
+              </a:rPr>
+              <a:t> 	var answer = Math.floor(Math.random() * 8) + 1;</a:t>
+            </a:r>
+          </a:p>
+          <a:p>
+            <a:pPr marL="0" indent="0" defTabSz="449263">
+              <a:lnSpc>
+                <a:spcPct val="120000"/>
+              </a:lnSpc>
+              <a:spcBef>
+                <a:spcPts val="0"/>
+              </a:spcBef>
+              <a:buNone/>
+            </a:pPr>
+            <a:r>
+              <a:rPr lang="en-IN" sz="1600" dirty="0">
+                <a:latin typeface="Open Sans" panose="020B0606030504020204" pitchFamily="34" charset="0"/>
+                <a:ea typeface="Open Sans" panose="020B0606030504020204" pitchFamily="34" charset="0"/>
+                <a:cs typeface="Open Sans" panose="020B0606030504020204" pitchFamily="34" charset="0"/>
+              </a:rPr>
+              <a:t> 	if (answer == 1) {</a:t>
+            </a:r>
+          </a:p>
+          <a:p>
+            <a:pPr marL="0" indent="0">
+              <a:lnSpc>
+                <a:spcPct val="120000"/>
+              </a:lnSpc>
+              <a:spcBef>
+                <a:spcPts val="0"/>
+              </a:spcBef>
+              <a:buNone/>
+            </a:pPr>
+            <a:r>
+              <a:rPr lang="en-IN" sz="1600" dirty="0">
+                <a:latin typeface="Open Sans" panose="020B0606030504020204" pitchFamily="34" charset="0"/>
+                <a:ea typeface="Open Sans" panose="020B0606030504020204" pitchFamily="34" charset="0"/>
+                <a:cs typeface="Open Sans" panose="020B0606030504020204" pitchFamily="34" charset="0"/>
+              </a:rPr>
+              <a:t> 	alert("It is certain");</a:t>
+            </a:r>
+          </a:p>
+          <a:p>
+            <a:pPr marL="0" indent="0" defTabSz="449263">
+              <a:lnSpc>
+                <a:spcPct val="120000"/>
+              </a:lnSpc>
+              <a:spcBef>
+                <a:spcPts val="0"/>
+              </a:spcBef>
+              <a:buNone/>
+            </a:pPr>
+            <a:r>
+              <a:rPr lang="en-IN" sz="1600" dirty="0">
+                <a:latin typeface="Open Sans" panose="020B0606030504020204" pitchFamily="34" charset="0"/>
+                <a:ea typeface="Open Sans" panose="020B0606030504020204" pitchFamily="34" charset="0"/>
+                <a:cs typeface="Open Sans" panose="020B0606030504020204" pitchFamily="34" charset="0"/>
+              </a:rPr>
+              <a:t> 	} else if (answer == 2) {</a:t>
+            </a:r>
+          </a:p>
+          <a:p>
+            <a:pPr marL="0" indent="0">
+              <a:lnSpc>
+                <a:spcPct val="120000"/>
+              </a:lnSpc>
+              <a:spcBef>
+                <a:spcPts val="0"/>
+              </a:spcBef>
+              <a:buNone/>
+            </a:pPr>
+            <a:r>
+              <a:rPr lang="en-IN" sz="1600" dirty="0">
+                <a:latin typeface="Open Sans" panose="020B0606030504020204" pitchFamily="34" charset="0"/>
+                <a:ea typeface="Open Sans" panose="020B0606030504020204" pitchFamily="34" charset="0"/>
+                <a:cs typeface="Open Sans" panose="020B0606030504020204" pitchFamily="34" charset="0"/>
+              </a:rPr>
+              <a:t> 	alert("Outlook good");</a:t>
+            </a:r>
+          </a:p>
+          <a:p>
+            <a:pPr marL="0" indent="0">
+              <a:lnSpc>
+                <a:spcPct val="120000"/>
+              </a:lnSpc>
+              <a:spcBef>
+                <a:spcPts val="0"/>
+              </a:spcBef>
+              <a:buNone/>
+              <a:tabLst>
+                <a:tab pos="449263" algn="l"/>
+              </a:tabLst>
+            </a:pPr>
+            <a:r>
+              <a:rPr lang="en-IN" sz="1600" dirty="0">
+                <a:latin typeface="Open Sans" panose="020B0606030504020204" pitchFamily="34" charset="0"/>
+                <a:ea typeface="Open Sans" panose="020B0606030504020204" pitchFamily="34" charset="0"/>
+                <a:cs typeface="Open Sans" panose="020B0606030504020204" pitchFamily="34" charset="0"/>
+              </a:rPr>
+              <a:t> 	} else if (answer == 3) {</a:t>
+            </a:r>
+          </a:p>
+          <a:p>
+            <a:pPr marL="0" indent="0">
+              <a:lnSpc>
+                <a:spcPct val="120000"/>
+              </a:lnSpc>
+              <a:spcBef>
+                <a:spcPts val="0"/>
+              </a:spcBef>
+              <a:buNone/>
+            </a:pPr>
+            <a:r>
+              <a:rPr lang="en-IN" sz="1600" dirty="0">
+                <a:latin typeface="Open Sans" panose="020B0606030504020204" pitchFamily="34" charset="0"/>
+                <a:ea typeface="Open Sans" panose="020B0606030504020204" pitchFamily="34" charset="0"/>
+                <a:cs typeface="Open Sans" panose="020B0606030504020204" pitchFamily="34" charset="0"/>
+              </a:rPr>
+              <a:t> 	alert("You may rely on it");</a:t>
+            </a:r>
+          </a:p>
+          <a:p>
+            <a:pPr marL="0" indent="0" defTabSz="449263">
+              <a:lnSpc>
+                <a:spcPct val="120000"/>
+              </a:lnSpc>
+              <a:spcBef>
+                <a:spcPts val="0"/>
+              </a:spcBef>
+              <a:buNone/>
+            </a:pPr>
+            <a:r>
+              <a:rPr lang="en-IN" sz="1600" dirty="0">
+                <a:latin typeface="Open Sans" panose="020B0606030504020204" pitchFamily="34" charset="0"/>
+                <a:ea typeface="Open Sans" panose="020B0606030504020204" pitchFamily="34" charset="0"/>
+                <a:cs typeface="Open Sans" panose="020B0606030504020204" pitchFamily="34" charset="0"/>
+              </a:rPr>
+              <a:t> 	} else if (answer == 4) {</a:t>
+            </a:r>
+          </a:p>
+          <a:p>
+            <a:pPr marL="0" indent="0">
+              <a:lnSpc>
+                <a:spcPct val="120000"/>
+              </a:lnSpc>
+              <a:spcBef>
+                <a:spcPts val="0"/>
+              </a:spcBef>
+              <a:buNone/>
+            </a:pPr>
+            <a:r>
+              <a:rPr lang="en-IN" sz="1600" dirty="0">
+                <a:latin typeface="Open Sans" panose="020B0606030504020204" pitchFamily="34" charset="0"/>
+                <a:ea typeface="Open Sans" panose="020B0606030504020204" pitchFamily="34" charset="0"/>
+                <a:cs typeface="Open Sans" panose="020B0606030504020204" pitchFamily="34" charset="0"/>
+              </a:rPr>
+              <a:t> 	alert("Ask again later");</a:t>
+            </a:r>
+          </a:p>
+          <a:p>
+            <a:pPr marL="0" indent="0" defTabSz="449263">
+              <a:lnSpc>
+                <a:spcPct val="120000"/>
+              </a:lnSpc>
+              <a:spcBef>
+                <a:spcPts val="0"/>
+              </a:spcBef>
+              <a:buNone/>
+            </a:pPr>
+            <a:r>
+              <a:rPr lang="en-IN" sz="1600" dirty="0">
+                <a:latin typeface="Open Sans" panose="020B0606030504020204" pitchFamily="34" charset="0"/>
+                <a:ea typeface="Open Sans" panose="020B0606030504020204" pitchFamily="34" charset="0"/>
+                <a:cs typeface="Open Sans" panose="020B0606030504020204" pitchFamily="34" charset="0"/>
+              </a:rPr>
+              <a:t> 	} else if (answer == 5) {</a:t>
+            </a:r>
+          </a:p>
+          <a:p>
+            <a:pPr marL="0" indent="0">
+              <a:lnSpc>
+                <a:spcPct val="120000"/>
+              </a:lnSpc>
+              <a:spcBef>
+                <a:spcPts val="0"/>
+              </a:spcBef>
+              <a:buNone/>
+            </a:pPr>
+            <a:r>
+              <a:rPr lang="en-IN" sz="1600" dirty="0">
+                <a:latin typeface="Open Sans" panose="020B0606030504020204" pitchFamily="34" charset="0"/>
+                <a:ea typeface="Open Sans" panose="020B0606030504020204" pitchFamily="34" charset="0"/>
+                <a:cs typeface="Open Sans" panose="020B0606030504020204" pitchFamily="34" charset="0"/>
+              </a:rPr>
+              <a:t> 	alert("Concentrate and ask again");</a:t>
+            </a:r>
+          </a:p>
+          <a:p>
+            <a:pPr marL="0" indent="0" defTabSz="449263">
+              <a:lnSpc>
+                <a:spcPct val="120000"/>
+              </a:lnSpc>
+              <a:spcBef>
+                <a:spcPts val="0"/>
+              </a:spcBef>
+              <a:buNone/>
+            </a:pPr>
+            <a:r>
+              <a:rPr lang="en-IN" sz="1600" dirty="0">
+                <a:latin typeface="Open Sans" panose="020B0606030504020204" pitchFamily="34" charset="0"/>
+                <a:ea typeface="Open Sans" panose="020B0606030504020204" pitchFamily="34" charset="0"/>
+                <a:cs typeface="Open Sans" panose="020B0606030504020204" pitchFamily="34" charset="0"/>
+              </a:rPr>
+              <a:t> 	} else if (answer == 6) {</a:t>
+            </a:r>
+          </a:p>
+          <a:p>
+            <a:pPr marL="0" indent="0">
+              <a:lnSpc>
+                <a:spcPct val="120000"/>
+              </a:lnSpc>
+              <a:spcBef>
+                <a:spcPts val="0"/>
+              </a:spcBef>
+              <a:buNone/>
+            </a:pPr>
+            <a:r>
+              <a:rPr lang="en-IN" sz="1600" dirty="0">
+                <a:latin typeface="Open Sans" panose="020B0606030504020204" pitchFamily="34" charset="0"/>
+                <a:ea typeface="Open Sans" panose="020B0606030504020204" pitchFamily="34" charset="0"/>
+                <a:cs typeface="Open Sans" panose="020B0606030504020204" pitchFamily="34" charset="0"/>
+              </a:rPr>
+              <a:t> 	alert("Reply hazy, try again");</a:t>
+            </a:r>
+          </a:p>
+          <a:p>
+            <a:pPr marL="0" indent="0" defTabSz="449263">
+              <a:lnSpc>
+                <a:spcPct val="120000"/>
+              </a:lnSpc>
+              <a:spcBef>
+                <a:spcPts val="0"/>
+              </a:spcBef>
+              <a:buNone/>
+            </a:pPr>
+            <a:r>
+              <a:rPr lang="en-IN" sz="1600" dirty="0">
+                <a:latin typeface="Open Sans" panose="020B0606030504020204" pitchFamily="34" charset="0"/>
+                <a:ea typeface="Open Sans" panose="020B0606030504020204" pitchFamily="34" charset="0"/>
+                <a:cs typeface="Open Sans" panose="020B0606030504020204" pitchFamily="34" charset="0"/>
+              </a:rPr>
+              <a:t> 	} else if (answer == 7) {</a:t>
+            </a:r>
+          </a:p>
+          <a:p>
+            <a:pPr marL="0" indent="0">
+              <a:lnSpc>
+                <a:spcPct val="120000"/>
+              </a:lnSpc>
+              <a:spcBef>
+                <a:spcPts val="0"/>
+              </a:spcBef>
+              <a:buNone/>
+            </a:pPr>
+            <a:r>
+              <a:rPr lang="en-IN" sz="1600" dirty="0">
+                <a:latin typeface="Open Sans" panose="020B0606030504020204" pitchFamily="34" charset="0"/>
+                <a:ea typeface="Open Sans" panose="020B0606030504020204" pitchFamily="34" charset="0"/>
+                <a:cs typeface="Open Sans" panose="020B0606030504020204" pitchFamily="34" charset="0"/>
+              </a:rPr>
+              <a:t> 	alert("My reply is no");</a:t>
+            </a:r>
+          </a:p>
+          <a:p>
+            <a:pPr marL="0" indent="0" defTabSz="449263">
+              <a:lnSpc>
+                <a:spcPct val="120000"/>
+              </a:lnSpc>
+              <a:spcBef>
+                <a:spcPts val="0"/>
+              </a:spcBef>
+              <a:buNone/>
+            </a:pPr>
+            <a:r>
+              <a:rPr lang="en-IN" sz="1600" dirty="0">
+                <a:latin typeface="Open Sans" panose="020B0606030504020204" pitchFamily="34" charset="0"/>
+                <a:ea typeface="Open Sans" panose="020B0606030504020204" pitchFamily="34" charset="0"/>
+                <a:cs typeface="Open Sans" panose="020B0606030504020204" pitchFamily="34" charset="0"/>
+              </a:rPr>
+              <a:t>	} else if (answer == 8) {</a:t>
+            </a:r>
+          </a:p>
+          <a:p>
+            <a:pPr marL="0" indent="0">
+              <a:lnSpc>
+                <a:spcPct val="120000"/>
+              </a:lnSpc>
+              <a:spcBef>
+                <a:spcPts val="0"/>
+              </a:spcBef>
+              <a:buNone/>
+            </a:pPr>
+            <a:r>
+              <a:rPr lang="en-IN" sz="1600" dirty="0">
+                <a:latin typeface="Open Sans" panose="020B0606030504020204" pitchFamily="34" charset="0"/>
+                <a:ea typeface="Open Sans" panose="020B0606030504020204" pitchFamily="34" charset="0"/>
+                <a:cs typeface="Open Sans" panose="020B0606030504020204" pitchFamily="34" charset="0"/>
+              </a:rPr>
+              <a:t> 	alert("My sources say no")</a:t>
+            </a:r>
+          </a:p>
+          <a:p>
+            <a:pPr marL="0" indent="0">
+              <a:lnSpc>
+                <a:spcPct val="120000"/>
+              </a:lnSpc>
+              <a:spcBef>
+                <a:spcPts val="0"/>
+              </a:spcBef>
+              <a:buNone/>
+              <a:tabLst>
+                <a:tab pos="449263" algn="l"/>
+              </a:tabLst>
+            </a:pPr>
+            <a:r>
+              <a:rPr lang="en-IN" sz="1600" dirty="0">
+                <a:latin typeface="Open Sans" panose="020B0606030504020204" pitchFamily="34" charset="0"/>
+                <a:ea typeface="Open Sans" panose="020B0606030504020204" pitchFamily="34" charset="0"/>
+                <a:cs typeface="Open Sans" panose="020B0606030504020204" pitchFamily="34" charset="0"/>
+              </a:rPr>
+              <a:t> 	} else {</a:t>
+            </a:r>
+          </a:p>
+          <a:p>
+            <a:pPr marL="0" indent="0">
+              <a:lnSpc>
+                <a:spcPct val="120000"/>
+              </a:lnSpc>
+              <a:spcBef>
+                <a:spcPts val="0"/>
+              </a:spcBef>
+              <a:buNone/>
+            </a:pPr>
+            <a:r>
+              <a:rPr lang="en-IN" sz="1600" dirty="0">
+                <a:latin typeface="Open Sans" panose="020B0606030504020204" pitchFamily="34" charset="0"/>
+                <a:ea typeface="Open Sans" panose="020B0606030504020204" pitchFamily="34" charset="0"/>
+                <a:cs typeface="Open Sans" panose="020B0606030504020204" pitchFamily="34" charset="0"/>
+              </a:rPr>
+              <a:t> 	alert("That's not a question");}</a:t>
+            </a:r>
+          </a:p>
+          <a:p>
+            <a:pPr marL="0" indent="0">
+              <a:lnSpc>
+                <a:spcPct val="120000"/>
+              </a:lnSpc>
+              <a:spcBef>
+                <a:spcPts val="0"/>
+              </a:spcBef>
+              <a:buNone/>
+              <a:tabLst>
+                <a:tab pos="449263" algn="l"/>
+              </a:tabLst>
+            </a:pPr>
+            <a:r>
+              <a:rPr lang="en-IN" sz="1600" dirty="0">
+                <a:latin typeface="Open Sans" panose="020B0606030504020204" pitchFamily="34" charset="0"/>
+                <a:ea typeface="Open Sans" panose="020B0606030504020204" pitchFamily="34" charset="0"/>
+                <a:cs typeface="Open Sans" panose="020B0606030504020204" pitchFamily="34" charset="0"/>
+              </a:rPr>
+              <a:t> 	alert("The end");</a:t>
+            </a:r>
+          </a:p>
+          <a:p>
+            <a:pPr marL="0" indent="0">
+              <a:buNone/>
+            </a:pPr>
+            <a:r>
+              <a:rPr lang="en-IN" sz="1600" dirty="0">
+                <a:latin typeface="Open Sans" panose="020B0606030504020204" pitchFamily="34" charset="0"/>
+                <a:ea typeface="Open Sans" panose="020B0606030504020204" pitchFamily="34" charset="0"/>
+                <a:cs typeface="Open Sans" panose="020B0606030504020204" pitchFamily="34" charset="0"/>
+              </a:rPr>
+              <a:t>})</a:t>
+            </a:r>
+          </a:p>
+        </p:txBody>
+      </p:sp>
+      <p:sp>
+        <p:nvSpPr>
+          <p:cNvPr id="16" name="Content Placeholder 2">
+            <a:extLst>
+              <a:ext uri="{FF2B5EF4-FFF2-40B4-BE49-F238E27FC236}">
+                <a16:creationId xmlns:a16="http://schemas.microsoft.com/office/drawing/2014/main" id="{5BD84B5C-1F6F-4257-B882-3303892E27DF}"/>
+              </a:ext>
+            </a:extLst>
+          </p:cNvPr>
+          <p:cNvSpPr txBox="1">
+            <a:spLocks/>
+          </p:cNvSpPr>
+          <p:nvPr/>
+        </p:nvSpPr>
+        <p:spPr>
+          <a:xfrm>
+            <a:off x="8459571" y="1683069"/>
+            <a:ext cx="3295120" cy="5064805"/>
+          </a:xfrm>
+          <a:prstGeom prst="rect">
+            <a:avLst/>
+          </a:prstGeom>
+          <a:solidFill>
+            <a:schemeClr val="bg2"/>
+          </a:solidFill>
+        </p:spPr>
+        <p:txBody>
+          <a:bodyPr vert="horz" lIns="91440" tIns="45720" rIns="91440" bIns="45720" rtlCol="0" anchor="ctr">
+            <a:normAutofit fontScale="77500" lnSpcReduction="20000"/>
+          </a:bodyPr>
+          <a:lstStyle>
+            <a:lvl1pPr marL="228600" indent="-228600" algn="l" defTabSz="914400" rtl="0" eaLnBrk="1" latinLnBrk="0" hangingPunct="1">
+              <a:lnSpc>
+                <a:spcPct val="90000"/>
+              </a:lnSpc>
+              <a:spcBef>
+                <a:spcPts val="1000"/>
+              </a:spcBef>
+              <a:buFont typeface="Arial" panose="020B0604020202020204" pitchFamily="34" charset="0"/>
+              <a:buChar char="•"/>
+              <a:defRPr sz="2800" kern="1200">
+                <a:solidFill>
+                  <a:schemeClr val="tx1"/>
+                </a:solidFill>
+                <a:latin typeface="+mn-lt"/>
+                <a:ea typeface="+mn-ea"/>
+                <a:cs typeface="+mn-cs"/>
+              </a:defRPr>
+            </a:lvl1pPr>
+            <a:lvl2pPr marL="685800" indent="-228600" algn="l" defTabSz="914400" rtl="0" eaLnBrk="1" latinLnBrk="0" hangingPunct="1">
+              <a:lnSpc>
+                <a:spcPct val="90000"/>
+              </a:lnSpc>
+              <a:spcBef>
+                <a:spcPts val="500"/>
+              </a:spcBef>
+              <a:buFont typeface="Arial" panose="020B0604020202020204" pitchFamily="34" charset="0"/>
+              <a:buChar char="•"/>
+              <a:defRPr sz="2400" kern="1200">
+                <a:solidFill>
+                  <a:schemeClr val="tx1"/>
+                </a:solidFill>
+                <a:latin typeface="+mn-lt"/>
+                <a:ea typeface="+mn-ea"/>
+                <a:cs typeface="+mn-cs"/>
+              </a:defRPr>
+            </a:lvl2pPr>
+            <a:lvl3pPr marL="1143000" indent="-228600" algn="l" defTabSz="914400" rtl="0" eaLnBrk="1" latinLnBrk="0" hangingPunct="1">
+              <a:lnSpc>
+                <a:spcPct val="90000"/>
+              </a:lnSpc>
+              <a:spcBef>
+                <a:spcPts val="500"/>
+              </a:spcBef>
+              <a:buFont typeface="Arial" panose="020B0604020202020204" pitchFamily="34" charset="0"/>
+              <a:buChar char="•"/>
+              <a:defRPr sz="2000" kern="1200">
+                <a:solidFill>
+                  <a:schemeClr val="tx1"/>
+                </a:solidFill>
+                <a:latin typeface="+mn-lt"/>
+                <a:ea typeface="+mn-ea"/>
+                <a:cs typeface="+mn-cs"/>
+              </a:defRPr>
+            </a:lvl3pPr>
+            <a:lvl4pPr marL="1600200" indent="-228600" algn="l" defTabSz="914400" rtl="0" eaLnBrk="1" latinLnBrk="0" hangingPunct="1">
+              <a:lnSpc>
+                <a:spcPct val="90000"/>
+              </a:lnSpc>
+              <a:spcBef>
+                <a:spcPts val="500"/>
+              </a:spcBef>
+              <a:buFont typeface="Arial" panose="020B0604020202020204" pitchFamily="34" charset="0"/>
+              <a:buChar char="•"/>
+              <a:defRPr sz="1800" kern="1200">
+                <a:solidFill>
+                  <a:schemeClr val="tx1"/>
+                </a:solidFill>
+                <a:latin typeface="+mn-lt"/>
+                <a:ea typeface="+mn-ea"/>
+                <a:cs typeface="+mn-cs"/>
+              </a:defRPr>
+            </a:lvl4pPr>
+            <a:lvl5pPr marL="2057400" indent="-228600" algn="l" defTabSz="914400" rtl="0" eaLnBrk="1" latinLnBrk="0" hangingPunct="1">
+              <a:lnSpc>
+                <a:spcPct val="90000"/>
+              </a:lnSpc>
+              <a:spcBef>
+                <a:spcPts val="500"/>
+              </a:spcBef>
+              <a:buFont typeface="Arial" panose="020B0604020202020204" pitchFamily="34" charset="0"/>
+              <a:buChar char="•"/>
+              <a:defRPr sz="1800" kern="1200">
+                <a:solidFill>
+                  <a:schemeClr val="tx1"/>
+                </a:solidFill>
+                <a:latin typeface="+mn-lt"/>
+                <a:ea typeface="+mn-ea"/>
+                <a:cs typeface="+mn-cs"/>
+              </a:defRPr>
+            </a:lvl5pPr>
+            <a:lvl6pPr marL="2514600" indent="-228600" algn="l" defTabSz="914400" rtl="0" eaLnBrk="1" latinLnBrk="0" hangingPunct="1">
+              <a:lnSpc>
+                <a:spcPct val="90000"/>
+              </a:lnSpc>
+              <a:spcBef>
+                <a:spcPts val="500"/>
+              </a:spcBef>
+              <a:buFont typeface="Arial" panose="020B0604020202020204" pitchFamily="34" charset="0"/>
+              <a:buChar char="•"/>
+              <a:defRPr sz="1800" kern="1200">
+                <a:solidFill>
+                  <a:schemeClr val="tx1"/>
+                </a:solidFill>
+                <a:latin typeface="+mn-lt"/>
+                <a:ea typeface="+mn-ea"/>
+                <a:cs typeface="+mn-cs"/>
+              </a:defRPr>
+            </a:lvl6pPr>
+            <a:lvl7pPr marL="2971800" indent="-228600" algn="l" defTabSz="914400" rtl="0" eaLnBrk="1" latinLnBrk="0" hangingPunct="1">
+              <a:lnSpc>
+                <a:spcPct val="90000"/>
+              </a:lnSpc>
+              <a:spcBef>
+                <a:spcPts val="500"/>
+              </a:spcBef>
+              <a:buFont typeface="Arial" panose="020B0604020202020204" pitchFamily="34" charset="0"/>
+              <a:buChar char="•"/>
+              <a:defRPr sz="1800" kern="1200">
+                <a:solidFill>
+                  <a:schemeClr val="tx1"/>
+                </a:solidFill>
+                <a:latin typeface="+mn-lt"/>
+                <a:ea typeface="+mn-ea"/>
+                <a:cs typeface="+mn-cs"/>
+              </a:defRPr>
+            </a:lvl7pPr>
+            <a:lvl8pPr marL="3429000" indent="-228600" algn="l" defTabSz="914400" rtl="0" eaLnBrk="1" latinLnBrk="0" hangingPunct="1">
+              <a:lnSpc>
+                <a:spcPct val="90000"/>
+              </a:lnSpc>
+              <a:spcBef>
+                <a:spcPts val="500"/>
+              </a:spcBef>
+              <a:buFont typeface="Arial" panose="020B0604020202020204" pitchFamily="34" charset="0"/>
+              <a:buChar char="•"/>
+              <a:defRPr sz="1800" kern="1200">
+                <a:solidFill>
+                  <a:schemeClr val="tx1"/>
+                </a:solidFill>
+                <a:latin typeface="+mn-lt"/>
+                <a:ea typeface="+mn-ea"/>
+                <a:cs typeface="+mn-cs"/>
+              </a:defRPr>
+            </a:lvl8pPr>
+            <a:lvl9pPr marL="3886200" indent="-228600" algn="l" defTabSz="914400" rtl="0" eaLnBrk="1" latinLnBrk="0" hangingPunct="1">
+              <a:lnSpc>
+                <a:spcPct val="90000"/>
+              </a:lnSpc>
+              <a:spcBef>
+                <a:spcPts val="500"/>
+              </a:spcBef>
+              <a:buFont typeface="Arial" panose="020B0604020202020204" pitchFamily="34" charset="0"/>
+              <a:buChar char="•"/>
+              <a:defRPr sz="1800" kern="1200">
+                <a:solidFill>
+                  <a:schemeClr val="tx1"/>
+                </a:solidFill>
+                <a:latin typeface="+mn-lt"/>
+                <a:ea typeface="+mn-ea"/>
+                <a:cs typeface="+mn-cs"/>
+              </a:defRPr>
+            </a:lvl9pPr>
+          </a:lstStyle>
+          <a:p>
+            <a:pPr marL="0" indent="0">
+              <a:lnSpc>
+                <a:spcPct val="120000"/>
+              </a:lnSpc>
+              <a:spcBef>
+                <a:spcPts val="0"/>
+              </a:spcBef>
+              <a:buNone/>
+            </a:pPr>
+            <a:r>
+              <a:rPr lang="en-IN" sz="1600" dirty="0">
+                <a:latin typeface="Open Sans" panose="020B0606030504020204" pitchFamily="34" charset="0"/>
+                <a:ea typeface="Open Sans" panose="020B0606030504020204" pitchFamily="34" charset="0"/>
+                <a:cs typeface="Open Sans" panose="020B0606030504020204" pitchFamily="34" charset="0"/>
+              </a:rPr>
+              <a:t>import random</a:t>
+            </a:r>
+          </a:p>
+          <a:p>
+            <a:pPr marL="0" indent="0">
+              <a:lnSpc>
+                <a:spcPct val="120000"/>
+              </a:lnSpc>
+              <a:spcBef>
+                <a:spcPts val="0"/>
+              </a:spcBef>
+              <a:buNone/>
+            </a:pPr>
+            <a:r>
+              <a:rPr lang="en-IN" sz="1600" dirty="0">
+                <a:latin typeface="Open Sans" panose="020B0606030504020204" pitchFamily="34" charset="0"/>
+                <a:ea typeface="Open Sans" panose="020B0606030504020204" pitchFamily="34" charset="0"/>
+                <a:cs typeface="Open Sans" panose="020B0606030504020204" pitchFamily="34" charset="0"/>
+              </a:rPr>
+              <a:t>question = input("Ask magic 8 ball a question")</a:t>
+            </a:r>
+          </a:p>
+          <a:p>
+            <a:pPr marL="0" indent="0">
+              <a:lnSpc>
+                <a:spcPct val="120000"/>
+              </a:lnSpc>
+              <a:spcBef>
+                <a:spcPts val="0"/>
+              </a:spcBef>
+              <a:buNone/>
+            </a:pPr>
+            <a:r>
+              <a:rPr lang="en-IN" sz="1600" dirty="0">
+                <a:latin typeface="Open Sans" panose="020B0606030504020204" pitchFamily="34" charset="0"/>
+                <a:ea typeface="Open Sans" panose="020B0606030504020204" pitchFamily="34" charset="0"/>
+                <a:cs typeface="Open Sans" panose="020B0606030504020204" pitchFamily="34" charset="0"/>
+              </a:rPr>
+              <a:t>answer = random.randint(1,8)</a:t>
+            </a:r>
+          </a:p>
+          <a:p>
+            <a:pPr marL="0" indent="0">
+              <a:lnSpc>
+                <a:spcPct val="120000"/>
+              </a:lnSpc>
+              <a:spcBef>
+                <a:spcPts val="0"/>
+              </a:spcBef>
+              <a:buNone/>
+            </a:pPr>
+            <a:r>
+              <a:rPr lang="en-IN" sz="1600" dirty="0">
+                <a:latin typeface="Open Sans" panose="020B0606030504020204" pitchFamily="34" charset="0"/>
+                <a:ea typeface="Open Sans" panose="020B0606030504020204" pitchFamily="34" charset="0"/>
+                <a:cs typeface="Open Sans" panose="020B0606030504020204" pitchFamily="34" charset="0"/>
+              </a:rPr>
+              <a:t>if answer == 1:</a:t>
+            </a:r>
+          </a:p>
+          <a:p>
+            <a:pPr marL="0" indent="0" defTabSz="363538">
+              <a:lnSpc>
+                <a:spcPct val="120000"/>
+              </a:lnSpc>
+              <a:spcBef>
+                <a:spcPts val="0"/>
+              </a:spcBef>
+              <a:buNone/>
+            </a:pPr>
+            <a:r>
+              <a:rPr lang="en-IN" sz="1600" dirty="0">
+                <a:latin typeface="Open Sans" panose="020B0606030504020204" pitchFamily="34" charset="0"/>
+                <a:ea typeface="Open Sans" panose="020B0606030504020204" pitchFamily="34" charset="0"/>
+                <a:cs typeface="Open Sans" panose="020B0606030504020204" pitchFamily="34" charset="0"/>
+              </a:rPr>
+              <a:t>	print("It is certain")</a:t>
+            </a:r>
+          </a:p>
+          <a:p>
+            <a:pPr marL="0" indent="0">
+              <a:lnSpc>
+                <a:spcPct val="120000"/>
+              </a:lnSpc>
+              <a:spcBef>
+                <a:spcPts val="0"/>
+              </a:spcBef>
+              <a:buNone/>
+            </a:pPr>
+            <a:r>
+              <a:rPr lang="en-IN" sz="1600" dirty="0">
+                <a:latin typeface="Open Sans" panose="020B0606030504020204" pitchFamily="34" charset="0"/>
+                <a:ea typeface="Open Sans" panose="020B0606030504020204" pitchFamily="34" charset="0"/>
+                <a:cs typeface="Open Sans" panose="020B0606030504020204" pitchFamily="34" charset="0"/>
+              </a:rPr>
+              <a:t>elif answer == 2:</a:t>
+            </a:r>
+          </a:p>
+          <a:p>
+            <a:pPr marL="0" indent="0" defTabSz="363538">
+              <a:lnSpc>
+                <a:spcPct val="120000"/>
+              </a:lnSpc>
+              <a:spcBef>
+                <a:spcPts val="0"/>
+              </a:spcBef>
+              <a:buNone/>
+            </a:pPr>
+            <a:r>
+              <a:rPr lang="en-IN" sz="1600" dirty="0">
+                <a:latin typeface="Open Sans" panose="020B0606030504020204" pitchFamily="34" charset="0"/>
+                <a:ea typeface="Open Sans" panose="020B0606030504020204" pitchFamily="34" charset="0"/>
+                <a:cs typeface="Open Sans" panose="020B0606030504020204" pitchFamily="34" charset="0"/>
+              </a:rPr>
+              <a:t> 	print("Outlook good")</a:t>
+            </a:r>
+          </a:p>
+          <a:p>
+            <a:pPr marL="0" indent="0">
+              <a:lnSpc>
+                <a:spcPct val="120000"/>
+              </a:lnSpc>
+              <a:spcBef>
+                <a:spcPts val="0"/>
+              </a:spcBef>
+              <a:buNone/>
+            </a:pPr>
+            <a:r>
+              <a:rPr lang="en-IN" sz="1600" dirty="0">
+                <a:latin typeface="Open Sans" panose="020B0606030504020204" pitchFamily="34" charset="0"/>
+                <a:ea typeface="Open Sans" panose="020B0606030504020204" pitchFamily="34" charset="0"/>
+                <a:cs typeface="Open Sans" panose="020B0606030504020204" pitchFamily="34" charset="0"/>
+              </a:rPr>
+              <a:t>elif answer == 3:</a:t>
+            </a:r>
+          </a:p>
+          <a:p>
+            <a:pPr marL="0" indent="0" defTabSz="363538">
+              <a:lnSpc>
+                <a:spcPct val="120000"/>
+              </a:lnSpc>
+              <a:spcBef>
+                <a:spcPts val="0"/>
+              </a:spcBef>
+              <a:buNone/>
+            </a:pPr>
+            <a:r>
+              <a:rPr lang="en-IN" sz="1600" dirty="0">
+                <a:latin typeface="Open Sans" panose="020B0606030504020204" pitchFamily="34" charset="0"/>
+                <a:ea typeface="Open Sans" panose="020B0606030504020204" pitchFamily="34" charset="0"/>
+                <a:cs typeface="Open Sans" panose="020B0606030504020204" pitchFamily="34" charset="0"/>
+              </a:rPr>
+              <a:t> 	print("You may rely on it")</a:t>
+            </a:r>
+          </a:p>
+          <a:p>
+            <a:pPr marL="0" indent="0">
+              <a:lnSpc>
+                <a:spcPct val="120000"/>
+              </a:lnSpc>
+              <a:spcBef>
+                <a:spcPts val="0"/>
+              </a:spcBef>
+              <a:buNone/>
+            </a:pPr>
+            <a:r>
+              <a:rPr lang="en-IN" sz="1600" dirty="0">
+                <a:latin typeface="Open Sans" panose="020B0606030504020204" pitchFamily="34" charset="0"/>
+                <a:ea typeface="Open Sans" panose="020B0606030504020204" pitchFamily="34" charset="0"/>
+                <a:cs typeface="Open Sans" panose="020B0606030504020204" pitchFamily="34" charset="0"/>
+              </a:rPr>
+              <a:t>elif answer == 4:</a:t>
+            </a:r>
+          </a:p>
+          <a:p>
+            <a:pPr marL="0" indent="0" defTabSz="363538">
+              <a:lnSpc>
+                <a:spcPct val="120000"/>
+              </a:lnSpc>
+              <a:spcBef>
+                <a:spcPts val="0"/>
+              </a:spcBef>
+              <a:buNone/>
+            </a:pPr>
+            <a:r>
+              <a:rPr lang="en-IN" sz="1600" dirty="0">
+                <a:latin typeface="Open Sans" panose="020B0606030504020204" pitchFamily="34" charset="0"/>
+                <a:ea typeface="Open Sans" panose="020B0606030504020204" pitchFamily="34" charset="0"/>
+                <a:cs typeface="Open Sans" panose="020B0606030504020204" pitchFamily="34" charset="0"/>
+              </a:rPr>
+              <a:t> 	print("Ask again later")</a:t>
+            </a:r>
+          </a:p>
+          <a:p>
+            <a:pPr marL="0" indent="0">
+              <a:lnSpc>
+                <a:spcPct val="120000"/>
+              </a:lnSpc>
+              <a:spcBef>
+                <a:spcPts val="0"/>
+              </a:spcBef>
+              <a:buNone/>
+            </a:pPr>
+            <a:r>
+              <a:rPr lang="en-IN" sz="1600" dirty="0">
+                <a:latin typeface="Open Sans" panose="020B0606030504020204" pitchFamily="34" charset="0"/>
+                <a:ea typeface="Open Sans" panose="020B0606030504020204" pitchFamily="34" charset="0"/>
+                <a:cs typeface="Open Sans" panose="020B0606030504020204" pitchFamily="34" charset="0"/>
+              </a:rPr>
+              <a:t>elif answer == 5:</a:t>
+            </a:r>
+          </a:p>
+          <a:p>
+            <a:pPr marL="0" indent="0" defTabSz="363538">
+              <a:lnSpc>
+                <a:spcPct val="120000"/>
+              </a:lnSpc>
+              <a:spcBef>
+                <a:spcPts val="0"/>
+              </a:spcBef>
+              <a:buNone/>
+            </a:pPr>
+            <a:r>
+              <a:rPr lang="en-IN" sz="1600" dirty="0">
+                <a:latin typeface="Open Sans" panose="020B0606030504020204" pitchFamily="34" charset="0"/>
+                <a:ea typeface="Open Sans" panose="020B0606030504020204" pitchFamily="34" charset="0"/>
+                <a:cs typeface="Open Sans" panose="020B0606030504020204" pitchFamily="34" charset="0"/>
+              </a:rPr>
+              <a:t> 	print("Concentrate and ask again")</a:t>
+            </a:r>
+          </a:p>
+          <a:p>
+            <a:pPr marL="0" indent="0">
+              <a:lnSpc>
+                <a:spcPct val="120000"/>
+              </a:lnSpc>
+              <a:spcBef>
+                <a:spcPts val="0"/>
+              </a:spcBef>
+              <a:buNone/>
+            </a:pPr>
+            <a:r>
+              <a:rPr lang="en-IN" sz="1600" dirty="0">
+                <a:latin typeface="Open Sans" panose="020B0606030504020204" pitchFamily="34" charset="0"/>
+                <a:ea typeface="Open Sans" panose="020B0606030504020204" pitchFamily="34" charset="0"/>
+                <a:cs typeface="Open Sans" panose="020B0606030504020204" pitchFamily="34" charset="0"/>
+              </a:rPr>
+              <a:t>elif answer == 6:</a:t>
+            </a:r>
+          </a:p>
+          <a:p>
+            <a:pPr marL="0" indent="0" defTabSz="363538">
+              <a:lnSpc>
+                <a:spcPct val="120000"/>
+              </a:lnSpc>
+              <a:spcBef>
+                <a:spcPts val="0"/>
+              </a:spcBef>
+              <a:buNone/>
+            </a:pPr>
+            <a:r>
+              <a:rPr lang="en-IN" sz="1600" dirty="0">
+                <a:latin typeface="Open Sans" panose="020B0606030504020204" pitchFamily="34" charset="0"/>
+                <a:ea typeface="Open Sans" panose="020B0606030504020204" pitchFamily="34" charset="0"/>
+                <a:cs typeface="Open Sans" panose="020B0606030504020204" pitchFamily="34" charset="0"/>
+              </a:rPr>
+              <a:t> 	print("Reply hazy, try again")</a:t>
+            </a:r>
+          </a:p>
+          <a:p>
+            <a:pPr marL="0" indent="0">
+              <a:lnSpc>
+                <a:spcPct val="120000"/>
+              </a:lnSpc>
+              <a:spcBef>
+                <a:spcPts val="0"/>
+              </a:spcBef>
+              <a:buNone/>
+            </a:pPr>
+            <a:r>
+              <a:rPr lang="en-IN" sz="1600" dirty="0">
+                <a:latin typeface="Open Sans" panose="020B0606030504020204" pitchFamily="34" charset="0"/>
+                <a:ea typeface="Open Sans" panose="020B0606030504020204" pitchFamily="34" charset="0"/>
+                <a:cs typeface="Open Sans" panose="020B0606030504020204" pitchFamily="34" charset="0"/>
+              </a:rPr>
+              <a:t>elif answer == 7:</a:t>
+            </a:r>
+          </a:p>
+          <a:p>
+            <a:pPr marL="0" indent="0" defTabSz="363538">
+              <a:lnSpc>
+                <a:spcPct val="120000"/>
+              </a:lnSpc>
+              <a:spcBef>
+                <a:spcPts val="0"/>
+              </a:spcBef>
+              <a:buNone/>
+            </a:pPr>
+            <a:r>
+              <a:rPr lang="en-IN" sz="1600" dirty="0">
+                <a:latin typeface="Open Sans" panose="020B0606030504020204" pitchFamily="34" charset="0"/>
+                <a:ea typeface="Open Sans" panose="020B0606030504020204" pitchFamily="34" charset="0"/>
+                <a:cs typeface="Open Sans" panose="020B0606030504020204" pitchFamily="34" charset="0"/>
+              </a:rPr>
+              <a:t>	 print ("My reply is no")</a:t>
+            </a:r>
+          </a:p>
+          <a:p>
+            <a:pPr marL="0" indent="0">
+              <a:lnSpc>
+                <a:spcPct val="120000"/>
+              </a:lnSpc>
+              <a:spcBef>
+                <a:spcPts val="0"/>
+              </a:spcBef>
+              <a:buNone/>
+            </a:pPr>
+            <a:r>
+              <a:rPr lang="en-IN" sz="1600" dirty="0">
+                <a:latin typeface="Open Sans" panose="020B0606030504020204" pitchFamily="34" charset="0"/>
+                <a:ea typeface="Open Sans" panose="020B0606030504020204" pitchFamily="34" charset="0"/>
+                <a:cs typeface="Open Sans" panose="020B0606030504020204" pitchFamily="34" charset="0"/>
+              </a:rPr>
+              <a:t>elif answer == 8:</a:t>
+            </a:r>
+          </a:p>
+          <a:p>
+            <a:pPr marL="0" indent="0" defTabSz="363538">
+              <a:lnSpc>
+                <a:spcPct val="120000"/>
+              </a:lnSpc>
+              <a:spcBef>
+                <a:spcPts val="0"/>
+              </a:spcBef>
+              <a:buNone/>
+            </a:pPr>
+            <a:r>
+              <a:rPr lang="en-IN" sz="1600" dirty="0">
+                <a:latin typeface="Open Sans" panose="020B0606030504020204" pitchFamily="34" charset="0"/>
+                <a:ea typeface="Open Sans" panose="020B0606030504020204" pitchFamily="34" charset="0"/>
+                <a:cs typeface="Open Sans" panose="020B0606030504020204" pitchFamily="34" charset="0"/>
+              </a:rPr>
+              <a:t>	 print ("My sources say no")</a:t>
+            </a:r>
+          </a:p>
+          <a:p>
+            <a:pPr marL="0" indent="0">
+              <a:lnSpc>
+                <a:spcPct val="120000"/>
+              </a:lnSpc>
+              <a:spcBef>
+                <a:spcPts val="0"/>
+              </a:spcBef>
+              <a:buNone/>
+            </a:pPr>
+            <a:r>
+              <a:rPr lang="en-IN" sz="1600" dirty="0">
+                <a:latin typeface="Open Sans" panose="020B0606030504020204" pitchFamily="34" charset="0"/>
+                <a:ea typeface="Open Sans" panose="020B0606030504020204" pitchFamily="34" charset="0"/>
+                <a:cs typeface="Open Sans" panose="020B0606030504020204" pitchFamily="34" charset="0"/>
+              </a:rPr>
+              <a:t>else:</a:t>
+            </a:r>
+          </a:p>
+          <a:p>
+            <a:pPr marL="0" indent="0" defTabSz="363538">
+              <a:lnSpc>
+                <a:spcPct val="120000"/>
+              </a:lnSpc>
+              <a:spcBef>
+                <a:spcPts val="0"/>
+              </a:spcBef>
+              <a:buNone/>
+            </a:pPr>
+            <a:r>
+              <a:rPr lang="en-IN" sz="1600" dirty="0">
+                <a:latin typeface="Open Sans" panose="020B0606030504020204" pitchFamily="34" charset="0"/>
+                <a:ea typeface="Open Sans" panose="020B0606030504020204" pitchFamily="34" charset="0"/>
+                <a:cs typeface="Open Sans" panose="020B0606030504020204" pitchFamily="34" charset="0"/>
+              </a:rPr>
+              <a:t> 	print("That's not a question")</a:t>
+            </a:r>
+          </a:p>
+          <a:p>
+            <a:pPr marL="0" indent="0">
+              <a:lnSpc>
+                <a:spcPct val="120000"/>
+              </a:lnSpc>
+              <a:spcBef>
+                <a:spcPts val="0"/>
+              </a:spcBef>
+              <a:buNone/>
+            </a:pPr>
+            <a:r>
+              <a:rPr lang="en-IN" sz="1600" dirty="0">
+                <a:latin typeface="Open Sans" panose="020B0606030504020204" pitchFamily="34" charset="0"/>
+                <a:ea typeface="Open Sans" panose="020B0606030504020204" pitchFamily="34" charset="0"/>
+                <a:cs typeface="Open Sans" panose="020B0606030504020204" pitchFamily="34" charset="0"/>
+              </a:rPr>
+              <a:t>print ("The end")</a:t>
+            </a:r>
+            <a:endParaRPr lang="en-IN" sz="2400" dirty="0">
+              <a:latin typeface="Open Sans" panose="020B0606030504020204" pitchFamily="34" charset="0"/>
+              <a:ea typeface="Open Sans" panose="020B0606030504020204" pitchFamily="34" charset="0"/>
+              <a:cs typeface="Open Sans" panose="020B0606030504020204" pitchFamily="34" charset="0"/>
+            </a:endParaRPr>
+          </a:p>
+        </p:txBody>
+      </p:sp>
+      <p:sp>
+        <p:nvSpPr>
+          <p:cNvPr id="4" name="Rectangle 3">
+            <a:extLst>
+              <a:ext uri="{FF2B5EF4-FFF2-40B4-BE49-F238E27FC236}">
+                <a16:creationId xmlns:a16="http://schemas.microsoft.com/office/drawing/2014/main" id="{D6F07D6B-6A2C-4CEA-AB9C-EEAD407BCF90}"/>
+              </a:ext>
+            </a:extLst>
+          </p:cNvPr>
+          <p:cNvSpPr/>
+          <p:nvPr/>
+        </p:nvSpPr>
+        <p:spPr>
+          <a:xfrm>
+            <a:off x="286603" y="1103086"/>
+            <a:ext cx="3295121" cy="580571"/>
+          </a:xfrm>
+          <a:prstGeom prst="rect">
+            <a:avLst/>
+          </a:prstGeom>
+        </p:spPr>
+        <p:style>
+          <a:lnRef idx="2">
+            <a:schemeClr val="accent1">
+              <a:shade val="50000"/>
+            </a:schemeClr>
+          </a:lnRef>
+          <a:fillRef idx="1">
+            <a:schemeClr val="accent1"/>
+          </a:fillRef>
+          <a:effectRef idx="0">
+            <a:schemeClr val="accent1"/>
+          </a:effectRef>
+          <a:fontRef idx="minor">
+            <a:schemeClr val="lt1"/>
+          </a:fontRef>
+        </p:style>
+        <p:txBody>
+          <a:bodyPr rtlCol="0" anchor="ctr"/>
+          <a:lstStyle/>
+          <a:p>
+            <a:pPr algn="ctr"/>
+            <a:r>
+              <a:rPr lang="en-IN" dirty="0"/>
+              <a:t>Java Script</a:t>
+            </a:r>
+          </a:p>
+        </p:txBody>
+      </p:sp>
+      <p:sp>
+        <p:nvSpPr>
+          <p:cNvPr id="17" name="Rectangle 16">
+            <a:extLst>
+              <a:ext uri="{FF2B5EF4-FFF2-40B4-BE49-F238E27FC236}">
+                <a16:creationId xmlns:a16="http://schemas.microsoft.com/office/drawing/2014/main" id="{A0BF9BF8-200E-4648-AF53-9DE14D0E4432}"/>
+              </a:ext>
+            </a:extLst>
+          </p:cNvPr>
+          <p:cNvSpPr/>
+          <p:nvPr/>
+        </p:nvSpPr>
+        <p:spPr>
+          <a:xfrm>
+            <a:off x="4373086" y="1080727"/>
+            <a:ext cx="3295121" cy="580571"/>
+          </a:xfrm>
+          <a:prstGeom prst="rect">
+            <a:avLst/>
+          </a:prstGeom>
+        </p:spPr>
+        <p:style>
+          <a:lnRef idx="2">
+            <a:schemeClr val="accent1">
+              <a:shade val="50000"/>
+            </a:schemeClr>
+          </a:lnRef>
+          <a:fillRef idx="1">
+            <a:schemeClr val="accent1"/>
+          </a:fillRef>
+          <a:effectRef idx="0">
+            <a:schemeClr val="accent1"/>
+          </a:effectRef>
+          <a:fontRef idx="minor">
+            <a:schemeClr val="lt1"/>
+          </a:fontRef>
+        </p:style>
+        <p:txBody>
+          <a:bodyPr rtlCol="0" anchor="ctr"/>
+          <a:lstStyle/>
+          <a:p>
+            <a:pPr algn="ctr"/>
+            <a:r>
+              <a:rPr lang="en-IN" dirty="0"/>
+              <a:t>Java Script</a:t>
+            </a:r>
+          </a:p>
+        </p:txBody>
+      </p:sp>
+      <p:sp>
+        <p:nvSpPr>
+          <p:cNvPr id="18" name="Rectangle 17">
+            <a:extLst>
+              <a:ext uri="{FF2B5EF4-FFF2-40B4-BE49-F238E27FC236}">
+                <a16:creationId xmlns:a16="http://schemas.microsoft.com/office/drawing/2014/main" id="{9659588A-0FEB-40E2-9D89-5C1D138EAABF}"/>
+              </a:ext>
+            </a:extLst>
+          </p:cNvPr>
+          <p:cNvSpPr/>
+          <p:nvPr/>
+        </p:nvSpPr>
+        <p:spPr>
+          <a:xfrm>
+            <a:off x="8459569" y="1080726"/>
+            <a:ext cx="3295121" cy="580571"/>
+          </a:xfrm>
+          <a:prstGeom prst="rect">
+            <a:avLst/>
+          </a:prstGeom>
+        </p:spPr>
+        <p:style>
+          <a:lnRef idx="2">
+            <a:schemeClr val="accent1">
+              <a:shade val="50000"/>
+            </a:schemeClr>
+          </a:lnRef>
+          <a:fillRef idx="1">
+            <a:schemeClr val="accent1"/>
+          </a:fillRef>
+          <a:effectRef idx="0">
+            <a:schemeClr val="accent1"/>
+          </a:effectRef>
+          <a:fontRef idx="minor">
+            <a:schemeClr val="lt1"/>
+          </a:fontRef>
+        </p:style>
+        <p:txBody>
+          <a:bodyPr rtlCol="0" anchor="ctr"/>
+          <a:lstStyle/>
+          <a:p>
+            <a:pPr algn="ctr"/>
+            <a:r>
+              <a:rPr lang="en-IN" dirty="0"/>
+              <a:t>Python</a:t>
+            </a:r>
+          </a:p>
+        </p:txBody>
+      </p:sp>
+    </p:spTree>
+    <p:extLst>
+      <p:ext uri="{BB962C8B-B14F-4D97-AF65-F5344CB8AC3E}">
+        <p14:creationId xmlns:p14="http://schemas.microsoft.com/office/powerpoint/2010/main" val="3371386847"/>
+      </p:ext>
+    </p:extLst>
+  </p:cSld>
+  <p:clrMapOvr>
+    <a:masterClrMapping/>
+  </p:clrMapOvr>
+</p:sld>
+</file>
+
+<file path=ppt/slides/slide6.xml><?xml version="1.0" encoding="utf-8"?>
+<p:sld xmlns:a="http://schemas.openxmlformats.org/drawingml/2006/main" xmlns:r="http://schemas.openxmlformats.org/officeDocument/2006/relationships" xmlns:p="http://schemas.openxmlformats.org/presentationml/2006/main">
+  <p:cSld>
+    <p:bg>
+      <p:bgPr>
+        <a:solidFill>
+          <a:schemeClr val="bg1"/>
+        </a:solidFill>
+        <a:effectLst/>
+      </p:bgPr>
+    </p:bg>
+    <p:spTree>
+      <p:nvGrpSpPr>
+        <p:cNvPr id="1" name=""/>
+        <p:cNvGrpSpPr/>
+        <p:nvPr/>
+      </p:nvGrpSpPr>
+      <p:grpSpPr>
+        <a:xfrm>
+          <a:off x="0" y="0"/>
+          <a:ext cx="0" cy="0"/>
+          <a:chOff x="0" y="0"/>
+          <a:chExt cx="0" cy="0"/>
+        </a:xfrm>
+      </p:grpSpPr>
+      <p:sp>
+        <p:nvSpPr>
+          <p:cNvPr id="2" name="Title 1">
+            <a:extLst>
+              <a:ext uri="{FF2B5EF4-FFF2-40B4-BE49-F238E27FC236}">
+                <a16:creationId xmlns:a16="http://schemas.microsoft.com/office/drawing/2014/main" id="{24C265DF-4994-4F5D-AE41-747A19798DF8}"/>
+              </a:ext>
+            </a:extLst>
+          </p:cNvPr>
+          <p:cNvSpPr>
+            <a:spLocks noGrp="1"/>
+          </p:cNvSpPr>
+          <p:nvPr>
+            <p:ph type="title"/>
+          </p:nvPr>
+        </p:nvSpPr>
+        <p:spPr>
+          <a:xfrm>
+            <a:off x="1136428" y="627564"/>
+            <a:ext cx="7474172" cy="1325563"/>
+          </a:xfrm>
+        </p:spPr>
+        <p:txBody>
+          <a:bodyPr>
+            <a:normAutofit/>
+          </a:bodyPr>
+          <a:lstStyle/>
+          <a:p>
+            <a:r>
+              <a:rPr lang="en-IN" b="1" dirty="0">
+                <a:latin typeface="Open Sans" panose="020B0606030504020204" pitchFamily="34" charset="0"/>
+                <a:ea typeface="Open Sans" panose="020B0606030504020204" pitchFamily="34" charset="0"/>
+                <a:cs typeface="Open Sans" panose="020B0606030504020204" pitchFamily="34" charset="0"/>
+              </a:rPr>
+              <a:t>Dynamically typed language</a:t>
+            </a:r>
+          </a:p>
+        </p:txBody>
+      </p:sp>
+      <p:sp>
+        <p:nvSpPr>
+          <p:cNvPr id="3" name="Content Placeholder 2">
+            <a:extLst>
+              <a:ext uri="{FF2B5EF4-FFF2-40B4-BE49-F238E27FC236}">
+                <a16:creationId xmlns:a16="http://schemas.microsoft.com/office/drawing/2014/main" id="{763D88F7-014E-43B6-A3A8-5EDD0F989D06}"/>
+              </a:ext>
+            </a:extLst>
+          </p:cNvPr>
+          <p:cNvSpPr>
+            <a:spLocks noGrp="1"/>
+          </p:cNvSpPr>
+          <p:nvPr>
+            <p:ph idx="1"/>
+          </p:nvPr>
+        </p:nvSpPr>
+        <p:spPr>
+          <a:xfrm>
+            <a:off x="1136429" y="2278173"/>
+            <a:ext cx="6467867" cy="3450613"/>
+          </a:xfrm>
+        </p:spPr>
+        <p:txBody>
+          <a:bodyPr anchor="ctr">
+            <a:normAutofit/>
+          </a:bodyPr>
+          <a:lstStyle/>
+          <a:p>
+            <a:pPr marL="0" indent="0">
+              <a:buNone/>
+            </a:pPr>
+            <a:r>
+              <a:rPr lang="en-IN" sz="1300" i="0" dirty="0">
+                <a:effectLst/>
+                <a:latin typeface="Open Sans" panose="020B0606030504020204" pitchFamily="34" charset="0"/>
+              </a:rPr>
+              <a:t>Typing refers to type-checking in programming languages. In a strongly-typed language, such as Python, "1" + 2 will result in a type error since these languages don't allow for "type-coercion" (implicit conversion of data types). On the other hand, a weakly-typed language, such as JavaScript, will simply output "12" as result.</a:t>
+            </a:r>
+          </a:p>
+          <a:p>
+            <a:endParaRPr lang="en-IN" sz="1300" i="0" dirty="0">
+              <a:effectLst/>
+              <a:latin typeface="Open Sans" panose="020B0606030504020204" pitchFamily="34" charset="0"/>
+            </a:endParaRPr>
+          </a:p>
+          <a:p>
+            <a:pPr marL="0" indent="0">
+              <a:buNone/>
+            </a:pPr>
+            <a:r>
+              <a:rPr lang="en-IN" sz="1300" i="0" dirty="0">
+                <a:effectLst/>
+                <a:latin typeface="Open Sans" panose="020B0606030504020204" pitchFamily="34" charset="0"/>
+              </a:rPr>
+              <a:t>Type-checking can be done at two stages –</a:t>
+            </a:r>
+          </a:p>
+          <a:p>
+            <a:r>
+              <a:rPr lang="en-IN" sz="1300" i="0" dirty="0">
+                <a:effectLst/>
+                <a:latin typeface="Open Sans" panose="020B0606030504020204" pitchFamily="34" charset="0"/>
+              </a:rPr>
+              <a:t>Static - Data Types are checked before execution.</a:t>
+            </a:r>
+          </a:p>
+          <a:p>
+            <a:r>
+              <a:rPr lang="en-IN" sz="1300" i="0" dirty="0">
+                <a:effectLst/>
+                <a:latin typeface="Open Sans" panose="020B0606030504020204" pitchFamily="34" charset="0"/>
+              </a:rPr>
+              <a:t>Dynamic - Data Types are checked during execution.</a:t>
+            </a:r>
+          </a:p>
+          <a:p>
+            <a:pPr marL="0" indent="0">
+              <a:buNone/>
+            </a:pPr>
+            <a:endParaRPr lang="en-IN" sz="1300" i="0" dirty="0">
+              <a:effectLst/>
+              <a:latin typeface="Open Sans" panose="020B0606030504020204" pitchFamily="34" charset="0"/>
+            </a:endParaRPr>
+          </a:p>
+          <a:p>
+            <a:pPr marL="0" indent="0">
+              <a:buNone/>
+            </a:pPr>
+            <a:r>
+              <a:rPr lang="en-IN" sz="1300" i="0" dirty="0">
+                <a:effectLst/>
+                <a:latin typeface="Open Sans" panose="020B0606030504020204" pitchFamily="34" charset="0"/>
+              </a:rPr>
+              <a:t>Python is an interpreted language, executes each statement line by line and thus type-checking is done on the fly, during execution. Hence, Python is a Dynamically Typed Language.</a:t>
+            </a:r>
+            <a:endParaRPr lang="en-IN" sz="1300" dirty="0"/>
+          </a:p>
+        </p:txBody>
+      </p:sp>
+      <p:sp>
+        <p:nvSpPr>
+          <p:cNvPr id="12" name="Rectangle 11">
+            <a:extLst>
+              <a:ext uri="{FF2B5EF4-FFF2-40B4-BE49-F238E27FC236}">
+                <a16:creationId xmlns:a16="http://schemas.microsoft.com/office/drawing/2014/main" id="{59A309A7-1751-4ABE-A3C1-EEC40366AD89}"/>
+              </a:ext>
+              <a:ext uri="{C183D7F6-B498-43B3-948B-1728B52AA6E4}">
+                <adec:decorative xmlns:adec="http://schemas.microsoft.com/office/drawing/2017/decorative" val="1"/>
+              </a:ext>
+            </a:extLst>
+          </p:cNvPr>
+          <p:cNvSpPr>
+            <a:spLocks noGrp="1" noRot="1" noChangeAspect="1" noMove="1" noResize="1" noEditPoints="1" noAdjustHandles="1" noChangeArrowheads="1" noChangeShapeType="1" noTextEdit="1"/>
+          </p:cNvSpPr>
+          <p:nvPr>
+            <p:extLst>
+              <p:ext uri="{386F3935-93C4-4BCD-93E2-E3B085C9AB24}">
+                <p16:designElem xmlns:p16="http://schemas.microsoft.com/office/powerpoint/2015/main" val="1"/>
+              </p:ext>
+            </p:extLst>
+          </p:nvPr>
+        </p:nvSpPr>
+        <p:spPr>
+          <a:xfrm>
+            <a:off x="10088880" y="0"/>
+            <a:ext cx="2103120" cy="6858000"/>
+          </a:xfrm>
+          <a:prstGeom prst="rect">
+            <a:avLst/>
+          </a:prstGeom>
+          <a:solidFill>
+            <a:schemeClr val="accent1"/>
+          </a:solidFill>
+          <a:ln>
+            <a:noFill/>
+          </a:ln>
+        </p:spPr>
+        <p:style>
+          <a:lnRef idx="2">
+            <a:schemeClr val="accent1">
+              <a:shade val="50000"/>
+            </a:schemeClr>
+          </a:lnRef>
+          <a:fillRef idx="1">
+            <a:schemeClr val="accent1"/>
+          </a:fillRef>
+          <a:effectRef idx="0">
+            <a:schemeClr val="accent1"/>
+          </a:effectRef>
+          <a:fontRef idx="minor">
+            <a:schemeClr val="lt1"/>
+          </a:fontRef>
+        </p:style>
+        <p:txBody>
+          <a:bodyPr rtlCol="0" anchor="ctr"/>
+          <a:lstStyle/>
+          <a:p>
+            <a:pPr algn="ctr"/>
+            <a:endParaRPr lang="en-US"/>
+          </a:p>
+        </p:txBody>
+      </p:sp>
+      <p:sp>
+        <p:nvSpPr>
+          <p:cNvPr id="14" name="Oval 13">
+            <a:extLst>
+              <a:ext uri="{FF2B5EF4-FFF2-40B4-BE49-F238E27FC236}">
+                <a16:creationId xmlns:a16="http://schemas.microsoft.com/office/drawing/2014/main" id="{967D8EB6-EAE1-4F9C-B398-83321E287204}"/>
+              </a:ext>
+              <a:ext uri="{C183D7F6-B498-43B3-948B-1728B52AA6E4}">
+                <adec:decorative xmlns:adec="http://schemas.microsoft.com/office/drawing/2017/decorative" val="1"/>
+              </a:ext>
+            </a:extLst>
+          </p:cNvPr>
+          <p:cNvSpPr>
+            <a:spLocks noGrp="1" noRot="1" noChangeAspect="1" noMove="1" noResize="1" noEditPoints="1" noAdjustHandles="1" noChangeArrowheads="1" noChangeShapeType="1" noTextEdit="1"/>
+          </p:cNvSpPr>
+          <p:nvPr>
+            <p:extLst>
+              <p:ext uri="{386F3935-93C4-4BCD-93E2-E3B085C9AB24}">
+                <p16:designElem xmlns:p16="http://schemas.microsoft.com/office/powerpoint/2015/main" val="1"/>
+              </p:ext>
+            </p:extLst>
+          </p:nvPr>
+        </p:nvSpPr>
+        <p:spPr>
+          <a:xfrm>
+            <a:off x="8915400" y="2358913"/>
+            <a:ext cx="2140172" cy="2140172"/>
+          </a:xfrm>
+          <a:prstGeom prst="ellipse">
+            <a:avLst/>
+          </a:prstGeom>
+          <a:solidFill>
+            <a:srgbClr val="FFFFFF"/>
+          </a:solidFill>
+          <a:ln w="22225">
+            <a:solidFill>
+              <a:schemeClr val="accent1"/>
+            </a:solidFill>
+          </a:ln>
+        </p:spPr>
+        <p:style>
+          <a:lnRef idx="2">
+            <a:schemeClr val="accent1">
+              <a:shade val="50000"/>
+            </a:schemeClr>
+          </a:lnRef>
+          <a:fillRef idx="1">
+            <a:schemeClr val="accent1"/>
+          </a:fillRef>
+          <a:effectRef idx="0">
+            <a:schemeClr val="accent1"/>
+          </a:effectRef>
+          <a:fontRef idx="minor">
+            <a:schemeClr val="lt1"/>
+          </a:fontRef>
+        </p:style>
+        <p:txBody>
+          <a:bodyPr rtlCol="0" anchor="ctr"/>
+          <a:lstStyle/>
+          <a:p>
+            <a:pPr algn="ctr"/>
+            <a:endParaRPr lang="en-US"/>
+          </a:p>
+        </p:txBody>
+      </p:sp>
+      <p:pic>
+        <p:nvPicPr>
+          <p:cNvPr id="7" name="Graphic 6" descr="Programmer">
+            <a:extLst>
+              <a:ext uri="{FF2B5EF4-FFF2-40B4-BE49-F238E27FC236}">
+                <a16:creationId xmlns:a16="http://schemas.microsoft.com/office/drawing/2014/main" id="{8D428013-FD3E-4A85-9466-27B23FA8DE54}"/>
+              </a:ext>
+            </a:extLst>
+          </p:cNvPr>
+          <p:cNvPicPr>
+            <a:picLocks noChangeAspect="1"/>
+          </p:cNvPicPr>
+          <p:nvPr/>
+        </p:nvPicPr>
+        <p:blipFill>
+          <a:blip r:embed="rId2">
+            <a:extLst>
+              <a:ext uri="{28A0092B-C50C-407E-A947-70E740481C1C}">
+                <a14:useLocalDpi xmlns:a14="http://schemas.microsoft.com/office/drawing/2010/main" val="0"/>
+              </a:ext>
+              <a:ext uri="{96DAC541-7B7A-43D3-8B79-37D633B846F1}">
+                <asvg:svgBlip xmlns:asvg="http://schemas.microsoft.com/office/drawing/2016/SVG/main" r:embed="rId3"/>
+              </a:ext>
+            </a:extLst>
+          </a:blip>
+          <a:stretch>
+            <a:fillRect/>
+          </a:stretch>
+        </p:blipFill>
+        <p:spPr>
+          <a:xfrm>
+            <a:off x="9413987" y="2857501"/>
+            <a:ext cx="1142998" cy="1142998"/>
+          </a:xfrm>
+          <a:prstGeom prst="rect">
+            <a:avLst/>
+          </a:prstGeom>
+        </p:spPr>
+      </p:pic>
+    </p:spTree>
+    <p:extLst>
+      <p:ext uri="{BB962C8B-B14F-4D97-AF65-F5344CB8AC3E}">
+        <p14:creationId xmlns:p14="http://schemas.microsoft.com/office/powerpoint/2010/main" val="3694733523"/>
+      </p:ext>
+    </p:extLst>
+  </p:cSld>
+  <p:clrMapOvr>
+    <a:masterClrMapping/>
+  </p:clrMapOvr>
+</p:sld>
+</file>
+
+<file path=ppt/slides/slide7.xml><?xml version="1.0" encoding="utf-8"?>
+<p:sld xmlns:a="http://schemas.openxmlformats.org/drawingml/2006/main" xmlns:r="http://schemas.openxmlformats.org/officeDocument/2006/relationships" xmlns:p="http://schemas.openxmlformats.org/presentationml/2006/main">
+  <p:cSld>
+    <p:bg>
+      <p:bgPr>
+        <a:solidFill>
+          <a:schemeClr val="bg1"/>
+        </a:solidFill>
+        <a:effectLst/>
+      </p:bgPr>
+    </p:bg>
+    <p:spTree>
+      <p:nvGrpSpPr>
+        <p:cNvPr id="1" name=""/>
+        <p:cNvGrpSpPr/>
+        <p:nvPr/>
+      </p:nvGrpSpPr>
+      <p:grpSpPr>
+        <a:xfrm>
+          <a:off x="0" y="0"/>
+          <a:ext cx="0" cy="0"/>
+          <a:chOff x="0" y="0"/>
+          <a:chExt cx="0" cy="0"/>
+        </a:xfrm>
+      </p:grpSpPr>
+      <p:sp>
+        <p:nvSpPr>
+          <p:cNvPr id="2" name="Title 1">
+            <a:extLst>
+              <a:ext uri="{FF2B5EF4-FFF2-40B4-BE49-F238E27FC236}">
+                <a16:creationId xmlns:a16="http://schemas.microsoft.com/office/drawing/2014/main" id="{24C265DF-4994-4F5D-AE41-747A19798DF8}"/>
+              </a:ext>
+            </a:extLst>
+          </p:cNvPr>
+          <p:cNvSpPr>
+            <a:spLocks noGrp="1"/>
+          </p:cNvSpPr>
+          <p:nvPr>
+            <p:ph type="title"/>
+          </p:nvPr>
+        </p:nvSpPr>
+        <p:spPr>
+          <a:xfrm>
+            <a:off x="1136428" y="627564"/>
+            <a:ext cx="7474172" cy="1325563"/>
+          </a:xfrm>
+        </p:spPr>
+        <p:txBody>
+          <a:bodyPr>
+            <a:normAutofit/>
+          </a:bodyPr>
+          <a:lstStyle/>
+          <a:p>
+            <a:r>
+              <a:rPr lang="en-IN" b="1" dirty="0">
+                <a:latin typeface="Open Sans" panose="020B0606030504020204" pitchFamily="34" charset="0"/>
+                <a:ea typeface="Open Sans" panose="020B0606030504020204" pitchFamily="34" charset="0"/>
+                <a:cs typeface="Open Sans" panose="020B0606030504020204" pitchFamily="34" charset="0"/>
+              </a:rPr>
+              <a:t>Computer</a:t>
+            </a:r>
+          </a:p>
+        </p:txBody>
+      </p:sp>
+      <p:sp>
+        <p:nvSpPr>
+          <p:cNvPr id="3" name="Content Placeholder 2">
+            <a:extLst>
+              <a:ext uri="{FF2B5EF4-FFF2-40B4-BE49-F238E27FC236}">
+                <a16:creationId xmlns:a16="http://schemas.microsoft.com/office/drawing/2014/main" id="{763D88F7-014E-43B6-A3A8-5EDD0F989D06}"/>
+              </a:ext>
+            </a:extLst>
+          </p:cNvPr>
+          <p:cNvSpPr>
+            <a:spLocks noGrp="1"/>
+          </p:cNvSpPr>
+          <p:nvPr>
+            <p:ph idx="1"/>
+          </p:nvPr>
+        </p:nvSpPr>
+        <p:spPr>
+          <a:xfrm>
+            <a:off x="1136429" y="2278173"/>
+            <a:ext cx="6467867" cy="3450613"/>
+          </a:xfrm>
+        </p:spPr>
+        <p:txBody>
+          <a:bodyPr anchor="ctr">
+            <a:noAutofit/>
+          </a:bodyPr>
+          <a:lstStyle/>
+          <a:p>
+            <a:r>
+              <a:rPr lang="en-IN" sz="1400" i="0" dirty="0">
+                <a:effectLst/>
+                <a:latin typeface="Open Sans" panose="020B0606030504020204" pitchFamily="34" charset="0"/>
+              </a:rPr>
+              <a:t>A computer is composed of a Central Processing Unit (abbreviated CPU), memory, and Input/Output (abbreviated I/O) devices. </a:t>
+            </a:r>
+          </a:p>
+          <a:p>
+            <a:r>
+              <a:rPr lang="en-IN" sz="1400" i="0" dirty="0">
+                <a:effectLst/>
+                <a:latin typeface="Open Sans" panose="020B0606030504020204" pitchFamily="34" charset="0"/>
+              </a:rPr>
+              <a:t>A screen is an output device. </a:t>
+            </a:r>
+          </a:p>
+          <a:p>
+            <a:r>
+              <a:rPr lang="en-IN" sz="1400" i="0" dirty="0">
+                <a:effectLst/>
+                <a:latin typeface="Open Sans" panose="020B0606030504020204" pitchFamily="34" charset="0"/>
+              </a:rPr>
+              <a:t>A mouse is an input device. </a:t>
+            </a:r>
+          </a:p>
+          <a:p>
+            <a:r>
+              <a:rPr lang="en-IN" sz="1400" i="0" dirty="0">
+                <a:effectLst/>
+                <a:latin typeface="Open Sans" panose="020B0606030504020204" pitchFamily="34" charset="0"/>
+              </a:rPr>
+              <a:t>A hard drive is an I/O device. </a:t>
+            </a:r>
+          </a:p>
+          <a:p>
+            <a:r>
+              <a:rPr lang="en-IN" sz="1400" i="0" dirty="0">
+                <a:effectLst/>
+                <a:latin typeface="Open Sans" panose="020B0606030504020204" pitchFamily="34" charset="0"/>
+              </a:rPr>
+              <a:t>The CPU is the brain of the computer. It can store values in memory, retrieve values from memory, add/subtract two numbers, compare two numbers etc.</a:t>
+            </a:r>
+          </a:p>
+          <a:p>
+            <a:r>
+              <a:rPr lang="en-IN" sz="1400" i="0" dirty="0">
+                <a:effectLst/>
+                <a:latin typeface="Open Sans" panose="020B0606030504020204" pitchFamily="34" charset="0"/>
+              </a:rPr>
+              <a:t>The CPU can also control which instruction it will execute next. Normally there are a list of instructions, one after another, that the CPU executes. Sometimes the CPU may jump to a different location within that list of instructions depending on the outcome of some comparison.</a:t>
+            </a:r>
+          </a:p>
+          <a:p>
+            <a:pPr lvl="1"/>
+            <a:endParaRPr lang="en-IN" sz="1400" dirty="0"/>
+          </a:p>
+        </p:txBody>
+      </p:sp>
+      <p:sp>
+        <p:nvSpPr>
+          <p:cNvPr id="12" name="Rectangle 11">
+            <a:extLst>
+              <a:ext uri="{FF2B5EF4-FFF2-40B4-BE49-F238E27FC236}">
+                <a16:creationId xmlns:a16="http://schemas.microsoft.com/office/drawing/2014/main" id="{59A309A7-1751-4ABE-A3C1-EEC40366AD89}"/>
+              </a:ext>
+              <a:ext uri="{C183D7F6-B498-43B3-948B-1728B52AA6E4}">
+                <adec:decorative xmlns:adec="http://schemas.microsoft.com/office/drawing/2017/decorative" val="1"/>
+              </a:ext>
+            </a:extLst>
+          </p:cNvPr>
+          <p:cNvSpPr>
+            <a:spLocks noGrp="1" noRot="1" noChangeAspect="1" noMove="1" noResize="1" noEditPoints="1" noAdjustHandles="1" noChangeArrowheads="1" noChangeShapeType="1" noTextEdit="1"/>
+          </p:cNvSpPr>
+          <p:nvPr>
+            <p:extLst>
+              <p:ext uri="{386F3935-93C4-4BCD-93E2-E3B085C9AB24}">
+                <p16:designElem xmlns:p16="http://schemas.microsoft.com/office/powerpoint/2015/main" val="1"/>
+              </p:ext>
+            </p:extLst>
+          </p:nvPr>
+        </p:nvSpPr>
+        <p:spPr>
+          <a:xfrm>
+            <a:off x="10088880" y="0"/>
+            <a:ext cx="2103120" cy="6858000"/>
+          </a:xfrm>
+          <a:prstGeom prst="rect">
+            <a:avLst/>
+          </a:prstGeom>
+          <a:solidFill>
+            <a:schemeClr val="accent1"/>
+          </a:solidFill>
+          <a:ln>
+            <a:noFill/>
+          </a:ln>
+        </p:spPr>
+        <p:style>
+          <a:lnRef idx="2">
+            <a:schemeClr val="accent1">
+              <a:shade val="50000"/>
+            </a:schemeClr>
+          </a:lnRef>
+          <a:fillRef idx="1">
+            <a:schemeClr val="accent1"/>
+          </a:fillRef>
+          <a:effectRef idx="0">
+            <a:schemeClr val="accent1"/>
+          </a:effectRef>
+          <a:fontRef idx="minor">
+            <a:schemeClr val="lt1"/>
+          </a:fontRef>
+        </p:style>
+        <p:txBody>
+          <a:bodyPr rtlCol="0" anchor="ctr"/>
+          <a:lstStyle/>
+          <a:p>
+            <a:pPr algn="ctr"/>
+            <a:endParaRPr lang="en-US"/>
+          </a:p>
+        </p:txBody>
+      </p:sp>
+      <p:sp>
+        <p:nvSpPr>
+          <p:cNvPr id="14" name="Oval 13">
+            <a:extLst>
+              <a:ext uri="{FF2B5EF4-FFF2-40B4-BE49-F238E27FC236}">
+                <a16:creationId xmlns:a16="http://schemas.microsoft.com/office/drawing/2014/main" id="{967D8EB6-EAE1-4F9C-B398-83321E287204}"/>
+              </a:ext>
+              <a:ext uri="{C183D7F6-B498-43B3-948B-1728B52AA6E4}">
+                <adec:decorative xmlns:adec="http://schemas.microsoft.com/office/drawing/2017/decorative" val="1"/>
+              </a:ext>
+            </a:extLst>
+          </p:cNvPr>
+          <p:cNvSpPr>
+            <a:spLocks noGrp="1" noRot="1" noChangeAspect="1" noMove="1" noResize="1" noEditPoints="1" noAdjustHandles="1" noChangeArrowheads="1" noChangeShapeType="1" noTextEdit="1"/>
+          </p:cNvSpPr>
+          <p:nvPr>
+            <p:extLst>
+              <p:ext uri="{386F3935-93C4-4BCD-93E2-E3B085C9AB24}">
+                <p16:designElem xmlns:p16="http://schemas.microsoft.com/office/powerpoint/2015/main" val="1"/>
+              </p:ext>
+            </p:extLst>
+          </p:nvPr>
+        </p:nvSpPr>
+        <p:spPr>
+          <a:xfrm>
+            <a:off x="8915400" y="2358913"/>
+            <a:ext cx="2140172" cy="2140172"/>
+          </a:xfrm>
+          <a:prstGeom prst="ellipse">
+            <a:avLst/>
+          </a:prstGeom>
+          <a:solidFill>
+            <a:srgbClr val="FFFFFF"/>
+          </a:solidFill>
+          <a:ln w="22225">
+            <a:solidFill>
+              <a:schemeClr val="accent1"/>
+            </a:solidFill>
+          </a:ln>
+        </p:spPr>
+        <p:style>
+          <a:lnRef idx="2">
+            <a:schemeClr val="accent1">
+              <a:shade val="50000"/>
+            </a:schemeClr>
+          </a:lnRef>
+          <a:fillRef idx="1">
+            <a:schemeClr val="accent1"/>
+          </a:fillRef>
+          <a:effectRef idx="0">
+            <a:schemeClr val="accent1"/>
+          </a:effectRef>
+          <a:fontRef idx="minor">
+            <a:schemeClr val="lt1"/>
+          </a:fontRef>
+        </p:style>
+        <p:txBody>
+          <a:bodyPr rtlCol="0" anchor="ctr"/>
+          <a:lstStyle/>
+          <a:p>
+            <a:pPr algn="ctr"/>
+            <a:endParaRPr lang="en-US"/>
+          </a:p>
+        </p:txBody>
+      </p:sp>
+      <p:pic>
+        <p:nvPicPr>
+          <p:cNvPr id="7" name="Graphic 6" descr="Programmer">
+            <a:extLst>
+              <a:ext uri="{FF2B5EF4-FFF2-40B4-BE49-F238E27FC236}">
+                <a16:creationId xmlns:a16="http://schemas.microsoft.com/office/drawing/2014/main" id="{8D428013-FD3E-4A85-9466-27B23FA8DE54}"/>
+              </a:ext>
+            </a:extLst>
+          </p:cNvPr>
+          <p:cNvPicPr>
+            <a:picLocks noChangeAspect="1"/>
+          </p:cNvPicPr>
+          <p:nvPr/>
+        </p:nvPicPr>
+        <p:blipFill>
+          <a:blip r:embed="rId2">
+            <a:extLst>
+              <a:ext uri="{28A0092B-C50C-407E-A947-70E740481C1C}">
+                <a14:useLocalDpi xmlns:a14="http://schemas.microsoft.com/office/drawing/2010/main" val="0"/>
+              </a:ext>
+              <a:ext uri="{96DAC541-7B7A-43D3-8B79-37D633B846F1}">
+                <asvg:svgBlip xmlns:asvg="http://schemas.microsoft.com/office/drawing/2016/SVG/main" r:embed="rId3"/>
+              </a:ext>
+            </a:extLst>
+          </a:blip>
+          <a:stretch>
+            <a:fillRect/>
+          </a:stretch>
+        </p:blipFill>
+        <p:spPr>
+          <a:xfrm>
+            <a:off x="9413987" y="2857501"/>
+            <a:ext cx="1142998" cy="1142998"/>
+          </a:xfrm>
+          <a:prstGeom prst="rect">
+            <a:avLst/>
+          </a:prstGeom>
+        </p:spPr>
+      </p:pic>
+    </p:spTree>
+    <p:extLst>
+      <p:ext uri="{BB962C8B-B14F-4D97-AF65-F5344CB8AC3E}">
+        <p14:creationId xmlns:p14="http://schemas.microsoft.com/office/powerpoint/2010/main" val="4244261490"/>
+      </p:ext>
+    </p:extLst>
+  </p:cSld>
+  <p:clrMapOvr>
+    <a:masterClrMapping/>
+  </p:clrMapOvr>
+</p:sld>
+</file>
+
+<file path=ppt/slides/slide8.xml><?xml version="1.0" encoding="utf-8"?>
+<p:sld xmlns:a="http://schemas.openxmlformats.org/drawingml/2006/main" xmlns:r="http://schemas.openxmlformats.org/officeDocument/2006/relationships" xmlns:p="http://schemas.openxmlformats.org/presentationml/2006/main">
+  <p:cSld>
+    <p:bg>
+      <p:bgPr>
+        <a:solidFill>
+          <a:schemeClr val="bg1"/>
+        </a:solidFill>
+        <a:effectLst/>
+      </p:bgPr>
+    </p:bg>
+    <p:spTree>
+      <p:nvGrpSpPr>
+        <p:cNvPr id="1" name=""/>
+        <p:cNvGrpSpPr/>
+        <p:nvPr/>
+      </p:nvGrpSpPr>
+      <p:grpSpPr>
+        <a:xfrm>
+          <a:off x="0" y="0"/>
+          <a:ext cx="0" cy="0"/>
+          <a:chOff x="0" y="0"/>
+          <a:chExt cx="0" cy="0"/>
+        </a:xfrm>
+      </p:grpSpPr>
+      <p:sp>
+        <p:nvSpPr>
+          <p:cNvPr id="2" name="Title 1">
+            <a:extLst>
+              <a:ext uri="{FF2B5EF4-FFF2-40B4-BE49-F238E27FC236}">
+                <a16:creationId xmlns:a16="http://schemas.microsoft.com/office/drawing/2014/main" id="{24C265DF-4994-4F5D-AE41-747A19798DF8}"/>
+              </a:ext>
+            </a:extLst>
+          </p:cNvPr>
+          <p:cNvSpPr>
+            <a:spLocks noGrp="1"/>
+          </p:cNvSpPr>
+          <p:nvPr>
+            <p:ph type="title"/>
+          </p:nvPr>
+        </p:nvSpPr>
+        <p:spPr>
+          <a:xfrm>
+            <a:off x="1136428" y="627564"/>
+            <a:ext cx="7474172" cy="1325563"/>
+          </a:xfrm>
+        </p:spPr>
+        <p:txBody>
+          <a:bodyPr>
+            <a:normAutofit/>
+          </a:bodyPr>
+          <a:lstStyle/>
+          <a:p>
+            <a:r>
+              <a:rPr lang="en-IN" b="1" dirty="0">
+                <a:latin typeface="Open Sans" panose="020B0606030504020204" pitchFamily="34" charset="0"/>
+                <a:ea typeface="Open Sans" panose="020B0606030504020204" pitchFamily="34" charset="0"/>
+                <a:cs typeface="Open Sans" panose="020B0606030504020204" pitchFamily="34" charset="0"/>
+              </a:rPr>
+              <a:t>Interpreted language</a:t>
+            </a:r>
+          </a:p>
+        </p:txBody>
+      </p:sp>
+      <p:sp>
+        <p:nvSpPr>
+          <p:cNvPr id="3" name="Content Placeholder 2">
+            <a:extLst>
+              <a:ext uri="{FF2B5EF4-FFF2-40B4-BE49-F238E27FC236}">
+                <a16:creationId xmlns:a16="http://schemas.microsoft.com/office/drawing/2014/main" id="{763D88F7-014E-43B6-A3A8-5EDD0F989D06}"/>
+              </a:ext>
+            </a:extLst>
+          </p:cNvPr>
+          <p:cNvSpPr>
+            <a:spLocks noGrp="1"/>
+          </p:cNvSpPr>
+          <p:nvPr>
+            <p:ph idx="1"/>
+          </p:nvPr>
+        </p:nvSpPr>
+        <p:spPr>
+          <a:xfrm>
+            <a:off x="1136429" y="2278173"/>
+            <a:ext cx="6467867" cy="3450613"/>
+          </a:xfrm>
+        </p:spPr>
+        <p:txBody>
+          <a:bodyPr anchor="ctr">
+            <a:normAutofit/>
+          </a:bodyPr>
+          <a:lstStyle/>
+          <a:p>
+            <a:pPr marL="0" indent="0">
+              <a:buNone/>
+            </a:pPr>
+            <a:r>
+              <a:rPr lang="en-IN" sz="2400" i="0">
+                <a:effectLst/>
+                <a:latin typeface="Open Sans" panose="020B0606030504020204" pitchFamily="34" charset="0"/>
+              </a:rPr>
+              <a:t>Interpreted language executes its statements line by line. </a:t>
+            </a:r>
+          </a:p>
+          <a:p>
+            <a:pPr marL="0" indent="0">
+              <a:buNone/>
+            </a:pPr>
+            <a:r>
+              <a:rPr lang="en-IN" sz="2400" i="0">
+                <a:effectLst/>
+                <a:latin typeface="Open Sans" panose="020B0606030504020204" pitchFamily="34" charset="0"/>
+              </a:rPr>
+              <a:t>Languages such as Python, JavaScript, R, PHP, and Ruby are prime examples of Interpreted languages. </a:t>
+            </a:r>
+          </a:p>
+          <a:p>
+            <a:pPr marL="0" indent="0">
+              <a:buNone/>
+            </a:pPr>
+            <a:r>
+              <a:rPr lang="en-IN" sz="2400" i="0">
+                <a:effectLst/>
+                <a:latin typeface="Open Sans" panose="020B0606030504020204" pitchFamily="34" charset="0"/>
+              </a:rPr>
+              <a:t>Programs written in an interpreted language runs directly from the source code, with no intermediary compilation step.</a:t>
+            </a:r>
+            <a:endParaRPr lang="en-IN" sz="2400">
+              <a:latin typeface="Open Sans" panose="020B0606030504020204" pitchFamily="34" charset="0"/>
+            </a:endParaRPr>
+          </a:p>
+        </p:txBody>
+      </p:sp>
+      <p:sp>
+        <p:nvSpPr>
+          <p:cNvPr id="12" name="Rectangle 11">
+            <a:extLst>
+              <a:ext uri="{FF2B5EF4-FFF2-40B4-BE49-F238E27FC236}">
+                <a16:creationId xmlns:a16="http://schemas.microsoft.com/office/drawing/2014/main" id="{59A309A7-1751-4ABE-A3C1-EEC40366AD89}"/>
+              </a:ext>
+              <a:ext uri="{C183D7F6-B498-43B3-948B-1728B52AA6E4}">
+                <adec:decorative xmlns:adec="http://schemas.microsoft.com/office/drawing/2017/decorative" val="1"/>
+              </a:ext>
+            </a:extLst>
+          </p:cNvPr>
+          <p:cNvSpPr>
+            <a:spLocks noGrp="1" noRot="1" noChangeAspect="1" noMove="1" noResize="1" noEditPoints="1" noAdjustHandles="1" noChangeArrowheads="1" noChangeShapeType="1" noTextEdit="1"/>
+          </p:cNvSpPr>
+          <p:nvPr>
+            <p:extLst>
+              <p:ext uri="{386F3935-93C4-4BCD-93E2-E3B085C9AB24}">
+                <p16:designElem xmlns:p16="http://schemas.microsoft.com/office/powerpoint/2015/main" val="1"/>
+              </p:ext>
+            </p:extLst>
+          </p:nvPr>
+        </p:nvSpPr>
+        <p:spPr>
+          <a:xfrm>
+            <a:off x="10088880" y="0"/>
+            <a:ext cx="2103120" cy="6858000"/>
+          </a:xfrm>
+          <a:prstGeom prst="rect">
+            <a:avLst/>
+          </a:prstGeom>
+          <a:solidFill>
+            <a:schemeClr val="accent1"/>
+          </a:solidFill>
+          <a:ln>
+            <a:noFill/>
+          </a:ln>
+        </p:spPr>
+        <p:style>
+          <a:lnRef idx="2">
+            <a:schemeClr val="accent1">
+              <a:shade val="50000"/>
+            </a:schemeClr>
+          </a:lnRef>
+          <a:fillRef idx="1">
+            <a:schemeClr val="accent1"/>
+          </a:fillRef>
+          <a:effectRef idx="0">
+            <a:schemeClr val="accent1"/>
+          </a:effectRef>
+          <a:fontRef idx="minor">
+            <a:schemeClr val="lt1"/>
+          </a:fontRef>
+        </p:style>
+        <p:txBody>
+          <a:bodyPr rtlCol="0" anchor="ctr"/>
+          <a:lstStyle/>
+          <a:p>
+            <a:pPr algn="ctr"/>
+            <a:endParaRPr lang="en-US"/>
+          </a:p>
+        </p:txBody>
+      </p:sp>
+      <p:sp>
+        <p:nvSpPr>
+          <p:cNvPr id="14" name="Oval 13">
+            <a:extLst>
+              <a:ext uri="{FF2B5EF4-FFF2-40B4-BE49-F238E27FC236}">
+                <a16:creationId xmlns:a16="http://schemas.microsoft.com/office/drawing/2014/main" id="{967D8EB6-EAE1-4F9C-B398-83321E287204}"/>
+              </a:ext>
+              <a:ext uri="{C183D7F6-B498-43B3-948B-1728B52AA6E4}">
+                <adec:decorative xmlns:adec="http://schemas.microsoft.com/office/drawing/2017/decorative" val="1"/>
+              </a:ext>
+            </a:extLst>
+          </p:cNvPr>
+          <p:cNvSpPr>
+            <a:spLocks noGrp="1" noRot="1" noChangeAspect="1" noMove="1" noResize="1" noEditPoints="1" noAdjustHandles="1" noChangeArrowheads="1" noChangeShapeType="1" noTextEdit="1"/>
+          </p:cNvSpPr>
+          <p:nvPr>
+            <p:extLst>
+              <p:ext uri="{386F3935-93C4-4BCD-93E2-E3B085C9AB24}">
+                <p16:designElem xmlns:p16="http://schemas.microsoft.com/office/powerpoint/2015/main" val="1"/>
+              </p:ext>
+            </p:extLst>
+          </p:nvPr>
+        </p:nvSpPr>
+        <p:spPr>
+          <a:xfrm>
+            <a:off x="8915400" y="2358913"/>
+            <a:ext cx="2140172" cy="2140172"/>
+          </a:xfrm>
+          <a:prstGeom prst="ellipse">
+            <a:avLst/>
+          </a:prstGeom>
+          <a:solidFill>
+            <a:srgbClr val="FFFFFF"/>
+          </a:solidFill>
+          <a:ln w="22225">
+            <a:solidFill>
+              <a:schemeClr val="accent1"/>
+            </a:solidFill>
+          </a:ln>
+        </p:spPr>
+        <p:style>
+          <a:lnRef idx="2">
+            <a:schemeClr val="accent1">
+              <a:shade val="50000"/>
+            </a:schemeClr>
+          </a:lnRef>
+          <a:fillRef idx="1">
+            <a:schemeClr val="accent1"/>
+          </a:fillRef>
+          <a:effectRef idx="0">
+            <a:schemeClr val="accent1"/>
+          </a:effectRef>
+          <a:fontRef idx="minor">
+            <a:schemeClr val="lt1"/>
+          </a:fontRef>
+        </p:style>
+        <p:txBody>
+          <a:bodyPr rtlCol="0" anchor="ctr"/>
+          <a:lstStyle/>
+          <a:p>
+            <a:pPr algn="ctr"/>
+            <a:endParaRPr lang="en-US"/>
+          </a:p>
+        </p:txBody>
+      </p:sp>
+      <p:pic>
+        <p:nvPicPr>
+          <p:cNvPr id="7" name="Graphic 6" descr="Programmer">
+            <a:extLst>
+              <a:ext uri="{FF2B5EF4-FFF2-40B4-BE49-F238E27FC236}">
+                <a16:creationId xmlns:a16="http://schemas.microsoft.com/office/drawing/2014/main" id="{8D428013-FD3E-4A85-9466-27B23FA8DE54}"/>
+              </a:ext>
+            </a:extLst>
+          </p:cNvPr>
+          <p:cNvPicPr>
+            <a:picLocks noChangeAspect="1"/>
+          </p:cNvPicPr>
+          <p:nvPr/>
+        </p:nvPicPr>
+        <p:blipFill>
+          <a:blip r:embed="rId2">
+            <a:extLst>
+              <a:ext uri="{28A0092B-C50C-407E-A947-70E740481C1C}">
+                <a14:useLocalDpi xmlns:a14="http://schemas.microsoft.com/office/drawing/2010/main" val="0"/>
+              </a:ext>
+              <a:ext uri="{96DAC541-7B7A-43D3-8B79-37D633B846F1}">
+                <asvg:svgBlip xmlns:asvg="http://schemas.microsoft.com/office/drawing/2016/SVG/main" r:embed="rId3"/>
+              </a:ext>
+            </a:extLst>
+          </a:blip>
+          <a:stretch>
+            <a:fillRect/>
+          </a:stretch>
+        </p:blipFill>
+        <p:spPr>
+          <a:xfrm>
+            <a:off x="9413987" y="2857501"/>
+            <a:ext cx="1142998" cy="1142998"/>
+          </a:xfrm>
+          <a:prstGeom prst="rect">
+            <a:avLst/>
+          </a:prstGeom>
+        </p:spPr>
+      </p:pic>
+    </p:spTree>
+    <p:extLst>
+      <p:ext uri="{BB962C8B-B14F-4D97-AF65-F5344CB8AC3E}">
+        <p14:creationId xmlns:p14="http://schemas.microsoft.com/office/powerpoint/2010/main" val="3885603797"/>
+      </p:ext>
+    </p:extLst>
+  </p:cSld>
+  <p:clrMapOvr>
+    <a:masterClrMapping/>
+  </p:clrMapOvr>
+</p:sld>
+</file>
+
+<file path=ppt/slides/slide9.xml><?xml version="1.0" encoding="utf-8"?>
+<p:sld xmlns:a="http://schemas.openxmlformats.org/drawingml/2006/main" xmlns:r="http://schemas.openxmlformats.org/officeDocument/2006/relationships" xmlns:p="http://schemas.openxmlformats.org/presentationml/2006/main">
+  <p:cSld>
+    <p:spTree>
+      <p:nvGrpSpPr>
+        <p:cNvPr id="1" name=""/>
+        <p:cNvGrpSpPr/>
+        <p:nvPr/>
+      </p:nvGrpSpPr>
+      <p:grpSpPr>
+        <a:xfrm>
+          <a:off x="0" y="0"/>
+          <a:ext cx="0" cy="0"/>
+          <a:chOff x="0" y="0"/>
+          <a:chExt cx="0" cy="0"/>
+        </a:xfrm>
+      </p:grpSpPr>
+      <p:sp>
+        <p:nvSpPr>
+          <p:cNvPr id="2" name="Title 1">
+            <a:extLst>
+              <a:ext uri="{FF2B5EF4-FFF2-40B4-BE49-F238E27FC236}">
+                <a16:creationId xmlns:a16="http://schemas.microsoft.com/office/drawing/2014/main" id="{24C265DF-4994-4F5D-AE41-747A19798DF8}"/>
+              </a:ext>
+            </a:extLst>
+          </p:cNvPr>
+          <p:cNvSpPr>
+            <a:spLocks noGrp="1"/>
+          </p:cNvSpPr>
+          <p:nvPr>
+            <p:ph type="title"/>
+          </p:nvPr>
+        </p:nvSpPr>
+        <p:spPr>
+          <a:xfrm>
+            <a:off x="1136428" y="627564"/>
+            <a:ext cx="7474172" cy="1325563"/>
+          </a:xfrm>
+        </p:spPr>
+        <p:txBody>
+          <a:bodyPr>
+            <a:normAutofit/>
+          </a:bodyPr>
+          <a:lstStyle/>
+          <a:p>
+            <a:r>
+              <a:rPr lang="en-IN" b="1" dirty="0">
+                <a:latin typeface="Open Sans" panose="020B0606030504020204" pitchFamily="34" charset="0"/>
+                <a:ea typeface="Open Sans" panose="020B0606030504020204" pitchFamily="34" charset="0"/>
+                <a:cs typeface="Open Sans" panose="020B0606030504020204" pitchFamily="34" charset="0"/>
+              </a:rPr>
+              <a:t>PEP 8 and it’s importance</a:t>
+            </a:r>
+          </a:p>
+        </p:txBody>
+      </p:sp>
+      <p:sp>
+        <p:nvSpPr>
+          <p:cNvPr id="3" name="Content Placeholder 2">
+            <a:extLst>
+              <a:ext uri="{FF2B5EF4-FFF2-40B4-BE49-F238E27FC236}">
+                <a16:creationId xmlns:a16="http://schemas.microsoft.com/office/drawing/2014/main" id="{763D88F7-014E-43B6-A3A8-5EDD0F989D06}"/>
+              </a:ext>
+            </a:extLst>
+          </p:cNvPr>
+          <p:cNvSpPr>
+            <a:spLocks noGrp="1"/>
+          </p:cNvSpPr>
+          <p:nvPr>
+            <p:ph idx="1"/>
+          </p:nvPr>
+        </p:nvSpPr>
+        <p:spPr>
+          <a:xfrm>
+            <a:off x="1136429" y="2278173"/>
+            <a:ext cx="6467867" cy="3450613"/>
+          </a:xfrm>
+        </p:spPr>
+        <p:txBody>
+          <a:bodyPr anchor="ctr">
+            <a:normAutofit/>
+          </a:bodyPr>
+          <a:lstStyle/>
+          <a:p>
+            <a:pPr marL="0" indent="0">
+              <a:buNone/>
+            </a:pPr>
+            <a:r>
+              <a:rPr lang="en-IN" sz="1800" i="0" dirty="0">
+                <a:effectLst/>
+                <a:latin typeface="Open Sans" panose="020B0606030504020204" pitchFamily="34" charset="0"/>
+              </a:rPr>
+              <a:t>PEP - Python Enhancement Proposal. </a:t>
+            </a:r>
+          </a:p>
+          <a:p>
+            <a:pPr marL="0" indent="0">
+              <a:buNone/>
+            </a:pPr>
+            <a:r>
+              <a:rPr lang="en-IN" sz="1800" i="0">
+                <a:effectLst/>
+                <a:latin typeface="Open Sans" panose="020B0606030504020204" pitchFamily="34" charset="0"/>
+              </a:rPr>
+              <a:t>It </a:t>
+            </a:r>
+            <a:r>
+              <a:rPr lang="en-IN" sz="1800" i="0" dirty="0">
+                <a:effectLst/>
+                <a:latin typeface="Open Sans" panose="020B0606030504020204" pitchFamily="34" charset="0"/>
+              </a:rPr>
+              <a:t>is an official design document providing information to the Python community or describing a new feature for Python or its processes. </a:t>
+            </a:r>
+          </a:p>
+          <a:p>
+            <a:pPr marL="0" indent="0">
+              <a:buNone/>
+            </a:pPr>
+            <a:r>
+              <a:rPr lang="en-IN" sz="1800" i="0" dirty="0">
+                <a:effectLst/>
+                <a:latin typeface="Open Sans" panose="020B0606030504020204" pitchFamily="34" charset="0"/>
+              </a:rPr>
+              <a:t>PEP 8 is especially important since it documents the style guidelines for Python Code. </a:t>
+            </a:r>
+          </a:p>
+          <a:p>
+            <a:pPr marL="0" indent="0">
+              <a:buNone/>
+            </a:pPr>
+            <a:r>
+              <a:rPr lang="en-IN" sz="1800" i="0" dirty="0">
+                <a:effectLst/>
+                <a:latin typeface="Open Sans" panose="020B0606030504020204" pitchFamily="34" charset="0"/>
+              </a:rPr>
+              <a:t>Apparently contributing to the Python open-source community requires you to follow these style guidelines sincerely and strictly.</a:t>
+            </a:r>
+            <a:endParaRPr lang="en-IN" sz="1800" dirty="0">
+              <a:latin typeface="Open Sans" panose="020B0606030504020204" pitchFamily="34" charset="0"/>
+            </a:endParaRPr>
+          </a:p>
+        </p:txBody>
+      </p:sp>
+      <p:pic>
+        <p:nvPicPr>
+          <p:cNvPr id="7" name="Graphic 6" descr="Programmer">
+            <a:extLst>
+              <a:ext uri="{FF2B5EF4-FFF2-40B4-BE49-F238E27FC236}">
+                <a16:creationId xmlns:a16="http://schemas.microsoft.com/office/drawing/2014/main" id="{8D428013-FD3E-4A85-9466-27B23FA8DE54}"/>
+              </a:ext>
+            </a:extLst>
+          </p:cNvPr>
+          <p:cNvPicPr>
+            <a:picLocks noChangeAspect="1"/>
+          </p:cNvPicPr>
+          <p:nvPr/>
+        </p:nvPicPr>
+        <p:blipFill>
+          <a:blip r:embed="rId2">
+            <a:extLst>
+              <a:ext uri="{28A0092B-C50C-407E-A947-70E740481C1C}">
+                <a14:useLocalDpi xmlns:a14="http://schemas.microsoft.com/office/drawing/2010/main" val="0"/>
+              </a:ext>
+              <a:ext uri="{96DAC541-7B7A-43D3-8B79-37D633B846F1}">
+                <asvg:svgBlip xmlns:asvg="http://schemas.microsoft.com/office/drawing/2016/SVG/main" r:embed="rId3"/>
+              </a:ext>
+            </a:extLst>
+          </a:blip>
+          <a:stretch>
+            <a:fillRect/>
+          </a:stretch>
+        </p:blipFill>
+        <p:spPr>
+          <a:xfrm>
+            <a:off x="9413987" y="2857501"/>
+            <a:ext cx="1142998" cy="1142998"/>
+          </a:xfrm>
+          <a:prstGeom prst="rect">
+            <a:avLst/>
+          </a:prstGeom>
+        </p:spPr>
+      </p:pic>
+    </p:spTree>
+    <p:extLst>
+      <p:ext uri="{BB962C8B-B14F-4D97-AF65-F5344CB8AC3E}">
+        <p14:creationId xmlns:p14="http://schemas.microsoft.com/office/powerpoint/2010/main" val="1848123025"/>
+      </p:ext>
+    </p:extLst>
+  </p:cSld>
+  <p:clrMapOvr>
+    <a:masterClrMapping/>
+  </p:clrMapOvr>
+</p:sld>
+</file>
+
 <file path=ppt/theme/theme1.xml><?xml version="1.0" encoding="utf-8"?>
 <a:theme xmlns:a="http://schemas.openxmlformats.org/drawingml/2006/main" name="Office Theme">
   <a:themeElements>

--- a/ppt/Python.pptx
+++ b/ppt/Python.pptx
@@ -129,7 +129,7 @@
 <file path=ppt/revisionInfo.xml><?xml version="1.0" encoding="utf-8"?>
 <p1510:revInfo xmlns:a="http://schemas.openxmlformats.org/drawingml/2006/main" xmlns:r="http://schemas.openxmlformats.org/officeDocument/2006/relationships" xmlns:p1510="http://schemas.microsoft.com/office/powerpoint/2015/10/main">
   <p1510:revLst>
-    <p1510:client id="{AFF709BC-A069-468E-932E-A068D4774BDC}" v="38" dt="2022-03-26T03:48:46.594"/>
+    <p1510:client id="{AFF709BC-A069-468E-932E-A068D4774BDC}" v="40" dt="2022-03-26T03:55:43.188"/>
   </p1510:revLst>
 </p1510:revInfo>
 </file>
@@ -541,7 +541,7 @@
   <pc:docChgLst>
     <pc:chgData name="Sarit Maitra" userId="a56b08fc-95a7-4743-8351-af833f41f5d9" providerId="ADAL" clId="{AFF709BC-A069-468E-932E-A068D4774BDC}"/>
     <pc:docChg chg="undo redo custSel addSld delSld modSld">
-      <pc:chgData name="Sarit Maitra" userId="a56b08fc-95a7-4743-8351-af833f41f5d9" providerId="ADAL" clId="{AFF709BC-A069-468E-932E-A068D4774BDC}" dt="2022-03-26T03:50:25.243" v="514" actId="20577"/>
+      <pc:chgData name="Sarit Maitra" userId="a56b08fc-95a7-4743-8351-af833f41f5d9" providerId="ADAL" clId="{AFF709BC-A069-468E-932E-A068D4774BDC}" dt="2022-03-26T03:56:35.406" v="541" actId="27636"/>
       <pc:docMkLst>
         <pc:docMk/>
       </pc:docMkLst>
@@ -979,14 +979,14 @@
           <pc:sldMk cId="3275335210" sldId="271"/>
         </pc:sldMkLst>
       </pc:sldChg>
-      <pc:sldChg chg="addSp modSp mod setBg delDesignElem">
-        <pc:chgData name="Sarit Maitra" userId="a56b08fc-95a7-4743-8351-af833f41f5d9" providerId="ADAL" clId="{AFF709BC-A069-468E-932E-A068D4774BDC}" dt="2022-03-26T03:46:17.392" v="463" actId="26606"/>
+      <pc:sldChg chg="addSp delSp modSp mod setBg delDesignElem">
+        <pc:chgData name="Sarit Maitra" userId="a56b08fc-95a7-4743-8351-af833f41f5d9" providerId="ADAL" clId="{AFF709BC-A069-468E-932E-A068D4774BDC}" dt="2022-03-26T03:56:35.406" v="541" actId="27636"/>
         <pc:sldMkLst>
           <pc:docMk/>
           <pc:sldMk cId="3694733523" sldId="271"/>
         </pc:sldMkLst>
         <pc:spChg chg="mod">
-          <ac:chgData name="Sarit Maitra" userId="a56b08fc-95a7-4743-8351-af833f41f5d9" providerId="ADAL" clId="{AFF709BC-A069-468E-932E-A068D4774BDC}" dt="2022-03-26T03:44:30.901" v="445" actId="20577"/>
+          <ac:chgData name="Sarit Maitra" userId="a56b08fc-95a7-4743-8351-af833f41f5d9" providerId="ADAL" clId="{AFF709BC-A069-468E-932E-A068D4774BDC}" dt="2022-03-26T03:56:20.492" v="537" actId="14100"/>
           <ac:spMkLst>
             <pc:docMk/>
             <pc:sldMk cId="3694733523" sldId="271"/>
@@ -994,11 +994,19 @@
           </ac:spMkLst>
         </pc:spChg>
         <pc:spChg chg="mod">
-          <ac:chgData name="Sarit Maitra" userId="a56b08fc-95a7-4743-8351-af833f41f5d9" providerId="ADAL" clId="{AFF709BC-A069-468E-932E-A068D4774BDC}" dt="2022-03-26T03:46:17.392" v="463" actId="26606"/>
+          <ac:chgData name="Sarit Maitra" userId="a56b08fc-95a7-4743-8351-af833f41f5d9" providerId="ADAL" clId="{AFF709BC-A069-468E-932E-A068D4774BDC}" dt="2022-03-26T03:56:35.406" v="541" actId="27636"/>
           <ac:spMkLst>
             <pc:docMk/>
             <pc:sldMk cId="3694733523" sldId="271"/>
             <ac:spMk id="3" creationId="{763D88F7-014E-43B6-A3A8-5EDD0F989D06}"/>
+          </ac:spMkLst>
+        </pc:spChg>
+        <pc:spChg chg="add del">
+          <ac:chgData name="Sarit Maitra" userId="a56b08fc-95a7-4743-8351-af833f41f5d9" providerId="ADAL" clId="{AFF709BC-A069-468E-932E-A068D4774BDC}" dt="2022-03-26T03:55:43.188" v="522" actId="478"/>
+          <ac:spMkLst>
+            <pc:docMk/>
+            <pc:sldMk cId="3694733523" sldId="271"/>
+            <ac:spMk id="4" creationId="{D05DED5E-D662-4772-A950-60173E6AE14C}"/>
           </ac:spMkLst>
         </pc:spChg>
         <pc:spChg chg="add">
@@ -9571,8 +9579,8 @@
         </p:nvSpPr>
         <p:spPr>
           <a:xfrm>
-            <a:off x="1136428" y="627564"/>
-            <a:ext cx="7474172" cy="1325563"/>
+            <a:off x="1136428" y="627565"/>
+            <a:ext cx="7474172" cy="1004288"/>
           </a:xfrm>
         </p:spPr>
         <p:txBody>
@@ -9582,7 +9590,7 @@
           <a:lstStyle/>
           <a:p>
             <a:r>
-              <a:rPr lang="en-IN" b="1" dirty="0">
+              <a:rPr lang="en-IN" sz="4000" b="1" dirty="0">
                 <a:latin typeface="Open Sans" panose="020B0606030504020204" pitchFamily="34" charset="0"/>
                 <a:ea typeface="Open Sans" panose="020B0606030504020204" pitchFamily="34" charset="0"/>
                 <a:cs typeface="Open Sans" panose="020B0606030504020204" pitchFamily="34" charset="0"/>
@@ -9610,8 +9618,8 @@
         </p:nvSpPr>
         <p:spPr>
           <a:xfrm>
-            <a:off x="1136429" y="2278173"/>
-            <a:ext cx="6467867" cy="3450613"/>
+            <a:off x="1136429" y="1631853"/>
+            <a:ext cx="6467867" cy="4096933"/>
           </a:xfrm>
         </p:spPr>
         <p:txBody>
@@ -9628,12 +9636,568 @@
                 <a:effectLst/>
                 <a:latin typeface="Open Sans" panose="020B0606030504020204" pitchFamily="34" charset="0"/>
               </a:rPr>
-              <a:t>Typing refers to type-checking in programming languages. In a strongly-typed language, such as Python, "1" + 2 will result in a type error since these languages don't allow for "type-coercion" (implicit conversion of data types). On the other hand, a weakly-typed language, such as JavaScript, will simply output "12" as result.</a:t>
-            </a:r>
-          </a:p>
-          <a:p>
-            <a:endParaRPr lang="en-IN" sz="1300" i="0" dirty="0">
-              <a:effectLst/>
+              <a:t>We don't have to declare the type of variable while assigning a value to a variable in Python. Other languages like C, C++, Java, etc.., there is a strict declaration of variables before assigning values to them.</a:t>
+            </a:r>
+          </a:p>
+          <a:p>
+            <a:pPr marL="0" indent="0">
+              <a:buNone/>
+            </a:pPr>
+            <a:r>
+              <a:rPr lang="en-IN" sz="1300" i="0" dirty="0">
+                <a:effectLst/>
+                <a:latin typeface="Open Sans" panose="020B0606030504020204" pitchFamily="34" charset="0"/>
+              </a:rPr>
+              <a:t>Python don't have any problem even if we don't declare the type of variable. It states the kind of variable in the runtime of the program. So, Python is a dynamically typed language. Let's see one example.</a:t>
+            </a:r>
+          </a:p>
+          <a:p>
+            <a:pPr marL="0" indent="0">
+              <a:buNone/>
+            </a:pPr>
+            <a:r>
+              <a:rPr kumimoji="0" lang="en-US" altLang="en-US" sz="1400" b="0" i="0" u="none" strike="noStrike" cap="none" normalizeH="0" baseline="0" dirty="0">
+                <a:ln>
+                  <a:noFill/>
+                </a:ln>
+                <a:solidFill>
+                  <a:srgbClr val="880000"/>
+                </a:solidFill>
+                <a:effectLst/>
+                <a:latin typeface="Courier New" panose="02070309020205020404" pitchFamily="49" charset="0"/>
+              </a:rPr>
+              <a:t>## assigning a value to a variable</a:t>
+            </a:r>
+            <a:r>
+              <a:rPr kumimoji="0" lang="en-US" altLang="en-US" sz="1400" b="0" i="0" u="none" strike="noStrike" cap="none" normalizeH="0" baseline="0" dirty="0">
+                <a:ln>
+                  <a:noFill/>
+                </a:ln>
+                <a:solidFill>
+                  <a:srgbClr val="000000"/>
+                </a:solidFill>
+                <a:effectLst/>
+                <a:latin typeface="Courier New" panose="02070309020205020404" pitchFamily="49" charset="0"/>
+              </a:rPr>
+              <a:t> </a:t>
+            </a:r>
+          </a:p>
+          <a:p>
+            <a:pPr marL="0" indent="0">
+              <a:buNone/>
+            </a:pPr>
+            <a:r>
+              <a:rPr kumimoji="0" lang="en-US" altLang="en-US" sz="1400" b="0" i="0" u="none" strike="noStrike" cap="none" normalizeH="0" baseline="0" dirty="0">
+                <a:ln>
+                  <a:noFill/>
+                </a:ln>
+                <a:solidFill>
+                  <a:srgbClr val="000000"/>
+                </a:solidFill>
+                <a:effectLst/>
+                <a:latin typeface="Courier New" panose="02070309020205020404" pitchFamily="49" charset="0"/>
+              </a:rPr>
+              <a:t>x </a:t>
+            </a:r>
+            <a:r>
+              <a:rPr kumimoji="0" lang="en-US" altLang="en-US" sz="1400" b="0" i="0" u="none" strike="noStrike" cap="none" normalizeH="0" baseline="0" dirty="0">
+                <a:ln>
+                  <a:noFill/>
+                </a:ln>
+                <a:solidFill>
+                  <a:srgbClr val="666600"/>
+                </a:solidFill>
+                <a:effectLst/>
+                <a:latin typeface="Courier New" panose="02070309020205020404" pitchFamily="49" charset="0"/>
+              </a:rPr>
+              <a:t>=</a:t>
+            </a:r>
+            <a:r>
+              <a:rPr kumimoji="0" lang="en-US" altLang="en-US" sz="1400" b="0" i="0" u="none" strike="noStrike" cap="none" normalizeH="0" baseline="0" dirty="0">
+                <a:ln>
+                  <a:noFill/>
+                </a:ln>
+                <a:solidFill>
+                  <a:srgbClr val="000000"/>
+                </a:solidFill>
+                <a:effectLst/>
+                <a:latin typeface="Courier New" panose="02070309020205020404" pitchFamily="49" charset="0"/>
+              </a:rPr>
+              <a:t> </a:t>
+            </a:r>
+            <a:r>
+              <a:rPr kumimoji="0" lang="en-US" altLang="en-US" sz="1400" b="0" i="0" u="none" strike="noStrike" cap="none" normalizeH="0" baseline="0" dirty="0">
+                <a:ln>
+                  <a:noFill/>
+                </a:ln>
+                <a:solidFill>
+                  <a:srgbClr val="666600"/>
+                </a:solidFill>
+                <a:effectLst/>
+                <a:latin typeface="Courier New" panose="02070309020205020404" pitchFamily="49" charset="0"/>
+              </a:rPr>
+              <a:t>[</a:t>
+            </a:r>
+            <a:r>
+              <a:rPr kumimoji="0" lang="en-US" altLang="en-US" sz="1400" b="0" i="0" u="none" strike="noStrike" cap="none" normalizeH="0" baseline="0" dirty="0">
+                <a:ln>
+                  <a:noFill/>
+                </a:ln>
+                <a:solidFill>
+                  <a:srgbClr val="006666"/>
+                </a:solidFill>
+                <a:effectLst/>
+                <a:latin typeface="Courier New" panose="02070309020205020404" pitchFamily="49" charset="0"/>
+              </a:rPr>
+              <a:t>1</a:t>
+            </a:r>
+            <a:r>
+              <a:rPr kumimoji="0" lang="en-US" altLang="en-US" sz="1400" b="0" i="0" u="none" strike="noStrike" cap="none" normalizeH="0" baseline="0" dirty="0">
+                <a:ln>
+                  <a:noFill/>
+                </a:ln>
+                <a:solidFill>
+                  <a:srgbClr val="666600"/>
+                </a:solidFill>
+                <a:effectLst/>
+                <a:latin typeface="Courier New" panose="02070309020205020404" pitchFamily="49" charset="0"/>
+              </a:rPr>
+              <a:t>,</a:t>
+            </a:r>
+            <a:r>
+              <a:rPr kumimoji="0" lang="en-US" altLang="en-US" sz="1400" b="0" i="0" u="none" strike="noStrike" cap="none" normalizeH="0" baseline="0" dirty="0">
+                <a:ln>
+                  <a:noFill/>
+                </a:ln>
+                <a:solidFill>
+                  <a:srgbClr val="000000"/>
+                </a:solidFill>
+                <a:effectLst/>
+                <a:latin typeface="Courier New" panose="02070309020205020404" pitchFamily="49" charset="0"/>
+              </a:rPr>
+              <a:t> </a:t>
+            </a:r>
+            <a:r>
+              <a:rPr kumimoji="0" lang="en-US" altLang="en-US" sz="1400" b="0" i="0" u="none" strike="noStrike" cap="none" normalizeH="0" baseline="0" dirty="0">
+                <a:ln>
+                  <a:noFill/>
+                </a:ln>
+                <a:solidFill>
+                  <a:srgbClr val="006666"/>
+                </a:solidFill>
+                <a:effectLst/>
+                <a:latin typeface="Courier New" panose="02070309020205020404" pitchFamily="49" charset="0"/>
+              </a:rPr>
+              <a:t>2</a:t>
+            </a:r>
+            <a:r>
+              <a:rPr kumimoji="0" lang="en-US" altLang="en-US" sz="1400" b="0" i="0" u="none" strike="noStrike" cap="none" normalizeH="0" baseline="0" dirty="0">
+                <a:ln>
+                  <a:noFill/>
+                </a:ln>
+                <a:solidFill>
+                  <a:srgbClr val="666600"/>
+                </a:solidFill>
+                <a:effectLst/>
+                <a:latin typeface="Courier New" panose="02070309020205020404" pitchFamily="49" charset="0"/>
+              </a:rPr>
+              <a:t>,</a:t>
+            </a:r>
+            <a:r>
+              <a:rPr kumimoji="0" lang="en-US" altLang="en-US" sz="1400" b="0" i="0" u="none" strike="noStrike" cap="none" normalizeH="0" baseline="0" dirty="0">
+                <a:ln>
+                  <a:noFill/>
+                </a:ln>
+                <a:solidFill>
+                  <a:srgbClr val="000000"/>
+                </a:solidFill>
+                <a:effectLst/>
+                <a:latin typeface="Courier New" panose="02070309020205020404" pitchFamily="49" charset="0"/>
+              </a:rPr>
+              <a:t> </a:t>
+            </a:r>
+            <a:r>
+              <a:rPr kumimoji="0" lang="en-US" altLang="en-US" sz="1400" b="0" i="0" u="none" strike="noStrike" cap="none" normalizeH="0" baseline="0" dirty="0">
+                <a:ln>
+                  <a:noFill/>
+                </a:ln>
+                <a:solidFill>
+                  <a:srgbClr val="006666"/>
+                </a:solidFill>
+                <a:effectLst/>
+                <a:latin typeface="Courier New" panose="02070309020205020404" pitchFamily="49" charset="0"/>
+              </a:rPr>
+              <a:t>3</a:t>
+            </a:r>
+            <a:r>
+              <a:rPr kumimoji="0" lang="en-US" altLang="en-US" sz="1400" b="0" i="0" u="none" strike="noStrike" cap="none" normalizeH="0" baseline="0" dirty="0">
+                <a:ln>
+                  <a:noFill/>
+                </a:ln>
+                <a:solidFill>
+                  <a:srgbClr val="666600"/>
+                </a:solidFill>
+                <a:effectLst/>
+                <a:latin typeface="Courier New" panose="02070309020205020404" pitchFamily="49" charset="0"/>
+              </a:rPr>
+              <a:t>]</a:t>
+            </a:r>
+            <a:r>
+              <a:rPr kumimoji="0" lang="en-US" altLang="en-US" sz="1400" b="0" i="0" u="none" strike="noStrike" cap="none" normalizeH="0" baseline="0" dirty="0">
+                <a:ln>
+                  <a:noFill/>
+                </a:ln>
+                <a:solidFill>
+                  <a:srgbClr val="000000"/>
+                </a:solidFill>
+                <a:effectLst/>
+                <a:latin typeface="Courier New" panose="02070309020205020404" pitchFamily="49" charset="0"/>
+              </a:rPr>
+              <a:t> </a:t>
+            </a:r>
+          </a:p>
+          <a:p>
+            <a:pPr marL="0" indent="0">
+              <a:buNone/>
+            </a:pPr>
+            <a:r>
+              <a:rPr kumimoji="0" lang="en-US" altLang="en-US" sz="1400" b="0" i="0" u="none" strike="noStrike" cap="none" normalizeH="0" baseline="0" dirty="0">
+                <a:ln>
+                  <a:noFill/>
+                </a:ln>
+                <a:solidFill>
+                  <a:srgbClr val="880000"/>
+                </a:solidFill>
+                <a:effectLst/>
+                <a:latin typeface="Courier New" panose="02070309020205020404" pitchFamily="49" charset="0"/>
+              </a:rPr>
+              <a:t>## x is a list here</a:t>
+            </a:r>
+            <a:r>
+              <a:rPr kumimoji="0" lang="en-US" altLang="en-US" sz="1400" b="0" i="0" u="none" strike="noStrike" cap="none" normalizeH="0" baseline="0" dirty="0">
+                <a:ln>
+                  <a:noFill/>
+                </a:ln>
+                <a:solidFill>
+                  <a:srgbClr val="000000"/>
+                </a:solidFill>
+                <a:effectLst/>
+                <a:latin typeface="Courier New" panose="02070309020205020404" pitchFamily="49" charset="0"/>
+              </a:rPr>
+              <a:t> </a:t>
+            </a:r>
+          </a:p>
+          <a:p>
+            <a:pPr marL="0" indent="0">
+              <a:buNone/>
+            </a:pPr>
+            <a:r>
+              <a:rPr kumimoji="0" lang="en-US" altLang="en-US" sz="1400" b="0" i="0" u="none" strike="noStrike" cap="none" normalizeH="0" baseline="0" dirty="0">
+                <a:ln>
+                  <a:noFill/>
+                </a:ln>
+                <a:solidFill>
+                  <a:srgbClr val="000088"/>
+                </a:solidFill>
+                <a:effectLst/>
+                <a:latin typeface="Courier New" panose="02070309020205020404" pitchFamily="49" charset="0"/>
+              </a:rPr>
+              <a:t>print</a:t>
+            </a:r>
+            <a:r>
+              <a:rPr kumimoji="0" lang="en-US" altLang="en-US" sz="1400" b="0" i="0" u="none" strike="noStrike" cap="none" normalizeH="0" baseline="0" dirty="0">
+                <a:ln>
+                  <a:noFill/>
+                </a:ln>
+                <a:solidFill>
+                  <a:srgbClr val="666600"/>
+                </a:solidFill>
+                <a:effectLst/>
+                <a:latin typeface="Courier New" panose="02070309020205020404" pitchFamily="49" charset="0"/>
+              </a:rPr>
+              <a:t>(</a:t>
+            </a:r>
+            <a:r>
+              <a:rPr kumimoji="0" lang="en-US" altLang="en-US" sz="1400" b="0" i="0" u="none" strike="noStrike" cap="none" normalizeH="0" baseline="0" dirty="0">
+                <a:ln>
+                  <a:noFill/>
+                </a:ln>
+                <a:solidFill>
+                  <a:srgbClr val="000000"/>
+                </a:solidFill>
+                <a:effectLst/>
+                <a:latin typeface="Courier New" panose="02070309020205020404" pitchFamily="49" charset="0"/>
+              </a:rPr>
+              <a:t>type</a:t>
+            </a:r>
+            <a:r>
+              <a:rPr kumimoji="0" lang="en-US" altLang="en-US" sz="1400" b="0" i="0" u="none" strike="noStrike" cap="none" normalizeH="0" baseline="0" dirty="0">
+                <a:ln>
+                  <a:noFill/>
+                </a:ln>
+                <a:solidFill>
+                  <a:srgbClr val="666600"/>
+                </a:solidFill>
+                <a:effectLst/>
+                <a:latin typeface="Courier New" panose="02070309020205020404" pitchFamily="49" charset="0"/>
+              </a:rPr>
+              <a:t>(</a:t>
+            </a:r>
+            <a:r>
+              <a:rPr kumimoji="0" lang="en-US" altLang="en-US" sz="1400" b="0" i="0" u="none" strike="noStrike" cap="none" normalizeH="0" baseline="0" dirty="0">
+                <a:ln>
+                  <a:noFill/>
+                </a:ln>
+                <a:solidFill>
+                  <a:srgbClr val="000000"/>
+                </a:solidFill>
+                <a:effectLst/>
+                <a:latin typeface="Courier New" panose="02070309020205020404" pitchFamily="49" charset="0"/>
+              </a:rPr>
+              <a:t>x</a:t>
+            </a:r>
+            <a:r>
+              <a:rPr kumimoji="0" lang="en-US" altLang="en-US" sz="1400" b="0" i="0" u="none" strike="noStrike" cap="none" normalizeH="0" baseline="0" dirty="0">
+                <a:ln>
+                  <a:noFill/>
+                </a:ln>
+                <a:solidFill>
+                  <a:srgbClr val="666600"/>
+                </a:solidFill>
+                <a:effectLst/>
+                <a:latin typeface="Courier New" panose="02070309020205020404" pitchFamily="49" charset="0"/>
+              </a:rPr>
+              <a:t>))</a:t>
+            </a:r>
+            <a:r>
+              <a:rPr kumimoji="0" lang="en-US" altLang="en-US" sz="1400" b="0" i="0" u="none" strike="noStrike" cap="none" normalizeH="0" baseline="0" dirty="0">
+                <a:ln>
+                  <a:noFill/>
+                </a:ln>
+                <a:solidFill>
+                  <a:srgbClr val="000000"/>
+                </a:solidFill>
+                <a:effectLst/>
+                <a:latin typeface="Courier New" panose="02070309020205020404" pitchFamily="49" charset="0"/>
+              </a:rPr>
+              <a:t> </a:t>
+            </a:r>
+          </a:p>
+          <a:p>
+            <a:pPr marL="0" indent="0">
+              <a:buNone/>
+            </a:pPr>
+            <a:r>
+              <a:rPr kumimoji="0" lang="en-US" altLang="en-US" sz="1400" b="0" i="0" u="none" strike="noStrike" cap="none" normalizeH="0" baseline="0" dirty="0">
+                <a:ln>
+                  <a:noFill/>
+                </a:ln>
+                <a:solidFill>
+                  <a:srgbClr val="880000"/>
+                </a:solidFill>
+                <a:effectLst/>
+                <a:latin typeface="Courier New" panose="02070309020205020404" pitchFamily="49" charset="0"/>
+              </a:rPr>
+              <a:t>## reassigning a value to the 'x’</a:t>
+            </a:r>
+            <a:r>
+              <a:rPr kumimoji="0" lang="en-US" altLang="en-US" sz="1400" b="0" i="0" u="none" strike="noStrike" cap="none" normalizeH="0" baseline="0" dirty="0">
+                <a:ln>
+                  <a:noFill/>
+                </a:ln>
+                <a:solidFill>
+                  <a:srgbClr val="000000"/>
+                </a:solidFill>
+                <a:effectLst/>
+                <a:latin typeface="Courier New" panose="02070309020205020404" pitchFamily="49" charset="0"/>
+              </a:rPr>
+              <a:t> </a:t>
+            </a:r>
+          </a:p>
+          <a:p>
+            <a:pPr marL="0" indent="0">
+              <a:buNone/>
+            </a:pPr>
+            <a:r>
+              <a:rPr kumimoji="0" lang="en-US" altLang="en-US" sz="1400" b="0" i="0" u="none" strike="noStrike" cap="none" normalizeH="0" baseline="0" dirty="0">
+                <a:ln>
+                  <a:noFill/>
+                </a:ln>
+                <a:solidFill>
+                  <a:srgbClr val="000000"/>
+                </a:solidFill>
+                <a:effectLst/>
+                <a:latin typeface="Courier New" panose="02070309020205020404" pitchFamily="49" charset="0"/>
+              </a:rPr>
+              <a:t>x </a:t>
+            </a:r>
+            <a:r>
+              <a:rPr kumimoji="0" lang="en-US" altLang="en-US" sz="1400" b="0" i="0" u="none" strike="noStrike" cap="none" normalizeH="0" baseline="0" dirty="0">
+                <a:ln>
+                  <a:noFill/>
+                </a:ln>
+                <a:solidFill>
+                  <a:srgbClr val="666600"/>
+                </a:solidFill>
+                <a:effectLst/>
+                <a:latin typeface="Courier New" panose="02070309020205020404" pitchFamily="49" charset="0"/>
+              </a:rPr>
+              <a:t>=</a:t>
+            </a:r>
+            <a:r>
+              <a:rPr kumimoji="0" lang="en-US" altLang="en-US" sz="1400" b="0" i="0" u="none" strike="noStrike" cap="none" normalizeH="0" baseline="0" dirty="0">
+                <a:ln>
+                  <a:noFill/>
+                </a:ln>
+                <a:solidFill>
+                  <a:srgbClr val="000000"/>
+                </a:solidFill>
+                <a:effectLst/>
+                <a:latin typeface="Courier New" panose="02070309020205020404" pitchFamily="49" charset="0"/>
+              </a:rPr>
+              <a:t> </a:t>
+            </a:r>
+            <a:r>
+              <a:rPr kumimoji="0" lang="en-US" altLang="en-US" sz="1400" b="0" i="0" u="none" strike="noStrike" cap="none" normalizeH="0" baseline="0" dirty="0">
+                <a:ln>
+                  <a:noFill/>
+                </a:ln>
+                <a:solidFill>
+                  <a:srgbClr val="000088"/>
+                </a:solidFill>
+                <a:effectLst/>
+                <a:latin typeface="Courier New" panose="02070309020205020404" pitchFamily="49" charset="0"/>
+              </a:rPr>
+              <a:t>True</a:t>
+            </a:r>
+            <a:r>
+              <a:rPr kumimoji="0" lang="en-US" altLang="en-US" sz="1400" b="0" i="0" u="none" strike="noStrike" cap="none" normalizeH="0" baseline="0" dirty="0">
+                <a:ln>
+                  <a:noFill/>
+                </a:ln>
+                <a:solidFill>
+                  <a:srgbClr val="000000"/>
+                </a:solidFill>
+                <a:effectLst/>
+                <a:latin typeface="Courier New" panose="02070309020205020404" pitchFamily="49" charset="0"/>
+              </a:rPr>
+              <a:t> </a:t>
+            </a:r>
+          </a:p>
+          <a:p>
+            <a:pPr marL="0" indent="0">
+              <a:buNone/>
+            </a:pPr>
+            <a:r>
+              <a:rPr kumimoji="0" lang="en-US" altLang="en-US" sz="1400" b="0" i="0" u="none" strike="noStrike" cap="none" normalizeH="0" baseline="0" dirty="0">
+                <a:ln>
+                  <a:noFill/>
+                </a:ln>
+                <a:solidFill>
+                  <a:srgbClr val="880000"/>
+                </a:solidFill>
+                <a:effectLst/>
+                <a:latin typeface="Courier New" panose="02070309020205020404" pitchFamily="49" charset="0"/>
+              </a:rPr>
+              <a:t>## x is a bool here</a:t>
+            </a:r>
+            <a:r>
+              <a:rPr kumimoji="0" lang="en-US" altLang="en-US" sz="1400" b="0" i="0" u="none" strike="noStrike" cap="none" normalizeH="0" baseline="0" dirty="0">
+                <a:ln>
+                  <a:noFill/>
+                </a:ln>
+                <a:solidFill>
+                  <a:srgbClr val="000000"/>
+                </a:solidFill>
+                <a:effectLst/>
+                <a:latin typeface="Courier New" panose="02070309020205020404" pitchFamily="49" charset="0"/>
+              </a:rPr>
+              <a:t> </a:t>
+            </a:r>
+          </a:p>
+          <a:p>
+            <a:pPr marL="0" indent="0">
+              <a:buNone/>
+            </a:pPr>
+            <a:r>
+              <a:rPr kumimoji="0" lang="en-US" altLang="en-US" sz="1400" b="0" i="0" u="none" strike="noStrike" cap="none" normalizeH="0" baseline="0" dirty="0">
+                <a:ln>
+                  <a:noFill/>
+                </a:ln>
+                <a:solidFill>
+                  <a:srgbClr val="000088"/>
+                </a:solidFill>
+                <a:effectLst/>
+                <a:latin typeface="Courier New" panose="02070309020205020404" pitchFamily="49" charset="0"/>
+              </a:rPr>
+              <a:t>print</a:t>
+            </a:r>
+            <a:r>
+              <a:rPr kumimoji="0" lang="en-US" altLang="en-US" sz="1400" b="0" i="0" u="none" strike="noStrike" cap="none" normalizeH="0" baseline="0" dirty="0">
+                <a:ln>
+                  <a:noFill/>
+                </a:ln>
+                <a:solidFill>
+                  <a:srgbClr val="666600"/>
+                </a:solidFill>
+                <a:effectLst/>
+                <a:latin typeface="Courier New" panose="02070309020205020404" pitchFamily="49" charset="0"/>
+              </a:rPr>
+              <a:t>(</a:t>
+            </a:r>
+            <a:r>
+              <a:rPr kumimoji="0" lang="en-US" altLang="en-US" sz="1400" b="0" i="0" u="none" strike="noStrike" cap="none" normalizeH="0" baseline="0" dirty="0">
+                <a:ln>
+                  <a:noFill/>
+                </a:ln>
+                <a:solidFill>
+                  <a:srgbClr val="000000"/>
+                </a:solidFill>
+                <a:effectLst/>
+                <a:latin typeface="Courier New" panose="02070309020205020404" pitchFamily="49" charset="0"/>
+              </a:rPr>
+              <a:t>type</a:t>
+            </a:r>
+            <a:r>
+              <a:rPr kumimoji="0" lang="en-US" altLang="en-US" sz="1400" b="0" i="0" u="none" strike="noStrike" cap="none" normalizeH="0" baseline="0" dirty="0">
+                <a:ln>
+                  <a:noFill/>
+                </a:ln>
+                <a:solidFill>
+                  <a:srgbClr val="666600"/>
+                </a:solidFill>
+                <a:effectLst/>
+                <a:latin typeface="Courier New" panose="02070309020205020404" pitchFamily="49" charset="0"/>
+              </a:rPr>
+              <a:t>(</a:t>
+            </a:r>
+            <a:r>
+              <a:rPr kumimoji="0" lang="en-US" altLang="en-US" sz="1400" b="0" i="0" u="none" strike="noStrike" cap="none" normalizeH="0" baseline="0" dirty="0">
+                <a:ln>
+                  <a:noFill/>
+                </a:ln>
+                <a:solidFill>
+                  <a:srgbClr val="000000"/>
+                </a:solidFill>
+                <a:effectLst/>
+                <a:latin typeface="Courier New" panose="02070309020205020404" pitchFamily="49" charset="0"/>
+              </a:rPr>
+              <a:t>x</a:t>
+            </a:r>
+            <a:r>
+              <a:rPr kumimoji="0" lang="en-US" altLang="en-US" sz="1400" b="0" i="0" u="none" strike="noStrike" cap="none" normalizeH="0" baseline="0" dirty="0">
+                <a:ln>
+                  <a:noFill/>
+                </a:ln>
+                <a:solidFill>
+                  <a:srgbClr val="666600"/>
+                </a:solidFill>
+                <a:effectLst/>
+                <a:latin typeface="Courier New" panose="02070309020205020404" pitchFamily="49" charset="0"/>
+              </a:rPr>
+              <a:t>))</a:t>
+            </a:r>
+            <a:endParaRPr lang="en-IN" sz="1300" dirty="0">
               <a:latin typeface="Open Sans" panose="020B0606030504020204" pitchFamily="34" charset="0"/>
             </a:endParaRPr>
           </a:p>
@@ -9641,52 +10205,6 @@
             <a:pPr marL="0" indent="0">
               <a:buNone/>
             </a:pPr>
-            <a:r>
-              <a:rPr lang="en-IN" sz="1300" i="0" dirty="0">
-                <a:effectLst/>
-                <a:latin typeface="Open Sans" panose="020B0606030504020204" pitchFamily="34" charset="0"/>
-              </a:rPr>
-              <a:t>Type-checking can be done at two stages –</a:t>
-            </a:r>
-          </a:p>
-          <a:p>
-            <a:r>
-              <a:rPr lang="en-IN" sz="1300" i="0" dirty="0">
-                <a:effectLst/>
-                <a:latin typeface="Open Sans" panose="020B0606030504020204" pitchFamily="34" charset="0"/>
-              </a:rPr>
-              <a:t>Static - Data Types are checked before execution.</a:t>
-            </a:r>
-          </a:p>
-          <a:p>
-            <a:r>
-              <a:rPr lang="en-IN" sz="1300" i="0" dirty="0">
-                <a:effectLst/>
-                <a:latin typeface="Open Sans" panose="020B0606030504020204" pitchFamily="34" charset="0"/>
-              </a:rPr>
-              <a:t>Dynamic - Data Types are checked during execution.</a:t>
-            </a:r>
-          </a:p>
-          <a:p>
-            <a:pPr marL="0" indent="0">
-              <a:buNone/>
-            </a:pPr>
-            <a:endParaRPr lang="en-IN" sz="1300" i="0" dirty="0">
-              <a:effectLst/>
-              <a:latin typeface="Open Sans" panose="020B0606030504020204" pitchFamily="34" charset="0"/>
-            </a:endParaRPr>
-          </a:p>
-          <a:p>
-            <a:pPr marL="0" indent="0">
-              <a:buNone/>
-            </a:pPr>
-            <a:r>
-              <a:rPr lang="en-IN" sz="1300" i="0" dirty="0">
-                <a:effectLst/>
-                <a:latin typeface="Open Sans" panose="020B0606030504020204" pitchFamily="34" charset="0"/>
-              </a:rPr>
-              <a:t>Python is an interpreted language, executes each statement line by line and thus type-checking is done on the fly, during execution. Hence, Python is a Dynamically Typed Language.</a:t>
-            </a:r>
             <a:endParaRPr lang="en-IN" sz="1300" dirty="0"/>
           </a:p>
         </p:txBody>

--- a/ppt/Python.pptx
+++ b/ppt/Python.pptx
@@ -129,7 +129,7 @@
 <file path=ppt/revisionInfo.xml><?xml version="1.0" encoding="utf-8"?>
 <p1510:revInfo xmlns:a="http://schemas.openxmlformats.org/drawingml/2006/main" xmlns:r="http://schemas.openxmlformats.org/officeDocument/2006/relationships" xmlns:p1510="http://schemas.microsoft.com/office/powerpoint/2015/10/main">
   <p1510:revLst>
-    <p1510:client id="{AFF709BC-A069-468E-932E-A068D4774BDC}" v="40" dt="2022-03-26T03:55:43.188"/>
+    <p1510:client id="{AFF709BC-A069-468E-932E-A068D4774BDC}" v="41" dt="2022-03-28T05:21:52.686"/>
   </p1510:revLst>
 </p1510:revInfo>
 </file>
@@ -541,10 +541,25 @@
   <pc:docChgLst>
     <pc:chgData name="Sarit Maitra" userId="a56b08fc-95a7-4743-8351-af833f41f5d9" providerId="ADAL" clId="{AFF709BC-A069-468E-932E-A068D4774BDC}"/>
     <pc:docChg chg="undo redo custSel addSld delSld modSld">
-      <pc:chgData name="Sarit Maitra" userId="a56b08fc-95a7-4743-8351-af833f41f5d9" providerId="ADAL" clId="{AFF709BC-A069-468E-932E-A068D4774BDC}" dt="2022-03-26T03:56:35.406" v="541" actId="27636"/>
+      <pc:chgData name="Sarit Maitra" userId="a56b08fc-95a7-4743-8351-af833f41f5d9" providerId="ADAL" clId="{AFF709BC-A069-468E-932E-A068D4774BDC}" dt="2022-03-28T05:22:07.425" v="653" actId="20577"/>
       <pc:docMkLst>
         <pc:docMk/>
       </pc:docMkLst>
+      <pc:sldChg chg="modSp mod">
+        <pc:chgData name="Sarit Maitra" userId="a56b08fc-95a7-4743-8351-af833f41f5d9" providerId="ADAL" clId="{AFF709BC-A069-468E-932E-A068D4774BDC}" dt="2022-03-28T05:22:07.425" v="653" actId="20577"/>
+        <pc:sldMkLst>
+          <pc:docMk/>
+          <pc:sldMk cId="2339527192" sldId="257"/>
+        </pc:sldMkLst>
+        <pc:spChg chg="mod">
+          <ac:chgData name="Sarit Maitra" userId="a56b08fc-95a7-4743-8351-af833f41f5d9" providerId="ADAL" clId="{AFF709BC-A069-468E-932E-A068D4774BDC}" dt="2022-03-28T05:22:07.425" v="653" actId="20577"/>
+          <ac:spMkLst>
+            <pc:docMk/>
+            <pc:sldMk cId="2339527192" sldId="257"/>
+            <ac:spMk id="3" creationId="{763D88F7-014E-43B6-A3A8-5EDD0F989D06}"/>
+          </ac:spMkLst>
+        </pc:spChg>
+      </pc:sldChg>
       <pc:sldChg chg="modSp mod">
         <pc:chgData name="Sarit Maitra" userId="a56b08fc-95a7-4743-8351-af833f41f5d9" providerId="ADAL" clId="{AFF709BC-A069-468E-932E-A068D4774BDC}" dt="2022-03-26T03:44:11.946" v="440" actId="27636"/>
         <pc:sldMkLst>
@@ -1249,7 +1264,7 @@
           <a:p>
             <a:fld id="{364A889D-EBEA-4806-B802-30F96957B143}" type="datetimeFigureOut">
               <a:rPr lang="en-IN" smtClean="0"/>
-              <a:t>26-03-2022</a:t>
+              <a:t>28-03-2022</a:t>
             </a:fld>
             <a:endParaRPr lang="en-IN"/>
           </a:p>
@@ -1449,7 +1464,7 @@
           <a:p>
             <a:fld id="{364A889D-EBEA-4806-B802-30F96957B143}" type="datetimeFigureOut">
               <a:rPr lang="en-IN" smtClean="0"/>
-              <a:t>26-03-2022</a:t>
+              <a:t>28-03-2022</a:t>
             </a:fld>
             <a:endParaRPr lang="en-IN"/>
           </a:p>
@@ -1659,7 +1674,7 @@
           <a:p>
             <a:fld id="{364A889D-EBEA-4806-B802-30F96957B143}" type="datetimeFigureOut">
               <a:rPr lang="en-IN" smtClean="0"/>
-              <a:t>26-03-2022</a:t>
+              <a:t>28-03-2022</a:t>
             </a:fld>
             <a:endParaRPr lang="en-IN"/>
           </a:p>
@@ -1859,7 +1874,7 @@
           <a:p>
             <a:fld id="{364A889D-EBEA-4806-B802-30F96957B143}" type="datetimeFigureOut">
               <a:rPr lang="en-IN" smtClean="0"/>
-              <a:t>26-03-2022</a:t>
+              <a:t>28-03-2022</a:t>
             </a:fld>
             <a:endParaRPr lang="en-IN"/>
           </a:p>
@@ -2135,7 +2150,7 @@
           <a:p>
             <a:fld id="{364A889D-EBEA-4806-B802-30F96957B143}" type="datetimeFigureOut">
               <a:rPr lang="en-IN" smtClean="0"/>
-              <a:t>26-03-2022</a:t>
+              <a:t>28-03-2022</a:t>
             </a:fld>
             <a:endParaRPr lang="en-IN"/>
           </a:p>
@@ -2403,7 +2418,7 @@
           <a:p>
             <a:fld id="{364A889D-EBEA-4806-B802-30F96957B143}" type="datetimeFigureOut">
               <a:rPr lang="en-IN" smtClean="0"/>
-              <a:t>26-03-2022</a:t>
+              <a:t>28-03-2022</a:t>
             </a:fld>
             <a:endParaRPr lang="en-IN"/>
           </a:p>
@@ -2818,7 +2833,7 @@
           <a:p>
             <a:fld id="{364A889D-EBEA-4806-B802-30F96957B143}" type="datetimeFigureOut">
               <a:rPr lang="en-IN" smtClean="0"/>
-              <a:t>26-03-2022</a:t>
+              <a:t>28-03-2022</a:t>
             </a:fld>
             <a:endParaRPr lang="en-IN"/>
           </a:p>
@@ -2960,7 +2975,7 @@
           <a:p>
             <a:fld id="{364A889D-EBEA-4806-B802-30F96957B143}" type="datetimeFigureOut">
               <a:rPr lang="en-IN" smtClean="0"/>
-              <a:t>26-03-2022</a:t>
+              <a:t>28-03-2022</a:t>
             </a:fld>
             <a:endParaRPr lang="en-IN"/>
           </a:p>
@@ -3073,7 +3088,7 @@
           <a:p>
             <a:fld id="{364A889D-EBEA-4806-B802-30F96957B143}" type="datetimeFigureOut">
               <a:rPr lang="en-IN" smtClean="0"/>
-              <a:t>26-03-2022</a:t>
+              <a:t>28-03-2022</a:t>
             </a:fld>
             <a:endParaRPr lang="en-IN"/>
           </a:p>
@@ -3386,7 +3401,7 @@
           <a:p>
             <a:fld id="{364A889D-EBEA-4806-B802-30F96957B143}" type="datetimeFigureOut">
               <a:rPr lang="en-IN" smtClean="0"/>
-              <a:t>26-03-2022</a:t>
+              <a:t>28-03-2022</a:t>
             </a:fld>
             <a:endParaRPr lang="en-IN"/>
           </a:p>
@@ -3675,7 +3690,7 @@
           <a:p>
             <a:fld id="{364A889D-EBEA-4806-B802-30F96957B143}" type="datetimeFigureOut">
               <a:rPr lang="en-IN" smtClean="0"/>
-              <a:t>26-03-2022</a:t>
+              <a:t>28-03-2022</a:t>
             </a:fld>
             <a:endParaRPr lang="en-IN"/>
           </a:p>
@@ -3918,7 +3933,7 @@
           <a:p>
             <a:fld id="{364A889D-EBEA-4806-B802-30F96957B143}" type="datetimeFigureOut">
               <a:rPr lang="en-IN" smtClean="0"/>
-              <a:t>26-03-2022</a:t>
+              <a:t>28-03-2022</a:t>
             </a:fld>
             <a:endParaRPr lang="en-IN"/>
           </a:p>
@@ -7024,172 +7039,190 @@
         </p:nvSpPr>
         <p:spPr>
           <a:xfrm>
-            <a:off x="1136429" y="2278173"/>
-            <a:ext cx="6467867" cy="3450613"/>
+            <a:off x="1136429" y="1842869"/>
+            <a:ext cx="6467867" cy="3885918"/>
           </a:xfrm>
         </p:spPr>
         <p:txBody>
           <a:bodyPr anchor="ctr">
-            <a:normAutofit fontScale="55000" lnSpcReduction="20000"/>
+            <a:normAutofit fontScale="40000" lnSpcReduction="20000"/>
           </a:bodyPr>
           <a:lstStyle/>
           <a:p>
-            <a:pPr marL="0" indent="0" algn="l">
-              <a:buNone/>
-            </a:pPr>
+            <a:r>
+              <a:rPr lang="en-IN" i="0" dirty="0">
+                <a:effectLst/>
+                <a:latin typeface="Open Sans" panose="020B0606030504020204" pitchFamily="34" charset="0"/>
+              </a:rPr>
+              <a:t>Emphasis on code readability, shorter codes, ease of writing</a:t>
+            </a:r>
+          </a:p>
+          <a:p>
+            <a:r>
+              <a:rPr lang="en-IN" i="0" dirty="0">
+                <a:effectLst/>
+                <a:latin typeface="Open Sans" panose="020B0606030504020204" pitchFamily="34" charset="0"/>
+              </a:rPr>
+              <a:t>Programmers can express logical concepts in fewer lines of code in comparison to languages such as C++ or Java.</a:t>
+            </a:r>
+          </a:p>
+          <a:p>
+            <a:r>
+              <a:rPr lang="en-IN" i="0" dirty="0">
+                <a:effectLst/>
+                <a:latin typeface="Open Sans" panose="020B0606030504020204" pitchFamily="34" charset="0"/>
+              </a:rPr>
+              <a:t>Python supports multiple programming concepts (object-oriented, imperative and functional programming).</a:t>
+            </a:r>
+          </a:p>
+          <a:p>
             <a:r>
               <a:rPr lang="en-IN" b="1" i="0" dirty="0">
                 <a:effectLst/>
                 <a:latin typeface="Open Sans" panose="020B0606030504020204" pitchFamily="34" charset="0"/>
               </a:rPr>
-              <a:t>Clear syntax</a:t>
-            </a:r>
-            <a:endParaRPr lang="en-IN" b="0" i="0" dirty="0">
-              <a:effectLst/>
+              <a:t>Simple</a:t>
+            </a:r>
+          </a:p>
+          <a:p>
+            <a:pPr lvl="1"/>
+            <a:r>
+              <a:rPr lang="en-IN" i="0" dirty="0">
+                <a:effectLst/>
+                <a:latin typeface="Open Sans" panose="020B0606030504020204" pitchFamily="34" charset="0"/>
+              </a:rPr>
+              <a:t>Closer to English language;</a:t>
+            </a:r>
+          </a:p>
+          <a:p>
+            <a:pPr lvl="1"/>
+            <a:r>
+              <a:rPr lang="en-IN" i="0" dirty="0">
+                <a:effectLst/>
+                <a:latin typeface="Open Sans" panose="020B0606030504020204" pitchFamily="34" charset="0"/>
+              </a:rPr>
+              <a:t>Easy to Learn</a:t>
+            </a:r>
+          </a:p>
+          <a:p>
+            <a:pPr lvl="1"/>
+            <a:r>
+              <a:rPr lang="en-IN" i="0" dirty="0">
+                <a:effectLst/>
+                <a:latin typeface="Open Sans" panose="020B0606030504020204" pitchFamily="34" charset="0"/>
+              </a:rPr>
+              <a:t>More emphasis on the solution to the problem rather than the syntax</a:t>
+            </a:r>
+          </a:p>
+          <a:p>
+            <a:r>
+              <a:rPr lang="en-IN" sz="2900" b="1" dirty="0">
+                <a:latin typeface="Open Sans" panose="020B0606030504020204" pitchFamily="34" charset="0"/>
+              </a:rPr>
+              <a:t>Interpreted</a:t>
+            </a:r>
+          </a:p>
+          <a:p>
+            <a:pPr marL="685800" lvl="2">
+              <a:spcBef>
+                <a:spcPts val="1000"/>
+              </a:spcBef>
+            </a:pPr>
+            <a:r>
+              <a:rPr lang="en-IN" sz="2500" dirty="0">
+                <a:latin typeface="Open Sans" panose="020B0606030504020204" pitchFamily="34" charset="0"/>
+              </a:rPr>
+              <a:t>There are no separate compilation and execution steps like C and C++.</a:t>
+            </a:r>
+          </a:p>
+          <a:p>
+            <a:pPr marL="685800" lvl="2">
+              <a:spcBef>
+                <a:spcPts val="1000"/>
+              </a:spcBef>
+            </a:pPr>
+            <a:r>
+              <a:rPr lang="en-IN" sz="2500" dirty="0">
+                <a:latin typeface="Open Sans" panose="020B0606030504020204" pitchFamily="34" charset="0"/>
+              </a:rPr>
+              <a:t>Directly run the program from the source code.</a:t>
+            </a:r>
+          </a:p>
+          <a:p>
+            <a:pPr marL="685800" lvl="2">
+              <a:spcBef>
+                <a:spcPts val="1000"/>
+              </a:spcBef>
+            </a:pPr>
+            <a:r>
+              <a:rPr lang="en-IN" sz="2500" dirty="0">
+                <a:latin typeface="Open Sans" panose="020B0606030504020204" pitchFamily="34" charset="0"/>
+              </a:rPr>
+              <a:t>Internally, Python converts the source code into an intermediate form called bytecodes which is then translated into native language of specific computer to run it.</a:t>
+            </a:r>
+          </a:p>
+          <a:p>
+            <a:pPr marL="182563" lvl="2" indent="-182563">
+              <a:spcBef>
+                <a:spcPts val="1000"/>
+              </a:spcBef>
+            </a:pPr>
+            <a:r>
+              <a:rPr lang="en-IN" sz="2500" b="1" dirty="0">
+                <a:latin typeface="Open Sans" panose="020B0606030504020204" pitchFamily="34" charset="0"/>
+              </a:rPr>
+              <a:t>Rich Library Support</a:t>
+            </a:r>
+          </a:p>
+          <a:p>
+            <a:pPr marL="182563" lvl="2" indent="-182563">
+              <a:spcBef>
+                <a:spcPts val="1000"/>
+              </a:spcBef>
+            </a:pPr>
+            <a:endParaRPr lang="en-IN" sz="2500" b="1" dirty="0">
               <a:latin typeface="Open Sans" panose="020B0606030504020204" pitchFamily="34" charset="0"/>
             </a:endParaRPr>
           </a:p>
           <a:p>
-            <a:pPr marL="742950" lvl="1" indent="-285750" algn="l">
-              <a:buFont typeface="Arial" panose="020B0604020202020204" pitchFamily="34" charset="0"/>
-              <a:buChar char="•"/>
+            <a:pPr marL="0" lvl="2" indent="0" algn="ctr">
+              <a:spcBef>
+                <a:spcPts val="1000"/>
+              </a:spcBef>
+              <a:buNone/>
             </a:pPr>
-            <a:r>
-              <a:rPr lang="en-IN" b="0" i="0" dirty="0">
-                <a:effectLst/>
-                <a:latin typeface="Open Sans" panose="020B0606030504020204" pitchFamily="34" charset="0"/>
-              </a:rPr>
-              <a:t>Python has a clear and clean syntax which is easily readable. It allows even beginners to work with complex software development projects as the team can coordinate easily on the coding front.</a:t>
-            </a:r>
-          </a:p>
-          <a:p>
-            <a:pPr marL="742950" lvl="1" indent="-285750" algn="l">
-              <a:buFont typeface="Arial" panose="020B0604020202020204" pitchFamily="34" charset="0"/>
-              <a:buChar char="•"/>
+            <a:endParaRPr lang="en-IN" sz="2500" b="1" dirty="0">
+              <a:latin typeface="Open Sans" panose="020B0606030504020204" pitchFamily="34" charset="0"/>
+              <a:hlinkClick r:id="rId2"/>
+            </a:endParaRPr>
+          </a:p>
+          <a:p>
+            <a:pPr marL="0" lvl="2" indent="0" algn="ctr">
+              <a:spcBef>
+                <a:spcPts val="1000"/>
+              </a:spcBef>
+              <a:buNone/>
             </a:pPr>
             <a:r>
-              <a:rPr lang="en-IN" b="0" i="0" dirty="0">
-                <a:effectLst/>
-                <a:latin typeface="Open Sans" panose="020B0606030504020204" pitchFamily="34" charset="0"/>
-              </a:rPr>
-              <a:t>The simple coding syntax facilitates test-driven development for all applications of Python.</a:t>
-            </a:r>
-          </a:p>
-          <a:p>
-            <a:pPr marL="0" indent="0" algn="l">
-              <a:buNone/>
-            </a:pPr>
-            <a:r>
-              <a:rPr lang="en-IN" b="1" i="0" dirty="0">
-                <a:effectLst/>
-                <a:latin typeface="Open Sans" panose="020B0606030504020204" pitchFamily="34" charset="0"/>
-              </a:rPr>
-              <a:t>Scalable</a:t>
-            </a:r>
-            <a:endParaRPr lang="en-IN" b="0" i="0" dirty="0">
-              <a:effectLst/>
+              <a:rPr lang="en-IN" sz="2500" b="1" dirty="0">
+                <a:latin typeface="Open Sans" panose="020B0606030504020204" pitchFamily="34" charset="0"/>
+                <a:hlinkClick r:id="rId2"/>
+              </a:rPr>
+              <a:t>Study &amp; Practice Materials</a:t>
+            </a:r>
+            <a:endParaRPr lang="en-IN" sz="2500" b="1" dirty="0">
               <a:latin typeface="Open Sans" panose="020B0606030504020204" pitchFamily="34" charset="0"/>
             </a:endParaRPr>
           </a:p>
           <a:p>
-            <a:pPr marL="742950" lvl="1" indent="-285750" algn="l">
-              <a:buFont typeface="Arial" panose="020B0604020202020204" pitchFamily="34" charset="0"/>
-              <a:buChar char="•"/>
+            <a:pPr marL="685800" lvl="2">
+              <a:spcBef>
+                <a:spcPts val="1000"/>
+              </a:spcBef>
             </a:pPr>
-            <a:r>
-              <a:rPr lang="en-IN" b="0" i="0" dirty="0">
-                <a:effectLst/>
-                <a:latin typeface="Open Sans" panose="020B0606030504020204" pitchFamily="34" charset="0"/>
-              </a:rPr>
-              <a:t>Companies love Python for its scalability. Some of the companies implementing the </a:t>
-            </a:r>
-            <a:r>
-              <a:rPr lang="en-IN" b="0" i="0" u="none" strike="noStrike" dirty="0">
-                <a:effectLst/>
-                <a:latin typeface="Open Sans" panose="020B0606030504020204" pitchFamily="34" charset="0"/>
-              </a:rPr>
-              <a:t>uses of Python</a:t>
-            </a:r>
-            <a:r>
-              <a:rPr lang="en-IN" b="0" i="0" dirty="0">
-                <a:effectLst/>
-                <a:latin typeface="Open Sans" panose="020B0606030504020204" pitchFamily="34" charset="0"/>
-              </a:rPr>
-              <a:t> language include Google, Spotify, Netflix, Instagram, and many more that want scalable applications.</a:t>
-            </a:r>
-          </a:p>
-          <a:p>
-            <a:pPr marL="742950" lvl="1" indent="-285750" algn="l">
-              <a:buFont typeface="Arial" panose="020B0604020202020204" pitchFamily="34" charset="0"/>
-              <a:buChar char="•"/>
-            </a:pPr>
-            <a:r>
-              <a:rPr lang="en-IN" b="0" i="0" dirty="0">
-                <a:effectLst/>
-                <a:latin typeface="Open Sans" panose="020B0606030504020204" pitchFamily="34" charset="0"/>
-              </a:rPr>
-              <a:t>It allows handling a massive amount of traffic with ease.</a:t>
-            </a:r>
-          </a:p>
-          <a:p>
-            <a:pPr marL="0" indent="0" algn="l">
-              <a:buNone/>
-            </a:pPr>
-            <a:r>
-              <a:rPr lang="en-IN" b="1" i="0" dirty="0">
-                <a:effectLst/>
-                <a:latin typeface="Open Sans" panose="020B0606030504020204" pitchFamily="34" charset="0"/>
-              </a:rPr>
-              <a:t>Versatile</a:t>
-            </a:r>
-            <a:endParaRPr lang="en-IN" b="0" i="0" dirty="0">
-              <a:effectLst/>
+            <a:endParaRPr lang="en-IN" sz="2500" dirty="0">
               <a:latin typeface="Open Sans" panose="020B0606030504020204" pitchFamily="34" charset="0"/>
             </a:endParaRPr>
-          </a:p>
-          <a:p>
-            <a:pPr marL="742950" lvl="1" indent="-285750" algn="l">
-              <a:buFont typeface="Arial" panose="020B0604020202020204" pitchFamily="34" charset="0"/>
-              <a:buChar char="•"/>
-            </a:pPr>
-            <a:r>
-              <a:rPr lang="en-IN" b="0" i="0" dirty="0">
-                <a:effectLst/>
-                <a:latin typeface="Open Sans" panose="020B0606030504020204" pitchFamily="34" charset="0"/>
-              </a:rPr>
-              <a:t>Unlike most programming languages, the </a:t>
-            </a:r>
-            <a:r>
-              <a:rPr lang="en-IN" b="0" i="0" u="none" strike="noStrike" dirty="0">
-                <a:effectLst/>
-                <a:latin typeface="Open Sans" panose="020B0606030504020204" pitchFamily="34" charset="0"/>
-              </a:rPr>
-              <a:t>practical uses for Python</a:t>
-            </a:r>
-            <a:r>
-              <a:rPr lang="en-IN" b="0" i="0" dirty="0">
-                <a:effectLst/>
-                <a:latin typeface="Open Sans" panose="020B0606030504020204" pitchFamily="34" charset="0"/>
-              </a:rPr>
-              <a:t> are not limited to just web or mobile development.</a:t>
-            </a:r>
-          </a:p>
-          <a:p>
-            <a:pPr marL="742950" lvl="1" indent="-285750" algn="l">
-              <a:buFont typeface="Arial" panose="020B0604020202020204" pitchFamily="34" charset="0"/>
-              <a:buChar char="•"/>
-            </a:pPr>
-            <a:r>
-              <a:rPr lang="en-IN" b="0" i="0" dirty="0">
-                <a:effectLst/>
-                <a:latin typeface="Open Sans" panose="020B0606030504020204" pitchFamily="34" charset="0"/>
-              </a:rPr>
-              <a:t>It is a popular choice for building web apps, gaming applications, enterprise-grade apps, e-commerce applications, ML and AI applications, and much more.</a:t>
-            </a:r>
-            <a:r>
-              <a:rPr lang="en-IN" sz="2400" dirty="0"/>
-              <a:t>.</a:t>
-            </a:r>
           </a:p>
         </p:txBody>
       </p:sp>
@@ -7336,13 +7369,13 @@
           <p:nvPr/>
         </p:nvPicPr>
         <p:blipFill>
-          <a:blip r:embed="rId2">
+          <a:blip r:embed="rId3">
             <a:extLst>
               <a:ext uri="{28A0092B-C50C-407E-A947-70E740481C1C}">
                 <a14:useLocalDpi xmlns:a14="http://schemas.microsoft.com/office/drawing/2010/main" val="0"/>
               </a:ext>
               <a:ext uri="{96DAC541-7B7A-43D3-8B79-37D633B846F1}">
-                <asvg:svgBlip xmlns:asvg="http://schemas.microsoft.com/office/drawing/2016/SVG/main" r:embed="rId3"/>
+                <asvg:svgBlip xmlns:asvg="http://schemas.microsoft.com/office/drawing/2016/SVG/main" r:embed="rId4"/>
               </a:ext>
             </a:extLst>
           </a:blip>
